--- a/files/CS373/TechWritingSpeaking2.0.pptx
+++ b/files/CS373/TechWritingSpeaking2.0.pptx
@@ -4561,7 +4561,7 @@
             </a:pPr>
             <a:r>
               <a:rPr lang="en-US" sz="2000" b="1" dirty="0"/>
-              <a:t>Rule #6</a:t>
+              <a:t>Rule #7</a:t>
             </a:r>
             <a:r>
               <a:rPr lang="en-US" sz="2000" dirty="0"/>
@@ -4588,7 +4588,7 @@
             </a:pPr>
             <a:r>
               <a:rPr lang="en-US" sz="2000" b="1" dirty="0"/>
-              <a:t>Rule #7</a:t>
+              <a:t>Rule #8</a:t>
             </a:r>
             <a:r>
               <a:rPr lang="en-US" sz="2000" dirty="0"/>

--- a/files/CS373/TechWritingSpeaking2.0.pptx
+++ b/files/CS373/TechWritingSpeaking2.0.pptx
@@ -5,21 +5,24 @@
     <p:sldMasterId id="2147483648" r:id="rId1"/>
   </p:sldMasterIdLst>
   <p:notesMasterIdLst>
-    <p:notesMasterId r:id="rId11"/>
+    <p:notesMasterId r:id="rId14"/>
   </p:notesMasterIdLst>
   <p:handoutMasterIdLst>
-    <p:handoutMasterId r:id="rId12"/>
+    <p:handoutMasterId r:id="rId15"/>
   </p:handoutMasterIdLst>
   <p:sldIdLst>
     <p:sldId id="259" r:id="rId2"/>
     <p:sldId id="260" r:id="rId3"/>
-    <p:sldId id="261" r:id="rId4"/>
-    <p:sldId id="262" r:id="rId5"/>
-    <p:sldId id="264" r:id="rId6"/>
-    <p:sldId id="267" r:id="rId7"/>
-    <p:sldId id="268" r:id="rId8"/>
-    <p:sldId id="265" r:id="rId9"/>
-    <p:sldId id="266" r:id="rId10"/>
+    <p:sldId id="271" r:id="rId4"/>
+    <p:sldId id="269" r:id="rId5"/>
+    <p:sldId id="261" r:id="rId6"/>
+    <p:sldId id="270" r:id="rId7"/>
+    <p:sldId id="262" r:id="rId8"/>
+    <p:sldId id="264" r:id="rId9"/>
+    <p:sldId id="267" r:id="rId10"/>
+    <p:sldId id="268" r:id="rId11"/>
+    <p:sldId id="265" r:id="rId12"/>
+    <p:sldId id="266" r:id="rId13"/>
   </p:sldIdLst>
   <p:sldSz cx="9144000" cy="6858000" type="screen4x3"/>
   <p:notesSz cx="6985000" cy="9282113"/>
@@ -4044,7 +4047,7 @@
 </p:sld>
 </file>
 
-<file path=ppt/slides/slide2.xml><?xml version="1.0" encoding="utf-8"?>
+<file path=ppt/slides/slide10.xml><?xml version="1.0" encoding="utf-8"?>
 <p:sld xmlns:a="http://schemas.openxmlformats.org/drawingml/2006/main" xmlns:r="http://schemas.openxmlformats.org/officeDocument/2006/relationships" xmlns:p="http://schemas.openxmlformats.org/presentationml/2006/main">
   <p:cSld>
     <p:spTree>
@@ -4063,7 +4066,13 @@
       </p:grpSpPr>
       <p:sp>
         <p:nvSpPr>
-          <p:cNvPr id="2" name="Title 1"/>
+          <p:cNvPr id="2" name="Title 1">
+            <a:extLst>
+              <a:ext uri="{FF2B5EF4-FFF2-40B4-BE49-F238E27FC236}">
+                <a16:creationId xmlns:a16="http://schemas.microsoft.com/office/drawing/2014/main" id="{F83876AF-9CE5-6D4F-9E25-F8CEAE557E6E}"/>
+              </a:ext>
+            </a:extLst>
+          </p:cNvPr>
           <p:cNvSpPr>
             <a:spLocks noGrp="1"/>
           </p:cNvSpPr>
@@ -4078,19 +4087,54 @@
           <a:p>
             <a:r>
               <a:rPr lang="en-US" dirty="0"/>
-              <a:t>Labels and Citations</a:t>
-            </a:r>
-          </a:p>
-        </p:txBody>
-      </p:sp>
-      <p:sp>
-        <p:nvSpPr>
-          <p:cNvPr id="3" name="Content Placeholder 2"/>
-          <p:cNvSpPr>
-            <a:spLocks noGrp="1"/>
-          </p:cNvSpPr>
+              <a:t>Create Timelines</a:t>
+            </a:r>
+          </a:p>
+        </p:txBody>
+      </p:sp>
+      <p:pic>
+        <p:nvPicPr>
+          <p:cNvPr id="7" name="Content Placeholder 6" descr="A screenshot of a social media post&#10;&#10;Description automatically generated">
+            <a:extLst>
+              <a:ext uri="{FF2B5EF4-FFF2-40B4-BE49-F238E27FC236}">
+                <a16:creationId xmlns:a16="http://schemas.microsoft.com/office/drawing/2014/main" id="{E4DCBED4-716B-2D4D-82C3-8A3D58EC5A91}"/>
+              </a:ext>
+            </a:extLst>
+          </p:cNvPr>
+          <p:cNvPicPr>
+            <a:picLocks noGrp="1" noChangeAspect="1"/>
+          </p:cNvPicPr>
           <p:nvPr>
             <p:ph idx="1"/>
+          </p:nvPr>
+        </p:nvPicPr>
+        <p:blipFill>
+          <a:blip r:embed="rId2"/>
+          <a:stretch>
+            <a:fillRect/>
+          </a:stretch>
+        </p:blipFill>
+        <p:spPr>
+          <a:xfrm>
+            <a:off x="685800" y="2110764"/>
+            <a:ext cx="7772400" cy="3322271"/>
+          </a:xfrm>
+        </p:spPr>
+      </p:pic>
+      <p:sp>
+        <p:nvSpPr>
+          <p:cNvPr id="4" name="Footer Placeholder 3">
+            <a:extLst>
+              <a:ext uri="{FF2B5EF4-FFF2-40B4-BE49-F238E27FC236}">
+                <a16:creationId xmlns:a16="http://schemas.microsoft.com/office/drawing/2014/main" id="{710E06C2-44D0-0D4D-810D-34ACCD24B7A2}"/>
+              </a:ext>
+            </a:extLst>
+          </p:cNvPr>
+          <p:cNvSpPr>
+            <a:spLocks noGrp="1"/>
+          </p:cNvSpPr>
+          <p:nvPr>
+            <p:ph type="ftr" sz="quarter" idx="11"/>
           </p:nvPr>
         </p:nvSpPr>
         <p:spPr/>
@@ -4099,78 +4143,6 @@
           <a:lstStyle/>
           <a:p>
             <a:r>
-              <a:rPr lang="en-US" dirty="0"/>
-              <a:t>Labels:</a:t>
-            </a:r>
-          </a:p>
-          <a:p>
-            <a:pPr lvl="1"/>
-            <a:r>
-              <a:rPr lang="en-US" dirty="0"/>
-              <a:t>\label{</a:t>
-            </a:r>
-            <a:r>
-              <a:rPr lang="en-US" dirty="0" err="1"/>
-              <a:t>label_name</a:t>
-            </a:r>
-            <a:r>
-              <a:rPr lang="en-US" dirty="0"/>
-              <a:t>} and \ref{</a:t>
-            </a:r>
-            <a:r>
-              <a:rPr lang="en-US" dirty="0" err="1"/>
-              <a:t>label_name</a:t>
-            </a:r>
-            <a:r>
-              <a:rPr lang="en-US" dirty="0"/>
-              <a:t>}</a:t>
-            </a:r>
-          </a:p>
-          <a:p>
-            <a:r>
-              <a:rPr lang="en-US" dirty="0"/>
-              <a:t>Use ~:</a:t>
-            </a:r>
-          </a:p>
-          <a:p>
-            <a:pPr lvl="1"/>
-            <a:r>
-              <a:rPr lang="en-US" dirty="0"/>
-              <a:t>In Smith and Jones~\cite{2014SmithJones}, we see that …</a:t>
-            </a:r>
-          </a:p>
-          <a:p>
-            <a:pPr lvl="1"/>
-            <a:r>
-              <a:rPr lang="en-US" dirty="0"/>
-              <a:t>In Section~\ref{intro}, …</a:t>
-            </a:r>
-          </a:p>
-          <a:p>
-            <a:pPr lvl="1"/>
-            <a:r>
-              <a:rPr lang="en-US" dirty="0"/>
-              <a:t>In Figure~\ref{fig1}, …</a:t>
-            </a:r>
-          </a:p>
-        </p:txBody>
-      </p:sp>
-      <p:sp>
-        <p:nvSpPr>
-          <p:cNvPr id="4" name="Footer Placeholder 3"/>
-          <p:cNvSpPr>
-            <a:spLocks noGrp="1"/>
-          </p:cNvSpPr>
-          <p:nvPr>
-            <p:ph type="ftr" sz="quarter" idx="11"/>
-          </p:nvPr>
-        </p:nvSpPr>
-        <p:spPr/>
-        <p:txBody>
-          <a:bodyPr/>
-          <a:lstStyle/>
-          <a:p>
-            <a:r>
               <a:rPr lang="en-US"/>
               <a:t>CSCI 373 Mike Heroux</a:t>
             </a:r>
@@ -4180,7 +4152,13 @@
       </p:sp>
       <p:sp>
         <p:nvSpPr>
-          <p:cNvPr id="5" name="Slide Number Placeholder 4"/>
+          <p:cNvPr id="5" name="Slide Number Placeholder 4">
+            <a:extLst>
+              <a:ext uri="{FF2B5EF4-FFF2-40B4-BE49-F238E27FC236}">
+                <a16:creationId xmlns:a16="http://schemas.microsoft.com/office/drawing/2014/main" id="{E9B4AEDF-B850-FF4E-9824-C0EFFE376D2C}"/>
+              </a:ext>
+            </a:extLst>
+          </p:cNvPr>
           <p:cNvSpPr>
             <a:spLocks noGrp="1"/>
           </p:cNvSpPr>
@@ -4196,9 +4174,1080 @@
             <a:fld id="{8889F5FB-2D0D-7848-BB6D-41089A488CF6}" type="slidenum">
               <a:rPr lang="en-US" smtClean="0"/>
               <a:pPr/>
+              <a:t>10</a:t>
+            </a:fld>
+            <a:endParaRPr lang="en-US"/>
+          </a:p>
+        </p:txBody>
+      </p:sp>
+      <p:sp>
+        <p:nvSpPr>
+          <p:cNvPr id="8" name="TextBox 7">
+            <a:extLst>
+              <a:ext uri="{FF2B5EF4-FFF2-40B4-BE49-F238E27FC236}">
+                <a16:creationId xmlns:a16="http://schemas.microsoft.com/office/drawing/2014/main" id="{7537FACF-EAD3-8344-B996-9473D4D1204B}"/>
+              </a:ext>
+            </a:extLst>
+          </p:cNvPr>
+          <p:cNvSpPr txBox="1"/>
+          <p:nvPr/>
+        </p:nvSpPr>
+        <p:spPr>
+          <a:xfrm>
+            <a:off x="533400" y="5791200"/>
+            <a:ext cx="8223149" cy="369332"/>
+          </a:xfrm>
+          <a:prstGeom prst="rect">
+            <a:avLst/>
+          </a:prstGeom>
+        </p:spPr>
+        <p:style>
+          <a:lnRef idx="2">
+            <a:schemeClr val="dk1"/>
+          </a:lnRef>
+          <a:fillRef idx="1">
+            <a:schemeClr val="lt1"/>
+          </a:fillRef>
+          <a:effectRef idx="0">
+            <a:schemeClr val="dk1"/>
+          </a:effectRef>
+          <a:fontRef idx="minor">
+            <a:schemeClr val="dk1"/>
+          </a:fontRef>
+        </p:style>
+        <p:txBody>
+          <a:bodyPr wrap="none" rtlCol="0">
+            <a:spAutoFit/>
+          </a:bodyPr>
+          <a:lstStyle/>
+          <a:p>
+            <a:r>
+              <a:rPr lang="en-US" sz="1800" dirty="0"/>
+              <a:t>http://</a:t>
+            </a:r>
+            <a:r>
+              <a:rPr lang="en-US" sz="1800" dirty="0" err="1"/>
+              <a:t>www.excel-board.com</a:t>
+            </a:r>
+            <a:r>
+              <a:rPr lang="en-US" sz="1800" dirty="0"/>
+              <a:t>/how-to-create-timeline-chart-in-excel-quickly-and-easily/</a:t>
+            </a:r>
+          </a:p>
+        </p:txBody>
+      </p:sp>
+    </p:spTree>
+    <p:extLst>
+      <p:ext uri="{BB962C8B-B14F-4D97-AF65-F5344CB8AC3E}">
+        <p14:creationId xmlns:p14="http://schemas.microsoft.com/office/powerpoint/2010/main" val="3007707613"/>
+      </p:ext>
+    </p:extLst>
+  </p:cSld>
+  <p:clrMapOvr>
+    <a:masterClrMapping/>
+  </p:clrMapOvr>
+</p:sld>
+</file>
+
+<file path=ppt/slides/slide11.xml><?xml version="1.0" encoding="utf-8"?>
+<p:sld xmlns:a="http://schemas.openxmlformats.org/drawingml/2006/main" xmlns:r="http://schemas.openxmlformats.org/officeDocument/2006/relationships" xmlns:p="http://schemas.openxmlformats.org/presentationml/2006/main">
+  <p:cSld>
+    <p:spTree>
+      <p:nvGrpSpPr>
+        <p:cNvPr id="1" name=""/>
+        <p:cNvGrpSpPr/>
+        <p:nvPr/>
+      </p:nvGrpSpPr>
+      <p:grpSpPr>
+        <a:xfrm>
+          <a:off x="0" y="0"/>
+          <a:ext cx="0" cy="0"/>
+          <a:chOff x="0" y="0"/>
+          <a:chExt cx="0" cy="0"/>
+        </a:xfrm>
+      </p:grpSpPr>
+      <p:sp>
+        <p:nvSpPr>
+          <p:cNvPr id="2" name="Title 1"/>
+          <p:cNvSpPr>
+            <a:spLocks noGrp="1"/>
+          </p:cNvSpPr>
+          <p:nvPr>
+            <p:ph type="title"/>
+          </p:nvPr>
+        </p:nvSpPr>
+        <p:spPr>
+          <a:xfrm>
+            <a:off x="685800" y="228600"/>
+            <a:ext cx="7772400" cy="914400"/>
+          </a:xfrm>
+        </p:spPr>
+        <p:txBody>
+          <a:bodyPr/>
+          <a:lstStyle/>
+          <a:p>
+            <a:r>
+              <a:rPr lang="en-US" dirty="0"/>
+              <a:t>PowerPoint Defaults</a:t>
+            </a:r>
+          </a:p>
+        </p:txBody>
+      </p:sp>
+      <p:sp>
+        <p:nvSpPr>
+          <p:cNvPr id="3" name="Content Placeholder 2"/>
+          <p:cNvSpPr>
+            <a:spLocks noGrp="1"/>
+          </p:cNvSpPr>
+          <p:nvPr>
+            <p:ph idx="1"/>
+          </p:nvPr>
+        </p:nvSpPr>
+        <p:spPr>
+          <a:xfrm>
+            <a:off x="609600" y="1143000"/>
+            <a:ext cx="8229600" cy="4648200"/>
+          </a:xfrm>
+        </p:spPr>
+        <p:txBody>
+          <a:bodyPr/>
+          <a:lstStyle/>
+          <a:p>
+            <a:r>
+              <a:rPr lang="en-US" dirty="0"/>
+              <a:t>The default format for PowerPoint is:</a:t>
+            </a:r>
+          </a:p>
+          <a:p>
+            <a:pPr lvl="1"/>
+            <a:r>
+              <a:rPr lang="en-US" dirty="0"/>
+              <a:t>Outline Format.</a:t>
+            </a:r>
+          </a:p>
+          <a:p>
+            <a:pPr lvl="1"/>
+            <a:r>
+              <a:rPr lang="en-US" dirty="0"/>
+              <a:t>Brief statements.</a:t>
+            </a:r>
+          </a:p>
+          <a:p>
+            <a:pPr lvl="1"/>
+            <a:r>
+              <a:rPr lang="en-US" dirty="0"/>
+              <a:t>Slide is a big notecard for the speaker.</a:t>
+            </a:r>
+          </a:p>
+          <a:p>
+            <a:r>
+              <a:rPr lang="en-US" dirty="0"/>
+              <a:t>This is BAD:</a:t>
+            </a:r>
+          </a:p>
+          <a:p>
+            <a:pPr lvl="1"/>
+            <a:r>
+              <a:rPr lang="en-US" dirty="0"/>
+              <a:t>Credible argument: </a:t>
+            </a:r>
+          </a:p>
+          <a:p>
+            <a:pPr lvl="2"/>
+            <a:r>
+              <a:rPr lang="en-US" dirty="0"/>
+              <a:t>Problems with space shuttle O-rings were known.</a:t>
+            </a:r>
+          </a:p>
+          <a:p>
+            <a:pPr lvl="2"/>
+            <a:r>
+              <a:rPr lang="en-US" dirty="0"/>
+              <a:t>Poor PowerPoint hid the issue.</a:t>
+            </a:r>
+          </a:p>
+          <a:p>
+            <a:pPr lvl="2"/>
+            <a:r>
+              <a:rPr lang="en-US" dirty="0"/>
+              <a:t>NASA Challenger exploded in 1986.</a:t>
+            </a:r>
+          </a:p>
+          <a:p>
+            <a:pPr lvl="1"/>
+            <a:r>
+              <a:rPr lang="en-US" dirty="0"/>
+              <a:t>The best default for a new PowerPoint slide?</a:t>
+            </a:r>
+          </a:p>
+        </p:txBody>
+      </p:sp>
+      <p:sp>
+        <p:nvSpPr>
+          <p:cNvPr id="4" name="Footer Placeholder 3"/>
+          <p:cNvSpPr>
+            <a:spLocks noGrp="1"/>
+          </p:cNvSpPr>
+          <p:nvPr>
+            <p:ph type="ftr" sz="quarter" idx="11"/>
+          </p:nvPr>
+        </p:nvSpPr>
+        <p:spPr/>
+        <p:txBody>
+          <a:bodyPr/>
+          <a:lstStyle/>
+          <a:p>
+            <a:r>
+              <a:rPr lang="en-US"/>
+              <a:t>CSCI 373 Mike Heroux</a:t>
+            </a:r>
+            <a:endParaRPr lang="en-US" dirty="0"/>
+          </a:p>
+        </p:txBody>
+      </p:sp>
+      <p:sp>
+        <p:nvSpPr>
+          <p:cNvPr id="5" name="Slide Number Placeholder 4"/>
+          <p:cNvSpPr>
+            <a:spLocks noGrp="1"/>
+          </p:cNvSpPr>
+          <p:nvPr>
+            <p:ph type="sldNum" sz="quarter" idx="12"/>
+          </p:nvPr>
+        </p:nvSpPr>
+        <p:spPr/>
+        <p:txBody>
+          <a:bodyPr/>
+          <a:lstStyle/>
+          <a:p>
+            <a:fld id="{8889F5FB-2D0D-7848-BB6D-41089A488CF6}" type="slidenum">
+              <a:rPr lang="en-US" smtClean="0"/>
+              <a:pPr/>
+              <a:t>11</a:t>
+            </a:fld>
+            <a:endParaRPr lang="en-US"/>
+          </a:p>
+        </p:txBody>
+      </p:sp>
+    </p:spTree>
+    <p:extLst>
+      <p:ext uri="{BB962C8B-B14F-4D97-AF65-F5344CB8AC3E}">
+        <p14:creationId xmlns:p14="http://schemas.microsoft.com/office/powerpoint/2010/main" val="1081259693"/>
+      </p:ext>
+    </p:extLst>
+  </p:cSld>
+  <p:clrMapOvr>
+    <a:masterClrMapping/>
+  </p:clrMapOvr>
+</p:sld>
+</file>
+
+<file path=ppt/slides/slide12.xml><?xml version="1.0" encoding="utf-8"?>
+<p:sld xmlns:a="http://schemas.openxmlformats.org/drawingml/2006/main" xmlns:r="http://schemas.openxmlformats.org/officeDocument/2006/relationships" xmlns:p="http://schemas.openxmlformats.org/presentationml/2006/main">
+  <p:cSld>
+    <p:spTree>
+      <p:nvGrpSpPr>
+        <p:cNvPr id="1" name=""/>
+        <p:cNvGrpSpPr/>
+        <p:nvPr/>
+      </p:nvGrpSpPr>
+      <p:grpSpPr>
+        <a:xfrm>
+          <a:off x="0" y="0"/>
+          <a:ext cx="0" cy="0"/>
+          <a:chOff x="0" y="0"/>
+          <a:chExt cx="0" cy="0"/>
+        </a:xfrm>
+      </p:grpSpPr>
+      <p:sp>
+        <p:nvSpPr>
+          <p:cNvPr id="5" name="Slide Number Placeholder 4"/>
+          <p:cNvSpPr>
+            <a:spLocks noGrp="1"/>
+          </p:cNvSpPr>
+          <p:nvPr>
+            <p:ph type="sldNum" sz="quarter" idx="12"/>
+          </p:nvPr>
+        </p:nvSpPr>
+        <p:spPr/>
+        <p:txBody>
+          <a:bodyPr/>
+          <a:lstStyle/>
+          <a:p>
+            <a:fld id="{8889F5FB-2D0D-7848-BB6D-41089A488CF6}" type="slidenum">
+              <a:rPr lang="en-US" smtClean="0"/>
+              <a:pPr/>
+              <a:t>12</a:t>
+            </a:fld>
+            <a:endParaRPr lang="en-US"/>
+          </a:p>
+        </p:txBody>
+      </p:sp>
+    </p:spTree>
+    <p:extLst>
+      <p:ext uri="{BB962C8B-B14F-4D97-AF65-F5344CB8AC3E}">
+        <p14:creationId xmlns:p14="http://schemas.microsoft.com/office/powerpoint/2010/main" val="4117229398"/>
+      </p:ext>
+    </p:extLst>
+  </p:cSld>
+  <p:clrMapOvr>
+    <a:masterClrMapping/>
+  </p:clrMapOvr>
+</p:sld>
+</file>
+
+<file path=ppt/slides/slide2.xml><?xml version="1.0" encoding="utf-8"?>
+<p:sld xmlns:a="http://schemas.openxmlformats.org/drawingml/2006/main" xmlns:r="http://schemas.openxmlformats.org/officeDocument/2006/relationships" xmlns:p="http://schemas.openxmlformats.org/presentationml/2006/main">
+  <p:cSld>
+    <p:bg>
+      <p:bgPr>
+        <a:solidFill>
+          <a:schemeClr val="bg1"/>
+        </a:solidFill>
+        <a:effectLst/>
+      </p:bgPr>
+    </p:bg>
+    <p:spTree>
+      <p:nvGrpSpPr>
+        <p:cNvPr id="1" name=""/>
+        <p:cNvGrpSpPr/>
+        <p:nvPr/>
+      </p:nvGrpSpPr>
+      <p:grpSpPr>
+        <a:xfrm>
+          <a:off x="0" y="0"/>
+          <a:ext cx="0" cy="0"/>
+          <a:chOff x="0" y="0"/>
+          <a:chExt cx="0" cy="0"/>
+        </a:xfrm>
+      </p:grpSpPr>
+      <p:sp>
+        <p:nvSpPr>
+          <p:cNvPr id="2" name="Title 1"/>
+          <p:cNvSpPr>
+            <a:spLocks noGrp="1"/>
+          </p:cNvSpPr>
+          <p:nvPr>
+            <p:ph type="title"/>
+          </p:nvPr>
+        </p:nvSpPr>
+        <p:spPr>
+          <a:xfrm>
+            <a:off x="742950" y="338328"/>
+            <a:ext cx="7658100" cy="1078992"/>
+          </a:xfrm>
+        </p:spPr>
+        <p:txBody>
+          <a:bodyPr vert="horz" lIns="91440" tIns="45720" rIns="91440" bIns="45720" rtlCol="0" anchor="b">
+            <a:normAutofit/>
+          </a:bodyPr>
+          <a:lstStyle/>
+          <a:p>
+            <a:pPr eaLnBrk="1" hangingPunct="1">
+              <a:lnSpc>
+                <a:spcPct val="90000"/>
+              </a:lnSpc>
+            </a:pPr>
+            <a:r>
+              <a:rPr lang="en-US" sz="4700" kern="1200">
+                <a:solidFill>
+                  <a:schemeClr val="tx1"/>
+                </a:solidFill>
+              </a:rPr>
+              <a:t>Labels</a:t>
+            </a:r>
+          </a:p>
+        </p:txBody>
+      </p:sp>
+      <p:sp>
+        <p:nvSpPr>
+          <p:cNvPr id="3" name="Content Placeholder 2"/>
+          <p:cNvSpPr>
+            <a:spLocks noGrp="1"/>
+          </p:cNvSpPr>
+          <p:nvPr>
+            <p:ph idx="1"/>
+          </p:nvPr>
+        </p:nvSpPr>
+        <p:spPr>
+          <a:xfrm>
+            <a:off x="742950" y="1419083"/>
+            <a:ext cx="7658100" cy="528429"/>
+          </a:xfrm>
+        </p:spPr>
+        <p:txBody>
+          <a:bodyPr vert="horz" lIns="91440" tIns="45720" rIns="91440" bIns="45720" rtlCol="0">
+            <a:normAutofit/>
+          </a:bodyPr>
+          <a:lstStyle/>
+          <a:p>
+            <a:pPr marL="0" indent="0" algn="ctr" eaLnBrk="1" hangingPunct="1">
+              <a:lnSpc>
+                <a:spcPct val="90000"/>
+              </a:lnSpc>
+              <a:spcBef>
+                <a:spcPts val="1000"/>
+              </a:spcBef>
+              <a:buNone/>
+            </a:pPr>
+            <a:r>
+              <a:rPr lang="en-US" sz="2400" kern="1200"/>
+              <a:t>\label{label_name} and \ref{label_name}</a:t>
+            </a:r>
+          </a:p>
+        </p:txBody>
+      </p:sp>
+      <p:sp>
+        <p:nvSpPr>
+          <p:cNvPr id="12" name="Rectangle 11">
+            <a:extLst>
+              <a:ext uri="{FF2B5EF4-FFF2-40B4-BE49-F238E27FC236}">
+                <a16:creationId xmlns:a16="http://schemas.microsoft.com/office/drawing/2014/main" id="{70BDD0CE-06A4-404B-8A13-580229C1C923}"/>
+              </a:ext>
+              <a:ext uri="{C183D7F6-B498-43B3-948B-1728B52AA6E4}">
+                <adec:decorative xmlns:adec="http://schemas.microsoft.com/office/drawing/2017/decorative" val="1"/>
+              </a:ext>
+            </a:extLst>
+          </p:cNvPr>
+          <p:cNvSpPr>
+            <a:spLocks noGrp="1" noRot="1" noChangeAspect="1" noMove="1" noResize="1" noEditPoints="1" noAdjustHandles="1" noChangeArrowheads="1" noChangeShapeType="1" noTextEdit="1"/>
+          </p:cNvSpPr>
+          <p:nvPr>
+            <p:extLst>
+              <p:ext uri="{386F3935-93C4-4BCD-93E2-E3B085C9AB24}">
+                <p16:designElem xmlns:p16="http://schemas.microsoft.com/office/powerpoint/2015/main" val="1"/>
+              </p:ext>
+            </p:extLst>
+          </p:nvPr>
+        </p:nvSpPr>
+        <p:spPr>
+          <a:xfrm>
+            <a:off x="0" y="2141750"/>
+            <a:ext cx="9144000" cy="4716250"/>
+          </a:xfrm>
+          <a:prstGeom prst="rect">
+            <a:avLst/>
+          </a:prstGeom>
+          <a:solidFill>
+            <a:srgbClr val="C8CACA"/>
+          </a:solidFill>
+          <a:ln>
+            <a:noFill/>
+          </a:ln>
+        </p:spPr>
+        <p:style>
+          <a:lnRef idx="2">
+            <a:schemeClr val="accent1">
+              <a:shade val="50000"/>
+            </a:schemeClr>
+          </a:lnRef>
+          <a:fillRef idx="1">
+            <a:schemeClr val="accent1"/>
+          </a:fillRef>
+          <a:effectRef idx="0">
+            <a:schemeClr val="accent1"/>
+          </a:effectRef>
+          <a:fontRef idx="minor">
+            <a:schemeClr val="lt1"/>
+          </a:fontRef>
+        </p:style>
+        <p:txBody>
+          <a:bodyPr rtlCol="0" anchor="ctr"/>
+          <a:lstStyle/>
+          <a:p>
+            <a:pPr algn="ctr"/>
+            <a:endParaRPr lang="en-US"/>
+          </a:p>
+        </p:txBody>
+      </p:sp>
+      <p:sp>
+        <p:nvSpPr>
+          <p:cNvPr id="14" name="Rounded Rectangle 26">
+            <a:extLst>
+              <a:ext uri="{FF2B5EF4-FFF2-40B4-BE49-F238E27FC236}">
+                <a16:creationId xmlns:a16="http://schemas.microsoft.com/office/drawing/2014/main" id="{EE9899FA-8881-472C-AA59-D08A89CA8AEF}"/>
+              </a:ext>
+              <a:ext uri="{C183D7F6-B498-43B3-948B-1728B52AA6E4}">
+                <adec:decorative xmlns:adec="http://schemas.microsoft.com/office/drawing/2017/decorative" val="1"/>
+              </a:ext>
+            </a:extLst>
+          </p:cNvPr>
+          <p:cNvSpPr>
+            <a:spLocks noGrp="1" noRot="1" noChangeAspect="1" noMove="1" noResize="1" noEditPoints="1" noAdjustHandles="1" noChangeArrowheads="1" noChangeShapeType="1" noTextEdit="1"/>
+          </p:cNvSpPr>
+          <p:nvPr>
+            <p:extLst>
+              <p:ext uri="{386F3935-93C4-4BCD-93E2-E3B085C9AB24}">
+                <p16:designElem xmlns:p16="http://schemas.microsoft.com/office/powerpoint/2015/main" val="1"/>
+              </p:ext>
+            </p:extLst>
+          </p:nvPr>
+        </p:nvSpPr>
+        <p:spPr>
+          <a:xfrm>
+            <a:off x="241173" y="2423160"/>
+            <a:ext cx="4210176" cy="3930315"/>
+          </a:xfrm>
+          <a:prstGeom prst="roundRect">
+            <a:avLst>
+              <a:gd name="adj" fmla="val 0"/>
+            </a:avLst>
+          </a:prstGeom>
+          <a:solidFill>
+            <a:srgbClr val="FFFFFF"/>
+          </a:solidFill>
+          <a:ln w="9525">
+            <a:solidFill>
+              <a:srgbClr val="C8CACA"/>
+            </a:solidFill>
+          </a:ln>
+          <a:effectLst>
+            <a:outerShdw blurRad="57150" dist="19050" dir="5400000" algn="t" rotWithShape="0">
+              <a:prstClr val="black">
+                <a:alpha val="63000"/>
+              </a:prstClr>
+            </a:outerShdw>
+          </a:effectLst>
+        </p:spPr>
+        <p:style>
+          <a:lnRef idx="2">
+            <a:schemeClr val="accent1">
+              <a:shade val="50000"/>
+            </a:schemeClr>
+          </a:lnRef>
+          <a:fillRef idx="1">
+            <a:schemeClr val="accent1"/>
+          </a:fillRef>
+          <a:effectRef idx="0">
+            <a:schemeClr val="accent1"/>
+          </a:effectRef>
+          <a:fontRef idx="minor">
+            <a:schemeClr val="lt1"/>
+          </a:fontRef>
+        </p:style>
+        <p:txBody>
+          <a:bodyPr rtlCol="0" anchor="ctr"/>
+          <a:lstStyle/>
+          <a:p>
+            <a:pPr algn="ctr"/>
+            <a:endParaRPr lang="en-US"/>
+          </a:p>
+        </p:txBody>
+      </p:sp>
+      <p:sp>
+        <p:nvSpPr>
+          <p:cNvPr id="16" name="Rounded Rectangle 16">
+            <a:extLst>
+              <a:ext uri="{FF2B5EF4-FFF2-40B4-BE49-F238E27FC236}">
+                <a16:creationId xmlns:a16="http://schemas.microsoft.com/office/drawing/2014/main" id="{080B7D90-3DF1-4514-B26D-616BE35553C9}"/>
+              </a:ext>
+              <a:ext uri="{C183D7F6-B498-43B3-948B-1728B52AA6E4}">
+                <adec:decorative xmlns:adec="http://schemas.microsoft.com/office/drawing/2017/decorative" val="1"/>
+              </a:ext>
+            </a:extLst>
+          </p:cNvPr>
+          <p:cNvSpPr>
+            <a:spLocks noGrp="1" noRot="1" noChangeAspect="1" noMove="1" noResize="1" noEditPoints="1" noAdjustHandles="1" noChangeArrowheads="1" noChangeShapeType="1" noTextEdit="1"/>
+          </p:cNvSpPr>
+          <p:nvPr>
+            <p:extLst>
+              <p:ext uri="{386F3935-93C4-4BCD-93E2-E3B085C9AB24}">
+                <p16:designElem xmlns:p16="http://schemas.microsoft.com/office/powerpoint/2015/main" val="1"/>
+              </p:ext>
+            </p:extLst>
+          </p:nvPr>
+        </p:nvSpPr>
+        <p:spPr>
+          <a:xfrm>
+            <a:off x="4691061" y="2423160"/>
+            <a:ext cx="4210177" cy="3930315"/>
+          </a:xfrm>
+          <a:prstGeom prst="roundRect">
+            <a:avLst>
+              <a:gd name="adj" fmla="val 0"/>
+            </a:avLst>
+          </a:prstGeom>
+          <a:solidFill>
+            <a:srgbClr val="FFFFFF"/>
+          </a:solidFill>
+          <a:ln w="9525">
+            <a:solidFill>
+              <a:srgbClr val="C8CACA"/>
+            </a:solidFill>
+          </a:ln>
+          <a:effectLst>
+            <a:outerShdw blurRad="57150" dist="19050" dir="5400000" algn="t" rotWithShape="0">
+              <a:prstClr val="black">
+                <a:alpha val="63000"/>
+              </a:prstClr>
+            </a:outerShdw>
+          </a:effectLst>
+        </p:spPr>
+        <p:style>
+          <a:lnRef idx="2">
+            <a:schemeClr val="accent1">
+              <a:shade val="50000"/>
+            </a:schemeClr>
+          </a:lnRef>
+          <a:fillRef idx="1">
+            <a:schemeClr val="accent1"/>
+          </a:fillRef>
+          <a:effectRef idx="0">
+            <a:schemeClr val="accent1"/>
+          </a:effectRef>
+          <a:fontRef idx="minor">
+            <a:schemeClr val="lt1"/>
+          </a:fontRef>
+        </p:style>
+        <p:txBody>
+          <a:bodyPr rtlCol="0" anchor="ctr"/>
+          <a:lstStyle/>
+          <a:p>
+            <a:pPr algn="ctr"/>
+            <a:endParaRPr lang="en-US"/>
+          </a:p>
+        </p:txBody>
+      </p:sp>
+      <p:pic>
+        <p:nvPicPr>
+          <p:cNvPr id="6" name="Picture 5">
+            <a:extLst>
+              <a:ext uri="{FF2B5EF4-FFF2-40B4-BE49-F238E27FC236}">
+                <a16:creationId xmlns:a16="http://schemas.microsoft.com/office/drawing/2014/main" id="{0471C402-5DAC-C284-1018-61CD818040A5}"/>
+              </a:ext>
+            </a:extLst>
+          </p:cNvPr>
+          <p:cNvPicPr>
+            <a:picLocks noChangeAspect="1"/>
+          </p:cNvPicPr>
+          <p:nvPr/>
+        </p:nvPicPr>
+        <p:blipFill>
+          <a:blip r:embed="rId2"/>
+          <a:stretch>
+            <a:fillRect/>
+          </a:stretch>
+        </p:blipFill>
+        <p:spPr>
+          <a:xfrm>
+            <a:off x="599066" y="3245774"/>
+            <a:ext cx="3730752" cy="2285085"/>
+          </a:xfrm>
+          <a:prstGeom prst="rect">
+            <a:avLst/>
+          </a:prstGeom>
+        </p:spPr>
+      </p:pic>
+      <p:sp>
+        <p:nvSpPr>
+          <p:cNvPr id="4" name="Footer Placeholder 3"/>
+          <p:cNvSpPr>
+            <a:spLocks noGrp="1"/>
+          </p:cNvSpPr>
+          <p:nvPr>
+            <p:ph type="ftr" sz="quarter" idx="11"/>
+          </p:nvPr>
+        </p:nvSpPr>
+        <p:spPr>
+          <a:xfrm>
+            <a:off x="3028950" y="6356350"/>
+            <a:ext cx="3086100" cy="365125"/>
+          </a:xfrm>
+        </p:spPr>
+        <p:txBody>
+          <a:bodyPr vert="horz" lIns="91440" tIns="45720" rIns="91440" bIns="45720" rtlCol="0" anchor="ctr">
+            <a:normAutofit/>
+          </a:bodyPr>
+          <a:lstStyle/>
+          <a:p>
+            <a:pPr eaLnBrk="1" hangingPunct="1">
+              <a:spcAft>
+                <a:spcPts val="600"/>
+              </a:spcAft>
+            </a:pPr>
+            <a:r>
+              <a:rPr lang="en-US" sz="1200" kern="1200">
+                <a:solidFill>
+                  <a:srgbClr val="898989"/>
+                </a:solidFill>
+                <a:latin typeface="+mn-lt"/>
+                <a:ea typeface="+mn-ea"/>
+                <a:cs typeface="+mn-cs"/>
+              </a:rPr>
+              <a:t>CSCI 373 Mike Heroux</a:t>
+            </a:r>
+          </a:p>
+        </p:txBody>
+      </p:sp>
+      <p:sp>
+        <p:nvSpPr>
+          <p:cNvPr id="5" name="Slide Number Placeholder 4"/>
+          <p:cNvSpPr>
+            <a:spLocks noGrp="1"/>
+          </p:cNvSpPr>
+          <p:nvPr>
+            <p:ph type="sldNum" sz="quarter" idx="12"/>
+          </p:nvPr>
+        </p:nvSpPr>
+        <p:spPr>
+          <a:xfrm>
+            <a:off x="6457950" y="6356350"/>
+            <a:ext cx="2057400" cy="365125"/>
+          </a:xfrm>
+        </p:spPr>
+        <p:txBody>
+          <a:bodyPr vert="horz" lIns="91440" tIns="45720" rIns="91440" bIns="45720" rtlCol="0" anchor="ctr">
+            <a:normAutofit/>
+          </a:bodyPr>
+          <a:lstStyle/>
+          <a:p>
+            <a:pPr eaLnBrk="1" hangingPunct="1">
+              <a:spcAft>
+                <a:spcPts val="600"/>
+              </a:spcAft>
+            </a:pPr>
+            <a:fld id="{8889F5FB-2D0D-7848-BB6D-41089A488CF6}" type="slidenum">
+              <a:rPr lang="en-US" sz="1200">
+                <a:solidFill>
+                  <a:srgbClr val="898989"/>
+                </a:solidFill>
+                <a:latin typeface="+mn-lt"/>
+              </a:rPr>
+              <a:pPr eaLnBrk="1" hangingPunct="1">
+                <a:spcAft>
+                  <a:spcPts val="600"/>
+                </a:spcAft>
+              </a:pPr>
               <a:t>2</a:t>
             </a:fld>
-            <a:endParaRPr lang="en-US"/>
+            <a:endParaRPr lang="en-US" sz="1200">
+              <a:solidFill>
+                <a:srgbClr val="898989"/>
+              </a:solidFill>
+              <a:latin typeface="+mn-lt"/>
+            </a:endParaRPr>
+          </a:p>
+        </p:txBody>
+      </p:sp>
+      <p:pic>
+        <p:nvPicPr>
+          <p:cNvPr id="7" name="Picture 6">
+            <a:extLst>
+              <a:ext uri="{FF2B5EF4-FFF2-40B4-BE49-F238E27FC236}">
+                <a16:creationId xmlns:a16="http://schemas.microsoft.com/office/drawing/2014/main" id="{CAE1EB39-3011-5A46-F31E-B08B87AFE3B7}"/>
+              </a:ext>
+            </a:extLst>
+          </p:cNvPr>
+          <p:cNvPicPr>
+            <a:picLocks noChangeAspect="1"/>
+          </p:cNvPicPr>
+          <p:nvPr/>
+        </p:nvPicPr>
+        <p:blipFill>
+          <a:blip r:embed="rId3"/>
+          <a:stretch>
+            <a:fillRect/>
+          </a:stretch>
+        </p:blipFill>
+        <p:spPr>
+          <a:xfrm>
+            <a:off x="4814182" y="2935752"/>
+            <a:ext cx="3730752" cy="2695467"/>
+          </a:xfrm>
+          <a:prstGeom prst="rect">
+            <a:avLst/>
+          </a:prstGeom>
+        </p:spPr>
+      </p:pic>
+      <p:sp>
+        <p:nvSpPr>
+          <p:cNvPr id="8" name="Rectangle 7">
+            <a:extLst>
+              <a:ext uri="{FF2B5EF4-FFF2-40B4-BE49-F238E27FC236}">
+                <a16:creationId xmlns:a16="http://schemas.microsoft.com/office/drawing/2014/main" id="{ADFDA87A-B31D-2CDC-8C44-F7A81A70CD42}"/>
+              </a:ext>
+            </a:extLst>
+          </p:cNvPr>
+          <p:cNvSpPr/>
+          <p:nvPr/>
+        </p:nvSpPr>
+        <p:spPr bwMode="auto">
+          <a:xfrm>
+            <a:off x="3276600" y="4953000"/>
+            <a:ext cx="762000" cy="228600"/>
+          </a:xfrm>
+          <a:prstGeom prst="rect">
+            <a:avLst/>
+          </a:prstGeom>
+          <a:solidFill>
+            <a:schemeClr val="accent1">
+              <a:alpha val="32944"/>
+            </a:schemeClr>
+          </a:solidFill>
+          <a:ln w="9525" cap="flat" cmpd="sng" algn="ctr">
+            <a:solidFill>
+              <a:schemeClr val="tx1"/>
+            </a:solidFill>
+            <a:prstDash val="solid"/>
+            <a:round/>
+            <a:headEnd type="none" w="med" len="med"/>
+            <a:tailEnd type="none" w="med" len="med"/>
+          </a:ln>
+          <a:effectLst/>
+        </p:spPr>
+        <p:txBody>
+          <a:bodyPr vert="horz" wrap="none" lIns="91440" tIns="45720" rIns="91440" bIns="45720" numCol="1" rtlCol="0" anchor="t" anchorCtr="0" compatLnSpc="1">
+            <a:prstTxWarp prst="textNoShape">
+              <a:avLst/>
+            </a:prstTxWarp>
+          </a:bodyPr>
+          <a:lstStyle/>
+          <a:p>
+            <a:pPr marL="0" marR="0" indent="0" algn="l" defTabSz="914400" rtl="0" eaLnBrk="0" fontAlgn="base" latinLnBrk="0" hangingPunct="0">
+              <a:lnSpc>
+                <a:spcPct val="100000"/>
+              </a:lnSpc>
+              <a:spcBef>
+                <a:spcPct val="0"/>
+              </a:spcBef>
+              <a:spcAft>
+                <a:spcPct val="0"/>
+              </a:spcAft>
+              <a:buClrTx/>
+              <a:buSzTx/>
+              <a:buFontTx/>
+              <a:buNone/>
+              <a:tabLst/>
+            </a:pPr>
+            <a:endParaRPr kumimoji="0" lang="en-US" sz="2400" b="0" i="0" u="none" strike="noStrike" cap="none" normalizeH="0" baseline="0" dirty="0">
+              <a:ln>
+                <a:noFill/>
+              </a:ln>
+              <a:solidFill>
+                <a:schemeClr val="tx1"/>
+              </a:solidFill>
+              <a:effectLst/>
+              <a:latin typeface="Times New Roman" pitchFamily="-111" charset="0"/>
+            </a:endParaRPr>
+          </a:p>
+        </p:txBody>
+      </p:sp>
+      <p:sp>
+        <p:nvSpPr>
+          <p:cNvPr id="9" name="Rectangle 8">
+            <a:extLst>
+              <a:ext uri="{FF2B5EF4-FFF2-40B4-BE49-F238E27FC236}">
+                <a16:creationId xmlns:a16="http://schemas.microsoft.com/office/drawing/2014/main" id="{4D699EC7-9C91-3804-BBBB-FE91BE2F028F}"/>
+              </a:ext>
+            </a:extLst>
+          </p:cNvPr>
+          <p:cNvSpPr/>
+          <p:nvPr/>
+        </p:nvSpPr>
+        <p:spPr bwMode="auto">
+          <a:xfrm>
+            <a:off x="599066" y="4271275"/>
+            <a:ext cx="762000" cy="228600"/>
+          </a:xfrm>
+          <a:prstGeom prst="rect">
+            <a:avLst/>
+          </a:prstGeom>
+          <a:solidFill>
+            <a:schemeClr val="accent1">
+              <a:alpha val="32944"/>
+            </a:schemeClr>
+          </a:solidFill>
+          <a:ln w="9525" cap="flat" cmpd="sng" algn="ctr">
+            <a:solidFill>
+              <a:schemeClr val="tx1"/>
+            </a:solidFill>
+            <a:prstDash val="solid"/>
+            <a:round/>
+            <a:headEnd type="none" w="med" len="med"/>
+            <a:tailEnd type="none" w="med" len="med"/>
+          </a:ln>
+          <a:effectLst/>
+        </p:spPr>
+        <p:txBody>
+          <a:bodyPr vert="horz" wrap="none" lIns="91440" tIns="45720" rIns="91440" bIns="45720" numCol="1" rtlCol="0" anchor="t" anchorCtr="0" compatLnSpc="1">
+            <a:prstTxWarp prst="textNoShape">
+              <a:avLst/>
+            </a:prstTxWarp>
+          </a:bodyPr>
+          <a:lstStyle/>
+          <a:p>
+            <a:pPr marL="0" marR="0" indent="0" algn="l" defTabSz="914400" rtl="0" eaLnBrk="0" fontAlgn="base" latinLnBrk="0" hangingPunct="0">
+              <a:lnSpc>
+                <a:spcPct val="100000"/>
+              </a:lnSpc>
+              <a:spcBef>
+                <a:spcPct val="0"/>
+              </a:spcBef>
+              <a:spcAft>
+                <a:spcPct val="0"/>
+              </a:spcAft>
+              <a:buClrTx/>
+              <a:buSzTx/>
+              <a:buFontTx/>
+              <a:buNone/>
+              <a:tabLst/>
+            </a:pPr>
+            <a:endParaRPr kumimoji="0" lang="en-US" sz="2400" b="0" i="0" u="none" strike="noStrike" cap="none" normalizeH="0" baseline="0" dirty="0">
+              <a:ln>
+                <a:noFill/>
+              </a:ln>
+              <a:solidFill>
+                <a:schemeClr val="tx1"/>
+              </a:solidFill>
+              <a:effectLst/>
+              <a:latin typeface="Times New Roman" pitchFamily="-111" charset="0"/>
+            </a:endParaRPr>
+          </a:p>
+        </p:txBody>
+      </p:sp>
+      <p:sp>
+        <p:nvSpPr>
+          <p:cNvPr id="10" name="Rectangle 9">
+            <a:extLst>
+              <a:ext uri="{FF2B5EF4-FFF2-40B4-BE49-F238E27FC236}">
+                <a16:creationId xmlns:a16="http://schemas.microsoft.com/office/drawing/2014/main" id="{09968D97-AFD8-E387-8FAE-9C6ACC4699A3}"/>
+              </a:ext>
+            </a:extLst>
+          </p:cNvPr>
+          <p:cNvSpPr/>
+          <p:nvPr/>
+        </p:nvSpPr>
+        <p:spPr bwMode="auto">
+          <a:xfrm>
+            <a:off x="6500756" y="3962400"/>
+            <a:ext cx="762000" cy="228600"/>
+          </a:xfrm>
+          <a:prstGeom prst="rect">
+            <a:avLst/>
+          </a:prstGeom>
+          <a:solidFill>
+            <a:schemeClr val="accent1">
+              <a:alpha val="32944"/>
+            </a:schemeClr>
+          </a:solidFill>
+          <a:ln w="9525" cap="flat" cmpd="sng" algn="ctr">
+            <a:solidFill>
+              <a:schemeClr val="tx1"/>
+            </a:solidFill>
+            <a:prstDash val="solid"/>
+            <a:round/>
+            <a:headEnd type="none" w="med" len="med"/>
+            <a:tailEnd type="none" w="med" len="med"/>
+          </a:ln>
+          <a:effectLst/>
+        </p:spPr>
+        <p:txBody>
+          <a:bodyPr vert="horz" wrap="none" lIns="91440" tIns="45720" rIns="91440" bIns="45720" numCol="1" rtlCol="0" anchor="t" anchorCtr="0" compatLnSpc="1">
+            <a:prstTxWarp prst="textNoShape">
+              <a:avLst/>
+            </a:prstTxWarp>
+          </a:bodyPr>
+          <a:lstStyle/>
+          <a:p>
+            <a:pPr marL="0" marR="0" indent="0" algn="l" defTabSz="914400" rtl="0" eaLnBrk="0" fontAlgn="base" latinLnBrk="0" hangingPunct="0">
+              <a:lnSpc>
+                <a:spcPct val="100000"/>
+              </a:lnSpc>
+              <a:spcBef>
+                <a:spcPct val="0"/>
+              </a:spcBef>
+              <a:spcAft>
+                <a:spcPct val="0"/>
+              </a:spcAft>
+              <a:buClrTx/>
+              <a:buSzTx/>
+              <a:buFontTx/>
+              <a:buNone/>
+              <a:tabLst/>
+            </a:pPr>
+            <a:endParaRPr kumimoji="0" lang="en-US" sz="2400" b="0" i="0" u="none" strike="noStrike" cap="none" normalizeH="0" baseline="0" dirty="0">
+              <a:ln>
+                <a:noFill/>
+              </a:ln>
+              <a:solidFill>
+                <a:schemeClr val="tx1"/>
+              </a:solidFill>
+              <a:effectLst/>
+              <a:latin typeface="Times New Roman" pitchFamily="-111" charset="0"/>
+            </a:endParaRPr>
+          </a:p>
+        </p:txBody>
+      </p:sp>
+      <p:sp>
+        <p:nvSpPr>
+          <p:cNvPr id="11" name="Rectangle 10">
+            <a:extLst>
+              <a:ext uri="{FF2B5EF4-FFF2-40B4-BE49-F238E27FC236}">
+                <a16:creationId xmlns:a16="http://schemas.microsoft.com/office/drawing/2014/main" id="{DD58BAE6-7475-FD38-7DF8-D5570C215A8B}"/>
+              </a:ext>
+            </a:extLst>
+          </p:cNvPr>
+          <p:cNvSpPr/>
+          <p:nvPr/>
+        </p:nvSpPr>
+        <p:spPr bwMode="auto">
+          <a:xfrm>
+            <a:off x="5334000" y="4800600"/>
+            <a:ext cx="762000" cy="228600"/>
+          </a:xfrm>
+          <a:prstGeom prst="rect">
+            <a:avLst/>
+          </a:prstGeom>
+          <a:solidFill>
+            <a:schemeClr val="accent1">
+              <a:alpha val="32944"/>
+            </a:schemeClr>
+          </a:solidFill>
+          <a:ln w="9525" cap="flat" cmpd="sng" algn="ctr">
+            <a:solidFill>
+              <a:schemeClr val="tx1"/>
+            </a:solidFill>
+            <a:prstDash val="solid"/>
+            <a:round/>
+            <a:headEnd type="none" w="med" len="med"/>
+            <a:tailEnd type="none" w="med" len="med"/>
+          </a:ln>
+          <a:effectLst/>
+        </p:spPr>
+        <p:txBody>
+          <a:bodyPr vert="horz" wrap="none" lIns="91440" tIns="45720" rIns="91440" bIns="45720" numCol="1" rtlCol="0" anchor="t" anchorCtr="0" compatLnSpc="1">
+            <a:prstTxWarp prst="textNoShape">
+              <a:avLst/>
+            </a:prstTxWarp>
+          </a:bodyPr>
+          <a:lstStyle/>
+          <a:p>
+            <a:pPr marL="0" marR="0" indent="0" algn="l" defTabSz="914400" rtl="0" eaLnBrk="0" fontAlgn="base" latinLnBrk="0" hangingPunct="0">
+              <a:lnSpc>
+                <a:spcPct val="100000"/>
+              </a:lnSpc>
+              <a:spcBef>
+                <a:spcPct val="0"/>
+              </a:spcBef>
+              <a:spcAft>
+                <a:spcPct val="0"/>
+              </a:spcAft>
+              <a:buClrTx/>
+              <a:buSzTx/>
+              <a:buFontTx/>
+              <a:buNone/>
+              <a:tabLst/>
+            </a:pPr>
+            <a:endParaRPr kumimoji="0" lang="en-US" sz="2400" b="0" i="0" u="none" strike="noStrike" cap="none" normalizeH="0" baseline="0" dirty="0">
+              <a:ln>
+                <a:noFill/>
+              </a:ln>
+              <a:solidFill>
+                <a:schemeClr val="tx1"/>
+              </a:solidFill>
+              <a:effectLst/>
+              <a:latin typeface="Times New Roman" pitchFamily="-111" charset="0"/>
+            </a:endParaRPr>
           </a:p>
         </p:txBody>
       </p:sp>
@@ -4218,6 +5267,14 @@
 <file path=ppt/slides/slide3.xml><?xml version="1.0" encoding="utf-8"?>
 <p:sld xmlns:a="http://schemas.openxmlformats.org/drawingml/2006/main" xmlns:r="http://schemas.openxmlformats.org/officeDocument/2006/relationships" xmlns:p="http://schemas.openxmlformats.org/presentationml/2006/main">
   <p:cSld>
+    <p:bg>
+      <p:bgPr>
+        <a:solidFill>
+          <a:schemeClr val="bg1"/>
+        </a:solidFill>
+        <a:effectLst/>
+      </p:bgPr>
+    </p:bg>
     <p:spTree>
       <p:nvGrpSpPr>
         <p:cNvPr id="1" name=""/>
@@ -4232,257 +5289,496 @@
           <a:chExt cx="0" cy="0"/>
         </a:xfrm>
       </p:grpSpPr>
-      <p:sp>
-        <p:nvSpPr>
-          <p:cNvPr id="2" name="Title 1"/>
-          <p:cNvSpPr>
-            <a:spLocks noGrp="1"/>
-          </p:cNvSpPr>
-          <p:nvPr>
-            <p:ph type="title"/>
-          </p:nvPr>
-        </p:nvSpPr>
-        <p:spPr/>
-        <p:txBody>
-          <a:bodyPr/>
-          <a:lstStyle/>
-          <a:p>
-            <a:r>
-              <a:rPr lang="en-US" dirty="0"/>
-              <a:t>Figures</a:t>
-            </a:r>
-          </a:p>
-        </p:txBody>
-      </p:sp>
-      <p:sp>
-        <p:nvSpPr>
-          <p:cNvPr id="3" name="Content Placeholder 2"/>
-          <p:cNvSpPr>
-            <a:spLocks noGrp="1"/>
-          </p:cNvSpPr>
-          <p:nvPr>
-            <p:ph idx="1"/>
+      <p:sp useBgFill="1">
+        <p:nvSpPr>
+          <p:cNvPr id="23" name="Rectangle 22">
+            <a:extLst>
+              <a:ext uri="{FF2B5EF4-FFF2-40B4-BE49-F238E27FC236}">
+                <a16:creationId xmlns:a16="http://schemas.microsoft.com/office/drawing/2014/main" id="{B51F6560-D61C-400F-B71A-3FDEBF451B22}"/>
+              </a:ext>
+              <a:ext uri="{C183D7F6-B498-43B3-948B-1728B52AA6E4}">
+                <adec:decorative xmlns:adec="http://schemas.microsoft.com/office/drawing/2017/decorative" val="1"/>
+              </a:ext>
+            </a:extLst>
+          </p:cNvPr>
+          <p:cNvSpPr>
+            <a:spLocks noGrp="1" noRot="1" noChangeAspect="1" noMove="1" noResize="1" noEditPoints="1" noAdjustHandles="1" noChangeArrowheads="1" noChangeShapeType="1" noTextEdit="1"/>
+          </p:cNvSpPr>
+          <p:nvPr>
+            <p:extLst>
+              <p:ext uri="{386F3935-93C4-4BCD-93E2-E3B085C9AB24}">
+                <p16:designElem xmlns:p16="http://schemas.microsoft.com/office/powerpoint/2015/main" val="1"/>
+              </p:ext>
+            </p:extLst>
           </p:nvPr>
         </p:nvSpPr>
         <p:spPr>
           <a:xfrm>
-            <a:off x="202481" y="1441295"/>
-            <a:ext cx="4572000" cy="4648200"/>
-          </a:xfrm>
-        </p:spPr>
-        <p:txBody>
-          <a:bodyPr/>
-          <a:lstStyle/>
-          <a:p>
-            <a:r>
-              <a:rPr lang="en-US" dirty="0"/>
-              <a:t>Figures:</a:t>
-            </a:r>
-          </a:p>
-          <a:p>
-            <a:pPr lvl="1"/>
-            <a:r>
-              <a:rPr lang="en-US" dirty="0"/>
-              <a:t>Clearly labeled: Units, legend, title.</a:t>
-            </a:r>
-          </a:p>
-          <a:p>
-            <a:pPr lvl="1"/>
-            <a:r>
-              <a:rPr lang="en-US" dirty="0"/>
-              <a:t>Captions: Should explain the figure in summary.</a:t>
-            </a:r>
-          </a:p>
-          <a:p>
-            <a:r>
-              <a:rPr lang="en-US" dirty="0"/>
-              <a:t>Spreading a figure across two columns.</a:t>
-            </a:r>
-          </a:p>
-        </p:txBody>
-      </p:sp>
-      <p:sp>
-        <p:nvSpPr>
-          <p:cNvPr id="4" name="Footer Placeholder 3"/>
-          <p:cNvSpPr>
-            <a:spLocks noGrp="1"/>
-          </p:cNvSpPr>
-          <p:nvPr>
-            <p:ph type="ftr" sz="quarter" idx="11"/>
-          </p:nvPr>
-        </p:nvSpPr>
-        <p:spPr/>
-        <p:txBody>
-          <a:bodyPr/>
-          <a:lstStyle/>
-          <a:p>
-            <a:r>
-              <a:rPr lang="en-US"/>
-              <a:t>CSCI 373 Mike Heroux</a:t>
-            </a:r>
-            <a:endParaRPr lang="en-US" dirty="0"/>
-          </a:p>
-        </p:txBody>
-      </p:sp>
-      <p:sp>
-        <p:nvSpPr>
-          <p:cNvPr id="5" name="Slide Number Placeholder 4"/>
-          <p:cNvSpPr>
-            <a:spLocks noGrp="1"/>
-          </p:cNvSpPr>
-          <p:nvPr>
-            <p:ph type="sldNum" sz="quarter" idx="12"/>
-          </p:nvPr>
-        </p:nvSpPr>
-        <p:spPr/>
-        <p:txBody>
-          <a:bodyPr/>
-          <a:lstStyle/>
-          <a:p>
-            <a:fld id="{8889F5FB-2D0D-7848-BB6D-41089A488CF6}" type="slidenum">
-              <a:rPr lang="en-US" smtClean="0"/>
-              <a:pPr/>
-              <a:t>3</a:t>
-            </a:fld>
-            <a:endParaRPr lang="en-US" dirty="0"/>
-          </a:p>
-        </p:txBody>
-      </p:sp>
-      <p:sp>
-        <p:nvSpPr>
-          <p:cNvPr id="6" name="TextBox 5"/>
-          <p:cNvSpPr txBox="1"/>
-          <p:nvPr/>
-        </p:nvSpPr>
-        <p:spPr>
-          <a:xfrm>
-            <a:off x="5029200" y="1530505"/>
-            <a:ext cx="3720890" cy="4278094"/>
+            <a:off x="0" y="0"/>
+            <a:ext cx="9144000" cy="6858000"/>
           </a:xfrm>
           <a:prstGeom prst="rect">
             <a:avLst/>
           </a:prstGeom>
-          <a:noFill/>
-          <a:ln>
+          <a:ln w="12700" cap="flat" cmpd="sng" algn="ctr">
+            <a:noFill/>
+            <a:prstDash val="solid"/>
+            <a:miter lim="800000"/>
+          </a:ln>
+          <a:effectLst/>
+          <a:extLst>
+            <a:ext uri="{91240B29-F687-4F45-9708-019B960494DF}">
+              <a14:hiddenLine xmlns:a14="http://schemas.microsoft.com/office/drawing/2010/main" w="12700" cap="flat" cmpd="sng" algn="ctr">
+                <a:solidFill>
+                  <a:schemeClr val="accent1">
+                    <a:shade val="50000"/>
+                  </a:schemeClr>
+                </a:solidFill>
+                <a:prstDash val="solid"/>
+                <a:miter lim="800000"/>
+              </a14:hiddenLine>
+            </a:ext>
+          </a:extLst>
+        </p:spPr>
+        <p:style>
+          <a:lnRef idx="2">
+            <a:schemeClr val="accent1">
+              <a:shade val="50000"/>
+            </a:schemeClr>
+          </a:lnRef>
+          <a:fillRef idx="1">
+            <a:schemeClr val="accent1"/>
+          </a:fillRef>
+          <a:effectRef idx="0">
+            <a:schemeClr val="accent1"/>
+          </a:effectRef>
+          <a:fontRef idx="minor">
+            <a:schemeClr val="lt1"/>
+          </a:fontRef>
+        </p:style>
+        <p:txBody>
+          <a:bodyPr rtlCol="0" anchor="ctr"/>
+          <a:lstStyle/>
+          <a:p>
+            <a:pPr algn="ctr"/>
+            <a:endParaRPr lang="en-US"/>
+          </a:p>
+        </p:txBody>
+      </p:sp>
+      <p:grpSp>
+        <p:nvGrpSpPr>
+          <p:cNvPr id="25" name="Group 24">
+            <a:extLst>
+              <a:ext uri="{FF2B5EF4-FFF2-40B4-BE49-F238E27FC236}">
+                <a16:creationId xmlns:a16="http://schemas.microsoft.com/office/drawing/2014/main" id="{F938B951-7EFC-40A2-B198-E73D39DFB3FC}"/>
+              </a:ext>
+              <a:ext uri="{C183D7F6-B498-43B3-948B-1728B52AA6E4}">
+                <adec:decorative xmlns:adec="http://schemas.microsoft.com/office/drawing/2017/decorative" val="1"/>
+              </a:ext>
+            </a:extLst>
+          </p:cNvPr>
+          <p:cNvGrpSpPr>
+            <a:grpSpLocks noGrp="1" noUngrp="1" noRot="1" noChangeAspect="1" noMove="1" noResize="1"/>
+          </p:cNvGrpSpPr>
+          <p:nvPr>
+            <p:extLst>
+              <p:ext uri="{386F3935-93C4-4BCD-93E2-E3B085C9AB24}">
+                <p16:designElem xmlns:p16="http://schemas.microsoft.com/office/powerpoint/2015/main" val="1"/>
+              </p:ext>
+            </p:extLst>
+          </p:nvPr>
+        </p:nvGrpSpPr>
+        <p:grpSpPr>
+          <a:xfrm>
+            <a:off x="0" y="0"/>
+            <a:ext cx="9144000" cy="6858000"/>
+            <a:chOff x="0" y="0"/>
+            <a:chExt cx="12192000" cy="6858000"/>
+          </a:xfrm>
+        </p:grpSpPr>
+        <p:sp>
+          <p:nvSpPr>
+            <p:cNvPr id="26" name="Rectangle 25">
+              <a:extLst>
+                <a:ext uri="{FF2B5EF4-FFF2-40B4-BE49-F238E27FC236}">
+                  <a16:creationId xmlns:a16="http://schemas.microsoft.com/office/drawing/2014/main" id="{92E4506E-6A0E-49A0-BC31-8CADBFF3ECCF}"/>
+                </a:ext>
+                <a:ext uri="{C183D7F6-B498-43B3-948B-1728B52AA6E4}">
+                  <adec:decorative xmlns:adec="http://schemas.microsoft.com/office/drawing/2017/decorative" val="1"/>
+                </a:ext>
+              </a:extLst>
+            </p:cNvPr>
+            <p:cNvSpPr/>
+            <p:nvPr>
+              <p:extLst>
+                <p:ext uri="{386F3935-93C4-4BCD-93E2-E3B085C9AB24}">
+                  <p16:designElem xmlns:p16="http://schemas.microsoft.com/office/powerpoint/2015/main" val="1"/>
+                </p:ext>
+              </p:extLst>
+            </p:nvPr>
+          </p:nvSpPr>
+          <p:spPr>
+            <a:xfrm>
+              <a:off x="0" y="0"/>
+              <a:ext cx="12192000" cy="6858000"/>
+            </a:xfrm>
+            <a:prstGeom prst="rect">
+              <a:avLst/>
+            </a:prstGeom>
             <a:solidFill>
+              <a:schemeClr val="bg1">
+                <a:lumMod val="95000"/>
+              </a:schemeClr>
+            </a:solidFill>
+            <a:ln>
+              <a:noFill/>
+            </a:ln>
+          </p:spPr>
+          <p:style>
+            <a:lnRef idx="2">
+              <a:schemeClr val="accent1">
+                <a:shade val="50000"/>
+              </a:schemeClr>
+            </a:lnRef>
+            <a:fillRef idx="1">
               <a:schemeClr val="accent1"/>
+            </a:fillRef>
+            <a:effectRef idx="0">
+              <a:schemeClr val="accent1"/>
+            </a:effectRef>
+            <a:fontRef idx="minor">
+              <a:schemeClr val="lt1"/>
+            </a:fontRef>
+          </p:style>
+          <p:txBody>
+            <a:bodyPr rtlCol="0" anchor="ctr"/>
+            <a:lstStyle/>
+            <a:p>
+              <a:pPr algn="ctr"/>
+              <a:endParaRPr lang="en-US"/>
+            </a:p>
+          </p:txBody>
+        </p:sp>
+        <p:sp>
+          <p:nvSpPr>
+            <p:cNvPr id="27" name="Rectangle 26">
+              <a:extLst>
+                <a:ext uri="{FF2B5EF4-FFF2-40B4-BE49-F238E27FC236}">
+                  <a16:creationId xmlns:a16="http://schemas.microsoft.com/office/drawing/2014/main" id="{EEED4D51-65BF-4AEE-B596-7CB61A70B966}"/>
+                </a:ext>
+                <a:ext uri="{C183D7F6-B498-43B3-948B-1728B52AA6E4}">
+                  <adec:decorative xmlns:adec="http://schemas.microsoft.com/office/drawing/2017/decorative" val="1"/>
+                </a:ext>
+              </a:extLst>
+            </p:cNvPr>
+            <p:cNvSpPr/>
+            <p:nvPr>
+              <p:extLst>
+                <p:ext uri="{386F3935-93C4-4BCD-93E2-E3B085C9AB24}">
+                  <p16:designElem xmlns:p16="http://schemas.microsoft.com/office/powerpoint/2015/main" val="1"/>
+                </p:ext>
+              </p:extLst>
+            </p:nvPr>
+          </p:nvSpPr>
+          <p:spPr>
+            <a:xfrm>
+              <a:off x="0" y="0"/>
+              <a:ext cx="12192000" cy="6858000"/>
+            </a:xfrm>
+            <a:prstGeom prst="rect">
+              <a:avLst/>
+            </a:prstGeom>
+            <a:solidFill>
+              <a:schemeClr val="accent4">
+                <a:lumMod val="75000"/>
+                <a:alpha val="7000"/>
+              </a:schemeClr>
             </a:solidFill>
-          </a:ln>
+            <a:ln>
+              <a:noFill/>
+            </a:ln>
+          </p:spPr>
+          <p:style>
+            <a:lnRef idx="2">
+              <a:schemeClr val="accent1">
+                <a:shade val="50000"/>
+              </a:schemeClr>
+            </a:lnRef>
+            <a:fillRef idx="1">
+              <a:schemeClr val="accent1"/>
+            </a:fillRef>
+            <a:effectRef idx="0">
+              <a:schemeClr val="accent1"/>
+            </a:effectRef>
+            <a:fontRef idx="minor">
+              <a:schemeClr val="lt1"/>
+            </a:fontRef>
+          </p:style>
+          <p:txBody>
+            <a:bodyPr rtlCol="0" anchor="ctr"/>
+            <a:lstStyle/>
+            <a:p>
+              <a:pPr algn="ctr"/>
+              <a:endParaRPr lang="en-US"/>
+            </a:p>
+          </p:txBody>
+        </p:sp>
+      </p:grpSp>
+      <p:sp>
+        <p:nvSpPr>
+          <p:cNvPr id="2" name="Title 1"/>
+          <p:cNvSpPr>
+            <a:spLocks noGrp="1"/>
+          </p:cNvSpPr>
+          <p:nvPr>
+            <p:ph type="title"/>
+          </p:nvPr>
+        </p:nvSpPr>
+        <p:spPr>
+          <a:xfrm>
+            <a:off x="413147" y="366639"/>
+            <a:ext cx="8317705" cy="675441"/>
+          </a:xfrm>
         </p:spPr>
         <p:txBody>
-          <a:bodyPr wrap="none" rtlCol="0">
-            <a:spAutoFit/>
+          <a:bodyPr vert="horz" wrap="square" lIns="91440" tIns="45720" rIns="91440" bIns="45720" rtlCol="0" anchor="t">
+            <a:normAutofit/>
           </a:bodyPr>
           <a:lstStyle/>
           <a:p>
-            <a:r>
-              <a:rPr lang="en-US" sz="1600" dirty="0"/>
-              <a:t>To spread a figure across two columns:</a:t>
-            </a:r>
-          </a:p>
-          <a:p>
-            <a:endParaRPr lang="en-US" sz="1600" dirty="0"/>
-          </a:p>
-          <a:p>
-            <a:r>
-              <a:rPr lang="en-US" sz="1600" dirty="0"/>
-              <a:t>Use the figure* environment. So instead of</a:t>
-            </a:r>
-          </a:p>
-          <a:p>
-            <a:endParaRPr lang="en-US" sz="1600" dirty="0"/>
-          </a:p>
-          <a:p>
-            <a:r>
-              <a:rPr lang="en-US" sz="1600" b="1" dirty="0"/>
-              <a:t>\begin{figure}[</a:t>
-            </a:r>
-            <a:r>
-              <a:rPr lang="en-US" sz="1600" b="1" dirty="0" err="1"/>
-              <a:t>ht</a:t>
-            </a:r>
-            <a:r>
-              <a:rPr lang="en-US" sz="1600" b="1" dirty="0"/>
-              <a:t>]</a:t>
-            </a:r>
-          </a:p>
-          <a:p>
-            <a:r>
-              <a:rPr lang="en-US" sz="1600" b="1" dirty="0"/>
-              <a:t>\centering</a:t>
-            </a:r>
-          </a:p>
-          <a:p>
-            <a:r>
-              <a:rPr lang="en-US" sz="1600" b="1" dirty="0"/>
-              <a:t>...</a:t>
-            </a:r>
-          </a:p>
-          <a:p>
-            <a:r>
-              <a:rPr lang="en-US" sz="1600" b="1" dirty="0"/>
-              <a:t>\end{figure}</a:t>
-            </a:r>
-          </a:p>
-          <a:p>
-            <a:endParaRPr lang="en-US" sz="1600" dirty="0"/>
-          </a:p>
-          <a:p>
-            <a:r>
-              <a:rPr lang="en-US" sz="1600" dirty="0"/>
-              <a:t>you should use</a:t>
-            </a:r>
-          </a:p>
-          <a:p>
-            <a:endParaRPr lang="en-US" sz="1600" dirty="0"/>
-          </a:p>
-          <a:p>
-            <a:r>
-              <a:rPr lang="en-US" sz="1600" b="1" dirty="0"/>
-              <a:t>\begin{figure*}[</a:t>
-            </a:r>
-            <a:r>
-              <a:rPr lang="en-US" sz="1600" b="1" dirty="0" err="1"/>
-              <a:t>ht</a:t>
-            </a:r>
-            <a:r>
-              <a:rPr lang="en-US" sz="1600" b="1" dirty="0"/>
-              <a:t>]</a:t>
-            </a:r>
-          </a:p>
-          <a:p>
-            <a:r>
-              <a:rPr lang="en-US" sz="1600" b="1" dirty="0"/>
-              <a:t>\centering</a:t>
-            </a:r>
-          </a:p>
-          <a:p>
-            <a:r>
-              <a:rPr lang="en-US" sz="1600" b="1" dirty="0"/>
-              <a:t>...</a:t>
-            </a:r>
-          </a:p>
-          <a:p>
-            <a:r>
-              <a:rPr lang="en-US" sz="1600" b="1" dirty="0"/>
-              <a:t>\end{figure*}</a:t>
-            </a:r>
-          </a:p>
-          <a:p>
-            <a:endParaRPr lang="en-US" sz="1600" b="1" dirty="0"/>
-          </a:p>
-          <a:p>
-            <a:r>
-              <a:rPr lang="en-US" sz="1600" dirty="0"/>
-              <a:t>This also works for tables (i.e. table*).</a:t>
-            </a:r>
-          </a:p>
-        </p:txBody>
-      </p:sp>
+            <a:pPr algn="l" eaLnBrk="1" hangingPunct="1">
+              <a:lnSpc>
+                <a:spcPct val="90000"/>
+              </a:lnSpc>
+            </a:pPr>
+            <a:r>
+              <a:rPr lang="en-US" sz="3700" kern="1200">
+                <a:solidFill>
+                  <a:schemeClr val="tx1"/>
+                </a:solidFill>
+              </a:rPr>
+              <a:t>Terms, Concepts, Procedures</a:t>
+            </a:r>
+            <a:endParaRPr lang="en-US" sz="3700" kern="1200" dirty="0">
+              <a:solidFill>
+                <a:schemeClr val="tx1"/>
+              </a:solidFill>
+            </a:endParaRPr>
+          </a:p>
+        </p:txBody>
+      </p:sp>
+      <p:sp>
+        <p:nvSpPr>
+          <p:cNvPr id="3" name="Content Placeholder 2"/>
+          <p:cNvSpPr>
+            <a:spLocks noGrp="1"/>
+          </p:cNvSpPr>
+          <p:nvPr>
+            <p:ph idx="1"/>
+          </p:nvPr>
+        </p:nvSpPr>
+        <p:spPr>
+          <a:xfrm>
+            <a:off x="413147" y="1111187"/>
+            <a:ext cx="8317705" cy="643253"/>
+          </a:xfrm>
+        </p:spPr>
+        <p:txBody>
+          <a:bodyPr vert="horz" wrap="square" lIns="91440" tIns="45720" rIns="91440" bIns="45720" rtlCol="0" anchor="t">
+            <a:normAutofit/>
+          </a:bodyPr>
+          <a:lstStyle/>
+          <a:p>
+            <a:pPr marL="0" indent="0" eaLnBrk="1" hangingPunct="1">
+              <a:lnSpc>
+                <a:spcPct val="90000"/>
+              </a:lnSpc>
+              <a:spcBef>
+                <a:spcPts val="1000"/>
+              </a:spcBef>
+              <a:buNone/>
+            </a:pPr>
+            <a:r>
+              <a:rPr lang="en-US" sz="3500" kern="1200">
+                <a:solidFill>
+                  <a:schemeClr val="tx1">
+                    <a:alpha val="60000"/>
+                  </a:schemeClr>
+                </a:solidFill>
+              </a:rPr>
+              <a:t>Use lists</a:t>
+            </a:r>
+            <a:endParaRPr lang="en-US" sz="3500" kern="1200" dirty="0">
+              <a:solidFill>
+                <a:schemeClr val="tx1">
+                  <a:alpha val="60000"/>
+                </a:schemeClr>
+              </a:solidFill>
+            </a:endParaRPr>
+          </a:p>
+        </p:txBody>
+      </p:sp>
+      <p:sp>
+        <p:nvSpPr>
+          <p:cNvPr id="4" name="Footer Placeholder 3"/>
+          <p:cNvSpPr>
+            <a:spLocks noGrp="1"/>
+          </p:cNvSpPr>
+          <p:nvPr>
+            <p:ph type="ftr" sz="quarter" idx="11"/>
+          </p:nvPr>
+        </p:nvSpPr>
+        <p:spPr>
+          <a:xfrm>
+            <a:off x="413146" y="6307200"/>
+            <a:ext cx="8317706" cy="550800"/>
+          </a:xfrm>
+        </p:spPr>
+        <p:txBody>
+          <a:bodyPr vert="horz" lIns="91440" tIns="45720" rIns="91440" bIns="45720" rtlCol="0" anchor="ctr">
+            <a:normAutofit/>
+          </a:bodyPr>
+          <a:lstStyle/>
+          <a:p>
+            <a:pPr eaLnBrk="1" hangingPunct="1">
+              <a:spcAft>
+                <a:spcPts val="600"/>
+              </a:spcAft>
+            </a:pPr>
+            <a:r>
+              <a:rPr lang="en-US" sz="900" kern="1200">
+                <a:solidFill>
+                  <a:schemeClr val="tx1">
+                    <a:tint val="75000"/>
+                  </a:schemeClr>
+                </a:solidFill>
+                <a:latin typeface="+mn-lt"/>
+                <a:ea typeface="+mn-ea"/>
+                <a:cs typeface="+mn-cs"/>
+              </a:rPr>
+              <a:t>CSCI 373 Mike Heroux</a:t>
+            </a:r>
+          </a:p>
+        </p:txBody>
+      </p:sp>
+      <p:sp>
+        <p:nvSpPr>
+          <p:cNvPr id="5" name="Slide Number Placeholder 4"/>
+          <p:cNvSpPr>
+            <a:spLocks noGrp="1"/>
+          </p:cNvSpPr>
+          <p:nvPr>
+            <p:ph type="sldNum" sz="quarter" idx="12"/>
+          </p:nvPr>
+        </p:nvSpPr>
+        <p:spPr>
+          <a:xfrm rot="5400000">
+            <a:off x="6775226" y="3148837"/>
+            <a:ext cx="4326732" cy="550800"/>
+          </a:xfrm>
+        </p:spPr>
+        <p:txBody>
+          <a:bodyPr vert="horz" lIns="91440" tIns="45720" rIns="91440" bIns="45720" rtlCol="0" anchor="ctr">
+            <a:normAutofit/>
+          </a:bodyPr>
+          <a:lstStyle/>
+          <a:p>
+            <a:pPr algn="ctr" eaLnBrk="1" hangingPunct="1">
+              <a:spcAft>
+                <a:spcPts val="600"/>
+              </a:spcAft>
+            </a:pPr>
+            <a:fld id="{8889F5FB-2D0D-7848-BB6D-41089A488CF6}" type="slidenum">
+              <a:rPr lang="en-US" sz="900" smtClean="0">
+                <a:solidFill>
+                  <a:schemeClr val="tx1">
+                    <a:tint val="75000"/>
+                  </a:schemeClr>
+                </a:solidFill>
+                <a:latin typeface="+mn-lt"/>
+              </a:rPr>
+              <a:pPr algn="ctr" eaLnBrk="1" hangingPunct="1">
+                <a:spcAft>
+                  <a:spcPts val="600"/>
+                </a:spcAft>
+              </a:pPr>
+              <a:t>3</a:t>
+            </a:fld>
+            <a:endParaRPr lang="en-US" sz="900">
+              <a:solidFill>
+                <a:schemeClr val="tx1">
+                  <a:tint val="75000"/>
+                </a:schemeClr>
+              </a:solidFill>
+              <a:latin typeface="+mn-lt"/>
+            </a:endParaRPr>
+          </a:p>
+        </p:txBody>
+      </p:sp>
+      <p:pic>
+        <p:nvPicPr>
+          <p:cNvPr id="19" name="Picture 18">
+            <a:extLst>
+              <a:ext uri="{FF2B5EF4-FFF2-40B4-BE49-F238E27FC236}">
+                <a16:creationId xmlns:a16="http://schemas.microsoft.com/office/drawing/2014/main" id="{4B335A57-A6ED-2BD9-E23A-2D236305DF3F}"/>
+              </a:ext>
+            </a:extLst>
+          </p:cNvPr>
+          <p:cNvPicPr>
+            <a:picLocks noChangeAspect="1"/>
+          </p:cNvPicPr>
+          <p:nvPr/>
+        </p:nvPicPr>
+        <p:blipFill>
+          <a:blip r:embed="rId2"/>
+          <a:stretch>
+            <a:fillRect/>
+          </a:stretch>
+        </p:blipFill>
+        <p:spPr>
+          <a:xfrm>
+            <a:off x="5442484" y="1754439"/>
+            <a:ext cx="3525684" cy="4662631"/>
+          </a:xfrm>
+          <a:prstGeom prst="rect">
+            <a:avLst/>
+          </a:prstGeom>
+        </p:spPr>
+      </p:pic>
+      <p:pic>
+        <p:nvPicPr>
+          <p:cNvPr id="20" name="Picture 19">
+            <a:extLst>
+              <a:ext uri="{FF2B5EF4-FFF2-40B4-BE49-F238E27FC236}">
+                <a16:creationId xmlns:a16="http://schemas.microsoft.com/office/drawing/2014/main" id="{8ACAABA0-B92F-FE26-A0F5-4ADB999AAE8F}"/>
+              </a:ext>
+            </a:extLst>
+          </p:cNvPr>
+          <p:cNvPicPr>
+            <a:picLocks noChangeAspect="1"/>
+          </p:cNvPicPr>
+          <p:nvPr/>
+        </p:nvPicPr>
+        <p:blipFill>
+          <a:blip r:embed="rId3"/>
+          <a:stretch>
+            <a:fillRect/>
+          </a:stretch>
+        </p:blipFill>
+        <p:spPr>
+          <a:xfrm>
+            <a:off x="0" y="1761677"/>
+            <a:ext cx="5226042" cy="4545523"/>
+          </a:xfrm>
+          <a:prstGeom prst="rect">
+            <a:avLst/>
+          </a:prstGeom>
+        </p:spPr>
+      </p:pic>
     </p:spTree>
     <p:extLst>
       <p:ext uri="{BB962C8B-B14F-4D97-AF65-F5344CB8AC3E}">
-        <p14:creationId xmlns:p14="http://schemas.microsoft.com/office/powerpoint/2010/main" val="3259667042"/>
+        <p14:creationId xmlns:p14="http://schemas.microsoft.com/office/powerpoint/2010/main" val="1069487752"/>
       </p:ext>
     </p:extLst>
   </p:cSld>
@@ -4519,19 +5815,14 @@
             <p:ph type="title"/>
           </p:nvPr>
         </p:nvSpPr>
-        <p:spPr>
-          <a:xfrm>
-            <a:off x="685800" y="228600"/>
-            <a:ext cx="7772400" cy="685800"/>
-          </a:xfrm>
-        </p:spPr>
+        <p:spPr/>
         <p:txBody>
           <a:bodyPr/>
           <a:lstStyle/>
           <a:p>
             <a:r>
               <a:rPr lang="en-US" dirty="0"/>
-              <a:t>Writing Rules</a:t>
+              <a:t>Spacing using ~</a:t>
             </a:r>
           </a:p>
         </p:txBody>
@@ -4546,12 +5837,7 @@
             <p:ph idx="1"/>
           </p:nvPr>
         </p:nvSpPr>
-        <p:spPr>
-          <a:xfrm>
-            <a:off x="685800" y="914400"/>
-            <a:ext cx="7772400" cy="5181600"/>
-          </a:xfrm>
-        </p:spPr>
+        <p:spPr/>
         <p:txBody>
           <a:bodyPr/>
           <a:lstStyle/>
@@ -4560,146 +5846,27 @@
               <a:buNone/>
             </a:pPr>
             <a:r>
-              <a:rPr lang="en-US" sz="2000" b="1" dirty="0"/>
-              <a:t>Rule #7</a:t>
-            </a:r>
-            <a:r>
-              <a:rPr lang="en-US" sz="2000" dirty="0"/>
-              <a:t>: </a:t>
-            </a:r>
-          </a:p>
-          <a:p>
-            <a:pPr lvl="1"/>
-            <a:r>
-              <a:rPr lang="en-US" sz="1800" dirty="0"/>
-              <a:t>Use pictures, charts and graphs, </a:t>
-            </a:r>
-          </a:p>
-          <a:p>
-            <a:pPr lvl="1"/>
-            <a:r>
-              <a:rPr lang="en-US" sz="1800" dirty="0"/>
-              <a:t>But keep in mind #4 (Simplicity). </a:t>
-            </a:r>
-          </a:p>
-          <a:p>
-            <a:pPr marL="0" indent="0">
-              <a:buNone/>
-            </a:pPr>
-            <a:r>
-              <a:rPr lang="en-US" sz="2000" b="1" dirty="0"/>
-              <a:t>Rule #8</a:t>
-            </a:r>
-            <a:r>
-              <a:rPr lang="en-US" sz="2000" dirty="0"/>
-              <a:t>: Use examples to explain complex ideas. </a:t>
-            </a:r>
-          </a:p>
-          <a:p>
-            <a:pPr marL="0" indent="0">
-              <a:buNone/>
-            </a:pPr>
-            <a:r>
-              <a:rPr lang="en-US" sz="2000" b="1" dirty="0"/>
-              <a:t>Rule #9</a:t>
-            </a:r>
-            <a:r>
-              <a:rPr lang="en-US" sz="2000" dirty="0"/>
-              <a:t>: Use: </a:t>
-            </a:r>
-          </a:p>
-          <a:p>
-            <a:pPr lvl="1"/>
-            <a:r>
-              <a:rPr lang="en-US" sz="1600" dirty="0"/>
-              <a:t>Headings (Chapter, Section, etc.). </a:t>
-            </a:r>
-          </a:p>
-          <a:p>
-            <a:pPr lvl="1"/>
-            <a:r>
-              <a:rPr lang="en-US" sz="1600" dirty="0"/>
-              <a:t>Bulleted Lists. </a:t>
-            </a:r>
-          </a:p>
-          <a:p>
-            <a:pPr lvl="1"/>
-            <a:r>
-              <a:rPr lang="en-US" sz="1600" dirty="0"/>
-              <a:t>Numbered lists.</a:t>
-            </a:r>
-          </a:p>
-          <a:p>
-            <a:pPr marL="0" indent="0">
-              <a:buNone/>
-            </a:pPr>
-            <a:r>
-              <a:rPr lang="en-US" sz="2400" dirty="0"/>
-              <a:t>to provide structure, clarity and conciseness to your document. </a:t>
-            </a:r>
-          </a:p>
-          <a:p>
-            <a:pPr marL="0" indent="0">
-              <a:buNone/>
-            </a:pPr>
-            <a:r>
-              <a:rPr lang="en-US" sz="2000" b="1" dirty="0"/>
-              <a:t>Rule #10</a:t>
-            </a:r>
-            <a:r>
-              <a:rPr lang="en-US" sz="2000" dirty="0"/>
-              <a:t>: Provide guidance : </a:t>
-            </a:r>
-          </a:p>
-          <a:p>
-            <a:pPr lvl="1"/>
-            <a:r>
-              <a:rPr lang="en-US" sz="1600" dirty="0"/>
-              <a:t>Table of Contents. </a:t>
-            </a:r>
-          </a:p>
-          <a:p>
-            <a:pPr lvl="1"/>
-            <a:r>
-              <a:rPr lang="en-US" sz="1600" dirty="0"/>
-              <a:t>List of Figures, list of Tables. </a:t>
-            </a:r>
-          </a:p>
-          <a:p>
-            <a:pPr lvl="1"/>
-            <a:r>
-              <a:rPr lang="en-US" sz="1600" dirty="0"/>
-              <a:t>Index and Glossary.</a:t>
-            </a:r>
-          </a:p>
-          <a:p>
-            <a:pPr lvl="1"/>
-            <a:r>
-              <a:rPr lang="en-US" sz="1600" dirty="0"/>
-              <a:t>Abstract.</a:t>
-            </a:r>
-          </a:p>
-          <a:p>
-            <a:pPr lvl="1"/>
-            <a:r>
-              <a:rPr lang="en-US" sz="1600" dirty="0"/>
-              <a:t>Note: </a:t>
-            </a:r>
-            <a:r>
-              <a:rPr lang="en-US" sz="1600" dirty="0" err="1"/>
-              <a:t>LaTeX</a:t>
-            </a:r>
-            <a:r>
-              <a:rPr lang="en-US" sz="1600" dirty="0"/>
-              <a:t> provides these!</a:t>
-            </a:r>
-            <a:br>
-              <a:rPr lang="en-US" sz="1200" dirty="0"/>
-            </a:br>
-            <a:endParaRPr lang="en-US" sz="1200" dirty="0"/>
-          </a:p>
-          <a:p>
-            <a:endParaRPr lang="en-US" sz="2000" dirty="0"/>
+              <a:rPr lang="en-US" dirty="0"/>
+              <a:t>Use ~:</a:t>
+            </a:r>
+          </a:p>
+          <a:p>
+            <a:r>
+              <a:rPr lang="en-US" dirty="0"/>
+              <a:t>In Smith and Jones~\cite{2014SmithJones}, we see that …</a:t>
+            </a:r>
+          </a:p>
+          <a:p>
+            <a:r>
+              <a:rPr lang="en-US" dirty="0"/>
+              <a:t>In Section~\ref{intro}, …</a:t>
+            </a:r>
+          </a:p>
+          <a:p>
+            <a:r>
+              <a:rPr lang="en-US" dirty="0"/>
+              <a:t>In Figure~\ref{fig1}, …</a:t>
+            </a:r>
           </a:p>
         </p:txBody>
       </p:sp>
@@ -4753,7 +5920,7 @@
     </p:spTree>
     <p:extLst>
       <p:ext uri="{BB962C8B-B14F-4D97-AF65-F5344CB8AC3E}">
-        <p14:creationId xmlns:p14="http://schemas.microsoft.com/office/powerpoint/2010/main" val="1281507041"/>
+        <p14:creationId xmlns:p14="http://schemas.microsoft.com/office/powerpoint/2010/main" val="3666137103"/>
       </p:ext>
     </p:extLst>
   </p:cSld>
@@ -4790,6 +5957,952 @@
             <p:ph type="title"/>
           </p:nvPr>
         </p:nvSpPr>
+        <p:spPr/>
+        <p:txBody>
+          <a:bodyPr/>
+          <a:lstStyle/>
+          <a:p>
+            <a:r>
+              <a:rPr lang="en-US" dirty="0"/>
+              <a:t>Figures</a:t>
+            </a:r>
+          </a:p>
+        </p:txBody>
+      </p:sp>
+      <p:sp>
+        <p:nvSpPr>
+          <p:cNvPr id="3" name="Content Placeholder 2"/>
+          <p:cNvSpPr>
+            <a:spLocks noGrp="1"/>
+          </p:cNvSpPr>
+          <p:nvPr>
+            <p:ph idx="1"/>
+          </p:nvPr>
+        </p:nvSpPr>
+        <p:spPr>
+          <a:xfrm>
+            <a:off x="202481" y="1441295"/>
+            <a:ext cx="4572000" cy="4648200"/>
+          </a:xfrm>
+        </p:spPr>
+        <p:txBody>
+          <a:bodyPr/>
+          <a:lstStyle/>
+          <a:p>
+            <a:pPr marL="0" indent="0">
+              <a:buNone/>
+            </a:pPr>
+            <a:r>
+              <a:rPr lang="en-US" dirty="0"/>
+              <a:t>Figures:</a:t>
+            </a:r>
+          </a:p>
+          <a:p>
+            <a:r>
+              <a:rPr lang="en-US" dirty="0"/>
+              <a:t>Graphs: </a:t>
+            </a:r>
+          </a:p>
+          <a:p>
+            <a:pPr lvl="1"/>
+            <a:r>
+              <a:rPr lang="en-US" dirty="0"/>
+              <a:t>Clearly label units, legend, title</a:t>
+            </a:r>
+          </a:p>
+          <a:p>
+            <a:r>
+              <a:rPr lang="en-US" dirty="0"/>
+              <a:t>Captions: </a:t>
+            </a:r>
+          </a:p>
+          <a:p>
+            <a:pPr lvl="1"/>
+            <a:r>
+              <a:rPr lang="en-US" dirty="0"/>
+              <a:t>Explain the figure in summary</a:t>
+            </a:r>
+          </a:p>
+          <a:p>
+            <a:pPr lvl="1"/>
+            <a:r>
+              <a:rPr lang="en-US" dirty="0"/>
+              <a:t>2-3 sentences that tell the story of the figure</a:t>
+            </a:r>
+          </a:p>
+        </p:txBody>
+      </p:sp>
+      <p:sp>
+        <p:nvSpPr>
+          <p:cNvPr id="4" name="Footer Placeholder 3"/>
+          <p:cNvSpPr>
+            <a:spLocks noGrp="1"/>
+          </p:cNvSpPr>
+          <p:nvPr>
+            <p:ph type="ftr" sz="quarter" idx="11"/>
+          </p:nvPr>
+        </p:nvSpPr>
+        <p:spPr/>
+        <p:txBody>
+          <a:bodyPr/>
+          <a:lstStyle/>
+          <a:p>
+            <a:r>
+              <a:rPr lang="en-US"/>
+              <a:t>CSCI 373 Mike Heroux</a:t>
+            </a:r>
+            <a:endParaRPr lang="en-US" dirty="0"/>
+          </a:p>
+        </p:txBody>
+      </p:sp>
+      <p:sp>
+        <p:nvSpPr>
+          <p:cNvPr id="5" name="Slide Number Placeholder 4"/>
+          <p:cNvSpPr>
+            <a:spLocks noGrp="1"/>
+          </p:cNvSpPr>
+          <p:nvPr>
+            <p:ph type="sldNum" sz="quarter" idx="12"/>
+          </p:nvPr>
+        </p:nvSpPr>
+        <p:spPr/>
+        <p:txBody>
+          <a:bodyPr/>
+          <a:lstStyle/>
+          <a:p>
+            <a:fld id="{8889F5FB-2D0D-7848-BB6D-41089A488CF6}" type="slidenum">
+              <a:rPr lang="en-US" smtClean="0"/>
+              <a:pPr/>
+              <a:t>5</a:t>
+            </a:fld>
+            <a:endParaRPr lang="en-US" dirty="0"/>
+          </a:p>
+        </p:txBody>
+      </p:sp>
+      <p:pic>
+        <p:nvPicPr>
+          <p:cNvPr id="7" name="Picture 6">
+            <a:extLst>
+              <a:ext uri="{FF2B5EF4-FFF2-40B4-BE49-F238E27FC236}">
+                <a16:creationId xmlns:a16="http://schemas.microsoft.com/office/drawing/2014/main" id="{F217EC3A-5194-6E8C-7C02-6EEB90A56371}"/>
+              </a:ext>
+            </a:extLst>
+          </p:cNvPr>
+          <p:cNvPicPr>
+            <a:picLocks noChangeAspect="1"/>
+          </p:cNvPicPr>
+          <p:nvPr/>
+        </p:nvPicPr>
+        <p:blipFill>
+          <a:blip r:embed="rId2"/>
+          <a:stretch>
+            <a:fillRect/>
+          </a:stretch>
+        </p:blipFill>
+        <p:spPr>
+          <a:xfrm>
+            <a:off x="4735830" y="1282390"/>
+            <a:ext cx="4381500" cy="3162300"/>
+          </a:xfrm>
+          <a:prstGeom prst="rect">
+            <a:avLst/>
+          </a:prstGeom>
+        </p:spPr>
+      </p:pic>
+      <p:sp>
+        <p:nvSpPr>
+          <p:cNvPr id="8" name="Rectangle 7">
+            <a:extLst>
+              <a:ext uri="{FF2B5EF4-FFF2-40B4-BE49-F238E27FC236}">
+                <a16:creationId xmlns:a16="http://schemas.microsoft.com/office/drawing/2014/main" id="{3745EB92-ECB5-3BA2-3346-0A76E3149469}"/>
+              </a:ext>
+            </a:extLst>
+          </p:cNvPr>
+          <p:cNvSpPr/>
+          <p:nvPr/>
+        </p:nvSpPr>
+        <p:spPr bwMode="auto">
+          <a:xfrm>
+            <a:off x="6743700" y="2565244"/>
+            <a:ext cx="2373630" cy="863755"/>
+          </a:xfrm>
+          <a:prstGeom prst="rect">
+            <a:avLst/>
+          </a:prstGeom>
+          <a:solidFill>
+            <a:schemeClr val="accent1">
+              <a:alpha val="32944"/>
+            </a:schemeClr>
+          </a:solidFill>
+          <a:ln w="9525" cap="flat" cmpd="sng" algn="ctr">
+            <a:solidFill>
+              <a:schemeClr val="tx1"/>
+            </a:solidFill>
+            <a:prstDash val="solid"/>
+            <a:round/>
+            <a:headEnd type="none" w="med" len="med"/>
+            <a:tailEnd type="none" w="med" len="med"/>
+          </a:ln>
+          <a:effectLst/>
+        </p:spPr>
+        <p:txBody>
+          <a:bodyPr vert="horz" wrap="none" lIns="91440" tIns="45720" rIns="91440" bIns="45720" numCol="1" rtlCol="0" anchor="t" anchorCtr="0" compatLnSpc="1">
+            <a:prstTxWarp prst="textNoShape">
+              <a:avLst/>
+            </a:prstTxWarp>
+          </a:bodyPr>
+          <a:lstStyle/>
+          <a:p>
+            <a:pPr marL="0" marR="0" indent="0" algn="l" defTabSz="914400" rtl="0" eaLnBrk="0" fontAlgn="base" latinLnBrk="0" hangingPunct="0">
+              <a:lnSpc>
+                <a:spcPct val="100000"/>
+              </a:lnSpc>
+              <a:spcBef>
+                <a:spcPct val="0"/>
+              </a:spcBef>
+              <a:spcAft>
+                <a:spcPct val="0"/>
+              </a:spcAft>
+              <a:buClrTx/>
+              <a:buSzTx/>
+              <a:buFontTx/>
+              <a:buNone/>
+              <a:tabLst/>
+            </a:pPr>
+            <a:endParaRPr kumimoji="0" lang="en-US" sz="2400" b="0" i="0" u="none" strike="noStrike" cap="none" normalizeH="0" baseline="0" dirty="0">
+              <a:ln>
+                <a:noFill/>
+              </a:ln>
+              <a:solidFill>
+                <a:schemeClr val="tx1"/>
+              </a:solidFill>
+              <a:effectLst/>
+              <a:latin typeface="Times New Roman" pitchFamily="-111" charset="0"/>
+            </a:endParaRPr>
+          </a:p>
+        </p:txBody>
+      </p:sp>
+    </p:spTree>
+    <p:extLst>
+      <p:ext uri="{BB962C8B-B14F-4D97-AF65-F5344CB8AC3E}">
+        <p14:creationId xmlns:p14="http://schemas.microsoft.com/office/powerpoint/2010/main" val="3259667042"/>
+      </p:ext>
+    </p:extLst>
+  </p:cSld>
+  <p:clrMapOvr>
+    <a:masterClrMapping/>
+  </p:clrMapOvr>
+</p:sld>
+</file>
+
+<file path=ppt/slides/slide6.xml><?xml version="1.0" encoding="utf-8"?>
+<p:sld xmlns:a="http://schemas.openxmlformats.org/drawingml/2006/main" xmlns:r="http://schemas.openxmlformats.org/officeDocument/2006/relationships" xmlns:p="http://schemas.openxmlformats.org/presentationml/2006/main">
+  <p:cSld>
+    <p:spTree>
+      <p:nvGrpSpPr>
+        <p:cNvPr id="1" name=""/>
+        <p:cNvGrpSpPr/>
+        <p:nvPr/>
+      </p:nvGrpSpPr>
+      <p:grpSpPr>
+        <a:xfrm>
+          <a:off x="0" y="0"/>
+          <a:ext cx="0" cy="0"/>
+          <a:chOff x="0" y="0"/>
+          <a:chExt cx="0" cy="0"/>
+        </a:xfrm>
+      </p:grpSpPr>
+      <p:sp>
+        <p:nvSpPr>
+          <p:cNvPr id="2" name="Title 1"/>
+          <p:cNvSpPr>
+            <a:spLocks noGrp="1"/>
+          </p:cNvSpPr>
+          <p:nvPr>
+            <p:ph type="title"/>
+          </p:nvPr>
+        </p:nvSpPr>
+        <p:spPr/>
+        <p:txBody>
+          <a:bodyPr/>
+          <a:lstStyle/>
+          <a:p>
+            <a:r>
+              <a:rPr lang="en-US" dirty="0"/>
+              <a:t>Wide figures</a:t>
+            </a:r>
+          </a:p>
+        </p:txBody>
+      </p:sp>
+      <p:sp>
+        <p:nvSpPr>
+          <p:cNvPr id="3" name="Content Placeholder 2"/>
+          <p:cNvSpPr>
+            <a:spLocks noGrp="1"/>
+          </p:cNvSpPr>
+          <p:nvPr>
+            <p:ph idx="1"/>
+          </p:nvPr>
+        </p:nvSpPr>
+        <p:spPr>
+          <a:xfrm>
+            <a:off x="202481" y="1441295"/>
+            <a:ext cx="4572000" cy="4648200"/>
+          </a:xfrm>
+        </p:spPr>
+        <p:txBody>
+          <a:bodyPr/>
+          <a:lstStyle/>
+          <a:p>
+            <a:r>
+              <a:rPr lang="en-US" dirty="0"/>
+              <a:t>Spreading a figure across two columns</a:t>
+            </a:r>
+          </a:p>
+          <a:p>
+            <a:pPr lvl="1"/>
+            <a:r>
+              <a:rPr lang="en-US" dirty="0"/>
+              <a:t>Use figure*</a:t>
+            </a:r>
+          </a:p>
+        </p:txBody>
+      </p:sp>
+      <p:sp>
+        <p:nvSpPr>
+          <p:cNvPr id="4" name="Footer Placeholder 3"/>
+          <p:cNvSpPr>
+            <a:spLocks noGrp="1"/>
+          </p:cNvSpPr>
+          <p:nvPr>
+            <p:ph type="ftr" sz="quarter" idx="11"/>
+          </p:nvPr>
+        </p:nvSpPr>
+        <p:spPr/>
+        <p:txBody>
+          <a:bodyPr/>
+          <a:lstStyle/>
+          <a:p>
+            <a:r>
+              <a:rPr lang="en-US"/>
+              <a:t>CSCI 373 Mike Heroux</a:t>
+            </a:r>
+            <a:endParaRPr lang="en-US" dirty="0"/>
+          </a:p>
+        </p:txBody>
+      </p:sp>
+      <p:sp>
+        <p:nvSpPr>
+          <p:cNvPr id="5" name="Slide Number Placeholder 4"/>
+          <p:cNvSpPr>
+            <a:spLocks noGrp="1"/>
+          </p:cNvSpPr>
+          <p:nvPr>
+            <p:ph type="sldNum" sz="quarter" idx="12"/>
+          </p:nvPr>
+        </p:nvSpPr>
+        <p:spPr/>
+        <p:txBody>
+          <a:bodyPr/>
+          <a:lstStyle/>
+          <a:p>
+            <a:fld id="{8889F5FB-2D0D-7848-BB6D-41089A488CF6}" type="slidenum">
+              <a:rPr lang="en-US" smtClean="0"/>
+              <a:pPr/>
+              <a:t>6</a:t>
+            </a:fld>
+            <a:endParaRPr lang="en-US" dirty="0"/>
+          </a:p>
+        </p:txBody>
+      </p:sp>
+      <p:sp>
+        <p:nvSpPr>
+          <p:cNvPr id="6" name="TextBox 5"/>
+          <p:cNvSpPr txBox="1"/>
+          <p:nvPr/>
+        </p:nvSpPr>
+        <p:spPr>
+          <a:xfrm>
+            <a:off x="5029200" y="1530505"/>
+            <a:ext cx="3720890" cy="4278094"/>
+          </a:xfrm>
+          <a:prstGeom prst="rect">
+            <a:avLst/>
+          </a:prstGeom>
+          <a:noFill/>
+          <a:ln>
+            <a:solidFill>
+              <a:schemeClr val="accent1"/>
+            </a:solidFill>
+          </a:ln>
+        </p:spPr>
+        <p:txBody>
+          <a:bodyPr wrap="none" rtlCol="0">
+            <a:spAutoFit/>
+          </a:bodyPr>
+          <a:lstStyle/>
+          <a:p>
+            <a:r>
+              <a:rPr lang="en-US" sz="1600" dirty="0"/>
+              <a:t>To spread a figure across two columns:</a:t>
+            </a:r>
+          </a:p>
+          <a:p>
+            <a:endParaRPr lang="en-US" sz="1600" dirty="0"/>
+          </a:p>
+          <a:p>
+            <a:r>
+              <a:rPr lang="en-US" sz="1600" dirty="0"/>
+              <a:t>Use the figure* environment. So instead of</a:t>
+            </a:r>
+          </a:p>
+          <a:p>
+            <a:endParaRPr lang="en-US" sz="1600" dirty="0"/>
+          </a:p>
+          <a:p>
+            <a:r>
+              <a:rPr lang="en-US" sz="1600" b="1" dirty="0"/>
+              <a:t>\begin{figure}[</a:t>
+            </a:r>
+            <a:r>
+              <a:rPr lang="en-US" sz="1600" b="1" dirty="0" err="1"/>
+              <a:t>ht</a:t>
+            </a:r>
+            <a:r>
+              <a:rPr lang="en-US" sz="1600" b="1" dirty="0"/>
+              <a:t>]</a:t>
+            </a:r>
+          </a:p>
+          <a:p>
+            <a:r>
+              <a:rPr lang="en-US" sz="1600" b="1" dirty="0"/>
+              <a:t>\centering</a:t>
+            </a:r>
+          </a:p>
+          <a:p>
+            <a:r>
+              <a:rPr lang="en-US" sz="1600" b="1" dirty="0"/>
+              <a:t>...</a:t>
+            </a:r>
+          </a:p>
+          <a:p>
+            <a:r>
+              <a:rPr lang="en-US" sz="1600" b="1" dirty="0"/>
+              <a:t>\end{figure}</a:t>
+            </a:r>
+          </a:p>
+          <a:p>
+            <a:endParaRPr lang="en-US" sz="1600" dirty="0"/>
+          </a:p>
+          <a:p>
+            <a:r>
+              <a:rPr lang="en-US" sz="1600" dirty="0"/>
+              <a:t>you should use</a:t>
+            </a:r>
+          </a:p>
+          <a:p>
+            <a:endParaRPr lang="en-US" sz="1600" dirty="0"/>
+          </a:p>
+          <a:p>
+            <a:r>
+              <a:rPr lang="en-US" sz="1600" b="1" dirty="0"/>
+              <a:t>\begin{figure*}[</a:t>
+            </a:r>
+            <a:r>
+              <a:rPr lang="en-US" sz="1600" b="1" dirty="0" err="1"/>
+              <a:t>ht</a:t>
+            </a:r>
+            <a:r>
+              <a:rPr lang="en-US" sz="1600" b="1" dirty="0"/>
+              <a:t>]</a:t>
+            </a:r>
+          </a:p>
+          <a:p>
+            <a:r>
+              <a:rPr lang="en-US" sz="1600" b="1" dirty="0"/>
+              <a:t>\centering</a:t>
+            </a:r>
+          </a:p>
+          <a:p>
+            <a:r>
+              <a:rPr lang="en-US" sz="1600" b="1" dirty="0"/>
+              <a:t>...</a:t>
+            </a:r>
+          </a:p>
+          <a:p>
+            <a:r>
+              <a:rPr lang="en-US" sz="1600" b="1" dirty="0"/>
+              <a:t>\end{figure*}</a:t>
+            </a:r>
+          </a:p>
+          <a:p>
+            <a:endParaRPr lang="en-US" sz="1600" b="1" dirty="0"/>
+          </a:p>
+          <a:p>
+            <a:r>
+              <a:rPr lang="en-US" sz="1600" dirty="0"/>
+              <a:t>This also works for tables (i.e. table*).</a:t>
+            </a:r>
+          </a:p>
+        </p:txBody>
+      </p:sp>
+      <p:sp>
+        <p:nvSpPr>
+          <p:cNvPr id="7" name="Rectangle 6">
+            <a:extLst>
+              <a:ext uri="{FF2B5EF4-FFF2-40B4-BE49-F238E27FC236}">
+                <a16:creationId xmlns:a16="http://schemas.microsoft.com/office/drawing/2014/main" id="{10068E44-D3B4-FFF4-7750-E013FFFF2A5C}"/>
+              </a:ext>
+            </a:extLst>
+          </p:cNvPr>
+          <p:cNvSpPr/>
+          <p:nvPr/>
+        </p:nvSpPr>
+        <p:spPr bwMode="auto">
+          <a:xfrm>
+            <a:off x="5638800" y="4267200"/>
+            <a:ext cx="762000" cy="228600"/>
+          </a:xfrm>
+          <a:prstGeom prst="rect">
+            <a:avLst/>
+          </a:prstGeom>
+          <a:solidFill>
+            <a:schemeClr val="accent1">
+              <a:alpha val="32944"/>
+            </a:schemeClr>
+          </a:solidFill>
+          <a:ln w="9525" cap="flat" cmpd="sng" algn="ctr">
+            <a:solidFill>
+              <a:schemeClr val="tx1"/>
+            </a:solidFill>
+            <a:prstDash val="solid"/>
+            <a:round/>
+            <a:headEnd type="none" w="med" len="med"/>
+            <a:tailEnd type="none" w="med" len="med"/>
+          </a:ln>
+          <a:effectLst/>
+        </p:spPr>
+        <p:txBody>
+          <a:bodyPr vert="horz" wrap="none" lIns="91440" tIns="45720" rIns="91440" bIns="45720" numCol="1" rtlCol="0" anchor="t" anchorCtr="0" compatLnSpc="1">
+            <a:prstTxWarp prst="textNoShape">
+              <a:avLst/>
+            </a:prstTxWarp>
+          </a:bodyPr>
+          <a:lstStyle/>
+          <a:p>
+            <a:pPr marL="0" marR="0" indent="0" algn="l" defTabSz="914400" rtl="0" eaLnBrk="0" fontAlgn="base" latinLnBrk="0" hangingPunct="0">
+              <a:lnSpc>
+                <a:spcPct val="100000"/>
+              </a:lnSpc>
+              <a:spcBef>
+                <a:spcPct val="0"/>
+              </a:spcBef>
+              <a:spcAft>
+                <a:spcPct val="0"/>
+              </a:spcAft>
+              <a:buClrTx/>
+              <a:buSzTx/>
+              <a:buFontTx/>
+              <a:buNone/>
+              <a:tabLst/>
+            </a:pPr>
+            <a:endParaRPr kumimoji="0" lang="en-US" sz="2400" b="0" i="0" u="none" strike="noStrike" cap="none" normalizeH="0" baseline="0" dirty="0">
+              <a:ln>
+                <a:noFill/>
+              </a:ln>
+              <a:solidFill>
+                <a:schemeClr val="tx1"/>
+              </a:solidFill>
+              <a:effectLst/>
+              <a:latin typeface="Times New Roman" pitchFamily="-111" charset="0"/>
+            </a:endParaRPr>
+          </a:p>
+        </p:txBody>
+      </p:sp>
+      <p:sp>
+        <p:nvSpPr>
+          <p:cNvPr id="8" name="Rectangle 7">
+            <a:extLst>
+              <a:ext uri="{FF2B5EF4-FFF2-40B4-BE49-F238E27FC236}">
+                <a16:creationId xmlns:a16="http://schemas.microsoft.com/office/drawing/2014/main" id="{8A7E59C7-8DCD-C4DC-9902-866EC29E83FB}"/>
+              </a:ext>
+            </a:extLst>
+          </p:cNvPr>
+          <p:cNvSpPr/>
+          <p:nvPr/>
+        </p:nvSpPr>
+        <p:spPr bwMode="auto">
+          <a:xfrm>
+            <a:off x="5486400" y="5037899"/>
+            <a:ext cx="762000" cy="228600"/>
+          </a:xfrm>
+          <a:prstGeom prst="rect">
+            <a:avLst/>
+          </a:prstGeom>
+          <a:solidFill>
+            <a:schemeClr val="accent1">
+              <a:alpha val="32944"/>
+            </a:schemeClr>
+          </a:solidFill>
+          <a:ln w="9525" cap="flat" cmpd="sng" algn="ctr">
+            <a:solidFill>
+              <a:schemeClr val="tx1"/>
+            </a:solidFill>
+            <a:prstDash val="solid"/>
+            <a:round/>
+            <a:headEnd type="none" w="med" len="med"/>
+            <a:tailEnd type="none" w="med" len="med"/>
+          </a:ln>
+          <a:effectLst/>
+        </p:spPr>
+        <p:txBody>
+          <a:bodyPr vert="horz" wrap="none" lIns="91440" tIns="45720" rIns="91440" bIns="45720" numCol="1" rtlCol="0" anchor="t" anchorCtr="0" compatLnSpc="1">
+            <a:prstTxWarp prst="textNoShape">
+              <a:avLst/>
+            </a:prstTxWarp>
+          </a:bodyPr>
+          <a:lstStyle/>
+          <a:p>
+            <a:pPr marL="0" marR="0" indent="0" algn="l" defTabSz="914400" rtl="0" eaLnBrk="0" fontAlgn="base" latinLnBrk="0" hangingPunct="0">
+              <a:lnSpc>
+                <a:spcPct val="100000"/>
+              </a:lnSpc>
+              <a:spcBef>
+                <a:spcPct val="0"/>
+              </a:spcBef>
+              <a:spcAft>
+                <a:spcPct val="0"/>
+              </a:spcAft>
+              <a:buClrTx/>
+              <a:buSzTx/>
+              <a:buFontTx/>
+              <a:buNone/>
+              <a:tabLst/>
+            </a:pPr>
+            <a:endParaRPr kumimoji="0" lang="en-US" sz="2400" b="0" i="0" u="none" strike="noStrike" cap="none" normalizeH="0" baseline="0" dirty="0">
+              <a:ln>
+                <a:noFill/>
+              </a:ln>
+              <a:solidFill>
+                <a:schemeClr val="tx1"/>
+              </a:solidFill>
+              <a:effectLst/>
+              <a:latin typeface="Times New Roman" pitchFamily="-111" charset="0"/>
+            </a:endParaRPr>
+          </a:p>
+        </p:txBody>
+      </p:sp>
+    </p:spTree>
+    <p:extLst>
+      <p:ext uri="{BB962C8B-B14F-4D97-AF65-F5344CB8AC3E}">
+        <p14:creationId xmlns:p14="http://schemas.microsoft.com/office/powerpoint/2010/main" val="3770037993"/>
+      </p:ext>
+    </p:extLst>
+  </p:cSld>
+  <p:clrMapOvr>
+    <a:masterClrMapping/>
+  </p:clrMapOvr>
+</p:sld>
+</file>
+
+<file path=ppt/slides/slide7.xml><?xml version="1.0" encoding="utf-8"?>
+<p:sld xmlns:a="http://schemas.openxmlformats.org/drawingml/2006/main" xmlns:r="http://schemas.openxmlformats.org/officeDocument/2006/relationships" xmlns:p="http://schemas.openxmlformats.org/presentationml/2006/main">
+  <p:cSld>
+    <p:spTree>
+      <p:nvGrpSpPr>
+        <p:cNvPr id="1" name=""/>
+        <p:cNvGrpSpPr/>
+        <p:nvPr/>
+      </p:nvGrpSpPr>
+      <p:grpSpPr>
+        <a:xfrm>
+          <a:off x="0" y="0"/>
+          <a:ext cx="0" cy="0"/>
+          <a:chOff x="0" y="0"/>
+          <a:chExt cx="0" cy="0"/>
+        </a:xfrm>
+      </p:grpSpPr>
+      <p:sp>
+        <p:nvSpPr>
+          <p:cNvPr id="2" name="Title 1"/>
+          <p:cNvSpPr>
+            <a:spLocks noGrp="1"/>
+          </p:cNvSpPr>
+          <p:nvPr>
+            <p:ph type="title"/>
+          </p:nvPr>
+        </p:nvSpPr>
+        <p:spPr>
+          <a:xfrm>
+            <a:off x="685800" y="228600"/>
+            <a:ext cx="7772400" cy="685800"/>
+          </a:xfrm>
+        </p:spPr>
+        <p:txBody>
+          <a:bodyPr/>
+          <a:lstStyle/>
+          <a:p>
+            <a:r>
+              <a:rPr lang="en-US" dirty="0"/>
+              <a:t>Writing Rules</a:t>
+            </a:r>
+          </a:p>
+        </p:txBody>
+      </p:sp>
+      <p:sp>
+        <p:nvSpPr>
+          <p:cNvPr id="3" name="Content Placeholder 2"/>
+          <p:cNvSpPr>
+            <a:spLocks noGrp="1"/>
+          </p:cNvSpPr>
+          <p:nvPr>
+            <p:ph idx="1"/>
+          </p:nvPr>
+        </p:nvSpPr>
+        <p:spPr>
+          <a:xfrm>
+            <a:off x="685800" y="914400"/>
+            <a:ext cx="7772400" cy="5181600"/>
+          </a:xfrm>
+        </p:spPr>
+        <p:txBody>
+          <a:bodyPr/>
+          <a:lstStyle/>
+          <a:p>
+            <a:pPr marL="0" indent="0">
+              <a:buNone/>
+            </a:pPr>
+            <a:r>
+              <a:rPr lang="en-US" sz="2000" b="1" dirty="0"/>
+              <a:t>Rule #7</a:t>
+            </a:r>
+            <a:r>
+              <a:rPr lang="en-US" sz="2000" dirty="0"/>
+              <a:t>: </a:t>
+            </a:r>
+          </a:p>
+          <a:p>
+            <a:pPr lvl="1"/>
+            <a:r>
+              <a:rPr lang="en-US" sz="1800" dirty="0"/>
+              <a:t>Use pictures, charts and graphs, </a:t>
+            </a:r>
+          </a:p>
+          <a:p>
+            <a:pPr lvl="1"/>
+            <a:r>
+              <a:rPr lang="en-US" sz="1800" dirty="0"/>
+              <a:t>But keep in mind #4 (Simplicity). </a:t>
+            </a:r>
+          </a:p>
+          <a:p>
+            <a:pPr marL="0" indent="0">
+              <a:buNone/>
+            </a:pPr>
+            <a:r>
+              <a:rPr lang="en-US" sz="2000" b="1" dirty="0"/>
+              <a:t>Rule #8</a:t>
+            </a:r>
+            <a:r>
+              <a:rPr lang="en-US" sz="2000" dirty="0"/>
+              <a:t>: Use examples to explain complex ideas. </a:t>
+            </a:r>
+          </a:p>
+          <a:p>
+            <a:pPr marL="0" indent="0">
+              <a:buNone/>
+            </a:pPr>
+            <a:r>
+              <a:rPr lang="en-US" sz="2000" b="1" dirty="0"/>
+              <a:t>Rule #9</a:t>
+            </a:r>
+            <a:r>
+              <a:rPr lang="en-US" sz="2000" dirty="0"/>
+              <a:t>: Use: </a:t>
+            </a:r>
+          </a:p>
+          <a:p>
+            <a:pPr lvl="1"/>
+            <a:r>
+              <a:rPr lang="en-US" sz="1600" dirty="0"/>
+              <a:t>Headings (Chapter, Section, etc.). </a:t>
+            </a:r>
+          </a:p>
+          <a:p>
+            <a:pPr lvl="1"/>
+            <a:r>
+              <a:rPr lang="en-US" sz="1600" dirty="0"/>
+              <a:t>Bulleted Lists. </a:t>
+            </a:r>
+          </a:p>
+          <a:p>
+            <a:pPr lvl="1"/>
+            <a:r>
+              <a:rPr lang="en-US" sz="1600" dirty="0"/>
+              <a:t>Numbered lists.</a:t>
+            </a:r>
+          </a:p>
+          <a:p>
+            <a:pPr marL="0" indent="0">
+              <a:buNone/>
+            </a:pPr>
+            <a:r>
+              <a:rPr lang="en-US" sz="2400" dirty="0"/>
+              <a:t>to provide structure, clarity and conciseness to your document. </a:t>
+            </a:r>
+          </a:p>
+          <a:p>
+            <a:pPr marL="0" indent="0">
+              <a:buNone/>
+            </a:pPr>
+            <a:r>
+              <a:rPr lang="en-US" sz="2000" b="1" dirty="0"/>
+              <a:t>Rule #10</a:t>
+            </a:r>
+            <a:r>
+              <a:rPr lang="en-US" sz="2000" dirty="0"/>
+              <a:t>: Provide guidance : </a:t>
+            </a:r>
+          </a:p>
+          <a:p>
+            <a:pPr lvl="1"/>
+            <a:r>
+              <a:rPr lang="en-US" sz="1600" dirty="0"/>
+              <a:t>Table of Contents. </a:t>
+            </a:r>
+          </a:p>
+          <a:p>
+            <a:pPr lvl="1"/>
+            <a:r>
+              <a:rPr lang="en-US" sz="1600" dirty="0"/>
+              <a:t>List of Figures, list of Tables. </a:t>
+            </a:r>
+          </a:p>
+          <a:p>
+            <a:pPr lvl="1"/>
+            <a:r>
+              <a:rPr lang="en-US" sz="1600" dirty="0"/>
+              <a:t>Index and Glossary.</a:t>
+            </a:r>
+          </a:p>
+          <a:p>
+            <a:pPr lvl="1"/>
+            <a:r>
+              <a:rPr lang="en-US" sz="1600" dirty="0"/>
+              <a:t>Abstract.</a:t>
+            </a:r>
+          </a:p>
+          <a:p>
+            <a:pPr lvl="1"/>
+            <a:r>
+              <a:rPr lang="en-US" sz="1600" dirty="0"/>
+              <a:t>Note: </a:t>
+            </a:r>
+            <a:r>
+              <a:rPr lang="en-US" sz="1600" dirty="0" err="1"/>
+              <a:t>LaTeX</a:t>
+            </a:r>
+            <a:r>
+              <a:rPr lang="en-US" sz="1600" dirty="0"/>
+              <a:t> provides these!</a:t>
+            </a:r>
+            <a:br>
+              <a:rPr lang="en-US" sz="1200" dirty="0"/>
+            </a:br>
+            <a:endParaRPr lang="en-US" sz="1200" dirty="0"/>
+          </a:p>
+          <a:p>
+            <a:endParaRPr lang="en-US" sz="2000" dirty="0"/>
+          </a:p>
+        </p:txBody>
+      </p:sp>
+      <p:sp>
+        <p:nvSpPr>
+          <p:cNvPr id="4" name="Footer Placeholder 3"/>
+          <p:cNvSpPr>
+            <a:spLocks noGrp="1"/>
+          </p:cNvSpPr>
+          <p:nvPr>
+            <p:ph type="ftr" sz="quarter" idx="11"/>
+          </p:nvPr>
+        </p:nvSpPr>
+        <p:spPr/>
+        <p:txBody>
+          <a:bodyPr/>
+          <a:lstStyle/>
+          <a:p>
+            <a:r>
+              <a:rPr lang="en-US"/>
+              <a:t>CSCI 373 Mike Heroux</a:t>
+            </a:r>
+            <a:endParaRPr lang="en-US" dirty="0"/>
+          </a:p>
+        </p:txBody>
+      </p:sp>
+      <p:sp>
+        <p:nvSpPr>
+          <p:cNvPr id="5" name="Slide Number Placeholder 4"/>
+          <p:cNvSpPr>
+            <a:spLocks noGrp="1"/>
+          </p:cNvSpPr>
+          <p:nvPr>
+            <p:ph type="sldNum" sz="quarter" idx="12"/>
+          </p:nvPr>
+        </p:nvSpPr>
+        <p:spPr/>
+        <p:txBody>
+          <a:bodyPr/>
+          <a:lstStyle/>
+          <a:p>
+            <a:fld id="{8889F5FB-2D0D-7848-BB6D-41089A488CF6}" type="slidenum">
+              <a:rPr lang="en-US" smtClean="0"/>
+              <a:pPr/>
+              <a:t>7</a:t>
+            </a:fld>
+            <a:endParaRPr lang="en-US"/>
+          </a:p>
+        </p:txBody>
+      </p:sp>
+    </p:spTree>
+    <p:extLst>
+      <p:ext uri="{BB962C8B-B14F-4D97-AF65-F5344CB8AC3E}">
+        <p14:creationId xmlns:p14="http://schemas.microsoft.com/office/powerpoint/2010/main" val="1281507041"/>
+      </p:ext>
+    </p:extLst>
+  </p:cSld>
+  <p:clrMapOvr>
+    <a:masterClrMapping/>
+  </p:clrMapOvr>
+</p:sld>
+</file>
+
+<file path=ppt/slides/slide8.xml><?xml version="1.0" encoding="utf-8"?>
+<p:sld xmlns:a="http://schemas.openxmlformats.org/drawingml/2006/main" xmlns:r="http://schemas.openxmlformats.org/officeDocument/2006/relationships" xmlns:p="http://schemas.openxmlformats.org/presentationml/2006/main">
+  <p:cSld>
+    <p:spTree>
+      <p:nvGrpSpPr>
+        <p:cNvPr id="1" name=""/>
+        <p:cNvGrpSpPr/>
+        <p:nvPr/>
+      </p:nvGrpSpPr>
+      <p:grpSpPr>
+        <a:xfrm>
+          <a:off x="0" y="0"/>
+          <a:ext cx="0" cy="0"/>
+          <a:chOff x="0" y="0"/>
+          <a:chExt cx="0" cy="0"/>
+        </a:xfrm>
+      </p:grpSpPr>
+      <p:sp>
+        <p:nvSpPr>
+          <p:cNvPr id="2" name="Title 1"/>
+          <p:cNvSpPr>
+            <a:spLocks noGrp="1"/>
+          </p:cNvSpPr>
+          <p:nvPr>
+            <p:ph type="title"/>
+          </p:nvPr>
+        </p:nvSpPr>
         <p:spPr>
           <a:xfrm>
             <a:off x="685800" y="228600"/>
@@ -4926,7 +7039,7 @@
             <a:fld id="{8889F5FB-2D0D-7848-BB6D-41089A488CF6}" type="slidenum">
               <a:rPr lang="en-US" smtClean="0"/>
               <a:pPr/>
-              <a:t>5</a:t>
+              <a:t>8</a:t>
             </a:fld>
             <a:endParaRPr lang="en-US" dirty="0"/>
           </a:p>
@@ -5259,582 +7372,6 @@
 </p:sld>
 </file>
 
-<file path=ppt/slides/slide6.xml><?xml version="1.0" encoding="utf-8"?>
-<p:sld xmlns:a="http://schemas.openxmlformats.org/drawingml/2006/main" xmlns:r="http://schemas.openxmlformats.org/officeDocument/2006/relationships" xmlns:p="http://schemas.openxmlformats.org/presentationml/2006/main">
-  <p:cSld>
-    <p:spTree>
-      <p:nvGrpSpPr>
-        <p:cNvPr id="1" name=""/>
-        <p:cNvGrpSpPr/>
-        <p:nvPr/>
-      </p:nvGrpSpPr>
-      <p:grpSpPr>
-        <a:xfrm>
-          <a:off x="0" y="0"/>
-          <a:ext cx="0" cy="0"/>
-          <a:chOff x="0" y="0"/>
-          <a:chExt cx="0" cy="0"/>
-        </a:xfrm>
-      </p:grpSpPr>
-      <p:sp>
-        <p:nvSpPr>
-          <p:cNvPr id="2" name="Title 1">
-            <a:extLst>
-              <a:ext uri="{FF2B5EF4-FFF2-40B4-BE49-F238E27FC236}">
-                <a16:creationId xmlns:a16="http://schemas.microsoft.com/office/drawing/2014/main" id="{879EB310-097E-4B4D-B1E1-1778CBCE2115}"/>
-              </a:ext>
-            </a:extLst>
-          </p:cNvPr>
-          <p:cNvSpPr>
-            <a:spLocks noGrp="1"/>
-          </p:cNvSpPr>
-          <p:nvPr>
-            <p:ph type="title"/>
-          </p:nvPr>
-        </p:nvSpPr>
-        <p:spPr/>
-        <p:txBody>
-          <a:bodyPr/>
-          <a:lstStyle/>
-          <a:p>
-            <a:r>
-              <a:rPr lang="en-US" dirty="0"/>
-              <a:t>Put Details on Slides</a:t>
-            </a:r>
-          </a:p>
-        </p:txBody>
-      </p:sp>
-      <p:pic>
-        <p:nvPicPr>
-          <p:cNvPr id="7" name="Content Placeholder 6" descr="A screenshot of a cell phone&#10;&#10;Description automatically generated">
-            <a:extLst>
-              <a:ext uri="{FF2B5EF4-FFF2-40B4-BE49-F238E27FC236}">
-                <a16:creationId xmlns:a16="http://schemas.microsoft.com/office/drawing/2014/main" id="{B7E4C58D-7D87-DC4C-836A-9338F9F498A8}"/>
-              </a:ext>
-            </a:extLst>
-          </p:cNvPr>
-          <p:cNvPicPr>
-            <a:picLocks noGrp="1" noChangeAspect="1"/>
-          </p:cNvPicPr>
-          <p:nvPr>
-            <p:ph idx="1"/>
-          </p:nvPr>
-        </p:nvPicPr>
-        <p:blipFill>
-          <a:blip r:embed="rId2"/>
-          <a:stretch>
-            <a:fillRect/>
-          </a:stretch>
-        </p:blipFill>
-        <p:spPr>
-          <a:xfrm>
-            <a:off x="685800" y="1762466"/>
-            <a:ext cx="7772400" cy="4018867"/>
-          </a:xfrm>
-        </p:spPr>
-      </p:pic>
-      <p:sp>
-        <p:nvSpPr>
-          <p:cNvPr id="4" name="Footer Placeholder 3">
-            <a:extLst>
-              <a:ext uri="{FF2B5EF4-FFF2-40B4-BE49-F238E27FC236}">
-                <a16:creationId xmlns:a16="http://schemas.microsoft.com/office/drawing/2014/main" id="{A65B1DE0-2DDD-8B42-9AE2-298C4F9B3EF9}"/>
-              </a:ext>
-            </a:extLst>
-          </p:cNvPr>
-          <p:cNvSpPr>
-            <a:spLocks noGrp="1"/>
-          </p:cNvSpPr>
-          <p:nvPr>
-            <p:ph type="ftr" sz="quarter" idx="11"/>
-          </p:nvPr>
-        </p:nvSpPr>
-        <p:spPr/>
-        <p:txBody>
-          <a:bodyPr/>
-          <a:lstStyle/>
-          <a:p>
-            <a:r>
-              <a:rPr lang="en-US"/>
-              <a:t>CSCI 373 Mike Heroux</a:t>
-            </a:r>
-            <a:endParaRPr lang="en-US" dirty="0"/>
-          </a:p>
-        </p:txBody>
-      </p:sp>
-      <p:sp>
-        <p:nvSpPr>
-          <p:cNvPr id="5" name="Slide Number Placeholder 4">
-            <a:extLst>
-              <a:ext uri="{FF2B5EF4-FFF2-40B4-BE49-F238E27FC236}">
-                <a16:creationId xmlns:a16="http://schemas.microsoft.com/office/drawing/2014/main" id="{B6BBBB3D-6A08-0C45-B256-883C4E87F663}"/>
-              </a:ext>
-            </a:extLst>
-          </p:cNvPr>
-          <p:cNvSpPr>
-            <a:spLocks noGrp="1"/>
-          </p:cNvSpPr>
-          <p:nvPr>
-            <p:ph type="sldNum" sz="quarter" idx="12"/>
-          </p:nvPr>
-        </p:nvSpPr>
-        <p:spPr/>
-        <p:txBody>
-          <a:bodyPr/>
-          <a:lstStyle/>
-          <a:p>
-            <a:fld id="{8889F5FB-2D0D-7848-BB6D-41089A488CF6}" type="slidenum">
-              <a:rPr lang="en-US" smtClean="0"/>
-              <a:pPr/>
-              <a:t>6</a:t>
-            </a:fld>
-            <a:endParaRPr lang="en-US"/>
-          </a:p>
-        </p:txBody>
-      </p:sp>
-      <p:sp>
-        <p:nvSpPr>
-          <p:cNvPr id="8" name="TextBox 7">
-            <a:extLst>
-              <a:ext uri="{FF2B5EF4-FFF2-40B4-BE49-F238E27FC236}">
-                <a16:creationId xmlns:a16="http://schemas.microsoft.com/office/drawing/2014/main" id="{D9EC2AFC-5A0A-1541-8CF5-CF2C24C0B111}"/>
-              </a:ext>
-            </a:extLst>
-          </p:cNvPr>
-          <p:cNvSpPr txBox="1"/>
-          <p:nvPr/>
-        </p:nvSpPr>
-        <p:spPr>
-          <a:xfrm>
-            <a:off x="762000" y="1300801"/>
-            <a:ext cx="6309741" cy="461665"/>
-          </a:xfrm>
-          <a:prstGeom prst="rect">
-            <a:avLst/>
-          </a:prstGeom>
-          <a:noFill/>
-        </p:spPr>
-        <p:txBody>
-          <a:bodyPr wrap="none" rtlCol="0">
-            <a:spAutoFit/>
-          </a:bodyPr>
-          <a:lstStyle/>
-          <a:p>
-            <a:r>
-              <a:rPr lang="en-US" dirty="0"/>
-              <a:t>DOE Oak Ridge Exascale System Frontier Specs.</a:t>
-            </a:r>
-          </a:p>
-        </p:txBody>
-      </p:sp>
-    </p:spTree>
-    <p:extLst>
-      <p:ext uri="{BB962C8B-B14F-4D97-AF65-F5344CB8AC3E}">
-        <p14:creationId xmlns:p14="http://schemas.microsoft.com/office/powerpoint/2010/main" val="1430959156"/>
-      </p:ext>
-    </p:extLst>
-  </p:cSld>
-  <p:clrMapOvr>
-    <a:masterClrMapping/>
-  </p:clrMapOvr>
-</p:sld>
-</file>
-
-<file path=ppt/slides/slide7.xml><?xml version="1.0" encoding="utf-8"?>
-<p:sld xmlns:a="http://schemas.openxmlformats.org/drawingml/2006/main" xmlns:r="http://schemas.openxmlformats.org/officeDocument/2006/relationships" xmlns:p="http://schemas.openxmlformats.org/presentationml/2006/main">
-  <p:cSld>
-    <p:spTree>
-      <p:nvGrpSpPr>
-        <p:cNvPr id="1" name=""/>
-        <p:cNvGrpSpPr/>
-        <p:nvPr/>
-      </p:nvGrpSpPr>
-      <p:grpSpPr>
-        <a:xfrm>
-          <a:off x="0" y="0"/>
-          <a:ext cx="0" cy="0"/>
-          <a:chOff x="0" y="0"/>
-          <a:chExt cx="0" cy="0"/>
-        </a:xfrm>
-      </p:grpSpPr>
-      <p:sp>
-        <p:nvSpPr>
-          <p:cNvPr id="2" name="Title 1">
-            <a:extLst>
-              <a:ext uri="{FF2B5EF4-FFF2-40B4-BE49-F238E27FC236}">
-                <a16:creationId xmlns:a16="http://schemas.microsoft.com/office/drawing/2014/main" id="{F83876AF-9CE5-6D4F-9E25-F8CEAE557E6E}"/>
-              </a:ext>
-            </a:extLst>
-          </p:cNvPr>
-          <p:cNvSpPr>
-            <a:spLocks noGrp="1"/>
-          </p:cNvSpPr>
-          <p:nvPr>
-            <p:ph type="title"/>
-          </p:nvPr>
-        </p:nvSpPr>
-        <p:spPr/>
-        <p:txBody>
-          <a:bodyPr/>
-          <a:lstStyle/>
-          <a:p>
-            <a:r>
-              <a:rPr lang="en-US" dirty="0"/>
-              <a:t>Create Timelines</a:t>
-            </a:r>
-          </a:p>
-        </p:txBody>
-      </p:sp>
-      <p:pic>
-        <p:nvPicPr>
-          <p:cNvPr id="7" name="Content Placeholder 6" descr="A screenshot of a social media post&#10;&#10;Description automatically generated">
-            <a:extLst>
-              <a:ext uri="{FF2B5EF4-FFF2-40B4-BE49-F238E27FC236}">
-                <a16:creationId xmlns:a16="http://schemas.microsoft.com/office/drawing/2014/main" id="{E4DCBED4-716B-2D4D-82C3-8A3D58EC5A91}"/>
-              </a:ext>
-            </a:extLst>
-          </p:cNvPr>
-          <p:cNvPicPr>
-            <a:picLocks noGrp="1" noChangeAspect="1"/>
-          </p:cNvPicPr>
-          <p:nvPr>
-            <p:ph idx="1"/>
-          </p:nvPr>
-        </p:nvPicPr>
-        <p:blipFill>
-          <a:blip r:embed="rId2"/>
-          <a:stretch>
-            <a:fillRect/>
-          </a:stretch>
-        </p:blipFill>
-        <p:spPr>
-          <a:xfrm>
-            <a:off x="685800" y="2110764"/>
-            <a:ext cx="7772400" cy="3322271"/>
-          </a:xfrm>
-        </p:spPr>
-      </p:pic>
-      <p:sp>
-        <p:nvSpPr>
-          <p:cNvPr id="4" name="Footer Placeholder 3">
-            <a:extLst>
-              <a:ext uri="{FF2B5EF4-FFF2-40B4-BE49-F238E27FC236}">
-                <a16:creationId xmlns:a16="http://schemas.microsoft.com/office/drawing/2014/main" id="{710E06C2-44D0-0D4D-810D-34ACCD24B7A2}"/>
-              </a:ext>
-            </a:extLst>
-          </p:cNvPr>
-          <p:cNvSpPr>
-            <a:spLocks noGrp="1"/>
-          </p:cNvSpPr>
-          <p:nvPr>
-            <p:ph type="ftr" sz="quarter" idx="11"/>
-          </p:nvPr>
-        </p:nvSpPr>
-        <p:spPr/>
-        <p:txBody>
-          <a:bodyPr/>
-          <a:lstStyle/>
-          <a:p>
-            <a:r>
-              <a:rPr lang="en-US"/>
-              <a:t>CSCI 373 Mike Heroux</a:t>
-            </a:r>
-            <a:endParaRPr lang="en-US" dirty="0"/>
-          </a:p>
-        </p:txBody>
-      </p:sp>
-      <p:sp>
-        <p:nvSpPr>
-          <p:cNvPr id="5" name="Slide Number Placeholder 4">
-            <a:extLst>
-              <a:ext uri="{FF2B5EF4-FFF2-40B4-BE49-F238E27FC236}">
-                <a16:creationId xmlns:a16="http://schemas.microsoft.com/office/drawing/2014/main" id="{E9B4AEDF-B850-FF4E-9824-C0EFFE376D2C}"/>
-              </a:ext>
-            </a:extLst>
-          </p:cNvPr>
-          <p:cNvSpPr>
-            <a:spLocks noGrp="1"/>
-          </p:cNvSpPr>
-          <p:nvPr>
-            <p:ph type="sldNum" sz="quarter" idx="12"/>
-          </p:nvPr>
-        </p:nvSpPr>
-        <p:spPr/>
-        <p:txBody>
-          <a:bodyPr/>
-          <a:lstStyle/>
-          <a:p>
-            <a:fld id="{8889F5FB-2D0D-7848-BB6D-41089A488CF6}" type="slidenum">
-              <a:rPr lang="en-US" smtClean="0"/>
-              <a:pPr/>
-              <a:t>7</a:t>
-            </a:fld>
-            <a:endParaRPr lang="en-US"/>
-          </a:p>
-        </p:txBody>
-      </p:sp>
-      <p:sp>
-        <p:nvSpPr>
-          <p:cNvPr id="8" name="TextBox 7">
-            <a:extLst>
-              <a:ext uri="{FF2B5EF4-FFF2-40B4-BE49-F238E27FC236}">
-                <a16:creationId xmlns:a16="http://schemas.microsoft.com/office/drawing/2014/main" id="{7537FACF-EAD3-8344-B996-9473D4D1204B}"/>
-              </a:ext>
-            </a:extLst>
-          </p:cNvPr>
-          <p:cNvSpPr txBox="1"/>
-          <p:nvPr/>
-        </p:nvSpPr>
-        <p:spPr>
-          <a:xfrm>
-            <a:off x="533400" y="5791200"/>
-            <a:ext cx="8223149" cy="369332"/>
-          </a:xfrm>
-          <a:prstGeom prst="rect">
-            <a:avLst/>
-          </a:prstGeom>
-        </p:spPr>
-        <p:style>
-          <a:lnRef idx="2">
-            <a:schemeClr val="dk1"/>
-          </a:lnRef>
-          <a:fillRef idx="1">
-            <a:schemeClr val="lt1"/>
-          </a:fillRef>
-          <a:effectRef idx="0">
-            <a:schemeClr val="dk1"/>
-          </a:effectRef>
-          <a:fontRef idx="minor">
-            <a:schemeClr val="dk1"/>
-          </a:fontRef>
-        </p:style>
-        <p:txBody>
-          <a:bodyPr wrap="none" rtlCol="0">
-            <a:spAutoFit/>
-          </a:bodyPr>
-          <a:lstStyle/>
-          <a:p>
-            <a:r>
-              <a:rPr lang="en-US" sz="1800" dirty="0"/>
-              <a:t>http://</a:t>
-            </a:r>
-            <a:r>
-              <a:rPr lang="en-US" sz="1800" dirty="0" err="1"/>
-              <a:t>www.excel-board.com</a:t>
-            </a:r>
-            <a:r>
-              <a:rPr lang="en-US" sz="1800" dirty="0"/>
-              <a:t>/how-to-create-timeline-chart-in-excel-quickly-and-easily/</a:t>
-            </a:r>
-          </a:p>
-        </p:txBody>
-      </p:sp>
-    </p:spTree>
-    <p:extLst>
-      <p:ext uri="{BB962C8B-B14F-4D97-AF65-F5344CB8AC3E}">
-        <p14:creationId xmlns:p14="http://schemas.microsoft.com/office/powerpoint/2010/main" val="3007707613"/>
-      </p:ext>
-    </p:extLst>
-  </p:cSld>
-  <p:clrMapOvr>
-    <a:masterClrMapping/>
-  </p:clrMapOvr>
-</p:sld>
-</file>
-
-<file path=ppt/slides/slide8.xml><?xml version="1.0" encoding="utf-8"?>
-<p:sld xmlns:a="http://schemas.openxmlformats.org/drawingml/2006/main" xmlns:r="http://schemas.openxmlformats.org/officeDocument/2006/relationships" xmlns:p="http://schemas.openxmlformats.org/presentationml/2006/main">
-  <p:cSld>
-    <p:spTree>
-      <p:nvGrpSpPr>
-        <p:cNvPr id="1" name=""/>
-        <p:cNvGrpSpPr/>
-        <p:nvPr/>
-      </p:nvGrpSpPr>
-      <p:grpSpPr>
-        <a:xfrm>
-          <a:off x="0" y="0"/>
-          <a:ext cx="0" cy="0"/>
-          <a:chOff x="0" y="0"/>
-          <a:chExt cx="0" cy="0"/>
-        </a:xfrm>
-      </p:grpSpPr>
-      <p:sp>
-        <p:nvSpPr>
-          <p:cNvPr id="2" name="Title 1"/>
-          <p:cNvSpPr>
-            <a:spLocks noGrp="1"/>
-          </p:cNvSpPr>
-          <p:nvPr>
-            <p:ph type="title"/>
-          </p:nvPr>
-        </p:nvSpPr>
-        <p:spPr>
-          <a:xfrm>
-            <a:off x="685800" y="228600"/>
-            <a:ext cx="7772400" cy="914400"/>
-          </a:xfrm>
-        </p:spPr>
-        <p:txBody>
-          <a:bodyPr/>
-          <a:lstStyle/>
-          <a:p>
-            <a:r>
-              <a:rPr lang="en-US" dirty="0"/>
-              <a:t>PowerPoint Defaults</a:t>
-            </a:r>
-          </a:p>
-        </p:txBody>
-      </p:sp>
-      <p:sp>
-        <p:nvSpPr>
-          <p:cNvPr id="3" name="Content Placeholder 2"/>
-          <p:cNvSpPr>
-            <a:spLocks noGrp="1"/>
-          </p:cNvSpPr>
-          <p:nvPr>
-            <p:ph idx="1"/>
-          </p:nvPr>
-        </p:nvSpPr>
-        <p:spPr>
-          <a:xfrm>
-            <a:off x="609600" y="1143000"/>
-            <a:ext cx="8229600" cy="4648200"/>
-          </a:xfrm>
-        </p:spPr>
-        <p:txBody>
-          <a:bodyPr/>
-          <a:lstStyle/>
-          <a:p>
-            <a:r>
-              <a:rPr lang="en-US" dirty="0"/>
-              <a:t>The default format for PowerPoint is:</a:t>
-            </a:r>
-          </a:p>
-          <a:p>
-            <a:pPr lvl="1"/>
-            <a:r>
-              <a:rPr lang="en-US" dirty="0"/>
-              <a:t>Outline Format.</a:t>
-            </a:r>
-          </a:p>
-          <a:p>
-            <a:pPr lvl="1"/>
-            <a:r>
-              <a:rPr lang="en-US" dirty="0"/>
-              <a:t>Brief statements.</a:t>
-            </a:r>
-          </a:p>
-          <a:p>
-            <a:pPr lvl="1"/>
-            <a:r>
-              <a:rPr lang="en-US" dirty="0"/>
-              <a:t>Slide is a big notecard for the speaker.</a:t>
-            </a:r>
-          </a:p>
-          <a:p>
-            <a:r>
-              <a:rPr lang="en-US" dirty="0"/>
-              <a:t>This is BAD:</a:t>
-            </a:r>
-          </a:p>
-          <a:p>
-            <a:pPr lvl="1"/>
-            <a:r>
-              <a:rPr lang="en-US" dirty="0"/>
-              <a:t>Credible argument: </a:t>
-            </a:r>
-          </a:p>
-          <a:p>
-            <a:pPr lvl="2"/>
-            <a:r>
-              <a:rPr lang="en-US" dirty="0"/>
-              <a:t>Problems with space shuttle O-rings were known.</a:t>
-            </a:r>
-          </a:p>
-          <a:p>
-            <a:pPr lvl="2"/>
-            <a:r>
-              <a:rPr lang="en-US" dirty="0"/>
-              <a:t>Poor PowerPoint hid the issue.</a:t>
-            </a:r>
-          </a:p>
-          <a:p>
-            <a:pPr lvl="2"/>
-            <a:r>
-              <a:rPr lang="en-US" dirty="0"/>
-              <a:t>NASA Challenger exploded in 1986.</a:t>
-            </a:r>
-          </a:p>
-          <a:p>
-            <a:pPr lvl="1"/>
-            <a:r>
-              <a:rPr lang="en-US" dirty="0"/>
-              <a:t>The best default for a new PowerPoint slide?</a:t>
-            </a:r>
-          </a:p>
-        </p:txBody>
-      </p:sp>
-      <p:sp>
-        <p:nvSpPr>
-          <p:cNvPr id="4" name="Footer Placeholder 3"/>
-          <p:cNvSpPr>
-            <a:spLocks noGrp="1"/>
-          </p:cNvSpPr>
-          <p:nvPr>
-            <p:ph type="ftr" sz="quarter" idx="11"/>
-          </p:nvPr>
-        </p:nvSpPr>
-        <p:spPr/>
-        <p:txBody>
-          <a:bodyPr/>
-          <a:lstStyle/>
-          <a:p>
-            <a:r>
-              <a:rPr lang="en-US"/>
-              <a:t>CSCI 373 Mike Heroux</a:t>
-            </a:r>
-            <a:endParaRPr lang="en-US" dirty="0"/>
-          </a:p>
-        </p:txBody>
-      </p:sp>
-      <p:sp>
-        <p:nvSpPr>
-          <p:cNvPr id="5" name="Slide Number Placeholder 4"/>
-          <p:cNvSpPr>
-            <a:spLocks noGrp="1"/>
-          </p:cNvSpPr>
-          <p:nvPr>
-            <p:ph type="sldNum" sz="quarter" idx="12"/>
-          </p:nvPr>
-        </p:nvSpPr>
-        <p:spPr/>
-        <p:txBody>
-          <a:bodyPr/>
-          <a:lstStyle/>
-          <a:p>
-            <a:fld id="{8889F5FB-2D0D-7848-BB6D-41089A488CF6}" type="slidenum">
-              <a:rPr lang="en-US" smtClean="0"/>
-              <a:pPr/>
-              <a:t>8</a:t>
-            </a:fld>
-            <a:endParaRPr lang="en-US"/>
-          </a:p>
-        </p:txBody>
-      </p:sp>
-    </p:spTree>
-    <p:extLst>
-      <p:ext uri="{BB962C8B-B14F-4D97-AF65-F5344CB8AC3E}">
-        <p14:creationId xmlns:p14="http://schemas.microsoft.com/office/powerpoint/2010/main" val="1081259693"/>
-      </p:ext>
-    </p:extLst>
-  </p:cSld>
-  <p:clrMapOvr>
-    <a:masterClrMapping/>
-  </p:clrMapOvr>
-</p:sld>
-</file>
-
 <file path=ppt/slides/slide9.xml><?xml version="1.0" encoding="utf-8"?>
 <p:sld xmlns:a="http://schemas.openxmlformats.org/drawingml/2006/main" xmlns:r="http://schemas.openxmlformats.org/officeDocument/2006/relationships" xmlns:p="http://schemas.openxmlformats.org/presentationml/2006/main">
   <p:cSld>
@@ -5854,7 +7391,99 @@
       </p:grpSpPr>
       <p:sp>
         <p:nvSpPr>
-          <p:cNvPr id="5" name="Slide Number Placeholder 4"/>
+          <p:cNvPr id="2" name="Title 1">
+            <a:extLst>
+              <a:ext uri="{FF2B5EF4-FFF2-40B4-BE49-F238E27FC236}">
+                <a16:creationId xmlns:a16="http://schemas.microsoft.com/office/drawing/2014/main" id="{879EB310-097E-4B4D-B1E1-1778CBCE2115}"/>
+              </a:ext>
+            </a:extLst>
+          </p:cNvPr>
+          <p:cNvSpPr>
+            <a:spLocks noGrp="1"/>
+          </p:cNvSpPr>
+          <p:nvPr>
+            <p:ph type="title"/>
+          </p:nvPr>
+        </p:nvSpPr>
+        <p:spPr/>
+        <p:txBody>
+          <a:bodyPr/>
+          <a:lstStyle/>
+          <a:p>
+            <a:r>
+              <a:rPr lang="en-US" dirty="0"/>
+              <a:t>Put Details on Slides</a:t>
+            </a:r>
+          </a:p>
+        </p:txBody>
+      </p:sp>
+      <p:pic>
+        <p:nvPicPr>
+          <p:cNvPr id="7" name="Content Placeholder 6" descr="A screenshot of a cell phone&#10;&#10;Description automatically generated">
+            <a:extLst>
+              <a:ext uri="{FF2B5EF4-FFF2-40B4-BE49-F238E27FC236}">
+                <a16:creationId xmlns:a16="http://schemas.microsoft.com/office/drawing/2014/main" id="{B7E4C58D-7D87-DC4C-836A-9338F9F498A8}"/>
+              </a:ext>
+            </a:extLst>
+          </p:cNvPr>
+          <p:cNvPicPr>
+            <a:picLocks noGrp="1" noChangeAspect="1"/>
+          </p:cNvPicPr>
+          <p:nvPr>
+            <p:ph idx="1"/>
+          </p:nvPr>
+        </p:nvPicPr>
+        <p:blipFill>
+          <a:blip r:embed="rId2"/>
+          <a:stretch>
+            <a:fillRect/>
+          </a:stretch>
+        </p:blipFill>
+        <p:spPr>
+          <a:xfrm>
+            <a:off x="685800" y="1762466"/>
+            <a:ext cx="7772400" cy="4018867"/>
+          </a:xfrm>
+        </p:spPr>
+      </p:pic>
+      <p:sp>
+        <p:nvSpPr>
+          <p:cNvPr id="4" name="Footer Placeholder 3">
+            <a:extLst>
+              <a:ext uri="{FF2B5EF4-FFF2-40B4-BE49-F238E27FC236}">
+                <a16:creationId xmlns:a16="http://schemas.microsoft.com/office/drawing/2014/main" id="{A65B1DE0-2DDD-8B42-9AE2-298C4F9B3EF9}"/>
+              </a:ext>
+            </a:extLst>
+          </p:cNvPr>
+          <p:cNvSpPr>
+            <a:spLocks noGrp="1"/>
+          </p:cNvSpPr>
+          <p:nvPr>
+            <p:ph type="ftr" sz="quarter" idx="11"/>
+          </p:nvPr>
+        </p:nvSpPr>
+        <p:spPr/>
+        <p:txBody>
+          <a:bodyPr/>
+          <a:lstStyle/>
+          <a:p>
+            <a:r>
+              <a:rPr lang="en-US"/>
+              <a:t>CSCI 373 Mike Heroux</a:t>
+            </a:r>
+            <a:endParaRPr lang="en-US" dirty="0"/>
+          </a:p>
+        </p:txBody>
+      </p:sp>
+      <p:sp>
+        <p:nvSpPr>
+          <p:cNvPr id="5" name="Slide Number Placeholder 4">
+            <a:extLst>
+              <a:ext uri="{FF2B5EF4-FFF2-40B4-BE49-F238E27FC236}">
+                <a16:creationId xmlns:a16="http://schemas.microsoft.com/office/drawing/2014/main" id="{B6BBBB3D-6A08-0C45-B256-883C4E87F663}"/>
+              </a:ext>
+            </a:extLst>
+          </p:cNvPr>
           <p:cNvSpPr>
             <a:spLocks noGrp="1"/>
           </p:cNvSpPr>
@@ -5876,10 +7505,45 @@
           </a:p>
         </p:txBody>
       </p:sp>
+      <p:sp>
+        <p:nvSpPr>
+          <p:cNvPr id="8" name="TextBox 7">
+            <a:extLst>
+              <a:ext uri="{FF2B5EF4-FFF2-40B4-BE49-F238E27FC236}">
+                <a16:creationId xmlns:a16="http://schemas.microsoft.com/office/drawing/2014/main" id="{D9EC2AFC-5A0A-1541-8CF5-CF2C24C0B111}"/>
+              </a:ext>
+            </a:extLst>
+          </p:cNvPr>
+          <p:cNvSpPr txBox="1"/>
+          <p:nvPr/>
+        </p:nvSpPr>
+        <p:spPr>
+          <a:xfrm>
+            <a:off x="762000" y="1300801"/>
+            <a:ext cx="6309741" cy="461665"/>
+          </a:xfrm>
+          <a:prstGeom prst="rect">
+            <a:avLst/>
+          </a:prstGeom>
+          <a:noFill/>
+        </p:spPr>
+        <p:txBody>
+          <a:bodyPr wrap="none" rtlCol="0">
+            <a:spAutoFit/>
+          </a:bodyPr>
+          <a:lstStyle/>
+          <a:p>
+            <a:r>
+              <a:rPr lang="en-US" dirty="0"/>
+              <a:t>DOE Oak Ridge Exascale System Frontier Specs.</a:t>
+            </a:r>
+          </a:p>
+        </p:txBody>
+      </p:sp>
     </p:spTree>
     <p:extLst>
       <p:ext uri="{BB962C8B-B14F-4D97-AF65-F5344CB8AC3E}">
-        <p14:creationId xmlns:p14="http://schemas.microsoft.com/office/powerpoint/2010/main" val="4117229398"/>
+        <p14:creationId xmlns:p14="http://schemas.microsoft.com/office/powerpoint/2010/main" val="1430959156"/>
       </p:ext>
     </p:extLst>
   </p:cSld>

--- a/files/CS373/TechWritingSpeaking2.0.pptx
+++ b/files/CS373/TechWritingSpeaking2.0.pptx
@@ -5,24 +5,27 @@
     <p:sldMasterId id="2147483648" r:id="rId1"/>
   </p:sldMasterIdLst>
   <p:notesMasterIdLst>
-    <p:notesMasterId r:id="rId14"/>
+    <p:notesMasterId r:id="rId17"/>
   </p:notesMasterIdLst>
   <p:handoutMasterIdLst>
-    <p:handoutMasterId r:id="rId15"/>
+    <p:handoutMasterId r:id="rId18"/>
   </p:handoutMasterIdLst>
   <p:sldIdLst>
     <p:sldId id="259" r:id="rId2"/>
-    <p:sldId id="260" r:id="rId3"/>
-    <p:sldId id="271" r:id="rId4"/>
-    <p:sldId id="269" r:id="rId5"/>
-    <p:sldId id="261" r:id="rId6"/>
-    <p:sldId id="270" r:id="rId7"/>
-    <p:sldId id="262" r:id="rId8"/>
-    <p:sldId id="264" r:id="rId9"/>
-    <p:sldId id="267" r:id="rId10"/>
-    <p:sldId id="268" r:id="rId11"/>
-    <p:sldId id="265" r:id="rId12"/>
-    <p:sldId id="266" r:id="rId13"/>
+    <p:sldId id="274" r:id="rId3"/>
+    <p:sldId id="272" r:id="rId4"/>
+    <p:sldId id="273" r:id="rId5"/>
+    <p:sldId id="260" r:id="rId6"/>
+    <p:sldId id="271" r:id="rId7"/>
+    <p:sldId id="269" r:id="rId8"/>
+    <p:sldId id="261" r:id="rId9"/>
+    <p:sldId id="270" r:id="rId10"/>
+    <p:sldId id="262" r:id="rId11"/>
+    <p:sldId id="264" r:id="rId12"/>
+    <p:sldId id="267" r:id="rId13"/>
+    <p:sldId id="268" r:id="rId14"/>
+    <p:sldId id="265" r:id="rId15"/>
+    <p:sldId id="266" r:id="rId16"/>
   </p:sldIdLst>
   <p:sldSz cx="9144000" cy="6858000" type="screen4x3"/>
   <p:notesSz cx="6985000" cy="9282113"/>
@@ -3992,7 +3995,7 @@
           <a:p>
             <a:r>
               <a:rPr lang="en-US" u="none" dirty="0"/>
-              <a:t>Technical Writing &amp; Presenting</a:t>
+              <a:t>Technical Research, Writing &amp; Presenting</a:t>
             </a:r>
             <a:br>
               <a:rPr lang="en-US" u="none" dirty="0"/>
@@ -4016,6 +4019,10 @@
           </p:nvPr>
         </p:nvSpPr>
         <p:spPr>
+          <a:xfrm>
+            <a:off x="1371600" y="4114800"/>
+            <a:ext cx="6400800" cy="1752600"/>
+          </a:xfrm>
           <a:noFill/>
           <a:ln/>
         </p:spPr>
@@ -4066,13 +4073,7 @@
       </p:grpSpPr>
       <p:sp>
         <p:nvSpPr>
-          <p:cNvPr id="2" name="Title 1">
-            <a:extLst>
-              <a:ext uri="{FF2B5EF4-FFF2-40B4-BE49-F238E27FC236}">
-                <a16:creationId xmlns:a16="http://schemas.microsoft.com/office/drawing/2014/main" id="{F83876AF-9CE5-6D4F-9E25-F8CEAE557E6E}"/>
-              </a:ext>
-            </a:extLst>
-          </p:cNvPr>
+          <p:cNvPr id="2" name="Title 1"/>
           <p:cNvSpPr>
             <a:spLocks noGrp="1"/>
           </p:cNvSpPr>
@@ -4080,68 +4081,205 @@
             <p:ph type="title"/>
           </p:nvPr>
         </p:nvSpPr>
-        <p:spPr/>
+        <p:spPr>
+          <a:xfrm>
+            <a:off x="685800" y="228600"/>
+            <a:ext cx="7772400" cy="685800"/>
+          </a:xfrm>
+        </p:spPr>
         <p:txBody>
           <a:bodyPr/>
           <a:lstStyle/>
           <a:p>
             <a:r>
               <a:rPr lang="en-US" dirty="0"/>
-              <a:t>Create Timelines</a:t>
-            </a:r>
-          </a:p>
-        </p:txBody>
-      </p:sp>
-      <p:pic>
-        <p:nvPicPr>
-          <p:cNvPr id="7" name="Content Placeholder 6" descr="A screenshot of a social media post&#10;&#10;Description automatically generated">
-            <a:extLst>
-              <a:ext uri="{FF2B5EF4-FFF2-40B4-BE49-F238E27FC236}">
-                <a16:creationId xmlns:a16="http://schemas.microsoft.com/office/drawing/2014/main" id="{E4DCBED4-716B-2D4D-82C3-8A3D58EC5A91}"/>
-              </a:ext>
-            </a:extLst>
-          </p:cNvPr>
-          <p:cNvPicPr>
-            <a:picLocks noGrp="1" noChangeAspect="1"/>
-          </p:cNvPicPr>
+              <a:t>Writing Rules</a:t>
+            </a:r>
+          </a:p>
+        </p:txBody>
+      </p:sp>
+      <p:sp>
+        <p:nvSpPr>
+          <p:cNvPr id="3" name="Content Placeholder 2"/>
+          <p:cNvSpPr>
+            <a:spLocks noGrp="1"/>
+          </p:cNvSpPr>
           <p:nvPr>
             <p:ph idx="1"/>
           </p:nvPr>
-        </p:nvPicPr>
-        <p:blipFill>
-          <a:blip r:embed="rId2"/>
-          <a:stretch>
-            <a:fillRect/>
-          </a:stretch>
-        </p:blipFill>
+        </p:nvSpPr>
         <p:spPr>
           <a:xfrm>
-            <a:off x="685800" y="2110764"/>
-            <a:ext cx="7772400" cy="3322271"/>
+            <a:off x="685800" y="914400"/>
+            <a:ext cx="7772400" cy="5181600"/>
           </a:xfrm>
         </p:spPr>
-      </p:pic>
-      <p:sp>
-        <p:nvSpPr>
-          <p:cNvPr id="4" name="Footer Placeholder 3">
-            <a:extLst>
-              <a:ext uri="{FF2B5EF4-FFF2-40B4-BE49-F238E27FC236}">
-                <a16:creationId xmlns:a16="http://schemas.microsoft.com/office/drawing/2014/main" id="{710E06C2-44D0-0D4D-810D-34ACCD24B7A2}"/>
-              </a:ext>
-            </a:extLst>
-          </p:cNvPr>
-          <p:cNvSpPr>
-            <a:spLocks noGrp="1"/>
-          </p:cNvSpPr>
-          <p:nvPr>
-            <p:ph type="ftr" sz="quarter" idx="11"/>
-          </p:nvPr>
-        </p:nvSpPr>
-        <p:spPr/>
         <p:txBody>
           <a:bodyPr/>
           <a:lstStyle/>
           <a:p>
+            <a:pPr marL="0" indent="0">
+              <a:buNone/>
+            </a:pPr>
+            <a:r>
+              <a:rPr lang="en-US" sz="2000" b="1" dirty="0"/>
+              <a:t>Rule #7</a:t>
+            </a:r>
+            <a:r>
+              <a:rPr lang="en-US" sz="2000" dirty="0"/>
+              <a:t>: </a:t>
+            </a:r>
+          </a:p>
+          <a:p>
+            <a:pPr lvl="1"/>
+            <a:r>
+              <a:rPr lang="en-US" sz="1800" dirty="0"/>
+              <a:t>Use pictures, charts and graphs, </a:t>
+            </a:r>
+          </a:p>
+          <a:p>
+            <a:pPr lvl="1"/>
+            <a:r>
+              <a:rPr lang="en-US" sz="1800" dirty="0"/>
+              <a:t>But keep in mind #4 (Simplicity). </a:t>
+            </a:r>
+          </a:p>
+          <a:p>
+            <a:pPr marL="0" indent="0">
+              <a:buNone/>
+            </a:pPr>
+            <a:r>
+              <a:rPr lang="en-US" sz="2000" b="1" dirty="0"/>
+              <a:t>Rule #8</a:t>
+            </a:r>
+            <a:r>
+              <a:rPr lang="en-US" sz="2000" dirty="0"/>
+              <a:t>: Use examples to explain complex ideas. </a:t>
+            </a:r>
+          </a:p>
+          <a:p>
+            <a:pPr marL="0" indent="0">
+              <a:buNone/>
+            </a:pPr>
+            <a:r>
+              <a:rPr lang="en-US" sz="2000" b="1" dirty="0"/>
+              <a:t>Rule #9</a:t>
+            </a:r>
+            <a:r>
+              <a:rPr lang="en-US" sz="2000" dirty="0"/>
+              <a:t>: Use: </a:t>
+            </a:r>
+          </a:p>
+          <a:p>
+            <a:pPr lvl="1"/>
+            <a:r>
+              <a:rPr lang="en-US" sz="1600" dirty="0"/>
+              <a:t>Headings (Chapter, Section, etc.). </a:t>
+            </a:r>
+          </a:p>
+          <a:p>
+            <a:pPr lvl="1"/>
+            <a:r>
+              <a:rPr lang="en-US" sz="1600" dirty="0"/>
+              <a:t>Bulleted Lists. </a:t>
+            </a:r>
+          </a:p>
+          <a:p>
+            <a:pPr lvl="1"/>
+            <a:r>
+              <a:rPr lang="en-US" sz="1600" dirty="0"/>
+              <a:t>Numbered lists.</a:t>
+            </a:r>
+          </a:p>
+          <a:p>
+            <a:pPr marL="0" indent="0">
+              <a:buNone/>
+            </a:pPr>
+            <a:r>
+              <a:rPr lang="en-US" sz="2400" dirty="0"/>
+              <a:t>to provide structure, clarity and conciseness to your document. </a:t>
+            </a:r>
+          </a:p>
+          <a:p>
+            <a:pPr marL="0" indent="0">
+              <a:buNone/>
+            </a:pPr>
+            <a:r>
+              <a:rPr lang="en-US" sz="2000" b="1" dirty="0"/>
+              <a:t>Rule #10</a:t>
+            </a:r>
+            <a:r>
+              <a:rPr lang="en-US" sz="2000" dirty="0"/>
+              <a:t>: Provide guidance : </a:t>
+            </a:r>
+          </a:p>
+          <a:p>
+            <a:pPr lvl="1"/>
+            <a:r>
+              <a:rPr lang="en-US" sz="1600" dirty="0"/>
+              <a:t>Table of Contents. </a:t>
+            </a:r>
+          </a:p>
+          <a:p>
+            <a:pPr lvl="1"/>
+            <a:r>
+              <a:rPr lang="en-US" sz="1600" dirty="0"/>
+              <a:t>List of Figures, list of Tables. </a:t>
+            </a:r>
+          </a:p>
+          <a:p>
+            <a:pPr lvl="1"/>
+            <a:r>
+              <a:rPr lang="en-US" sz="1600" dirty="0"/>
+              <a:t>Index and Glossary.</a:t>
+            </a:r>
+          </a:p>
+          <a:p>
+            <a:pPr lvl="1"/>
+            <a:r>
+              <a:rPr lang="en-US" sz="1600" dirty="0"/>
+              <a:t>Abstract.</a:t>
+            </a:r>
+          </a:p>
+          <a:p>
+            <a:pPr lvl="1"/>
+            <a:r>
+              <a:rPr lang="en-US" sz="1600" dirty="0"/>
+              <a:t>Note: </a:t>
+            </a:r>
+            <a:r>
+              <a:rPr lang="en-US" sz="1600" dirty="0" err="1"/>
+              <a:t>LaTeX</a:t>
+            </a:r>
+            <a:r>
+              <a:rPr lang="en-US" sz="1600" dirty="0"/>
+              <a:t> provides these!</a:t>
+            </a:r>
+            <a:br>
+              <a:rPr lang="en-US" sz="1200" dirty="0"/>
+            </a:br>
+            <a:endParaRPr lang="en-US" sz="1200" dirty="0"/>
+          </a:p>
+          <a:p>
+            <a:endParaRPr lang="en-US" sz="2000" dirty="0"/>
+          </a:p>
+        </p:txBody>
+      </p:sp>
+      <p:sp>
+        <p:nvSpPr>
+          <p:cNvPr id="4" name="Footer Placeholder 3"/>
+          <p:cNvSpPr>
+            <a:spLocks noGrp="1"/>
+          </p:cNvSpPr>
+          <p:nvPr>
+            <p:ph type="ftr" sz="quarter" idx="11"/>
+          </p:nvPr>
+        </p:nvSpPr>
+        <p:spPr/>
+        <p:txBody>
+          <a:bodyPr/>
+          <a:lstStyle/>
+          <a:p>
             <a:r>
               <a:rPr lang="en-US"/>
               <a:t>CSCI 373 Mike Heroux</a:t>
@@ -4152,13 +4290,7 @@
       </p:sp>
       <p:sp>
         <p:nvSpPr>
-          <p:cNvPr id="5" name="Slide Number Placeholder 4">
-            <a:extLst>
-              <a:ext uri="{FF2B5EF4-FFF2-40B4-BE49-F238E27FC236}">
-                <a16:creationId xmlns:a16="http://schemas.microsoft.com/office/drawing/2014/main" id="{E9B4AEDF-B850-FF4E-9824-C0EFFE376D2C}"/>
-              </a:ext>
-            </a:extLst>
-          </p:cNvPr>
+          <p:cNvPr id="5" name="Slide Number Placeholder 4"/>
           <p:cNvSpPr>
             <a:spLocks noGrp="1"/>
           </p:cNvSpPr>
@@ -4180,66 +4312,10 @@
           </a:p>
         </p:txBody>
       </p:sp>
-      <p:sp>
-        <p:nvSpPr>
-          <p:cNvPr id="8" name="TextBox 7">
-            <a:extLst>
-              <a:ext uri="{FF2B5EF4-FFF2-40B4-BE49-F238E27FC236}">
-                <a16:creationId xmlns:a16="http://schemas.microsoft.com/office/drawing/2014/main" id="{7537FACF-EAD3-8344-B996-9473D4D1204B}"/>
-              </a:ext>
-            </a:extLst>
-          </p:cNvPr>
-          <p:cNvSpPr txBox="1"/>
-          <p:nvPr/>
-        </p:nvSpPr>
-        <p:spPr>
-          <a:xfrm>
-            <a:off x="533400" y="5791200"/>
-            <a:ext cx="8223149" cy="369332"/>
-          </a:xfrm>
-          <a:prstGeom prst="rect">
-            <a:avLst/>
-          </a:prstGeom>
-        </p:spPr>
-        <p:style>
-          <a:lnRef idx="2">
-            <a:schemeClr val="dk1"/>
-          </a:lnRef>
-          <a:fillRef idx="1">
-            <a:schemeClr val="lt1"/>
-          </a:fillRef>
-          <a:effectRef idx="0">
-            <a:schemeClr val="dk1"/>
-          </a:effectRef>
-          <a:fontRef idx="minor">
-            <a:schemeClr val="dk1"/>
-          </a:fontRef>
-        </p:style>
-        <p:txBody>
-          <a:bodyPr wrap="none" rtlCol="0">
-            <a:spAutoFit/>
-          </a:bodyPr>
-          <a:lstStyle/>
-          <a:p>
-            <a:r>
-              <a:rPr lang="en-US" sz="1800" dirty="0"/>
-              <a:t>http://</a:t>
-            </a:r>
-            <a:r>
-              <a:rPr lang="en-US" sz="1800" dirty="0" err="1"/>
-              <a:t>www.excel-board.com</a:t>
-            </a:r>
-            <a:r>
-              <a:rPr lang="en-US" sz="1800" dirty="0"/>
-              <a:t>/how-to-create-timeline-chart-in-excel-quickly-and-easily/</a:t>
-            </a:r>
-          </a:p>
-        </p:txBody>
-      </p:sp>
     </p:spTree>
     <p:extLst>
       <p:ext uri="{BB962C8B-B14F-4D97-AF65-F5344CB8AC3E}">
-        <p14:creationId xmlns:p14="http://schemas.microsoft.com/office/powerpoint/2010/main" val="3007707613"/>
+        <p14:creationId xmlns:p14="http://schemas.microsoft.com/office/powerpoint/2010/main" val="1281507041"/>
       </p:ext>
     </p:extLst>
   </p:cSld>
@@ -4279,2633 +4355,6 @@
         <p:spPr>
           <a:xfrm>
             <a:off x="685800" y="228600"/>
-            <a:ext cx="7772400" cy="914400"/>
-          </a:xfrm>
-        </p:spPr>
-        <p:txBody>
-          <a:bodyPr/>
-          <a:lstStyle/>
-          <a:p>
-            <a:r>
-              <a:rPr lang="en-US" dirty="0"/>
-              <a:t>PowerPoint Defaults</a:t>
-            </a:r>
-          </a:p>
-        </p:txBody>
-      </p:sp>
-      <p:sp>
-        <p:nvSpPr>
-          <p:cNvPr id="3" name="Content Placeholder 2"/>
-          <p:cNvSpPr>
-            <a:spLocks noGrp="1"/>
-          </p:cNvSpPr>
-          <p:nvPr>
-            <p:ph idx="1"/>
-          </p:nvPr>
-        </p:nvSpPr>
-        <p:spPr>
-          <a:xfrm>
-            <a:off x="609600" y="1143000"/>
-            <a:ext cx="8229600" cy="4648200"/>
-          </a:xfrm>
-        </p:spPr>
-        <p:txBody>
-          <a:bodyPr/>
-          <a:lstStyle/>
-          <a:p>
-            <a:r>
-              <a:rPr lang="en-US" dirty="0"/>
-              <a:t>The default format for PowerPoint is:</a:t>
-            </a:r>
-          </a:p>
-          <a:p>
-            <a:pPr lvl="1"/>
-            <a:r>
-              <a:rPr lang="en-US" dirty="0"/>
-              <a:t>Outline Format.</a:t>
-            </a:r>
-          </a:p>
-          <a:p>
-            <a:pPr lvl="1"/>
-            <a:r>
-              <a:rPr lang="en-US" dirty="0"/>
-              <a:t>Brief statements.</a:t>
-            </a:r>
-          </a:p>
-          <a:p>
-            <a:pPr lvl="1"/>
-            <a:r>
-              <a:rPr lang="en-US" dirty="0"/>
-              <a:t>Slide is a big notecard for the speaker.</a:t>
-            </a:r>
-          </a:p>
-          <a:p>
-            <a:r>
-              <a:rPr lang="en-US" dirty="0"/>
-              <a:t>This is BAD:</a:t>
-            </a:r>
-          </a:p>
-          <a:p>
-            <a:pPr lvl="1"/>
-            <a:r>
-              <a:rPr lang="en-US" dirty="0"/>
-              <a:t>Credible argument: </a:t>
-            </a:r>
-          </a:p>
-          <a:p>
-            <a:pPr lvl="2"/>
-            <a:r>
-              <a:rPr lang="en-US" dirty="0"/>
-              <a:t>Problems with space shuttle O-rings were known.</a:t>
-            </a:r>
-          </a:p>
-          <a:p>
-            <a:pPr lvl="2"/>
-            <a:r>
-              <a:rPr lang="en-US" dirty="0"/>
-              <a:t>Poor PowerPoint hid the issue.</a:t>
-            </a:r>
-          </a:p>
-          <a:p>
-            <a:pPr lvl="2"/>
-            <a:r>
-              <a:rPr lang="en-US" dirty="0"/>
-              <a:t>NASA Challenger exploded in 1986.</a:t>
-            </a:r>
-          </a:p>
-          <a:p>
-            <a:pPr lvl="1"/>
-            <a:r>
-              <a:rPr lang="en-US" dirty="0"/>
-              <a:t>The best default for a new PowerPoint slide?</a:t>
-            </a:r>
-          </a:p>
-        </p:txBody>
-      </p:sp>
-      <p:sp>
-        <p:nvSpPr>
-          <p:cNvPr id="4" name="Footer Placeholder 3"/>
-          <p:cNvSpPr>
-            <a:spLocks noGrp="1"/>
-          </p:cNvSpPr>
-          <p:nvPr>
-            <p:ph type="ftr" sz="quarter" idx="11"/>
-          </p:nvPr>
-        </p:nvSpPr>
-        <p:spPr/>
-        <p:txBody>
-          <a:bodyPr/>
-          <a:lstStyle/>
-          <a:p>
-            <a:r>
-              <a:rPr lang="en-US"/>
-              <a:t>CSCI 373 Mike Heroux</a:t>
-            </a:r>
-            <a:endParaRPr lang="en-US" dirty="0"/>
-          </a:p>
-        </p:txBody>
-      </p:sp>
-      <p:sp>
-        <p:nvSpPr>
-          <p:cNvPr id="5" name="Slide Number Placeholder 4"/>
-          <p:cNvSpPr>
-            <a:spLocks noGrp="1"/>
-          </p:cNvSpPr>
-          <p:nvPr>
-            <p:ph type="sldNum" sz="quarter" idx="12"/>
-          </p:nvPr>
-        </p:nvSpPr>
-        <p:spPr/>
-        <p:txBody>
-          <a:bodyPr/>
-          <a:lstStyle/>
-          <a:p>
-            <a:fld id="{8889F5FB-2D0D-7848-BB6D-41089A488CF6}" type="slidenum">
-              <a:rPr lang="en-US" smtClean="0"/>
-              <a:pPr/>
-              <a:t>11</a:t>
-            </a:fld>
-            <a:endParaRPr lang="en-US"/>
-          </a:p>
-        </p:txBody>
-      </p:sp>
-    </p:spTree>
-    <p:extLst>
-      <p:ext uri="{BB962C8B-B14F-4D97-AF65-F5344CB8AC3E}">
-        <p14:creationId xmlns:p14="http://schemas.microsoft.com/office/powerpoint/2010/main" val="1081259693"/>
-      </p:ext>
-    </p:extLst>
-  </p:cSld>
-  <p:clrMapOvr>
-    <a:masterClrMapping/>
-  </p:clrMapOvr>
-</p:sld>
-</file>
-
-<file path=ppt/slides/slide12.xml><?xml version="1.0" encoding="utf-8"?>
-<p:sld xmlns:a="http://schemas.openxmlformats.org/drawingml/2006/main" xmlns:r="http://schemas.openxmlformats.org/officeDocument/2006/relationships" xmlns:p="http://schemas.openxmlformats.org/presentationml/2006/main">
-  <p:cSld>
-    <p:spTree>
-      <p:nvGrpSpPr>
-        <p:cNvPr id="1" name=""/>
-        <p:cNvGrpSpPr/>
-        <p:nvPr/>
-      </p:nvGrpSpPr>
-      <p:grpSpPr>
-        <a:xfrm>
-          <a:off x="0" y="0"/>
-          <a:ext cx="0" cy="0"/>
-          <a:chOff x="0" y="0"/>
-          <a:chExt cx="0" cy="0"/>
-        </a:xfrm>
-      </p:grpSpPr>
-      <p:sp>
-        <p:nvSpPr>
-          <p:cNvPr id="5" name="Slide Number Placeholder 4"/>
-          <p:cNvSpPr>
-            <a:spLocks noGrp="1"/>
-          </p:cNvSpPr>
-          <p:nvPr>
-            <p:ph type="sldNum" sz="quarter" idx="12"/>
-          </p:nvPr>
-        </p:nvSpPr>
-        <p:spPr/>
-        <p:txBody>
-          <a:bodyPr/>
-          <a:lstStyle/>
-          <a:p>
-            <a:fld id="{8889F5FB-2D0D-7848-BB6D-41089A488CF6}" type="slidenum">
-              <a:rPr lang="en-US" smtClean="0"/>
-              <a:pPr/>
-              <a:t>12</a:t>
-            </a:fld>
-            <a:endParaRPr lang="en-US"/>
-          </a:p>
-        </p:txBody>
-      </p:sp>
-    </p:spTree>
-    <p:extLst>
-      <p:ext uri="{BB962C8B-B14F-4D97-AF65-F5344CB8AC3E}">
-        <p14:creationId xmlns:p14="http://schemas.microsoft.com/office/powerpoint/2010/main" val="4117229398"/>
-      </p:ext>
-    </p:extLst>
-  </p:cSld>
-  <p:clrMapOvr>
-    <a:masterClrMapping/>
-  </p:clrMapOvr>
-</p:sld>
-</file>
-
-<file path=ppt/slides/slide2.xml><?xml version="1.0" encoding="utf-8"?>
-<p:sld xmlns:a="http://schemas.openxmlformats.org/drawingml/2006/main" xmlns:r="http://schemas.openxmlformats.org/officeDocument/2006/relationships" xmlns:p="http://schemas.openxmlformats.org/presentationml/2006/main">
-  <p:cSld>
-    <p:bg>
-      <p:bgPr>
-        <a:solidFill>
-          <a:schemeClr val="bg1"/>
-        </a:solidFill>
-        <a:effectLst/>
-      </p:bgPr>
-    </p:bg>
-    <p:spTree>
-      <p:nvGrpSpPr>
-        <p:cNvPr id="1" name=""/>
-        <p:cNvGrpSpPr/>
-        <p:nvPr/>
-      </p:nvGrpSpPr>
-      <p:grpSpPr>
-        <a:xfrm>
-          <a:off x="0" y="0"/>
-          <a:ext cx="0" cy="0"/>
-          <a:chOff x="0" y="0"/>
-          <a:chExt cx="0" cy="0"/>
-        </a:xfrm>
-      </p:grpSpPr>
-      <p:sp>
-        <p:nvSpPr>
-          <p:cNvPr id="2" name="Title 1"/>
-          <p:cNvSpPr>
-            <a:spLocks noGrp="1"/>
-          </p:cNvSpPr>
-          <p:nvPr>
-            <p:ph type="title"/>
-          </p:nvPr>
-        </p:nvSpPr>
-        <p:spPr>
-          <a:xfrm>
-            <a:off x="742950" y="338328"/>
-            <a:ext cx="7658100" cy="1078992"/>
-          </a:xfrm>
-        </p:spPr>
-        <p:txBody>
-          <a:bodyPr vert="horz" lIns="91440" tIns="45720" rIns="91440" bIns="45720" rtlCol="0" anchor="b">
-            <a:normAutofit/>
-          </a:bodyPr>
-          <a:lstStyle/>
-          <a:p>
-            <a:pPr eaLnBrk="1" hangingPunct="1">
-              <a:lnSpc>
-                <a:spcPct val="90000"/>
-              </a:lnSpc>
-            </a:pPr>
-            <a:r>
-              <a:rPr lang="en-US" sz="4700" kern="1200">
-                <a:solidFill>
-                  <a:schemeClr val="tx1"/>
-                </a:solidFill>
-              </a:rPr>
-              <a:t>Labels</a:t>
-            </a:r>
-          </a:p>
-        </p:txBody>
-      </p:sp>
-      <p:sp>
-        <p:nvSpPr>
-          <p:cNvPr id="3" name="Content Placeholder 2"/>
-          <p:cNvSpPr>
-            <a:spLocks noGrp="1"/>
-          </p:cNvSpPr>
-          <p:nvPr>
-            <p:ph idx="1"/>
-          </p:nvPr>
-        </p:nvSpPr>
-        <p:spPr>
-          <a:xfrm>
-            <a:off x="742950" y="1419083"/>
-            <a:ext cx="7658100" cy="528429"/>
-          </a:xfrm>
-        </p:spPr>
-        <p:txBody>
-          <a:bodyPr vert="horz" lIns="91440" tIns="45720" rIns="91440" bIns="45720" rtlCol="0">
-            <a:normAutofit/>
-          </a:bodyPr>
-          <a:lstStyle/>
-          <a:p>
-            <a:pPr marL="0" indent="0" algn="ctr" eaLnBrk="1" hangingPunct="1">
-              <a:lnSpc>
-                <a:spcPct val="90000"/>
-              </a:lnSpc>
-              <a:spcBef>
-                <a:spcPts val="1000"/>
-              </a:spcBef>
-              <a:buNone/>
-            </a:pPr>
-            <a:r>
-              <a:rPr lang="en-US" sz="2400" kern="1200"/>
-              <a:t>\label{label_name} and \ref{label_name}</a:t>
-            </a:r>
-          </a:p>
-        </p:txBody>
-      </p:sp>
-      <p:sp>
-        <p:nvSpPr>
-          <p:cNvPr id="12" name="Rectangle 11">
-            <a:extLst>
-              <a:ext uri="{FF2B5EF4-FFF2-40B4-BE49-F238E27FC236}">
-                <a16:creationId xmlns:a16="http://schemas.microsoft.com/office/drawing/2014/main" id="{70BDD0CE-06A4-404B-8A13-580229C1C923}"/>
-              </a:ext>
-              <a:ext uri="{C183D7F6-B498-43B3-948B-1728B52AA6E4}">
-                <adec:decorative xmlns:adec="http://schemas.microsoft.com/office/drawing/2017/decorative" val="1"/>
-              </a:ext>
-            </a:extLst>
-          </p:cNvPr>
-          <p:cNvSpPr>
-            <a:spLocks noGrp="1" noRot="1" noChangeAspect="1" noMove="1" noResize="1" noEditPoints="1" noAdjustHandles="1" noChangeArrowheads="1" noChangeShapeType="1" noTextEdit="1"/>
-          </p:cNvSpPr>
-          <p:nvPr>
-            <p:extLst>
-              <p:ext uri="{386F3935-93C4-4BCD-93E2-E3B085C9AB24}">
-                <p16:designElem xmlns:p16="http://schemas.microsoft.com/office/powerpoint/2015/main" val="1"/>
-              </p:ext>
-            </p:extLst>
-          </p:nvPr>
-        </p:nvSpPr>
-        <p:spPr>
-          <a:xfrm>
-            <a:off x="0" y="2141750"/>
-            <a:ext cx="9144000" cy="4716250"/>
-          </a:xfrm>
-          <a:prstGeom prst="rect">
-            <a:avLst/>
-          </a:prstGeom>
-          <a:solidFill>
-            <a:srgbClr val="C8CACA"/>
-          </a:solidFill>
-          <a:ln>
-            <a:noFill/>
-          </a:ln>
-        </p:spPr>
-        <p:style>
-          <a:lnRef idx="2">
-            <a:schemeClr val="accent1">
-              <a:shade val="50000"/>
-            </a:schemeClr>
-          </a:lnRef>
-          <a:fillRef idx="1">
-            <a:schemeClr val="accent1"/>
-          </a:fillRef>
-          <a:effectRef idx="0">
-            <a:schemeClr val="accent1"/>
-          </a:effectRef>
-          <a:fontRef idx="minor">
-            <a:schemeClr val="lt1"/>
-          </a:fontRef>
-        </p:style>
-        <p:txBody>
-          <a:bodyPr rtlCol="0" anchor="ctr"/>
-          <a:lstStyle/>
-          <a:p>
-            <a:pPr algn="ctr"/>
-            <a:endParaRPr lang="en-US"/>
-          </a:p>
-        </p:txBody>
-      </p:sp>
-      <p:sp>
-        <p:nvSpPr>
-          <p:cNvPr id="14" name="Rounded Rectangle 26">
-            <a:extLst>
-              <a:ext uri="{FF2B5EF4-FFF2-40B4-BE49-F238E27FC236}">
-                <a16:creationId xmlns:a16="http://schemas.microsoft.com/office/drawing/2014/main" id="{EE9899FA-8881-472C-AA59-D08A89CA8AEF}"/>
-              </a:ext>
-              <a:ext uri="{C183D7F6-B498-43B3-948B-1728B52AA6E4}">
-                <adec:decorative xmlns:adec="http://schemas.microsoft.com/office/drawing/2017/decorative" val="1"/>
-              </a:ext>
-            </a:extLst>
-          </p:cNvPr>
-          <p:cNvSpPr>
-            <a:spLocks noGrp="1" noRot="1" noChangeAspect="1" noMove="1" noResize="1" noEditPoints="1" noAdjustHandles="1" noChangeArrowheads="1" noChangeShapeType="1" noTextEdit="1"/>
-          </p:cNvSpPr>
-          <p:nvPr>
-            <p:extLst>
-              <p:ext uri="{386F3935-93C4-4BCD-93E2-E3B085C9AB24}">
-                <p16:designElem xmlns:p16="http://schemas.microsoft.com/office/powerpoint/2015/main" val="1"/>
-              </p:ext>
-            </p:extLst>
-          </p:nvPr>
-        </p:nvSpPr>
-        <p:spPr>
-          <a:xfrm>
-            <a:off x="241173" y="2423160"/>
-            <a:ext cx="4210176" cy="3930315"/>
-          </a:xfrm>
-          <a:prstGeom prst="roundRect">
-            <a:avLst>
-              <a:gd name="adj" fmla="val 0"/>
-            </a:avLst>
-          </a:prstGeom>
-          <a:solidFill>
-            <a:srgbClr val="FFFFFF"/>
-          </a:solidFill>
-          <a:ln w="9525">
-            <a:solidFill>
-              <a:srgbClr val="C8CACA"/>
-            </a:solidFill>
-          </a:ln>
-          <a:effectLst>
-            <a:outerShdw blurRad="57150" dist="19050" dir="5400000" algn="t" rotWithShape="0">
-              <a:prstClr val="black">
-                <a:alpha val="63000"/>
-              </a:prstClr>
-            </a:outerShdw>
-          </a:effectLst>
-        </p:spPr>
-        <p:style>
-          <a:lnRef idx="2">
-            <a:schemeClr val="accent1">
-              <a:shade val="50000"/>
-            </a:schemeClr>
-          </a:lnRef>
-          <a:fillRef idx="1">
-            <a:schemeClr val="accent1"/>
-          </a:fillRef>
-          <a:effectRef idx="0">
-            <a:schemeClr val="accent1"/>
-          </a:effectRef>
-          <a:fontRef idx="minor">
-            <a:schemeClr val="lt1"/>
-          </a:fontRef>
-        </p:style>
-        <p:txBody>
-          <a:bodyPr rtlCol="0" anchor="ctr"/>
-          <a:lstStyle/>
-          <a:p>
-            <a:pPr algn="ctr"/>
-            <a:endParaRPr lang="en-US"/>
-          </a:p>
-        </p:txBody>
-      </p:sp>
-      <p:sp>
-        <p:nvSpPr>
-          <p:cNvPr id="16" name="Rounded Rectangle 16">
-            <a:extLst>
-              <a:ext uri="{FF2B5EF4-FFF2-40B4-BE49-F238E27FC236}">
-                <a16:creationId xmlns:a16="http://schemas.microsoft.com/office/drawing/2014/main" id="{080B7D90-3DF1-4514-B26D-616BE35553C9}"/>
-              </a:ext>
-              <a:ext uri="{C183D7F6-B498-43B3-948B-1728B52AA6E4}">
-                <adec:decorative xmlns:adec="http://schemas.microsoft.com/office/drawing/2017/decorative" val="1"/>
-              </a:ext>
-            </a:extLst>
-          </p:cNvPr>
-          <p:cNvSpPr>
-            <a:spLocks noGrp="1" noRot="1" noChangeAspect="1" noMove="1" noResize="1" noEditPoints="1" noAdjustHandles="1" noChangeArrowheads="1" noChangeShapeType="1" noTextEdit="1"/>
-          </p:cNvSpPr>
-          <p:nvPr>
-            <p:extLst>
-              <p:ext uri="{386F3935-93C4-4BCD-93E2-E3B085C9AB24}">
-                <p16:designElem xmlns:p16="http://schemas.microsoft.com/office/powerpoint/2015/main" val="1"/>
-              </p:ext>
-            </p:extLst>
-          </p:nvPr>
-        </p:nvSpPr>
-        <p:spPr>
-          <a:xfrm>
-            <a:off x="4691061" y="2423160"/>
-            <a:ext cx="4210177" cy="3930315"/>
-          </a:xfrm>
-          <a:prstGeom prst="roundRect">
-            <a:avLst>
-              <a:gd name="adj" fmla="val 0"/>
-            </a:avLst>
-          </a:prstGeom>
-          <a:solidFill>
-            <a:srgbClr val="FFFFFF"/>
-          </a:solidFill>
-          <a:ln w="9525">
-            <a:solidFill>
-              <a:srgbClr val="C8CACA"/>
-            </a:solidFill>
-          </a:ln>
-          <a:effectLst>
-            <a:outerShdw blurRad="57150" dist="19050" dir="5400000" algn="t" rotWithShape="0">
-              <a:prstClr val="black">
-                <a:alpha val="63000"/>
-              </a:prstClr>
-            </a:outerShdw>
-          </a:effectLst>
-        </p:spPr>
-        <p:style>
-          <a:lnRef idx="2">
-            <a:schemeClr val="accent1">
-              <a:shade val="50000"/>
-            </a:schemeClr>
-          </a:lnRef>
-          <a:fillRef idx="1">
-            <a:schemeClr val="accent1"/>
-          </a:fillRef>
-          <a:effectRef idx="0">
-            <a:schemeClr val="accent1"/>
-          </a:effectRef>
-          <a:fontRef idx="minor">
-            <a:schemeClr val="lt1"/>
-          </a:fontRef>
-        </p:style>
-        <p:txBody>
-          <a:bodyPr rtlCol="0" anchor="ctr"/>
-          <a:lstStyle/>
-          <a:p>
-            <a:pPr algn="ctr"/>
-            <a:endParaRPr lang="en-US"/>
-          </a:p>
-        </p:txBody>
-      </p:sp>
-      <p:pic>
-        <p:nvPicPr>
-          <p:cNvPr id="6" name="Picture 5">
-            <a:extLst>
-              <a:ext uri="{FF2B5EF4-FFF2-40B4-BE49-F238E27FC236}">
-                <a16:creationId xmlns:a16="http://schemas.microsoft.com/office/drawing/2014/main" id="{0471C402-5DAC-C284-1018-61CD818040A5}"/>
-              </a:ext>
-            </a:extLst>
-          </p:cNvPr>
-          <p:cNvPicPr>
-            <a:picLocks noChangeAspect="1"/>
-          </p:cNvPicPr>
-          <p:nvPr/>
-        </p:nvPicPr>
-        <p:blipFill>
-          <a:blip r:embed="rId2"/>
-          <a:stretch>
-            <a:fillRect/>
-          </a:stretch>
-        </p:blipFill>
-        <p:spPr>
-          <a:xfrm>
-            <a:off x="599066" y="3245774"/>
-            <a:ext cx="3730752" cy="2285085"/>
-          </a:xfrm>
-          <a:prstGeom prst="rect">
-            <a:avLst/>
-          </a:prstGeom>
-        </p:spPr>
-      </p:pic>
-      <p:sp>
-        <p:nvSpPr>
-          <p:cNvPr id="4" name="Footer Placeholder 3"/>
-          <p:cNvSpPr>
-            <a:spLocks noGrp="1"/>
-          </p:cNvSpPr>
-          <p:nvPr>
-            <p:ph type="ftr" sz="quarter" idx="11"/>
-          </p:nvPr>
-        </p:nvSpPr>
-        <p:spPr>
-          <a:xfrm>
-            <a:off x="3028950" y="6356350"/>
-            <a:ext cx="3086100" cy="365125"/>
-          </a:xfrm>
-        </p:spPr>
-        <p:txBody>
-          <a:bodyPr vert="horz" lIns="91440" tIns="45720" rIns="91440" bIns="45720" rtlCol="0" anchor="ctr">
-            <a:normAutofit/>
-          </a:bodyPr>
-          <a:lstStyle/>
-          <a:p>
-            <a:pPr eaLnBrk="1" hangingPunct="1">
-              <a:spcAft>
-                <a:spcPts val="600"/>
-              </a:spcAft>
-            </a:pPr>
-            <a:r>
-              <a:rPr lang="en-US" sz="1200" kern="1200">
-                <a:solidFill>
-                  <a:srgbClr val="898989"/>
-                </a:solidFill>
-                <a:latin typeface="+mn-lt"/>
-                <a:ea typeface="+mn-ea"/>
-                <a:cs typeface="+mn-cs"/>
-              </a:rPr>
-              <a:t>CSCI 373 Mike Heroux</a:t>
-            </a:r>
-          </a:p>
-        </p:txBody>
-      </p:sp>
-      <p:sp>
-        <p:nvSpPr>
-          <p:cNvPr id="5" name="Slide Number Placeholder 4"/>
-          <p:cNvSpPr>
-            <a:spLocks noGrp="1"/>
-          </p:cNvSpPr>
-          <p:nvPr>
-            <p:ph type="sldNum" sz="quarter" idx="12"/>
-          </p:nvPr>
-        </p:nvSpPr>
-        <p:spPr>
-          <a:xfrm>
-            <a:off x="6457950" y="6356350"/>
-            <a:ext cx="2057400" cy="365125"/>
-          </a:xfrm>
-        </p:spPr>
-        <p:txBody>
-          <a:bodyPr vert="horz" lIns="91440" tIns="45720" rIns="91440" bIns="45720" rtlCol="0" anchor="ctr">
-            <a:normAutofit/>
-          </a:bodyPr>
-          <a:lstStyle/>
-          <a:p>
-            <a:pPr eaLnBrk="1" hangingPunct="1">
-              <a:spcAft>
-                <a:spcPts val="600"/>
-              </a:spcAft>
-            </a:pPr>
-            <a:fld id="{8889F5FB-2D0D-7848-BB6D-41089A488CF6}" type="slidenum">
-              <a:rPr lang="en-US" sz="1200">
-                <a:solidFill>
-                  <a:srgbClr val="898989"/>
-                </a:solidFill>
-                <a:latin typeface="+mn-lt"/>
-              </a:rPr>
-              <a:pPr eaLnBrk="1" hangingPunct="1">
-                <a:spcAft>
-                  <a:spcPts val="600"/>
-                </a:spcAft>
-              </a:pPr>
-              <a:t>2</a:t>
-            </a:fld>
-            <a:endParaRPr lang="en-US" sz="1200">
-              <a:solidFill>
-                <a:srgbClr val="898989"/>
-              </a:solidFill>
-              <a:latin typeface="+mn-lt"/>
-            </a:endParaRPr>
-          </a:p>
-        </p:txBody>
-      </p:sp>
-      <p:pic>
-        <p:nvPicPr>
-          <p:cNvPr id="7" name="Picture 6">
-            <a:extLst>
-              <a:ext uri="{FF2B5EF4-FFF2-40B4-BE49-F238E27FC236}">
-                <a16:creationId xmlns:a16="http://schemas.microsoft.com/office/drawing/2014/main" id="{CAE1EB39-3011-5A46-F31E-B08B87AFE3B7}"/>
-              </a:ext>
-            </a:extLst>
-          </p:cNvPr>
-          <p:cNvPicPr>
-            <a:picLocks noChangeAspect="1"/>
-          </p:cNvPicPr>
-          <p:nvPr/>
-        </p:nvPicPr>
-        <p:blipFill>
-          <a:blip r:embed="rId3"/>
-          <a:stretch>
-            <a:fillRect/>
-          </a:stretch>
-        </p:blipFill>
-        <p:spPr>
-          <a:xfrm>
-            <a:off x="4814182" y="2935752"/>
-            <a:ext cx="3730752" cy="2695467"/>
-          </a:xfrm>
-          <a:prstGeom prst="rect">
-            <a:avLst/>
-          </a:prstGeom>
-        </p:spPr>
-      </p:pic>
-      <p:sp>
-        <p:nvSpPr>
-          <p:cNvPr id="8" name="Rectangle 7">
-            <a:extLst>
-              <a:ext uri="{FF2B5EF4-FFF2-40B4-BE49-F238E27FC236}">
-                <a16:creationId xmlns:a16="http://schemas.microsoft.com/office/drawing/2014/main" id="{ADFDA87A-B31D-2CDC-8C44-F7A81A70CD42}"/>
-              </a:ext>
-            </a:extLst>
-          </p:cNvPr>
-          <p:cNvSpPr/>
-          <p:nvPr/>
-        </p:nvSpPr>
-        <p:spPr bwMode="auto">
-          <a:xfrm>
-            <a:off x="3276600" y="4953000"/>
-            <a:ext cx="762000" cy="228600"/>
-          </a:xfrm>
-          <a:prstGeom prst="rect">
-            <a:avLst/>
-          </a:prstGeom>
-          <a:solidFill>
-            <a:schemeClr val="accent1">
-              <a:alpha val="32944"/>
-            </a:schemeClr>
-          </a:solidFill>
-          <a:ln w="9525" cap="flat" cmpd="sng" algn="ctr">
-            <a:solidFill>
-              <a:schemeClr val="tx1"/>
-            </a:solidFill>
-            <a:prstDash val="solid"/>
-            <a:round/>
-            <a:headEnd type="none" w="med" len="med"/>
-            <a:tailEnd type="none" w="med" len="med"/>
-          </a:ln>
-          <a:effectLst/>
-        </p:spPr>
-        <p:txBody>
-          <a:bodyPr vert="horz" wrap="none" lIns="91440" tIns="45720" rIns="91440" bIns="45720" numCol="1" rtlCol="0" anchor="t" anchorCtr="0" compatLnSpc="1">
-            <a:prstTxWarp prst="textNoShape">
-              <a:avLst/>
-            </a:prstTxWarp>
-          </a:bodyPr>
-          <a:lstStyle/>
-          <a:p>
-            <a:pPr marL="0" marR="0" indent="0" algn="l" defTabSz="914400" rtl="0" eaLnBrk="0" fontAlgn="base" latinLnBrk="0" hangingPunct="0">
-              <a:lnSpc>
-                <a:spcPct val="100000"/>
-              </a:lnSpc>
-              <a:spcBef>
-                <a:spcPct val="0"/>
-              </a:spcBef>
-              <a:spcAft>
-                <a:spcPct val="0"/>
-              </a:spcAft>
-              <a:buClrTx/>
-              <a:buSzTx/>
-              <a:buFontTx/>
-              <a:buNone/>
-              <a:tabLst/>
-            </a:pPr>
-            <a:endParaRPr kumimoji="0" lang="en-US" sz="2400" b="0" i="0" u="none" strike="noStrike" cap="none" normalizeH="0" baseline="0" dirty="0">
-              <a:ln>
-                <a:noFill/>
-              </a:ln>
-              <a:solidFill>
-                <a:schemeClr val="tx1"/>
-              </a:solidFill>
-              <a:effectLst/>
-              <a:latin typeface="Times New Roman" pitchFamily="-111" charset="0"/>
-            </a:endParaRPr>
-          </a:p>
-        </p:txBody>
-      </p:sp>
-      <p:sp>
-        <p:nvSpPr>
-          <p:cNvPr id="9" name="Rectangle 8">
-            <a:extLst>
-              <a:ext uri="{FF2B5EF4-FFF2-40B4-BE49-F238E27FC236}">
-                <a16:creationId xmlns:a16="http://schemas.microsoft.com/office/drawing/2014/main" id="{4D699EC7-9C91-3804-BBBB-FE91BE2F028F}"/>
-              </a:ext>
-            </a:extLst>
-          </p:cNvPr>
-          <p:cNvSpPr/>
-          <p:nvPr/>
-        </p:nvSpPr>
-        <p:spPr bwMode="auto">
-          <a:xfrm>
-            <a:off x="599066" y="4271275"/>
-            <a:ext cx="762000" cy="228600"/>
-          </a:xfrm>
-          <a:prstGeom prst="rect">
-            <a:avLst/>
-          </a:prstGeom>
-          <a:solidFill>
-            <a:schemeClr val="accent1">
-              <a:alpha val="32944"/>
-            </a:schemeClr>
-          </a:solidFill>
-          <a:ln w="9525" cap="flat" cmpd="sng" algn="ctr">
-            <a:solidFill>
-              <a:schemeClr val="tx1"/>
-            </a:solidFill>
-            <a:prstDash val="solid"/>
-            <a:round/>
-            <a:headEnd type="none" w="med" len="med"/>
-            <a:tailEnd type="none" w="med" len="med"/>
-          </a:ln>
-          <a:effectLst/>
-        </p:spPr>
-        <p:txBody>
-          <a:bodyPr vert="horz" wrap="none" lIns="91440" tIns="45720" rIns="91440" bIns="45720" numCol="1" rtlCol="0" anchor="t" anchorCtr="0" compatLnSpc="1">
-            <a:prstTxWarp prst="textNoShape">
-              <a:avLst/>
-            </a:prstTxWarp>
-          </a:bodyPr>
-          <a:lstStyle/>
-          <a:p>
-            <a:pPr marL="0" marR="0" indent="0" algn="l" defTabSz="914400" rtl="0" eaLnBrk="0" fontAlgn="base" latinLnBrk="0" hangingPunct="0">
-              <a:lnSpc>
-                <a:spcPct val="100000"/>
-              </a:lnSpc>
-              <a:spcBef>
-                <a:spcPct val="0"/>
-              </a:spcBef>
-              <a:spcAft>
-                <a:spcPct val="0"/>
-              </a:spcAft>
-              <a:buClrTx/>
-              <a:buSzTx/>
-              <a:buFontTx/>
-              <a:buNone/>
-              <a:tabLst/>
-            </a:pPr>
-            <a:endParaRPr kumimoji="0" lang="en-US" sz="2400" b="0" i="0" u="none" strike="noStrike" cap="none" normalizeH="0" baseline="0" dirty="0">
-              <a:ln>
-                <a:noFill/>
-              </a:ln>
-              <a:solidFill>
-                <a:schemeClr val="tx1"/>
-              </a:solidFill>
-              <a:effectLst/>
-              <a:latin typeface="Times New Roman" pitchFamily="-111" charset="0"/>
-            </a:endParaRPr>
-          </a:p>
-        </p:txBody>
-      </p:sp>
-      <p:sp>
-        <p:nvSpPr>
-          <p:cNvPr id="10" name="Rectangle 9">
-            <a:extLst>
-              <a:ext uri="{FF2B5EF4-FFF2-40B4-BE49-F238E27FC236}">
-                <a16:creationId xmlns:a16="http://schemas.microsoft.com/office/drawing/2014/main" id="{09968D97-AFD8-E387-8FAE-9C6ACC4699A3}"/>
-              </a:ext>
-            </a:extLst>
-          </p:cNvPr>
-          <p:cNvSpPr/>
-          <p:nvPr/>
-        </p:nvSpPr>
-        <p:spPr bwMode="auto">
-          <a:xfrm>
-            <a:off x="6500756" y="3962400"/>
-            <a:ext cx="762000" cy="228600"/>
-          </a:xfrm>
-          <a:prstGeom prst="rect">
-            <a:avLst/>
-          </a:prstGeom>
-          <a:solidFill>
-            <a:schemeClr val="accent1">
-              <a:alpha val="32944"/>
-            </a:schemeClr>
-          </a:solidFill>
-          <a:ln w="9525" cap="flat" cmpd="sng" algn="ctr">
-            <a:solidFill>
-              <a:schemeClr val="tx1"/>
-            </a:solidFill>
-            <a:prstDash val="solid"/>
-            <a:round/>
-            <a:headEnd type="none" w="med" len="med"/>
-            <a:tailEnd type="none" w="med" len="med"/>
-          </a:ln>
-          <a:effectLst/>
-        </p:spPr>
-        <p:txBody>
-          <a:bodyPr vert="horz" wrap="none" lIns="91440" tIns="45720" rIns="91440" bIns="45720" numCol="1" rtlCol="0" anchor="t" anchorCtr="0" compatLnSpc="1">
-            <a:prstTxWarp prst="textNoShape">
-              <a:avLst/>
-            </a:prstTxWarp>
-          </a:bodyPr>
-          <a:lstStyle/>
-          <a:p>
-            <a:pPr marL="0" marR="0" indent="0" algn="l" defTabSz="914400" rtl="0" eaLnBrk="0" fontAlgn="base" latinLnBrk="0" hangingPunct="0">
-              <a:lnSpc>
-                <a:spcPct val="100000"/>
-              </a:lnSpc>
-              <a:spcBef>
-                <a:spcPct val="0"/>
-              </a:spcBef>
-              <a:spcAft>
-                <a:spcPct val="0"/>
-              </a:spcAft>
-              <a:buClrTx/>
-              <a:buSzTx/>
-              <a:buFontTx/>
-              <a:buNone/>
-              <a:tabLst/>
-            </a:pPr>
-            <a:endParaRPr kumimoji="0" lang="en-US" sz="2400" b="0" i="0" u="none" strike="noStrike" cap="none" normalizeH="0" baseline="0" dirty="0">
-              <a:ln>
-                <a:noFill/>
-              </a:ln>
-              <a:solidFill>
-                <a:schemeClr val="tx1"/>
-              </a:solidFill>
-              <a:effectLst/>
-              <a:latin typeface="Times New Roman" pitchFamily="-111" charset="0"/>
-            </a:endParaRPr>
-          </a:p>
-        </p:txBody>
-      </p:sp>
-      <p:sp>
-        <p:nvSpPr>
-          <p:cNvPr id="11" name="Rectangle 10">
-            <a:extLst>
-              <a:ext uri="{FF2B5EF4-FFF2-40B4-BE49-F238E27FC236}">
-                <a16:creationId xmlns:a16="http://schemas.microsoft.com/office/drawing/2014/main" id="{DD58BAE6-7475-FD38-7DF8-D5570C215A8B}"/>
-              </a:ext>
-            </a:extLst>
-          </p:cNvPr>
-          <p:cNvSpPr/>
-          <p:nvPr/>
-        </p:nvSpPr>
-        <p:spPr bwMode="auto">
-          <a:xfrm>
-            <a:off x="5334000" y="4800600"/>
-            <a:ext cx="762000" cy="228600"/>
-          </a:xfrm>
-          <a:prstGeom prst="rect">
-            <a:avLst/>
-          </a:prstGeom>
-          <a:solidFill>
-            <a:schemeClr val="accent1">
-              <a:alpha val="32944"/>
-            </a:schemeClr>
-          </a:solidFill>
-          <a:ln w="9525" cap="flat" cmpd="sng" algn="ctr">
-            <a:solidFill>
-              <a:schemeClr val="tx1"/>
-            </a:solidFill>
-            <a:prstDash val="solid"/>
-            <a:round/>
-            <a:headEnd type="none" w="med" len="med"/>
-            <a:tailEnd type="none" w="med" len="med"/>
-          </a:ln>
-          <a:effectLst/>
-        </p:spPr>
-        <p:txBody>
-          <a:bodyPr vert="horz" wrap="none" lIns="91440" tIns="45720" rIns="91440" bIns="45720" numCol="1" rtlCol="0" anchor="t" anchorCtr="0" compatLnSpc="1">
-            <a:prstTxWarp prst="textNoShape">
-              <a:avLst/>
-            </a:prstTxWarp>
-          </a:bodyPr>
-          <a:lstStyle/>
-          <a:p>
-            <a:pPr marL="0" marR="0" indent="0" algn="l" defTabSz="914400" rtl="0" eaLnBrk="0" fontAlgn="base" latinLnBrk="0" hangingPunct="0">
-              <a:lnSpc>
-                <a:spcPct val="100000"/>
-              </a:lnSpc>
-              <a:spcBef>
-                <a:spcPct val="0"/>
-              </a:spcBef>
-              <a:spcAft>
-                <a:spcPct val="0"/>
-              </a:spcAft>
-              <a:buClrTx/>
-              <a:buSzTx/>
-              <a:buFontTx/>
-              <a:buNone/>
-              <a:tabLst/>
-            </a:pPr>
-            <a:endParaRPr kumimoji="0" lang="en-US" sz="2400" b="0" i="0" u="none" strike="noStrike" cap="none" normalizeH="0" baseline="0" dirty="0">
-              <a:ln>
-                <a:noFill/>
-              </a:ln>
-              <a:solidFill>
-                <a:schemeClr val="tx1"/>
-              </a:solidFill>
-              <a:effectLst/>
-              <a:latin typeface="Times New Roman" pitchFamily="-111" charset="0"/>
-            </a:endParaRPr>
-          </a:p>
-        </p:txBody>
-      </p:sp>
-    </p:spTree>
-    <p:extLst>
-      <p:ext uri="{BB962C8B-B14F-4D97-AF65-F5344CB8AC3E}">
-        <p14:creationId xmlns:p14="http://schemas.microsoft.com/office/powerpoint/2010/main" val="3888142523"/>
-      </p:ext>
-    </p:extLst>
-  </p:cSld>
-  <p:clrMapOvr>
-    <a:masterClrMapping/>
-  </p:clrMapOvr>
-</p:sld>
-</file>
-
-<file path=ppt/slides/slide3.xml><?xml version="1.0" encoding="utf-8"?>
-<p:sld xmlns:a="http://schemas.openxmlformats.org/drawingml/2006/main" xmlns:r="http://schemas.openxmlformats.org/officeDocument/2006/relationships" xmlns:p="http://schemas.openxmlformats.org/presentationml/2006/main">
-  <p:cSld>
-    <p:bg>
-      <p:bgPr>
-        <a:solidFill>
-          <a:schemeClr val="bg1"/>
-        </a:solidFill>
-        <a:effectLst/>
-      </p:bgPr>
-    </p:bg>
-    <p:spTree>
-      <p:nvGrpSpPr>
-        <p:cNvPr id="1" name=""/>
-        <p:cNvGrpSpPr/>
-        <p:nvPr/>
-      </p:nvGrpSpPr>
-      <p:grpSpPr>
-        <a:xfrm>
-          <a:off x="0" y="0"/>
-          <a:ext cx="0" cy="0"/>
-          <a:chOff x="0" y="0"/>
-          <a:chExt cx="0" cy="0"/>
-        </a:xfrm>
-      </p:grpSpPr>
-      <p:sp useBgFill="1">
-        <p:nvSpPr>
-          <p:cNvPr id="23" name="Rectangle 22">
-            <a:extLst>
-              <a:ext uri="{FF2B5EF4-FFF2-40B4-BE49-F238E27FC236}">
-                <a16:creationId xmlns:a16="http://schemas.microsoft.com/office/drawing/2014/main" id="{B51F6560-D61C-400F-B71A-3FDEBF451B22}"/>
-              </a:ext>
-              <a:ext uri="{C183D7F6-B498-43B3-948B-1728B52AA6E4}">
-                <adec:decorative xmlns:adec="http://schemas.microsoft.com/office/drawing/2017/decorative" val="1"/>
-              </a:ext>
-            </a:extLst>
-          </p:cNvPr>
-          <p:cNvSpPr>
-            <a:spLocks noGrp="1" noRot="1" noChangeAspect="1" noMove="1" noResize="1" noEditPoints="1" noAdjustHandles="1" noChangeArrowheads="1" noChangeShapeType="1" noTextEdit="1"/>
-          </p:cNvSpPr>
-          <p:nvPr>
-            <p:extLst>
-              <p:ext uri="{386F3935-93C4-4BCD-93E2-E3B085C9AB24}">
-                <p16:designElem xmlns:p16="http://schemas.microsoft.com/office/powerpoint/2015/main" val="1"/>
-              </p:ext>
-            </p:extLst>
-          </p:nvPr>
-        </p:nvSpPr>
-        <p:spPr>
-          <a:xfrm>
-            <a:off x="0" y="0"/>
-            <a:ext cx="9144000" cy="6858000"/>
-          </a:xfrm>
-          <a:prstGeom prst="rect">
-            <a:avLst/>
-          </a:prstGeom>
-          <a:ln w="12700" cap="flat" cmpd="sng" algn="ctr">
-            <a:noFill/>
-            <a:prstDash val="solid"/>
-            <a:miter lim="800000"/>
-          </a:ln>
-          <a:effectLst/>
-          <a:extLst>
-            <a:ext uri="{91240B29-F687-4F45-9708-019B960494DF}">
-              <a14:hiddenLine xmlns:a14="http://schemas.microsoft.com/office/drawing/2010/main" w="12700" cap="flat" cmpd="sng" algn="ctr">
-                <a:solidFill>
-                  <a:schemeClr val="accent1">
-                    <a:shade val="50000"/>
-                  </a:schemeClr>
-                </a:solidFill>
-                <a:prstDash val="solid"/>
-                <a:miter lim="800000"/>
-              </a14:hiddenLine>
-            </a:ext>
-          </a:extLst>
-        </p:spPr>
-        <p:style>
-          <a:lnRef idx="2">
-            <a:schemeClr val="accent1">
-              <a:shade val="50000"/>
-            </a:schemeClr>
-          </a:lnRef>
-          <a:fillRef idx="1">
-            <a:schemeClr val="accent1"/>
-          </a:fillRef>
-          <a:effectRef idx="0">
-            <a:schemeClr val="accent1"/>
-          </a:effectRef>
-          <a:fontRef idx="minor">
-            <a:schemeClr val="lt1"/>
-          </a:fontRef>
-        </p:style>
-        <p:txBody>
-          <a:bodyPr rtlCol="0" anchor="ctr"/>
-          <a:lstStyle/>
-          <a:p>
-            <a:pPr algn="ctr"/>
-            <a:endParaRPr lang="en-US"/>
-          </a:p>
-        </p:txBody>
-      </p:sp>
-      <p:grpSp>
-        <p:nvGrpSpPr>
-          <p:cNvPr id="25" name="Group 24">
-            <a:extLst>
-              <a:ext uri="{FF2B5EF4-FFF2-40B4-BE49-F238E27FC236}">
-                <a16:creationId xmlns:a16="http://schemas.microsoft.com/office/drawing/2014/main" id="{F938B951-7EFC-40A2-B198-E73D39DFB3FC}"/>
-              </a:ext>
-              <a:ext uri="{C183D7F6-B498-43B3-948B-1728B52AA6E4}">
-                <adec:decorative xmlns:adec="http://schemas.microsoft.com/office/drawing/2017/decorative" val="1"/>
-              </a:ext>
-            </a:extLst>
-          </p:cNvPr>
-          <p:cNvGrpSpPr>
-            <a:grpSpLocks noGrp="1" noUngrp="1" noRot="1" noChangeAspect="1" noMove="1" noResize="1"/>
-          </p:cNvGrpSpPr>
-          <p:nvPr>
-            <p:extLst>
-              <p:ext uri="{386F3935-93C4-4BCD-93E2-E3B085C9AB24}">
-                <p16:designElem xmlns:p16="http://schemas.microsoft.com/office/powerpoint/2015/main" val="1"/>
-              </p:ext>
-            </p:extLst>
-          </p:nvPr>
-        </p:nvGrpSpPr>
-        <p:grpSpPr>
-          <a:xfrm>
-            <a:off x="0" y="0"/>
-            <a:ext cx="9144000" cy="6858000"/>
-            <a:chOff x="0" y="0"/>
-            <a:chExt cx="12192000" cy="6858000"/>
-          </a:xfrm>
-        </p:grpSpPr>
-        <p:sp>
-          <p:nvSpPr>
-            <p:cNvPr id="26" name="Rectangle 25">
-              <a:extLst>
-                <a:ext uri="{FF2B5EF4-FFF2-40B4-BE49-F238E27FC236}">
-                  <a16:creationId xmlns:a16="http://schemas.microsoft.com/office/drawing/2014/main" id="{92E4506E-6A0E-49A0-BC31-8CADBFF3ECCF}"/>
-                </a:ext>
-                <a:ext uri="{C183D7F6-B498-43B3-948B-1728B52AA6E4}">
-                  <adec:decorative xmlns:adec="http://schemas.microsoft.com/office/drawing/2017/decorative" val="1"/>
-                </a:ext>
-              </a:extLst>
-            </p:cNvPr>
-            <p:cNvSpPr/>
-            <p:nvPr>
-              <p:extLst>
-                <p:ext uri="{386F3935-93C4-4BCD-93E2-E3B085C9AB24}">
-                  <p16:designElem xmlns:p16="http://schemas.microsoft.com/office/powerpoint/2015/main" val="1"/>
-                </p:ext>
-              </p:extLst>
-            </p:nvPr>
-          </p:nvSpPr>
-          <p:spPr>
-            <a:xfrm>
-              <a:off x="0" y="0"/>
-              <a:ext cx="12192000" cy="6858000"/>
-            </a:xfrm>
-            <a:prstGeom prst="rect">
-              <a:avLst/>
-            </a:prstGeom>
-            <a:solidFill>
-              <a:schemeClr val="bg1">
-                <a:lumMod val="95000"/>
-              </a:schemeClr>
-            </a:solidFill>
-            <a:ln>
-              <a:noFill/>
-            </a:ln>
-          </p:spPr>
-          <p:style>
-            <a:lnRef idx="2">
-              <a:schemeClr val="accent1">
-                <a:shade val="50000"/>
-              </a:schemeClr>
-            </a:lnRef>
-            <a:fillRef idx="1">
-              <a:schemeClr val="accent1"/>
-            </a:fillRef>
-            <a:effectRef idx="0">
-              <a:schemeClr val="accent1"/>
-            </a:effectRef>
-            <a:fontRef idx="minor">
-              <a:schemeClr val="lt1"/>
-            </a:fontRef>
-          </p:style>
-          <p:txBody>
-            <a:bodyPr rtlCol="0" anchor="ctr"/>
-            <a:lstStyle/>
-            <a:p>
-              <a:pPr algn="ctr"/>
-              <a:endParaRPr lang="en-US"/>
-            </a:p>
-          </p:txBody>
-        </p:sp>
-        <p:sp>
-          <p:nvSpPr>
-            <p:cNvPr id="27" name="Rectangle 26">
-              <a:extLst>
-                <a:ext uri="{FF2B5EF4-FFF2-40B4-BE49-F238E27FC236}">
-                  <a16:creationId xmlns:a16="http://schemas.microsoft.com/office/drawing/2014/main" id="{EEED4D51-65BF-4AEE-B596-7CB61A70B966}"/>
-                </a:ext>
-                <a:ext uri="{C183D7F6-B498-43B3-948B-1728B52AA6E4}">
-                  <adec:decorative xmlns:adec="http://schemas.microsoft.com/office/drawing/2017/decorative" val="1"/>
-                </a:ext>
-              </a:extLst>
-            </p:cNvPr>
-            <p:cNvSpPr/>
-            <p:nvPr>
-              <p:extLst>
-                <p:ext uri="{386F3935-93C4-4BCD-93E2-E3B085C9AB24}">
-                  <p16:designElem xmlns:p16="http://schemas.microsoft.com/office/powerpoint/2015/main" val="1"/>
-                </p:ext>
-              </p:extLst>
-            </p:nvPr>
-          </p:nvSpPr>
-          <p:spPr>
-            <a:xfrm>
-              <a:off x="0" y="0"/>
-              <a:ext cx="12192000" cy="6858000"/>
-            </a:xfrm>
-            <a:prstGeom prst="rect">
-              <a:avLst/>
-            </a:prstGeom>
-            <a:solidFill>
-              <a:schemeClr val="accent4">
-                <a:lumMod val="75000"/>
-                <a:alpha val="7000"/>
-              </a:schemeClr>
-            </a:solidFill>
-            <a:ln>
-              <a:noFill/>
-            </a:ln>
-          </p:spPr>
-          <p:style>
-            <a:lnRef idx="2">
-              <a:schemeClr val="accent1">
-                <a:shade val="50000"/>
-              </a:schemeClr>
-            </a:lnRef>
-            <a:fillRef idx="1">
-              <a:schemeClr val="accent1"/>
-            </a:fillRef>
-            <a:effectRef idx="0">
-              <a:schemeClr val="accent1"/>
-            </a:effectRef>
-            <a:fontRef idx="minor">
-              <a:schemeClr val="lt1"/>
-            </a:fontRef>
-          </p:style>
-          <p:txBody>
-            <a:bodyPr rtlCol="0" anchor="ctr"/>
-            <a:lstStyle/>
-            <a:p>
-              <a:pPr algn="ctr"/>
-              <a:endParaRPr lang="en-US"/>
-            </a:p>
-          </p:txBody>
-        </p:sp>
-      </p:grpSp>
-      <p:sp>
-        <p:nvSpPr>
-          <p:cNvPr id="2" name="Title 1"/>
-          <p:cNvSpPr>
-            <a:spLocks noGrp="1"/>
-          </p:cNvSpPr>
-          <p:nvPr>
-            <p:ph type="title"/>
-          </p:nvPr>
-        </p:nvSpPr>
-        <p:spPr>
-          <a:xfrm>
-            <a:off x="413147" y="366639"/>
-            <a:ext cx="8317705" cy="675441"/>
-          </a:xfrm>
-        </p:spPr>
-        <p:txBody>
-          <a:bodyPr vert="horz" wrap="square" lIns="91440" tIns="45720" rIns="91440" bIns="45720" rtlCol="0" anchor="t">
-            <a:normAutofit/>
-          </a:bodyPr>
-          <a:lstStyle/>
-          <a:p>
-            <a:pPr algn="l" eaLnBrk="1" hangingPunct="1">
-              <a:lnSpc>
-                <a:spcPct val="90000"/>
-              </a:lnSpc>
-            </a:pPr>
-            <a:r>
-              <a:rPr lang="en-US" sz="3700" kern="1200">
-                <a:solidFill>
-                  <a:schemeClr val="tx1"/>
-                </a:solidFill>
-              </a:rPr>
-              <a:t>Terms, Concepts, Procedures</a:t>
-            </a:r>
-            <a:endParaRPr lang="en-US" sz="3700" kern="1200" dirty="0">
-              <a:solidFill>
-                <a:schemeClr val="tx1"/>
-              </a:solidFill>
-            </a:endParaRPr>
-          </a:p>
-        </p:txBody>
-      </p:sp>
-      <p:sp>
-        <p:nvSpPr>
-          <p:cNvPr id="3" name="Content Placeholder 2"/>
-          <p:cNvSpPr>
-            <a:spLocks noGrp="1"/>
-          </p:cNvSpPr>
-          <p:nvPr>
-            <p:ph idx="1"/>
-          </p:nvPr>
-        </p:nvSpPr>
-        <p:spPr>
-          <a:xfrm>
-            <a:off x="413147" y="1111187"/>
-            <a:ext cx="8317705" cy="643253"/>
-          </a:xfrm>
-        </p:spPr>
-        <p:txBody>
-          <a:bodyPr vert="horz" wrap="square" lIns="91440" tIns="45720" rIns="91440" bIns="45720" rtlCol="0" anchor="t">
-            <a:normAutofit/>
-          </a:bodyPr>
-          <a:lstStyle/>
-          <a:p>
-            <a:pPr marL="0" indent="0" eaLnBrk="1" hangingPunct="1">
-              <a:lnSpc>
-                <a:spcPct val="90000"/>
-              </a:lnSpc>
-              <a:spcBef>
-                <a:spcPts val="1000"/>
-              </a:spcBef>
-              <a:buNone/>
-            </a:pPr>
-            <a:r>
-              <a:rPr lang="en-US" sz="3500" kern="1200">
-                <a:solidFill>
-                  <a:schemeClr val="tx1">
-                    <a:alpha val="60000"/>
-                  </a:schemeClr>
-                </a:solidFill>
-              </a:rPr>
-              <a:t>Use lists</a:t>
-            </a:r>
-            <a:endParaRPr lang="en-US" sz="3500" kern="1200" dirty="0">
-              <a:solidFill>
-                <a:schemeClr val="tx1">
-                  <a:alpha val="60000"/>
-                </a:schemeClr>
-              </a:solidFill>
-            </a:endParaRPr>
-          </a:p>
-        </p:txBody>
-      </p:sp>
-      <p:sp>
-        <p:nvSpPr>
-          <p:cNvPr id="4" name="Footer Placeholder 3"/>
-          <p:cNvSpPr>
-            <a:spLocks noGrp="1"/>
-          </p:cNvSpPr>
-          <p:nvPr>
-            <p:ph type="ftr" sz="quarter" idx="11"/>
-          </p:nvPr>
-        </p:nvSpPr>
-        <p:spPr>
-          <a:xfrm>
-            <a:off x="413146" y="6307200"/>
-            <a:ext cx="8317706" cy="550800"/>
-          </a:xfrm>
-        </p:spPr>
-        <p:txBody>
-          <a:bodyPr vert="horz" lIns="91440" tIns="45720" rIns="91440" bIns="45720" rtlCol="0" anchor="ctr">
-            <a:normAutofit/>
-          </a:bodyPr>
-          <a:lstStyle/>
-          <a:p>
-            <a:pPr eaLnBrk="1" hangingPunct="1">
-              <a:spcAft>
-                <a:spcPts val="600"/>
-              </a:spcAft>
-            </a:pPr>
-            <a:r>
-              <a:rPr lang="en-US" sz="900" kern="1200">
-                <a:solidFill>
-                  <a:schemeClr val="tx1">
-                    <a:tint val="75000"/>
-                  </a:schemeClr>
-                </a:solidFill>
-                <a:latin typeface="+mn-lt"/>
-                <a:ea typeface="+mn-ea"/>
-                <a:cs typeface="+mn-cs"/>
-              </a:rPr>
-              <a:t>CSCI 373 Mike Heroux</a:t>
-            </a:r>
-          </a:p>
-        </p:txBody>
-      </p:sp>
-      <p:sp>
-        <p:nvSpPr>
-          <p:cNvPr id="5" name="Slide Number Placeholder 4"/>
-          <p:cNvSpPr>
-            <a:spLocks noGrp="1"/>
-          </p:cNvSpPr>
-          <p:nvPr>
-            <p:ph type="sldNum" sz="quarter" idx="12"/>
-          </p:nvPr>
-        </p:nvSpPr>
-        <p:spPr>
-          <a:xfrm rot="5400000">
-            <a:off x="6775226" y="3148837"/>
-            <a:ext cx="4326732" cy="550800"/>
-          </a:xfrm>
-        </p:spPr>
-        <p:txBody>
-          <a:bodyPr vert="horz" lIns="91440" tIns="45720" rIns="91440" bIns="45720" rtlCol="0" anchor="ctr">
-            <a:normAutofit/>
-          </a:bodyPr>
-          <a:lstStyle/>
-          <a:p>
-            <a:pPr algn="ctr" eaLnBrk="1" hangingPunct="1">
-              <a:spcAft>
-                <a:spcPts val="600"/>
-              </a:spcAft>
-            </a:pPr>
-            <a:fld id="{8889F5FB-2D0D-7848-BB6D-41089A488CF6}" type="slidenum">
-              <a:rPr lang="en-US" sz="900" smtClean="0">
-                <a:solidFill>
-                  <a:schemeClr val="tx1">
-                    <a:tint val="75000"/>
-                  </a:schemeClr>
-                </a:solidFill>
-                <a:latin typeface="+mn-lt"/>
-              </a:rPr>
-              <a:pPr algn="ctr" eaLnBrk="1" hangingPunct="1">
-                <a:spcAft>
-                  <a:spcPts val="600"/>
-                </a:spcAft>
-              </a:pPr>
-              <a:t>3</a:t>
-            </a:fld>
-            <a:endParaRPr lang="en-US" sz="900">
-              <a:solidFill>
-                <a:schemeClr val="tx1">
-                  <a:tint val="75000"/>
-                </a:schemeClr>
-              </a:solidFill>
-              <a:latin typeface="+mn-lt"/>
-            </a:endParaRPr>
-          </a:p>
-        </p:txBody>
-      </p:sp>
-      <p:pic>
-        <p:nvPicPr>
-          <p:cNvPr id="19" name="Picture 18">
-            <a:extLst>
-              <a:ext uri="{FF2B5EF4-FFF2-40B4-BE49-F238E27FC236}">
-                <a16:creationId xmlns:a16="http://schemas.microsoft.com/office/drawing/2014/main" id="{4B335A57-A6ED-2BD9-E23A-2D236305DF3F}"/>
-              </a:ext>
-            </a:extLst>
-          </p:cNvPr>
-          <p:cNvPicPr>
-            <a:picLocks noChangeAspect="1"/>
-          </p:cNvPicPr>
-          <p:nvPr/>
-        </p:nvPicPr>
-        <p:blipFill>
-          <a:blip r:embed="rId2"/>
-          <a:stretch>
-            <a:fillRect/>
-          </a:stretch>
-        </p:blipFill>
-        <p:spPr>
-          <a:xfrm>
-            <a:off x="5442484" y="1754439"/>
-            <a:ext cx="3525684" cy="4662631"/>
-          </a:xfrm>
-          <a:prstGeom prst="rect">
-            <a:avLst/>
-          </a:prstGeom>
-        </p:spPr>
-      </p:pic>
-      <p:pic>
-        <p:nvPicPr>
-          <p:cNvPr id="20" name="Picture 19">
-            <a:extLst>
-              <a:ext uri="{FF2B5EF4-FFF2-40B4-BE49-F238E27FC236}">
-                <a16:creationId xmlns:a16="http://schemas.microsoft.com/office/drawing/2014/main" id="{8ACAABA0-B92F-FE26-A0F5-4ADB999AAE8F}"/>
-              </a:ext>
-            </a:extLst>
-          </p:cNvPr>
-          <p:cNvPicPr>
-            <a:picLocks noChangeAspect="1"/>
-          </p:cNvPicPr>
-          <p:nvPr/>
-        </p:nvPicPr>
-        <p:blipFill>
-          <a:blip r:embed="rId3"/>
-          <a:stretch>
-            <a:fillRect/>
-          </a:stretch>
-        </p:blipFill>
-        <p:spPr>
-          <a:xfrm>
-            <a:off x="0" y="1761677"/>
-            <a:ext cx="5226042" cy="4545523"/>
-          </a:xfrm>
-          <a:prstGeom prst="rect">
-            <a:avLst/>
-          </a:prstGeom>
-        </p:spPr>
-      </p:pic>
-    </p:spTree>
-    <p:extLst>
-      <p:ext uri="{BB962C8B-B14F-4D97-AF65-F5344CB8AC3E}">
-        <p14:creationId xmlns:p14="http://schemas.microsoft.com/office/powerpoint/2010/main" val="1069487752"/>
-      </p:ext>
-    </p:extLst>
-  </p:cSld>
-  <p:clrMapOvr>
-    <a:masterClrMapping/>
-  </p:clrMapOvr>
-</p:sld>
-</file>
-
-<file path=ppt/slides/slide4.xml><?xml version="1.0" encoding="utf-8"?>
-<p:sld xmlns:a="http://schemas.openxmlformats.org/drawingml/2006/main" xmlns:r="http://schemas.openxmlformats.org/officeDocument/2006/relationships" xmlns:p="http://schemas.openxmlformats.org/presentationml/2006/main">
-  <p:cSld>
-    <p:spTree>
-      <p:nvGrpSpPr>
-        <p:cNvPr id="1" name=""/>
-        <p:cNvGrpSpPr/>
-        <p:nvPr/>
-      </p:nvGrpSpPr>
-      <p:grpSpPr>
-        <a:xfrm>
-          <a:off x="0" y="0"/>
-          <a:ext cx="0" cy="0"/>
-          <a:chOff x="0" y="0"/>
-          <a:chExt cx="0" cy="0"/>
-        </a:xfrm>
-      </p:grpSpPr>
-      <p:sp>
-        <p:nvSpPr>
-          <p:cNvPr id="2" name="Title 1"/>
-          <p:cNvSpPr>
-            <a:spLocks noGrp="1"/>
-          </p:cNvSpPr>
-          <p:nvPr>
-            <p:ph type="title"/>
-          </p:nvPr>
-        </p:nvSpPr>
-        <p:spPr/>
-        <p:txBody>
-          <a:bodyPr/>
-          <a:lstStyle/>
-          <a:p>
-            <a:r>
-              <a:rPr lang="en-US" dirty="0"/>
-              <a:t>Spacing using ~</a:t>
-            </a:r>
-          </a:p>
-        </p:txBody>
-      </p:sp>
-      <p:sp>
-        <p:nvSpPr>
-          <p:cNvPr id="3" name="Content Placeholder 2"/>
-          <p:cNvSpPr>
-            <a:spLocks noGrp="1"/>
-          </p:cNvSpPr>
-          <p:nvPr>
-            <p:ph idx="1"/>
-          </p:nvPr>
-        </p:nvSpPr>
-        <p:spPr/>
-        <p:txBody>
-          <a:bodyPr/>
-          <a:lstStyle/>
-          <a:p>
-            <a:pPr marL="0" indent="0">
-              <a:buNone/>
-            </a:pPr>
-            <a:r>
-              <a:rPr lang="en-US" dirty="0"/>
-              <a:t>Use ~:</a:t>
-            </a:r>
-          </a:p>
-          <a:p>
-            <a:r>
-              <a:rPr lang="en-US" dirty="0"/>
-              <a:t>In Smith and Jones~\cite{2014SmithJones}, we see that …</a:t>
-            </a:r>
-          </a:p>
-          <a:p>
-            <a:r>
-              <a:rPr lang="en-US" dirty="0"/>
-              <a:t>In Section~\ref{intro}, …</a:t>
-            </a:r>
-          </a:p>
-          <a:p>
-            <a:r>
-              <a:rPr lang="en-US" dirty="0"/>
-              <a:t>In Figure~\ref{fig1}, …</a:t>
-            </a:r>
-          </a:p>
-        </p:txBody>
-      </p:sp>
-      <p:sp>
-        <p:nvSpPr>
-          <p:cNvPr id="4" name="Footer Placeholder 3"/>
-          <p:cNvSpPr>
-            <a:spLocks noGrp="1"/>
-          </p:cNvSpPr>
-          <p:nvPr>
-            <p:ph type="ftr" sz="quarter" idx="11"/>
-          </p:nvPr>
-        </p:nvSpPr>
-        <p:spPr/>
-        <p:txBody>
-          <a:bodyPr/>
-          <a:lstStyle/>
-          <a:p>
-            <a:r>
-              <a:rPr lang="en-US"/>
-              <a:t>CSCI 373 Mike Heroux</a:t>
-            </a:r>
-            <a:endParaRPr lang="en-US" dirty="0"/>
-          </a:p>
-        </p:txBody>
-      </p:sp>
-      <p:sp>
-        <p:nvSpPr>
-          <p:cNvPr id="5" name="Slide Number Placeholder 4"/>
-          <p:cNvSpPr>
-            <a:spLocks noGrp="1"/>
-          </p:cNvSpPr>
-          <p:nvPr>
-            <p:ph type="sldNum" sz="quarter" idx="12"/>
-          </p:nvPr>
-        </p:nvSpPr>
-        <p:spPr/>
-        <p:txBody>
-          <a:bodyPr/>
-          <a:lstStyle/>
-          <a:p>
-            <a:fld id="{8889F5FB-2D0D-7848-BB6D-41089A488CF6}" type="slidenum">
-              <a:rPr lang="en-US" smtClean="0"/>
-              <a:pPr/>
-              <a:t>4</a:t>
-            </a:fld>
-            <a:endParaRPr lang="en-US"/>
-          </a:p>
-        </p:txBody>
-      </p:sp>
-    </p:spTree>
-    <p:extLst>
-      <p:ext uri="{BB962C8B-B14F-4D97-AF65-F5344CB8AC3E}">
-        <p14:creationId xmlns:p14="http://schemas.microsoft.com/office/powerpoint/2010/main" val="3666137103"/>
-      </p:ext>
-    </p:extLst>
-  </p:cSld>
-  <p:clrMapOvr>
-    <a:masterClrMapping/>
-  </p:clrMapOvr>
-</p:sld>
-</file>
-
-<file path=ppt/slides/slide5.xml><?xml version="1.0" encoding="utf-8"?>
-<p:sld xmlns:a="http://schemas.openxmlformats.org/drawingml/2006/main" xmlns:r="http://schemas.openxmlformats.org/officeDocument/2006/relationships" xmlns:p="http://schemas.openxmlformats.org/presentationml/2006/main">
-  <p:cSld>
-    <p:spTree>
-      <p:nvGrpSpPr>
-        <p:cNvPr id="1" name=""/>
-        <p:cNvGrpSpPr/>
-        <p:nvPr/>
-      </p:nvGrpSpPr>
-      <p:grpSpPr>
-        <a:xfrm>
-          <a:off x="0" y="0"/>
-          <a:ext cx="0" cy="0"/>
-          <a:chOff x="0" y="0"/>
-          <a:chExt cx="0" cy="0"/>
-        </a:xfrm>
-      </p:grpSpPr>
-      <p:sp>
-        <p:nvSpPr>
-          <p:cNvPr id="2" name="Title 1"/>
-          <p:cNvSpPr>
-            <a:spLocks noGrp="1"/>
-          </p:cNvSpPr>
-          <p:nvPr>
-            <p:ph type="title"/>
-          </p:nvPr>
-        </p:nvSpPr>
-        <p:spPr/>
-        <p:txBody>
-          <a:bodyPr/>
-          <a:lstStyle/>
-          <a:p>
-            <a:r>
-              <a:rPr lang="en-US" dirty="0"/>
-              <a:t>Figures</a:t>
-            </a:r>
-          </a:p>
-        </p:txBody>
-      </p:sp>
-      <p:sp>
-        <p:nvSpPr>
-          <p:cNvPr id="3" name="Content Placeholder 2"/>
-          <p:cNvSpPr>
-            <a:spLocks noGrp="1"/>
-          </p:cNvSpPr>
-          <p:nvPr>
-            <p:ph idx="1"/>
-          </p:nvPr>
-        </p:nvSpPr>
-        <p:spPr>
-          <a:xfrm>
-            <a:off x="202481" y="1441295"/>
-            <a:ext cx="4572000" cy="4648200"/>
-          </a:xfrm>
-        </p:spPr>
-        <p:txBody>
-          <a:bodyPr/>
-          <a:lstStyle/>
-          <a:p>
-            <a:pPr marL="0" indent="0">
-              <a:buNone/>
-            </a:pPr>
-            <a:r>
-              <a:rPr lang="en-US" dirty="0"/>
-              <a:t>Figures:</a:t>
-            </a:r>
-          </a:p>
-          <a:p>
-            <a:r>
-              <a:rPr lang="en-US" dirty="0"/>
-              <a:t>Graphs: </a:t>
-            </a:r>
-          </a:p>
-          <a:p>
-            <a:pPr lvl="1"/>
-            <a:r>
-              <a:rPr lang="en-US" dirty="0"/>
-              <a:t>Clearly label units, legend, title</a:t>
-            </a:r>
-          </a:p>
-          <a:p>
-            <a:r>
-              <a:rPr lang="en-US" dirty="0"/>
-              <a:t>Captions: </a:t>
-            </a:r>
-          </a:p>
-          <a:p>
-            <a:pPr lvl="1"/>
-            <a:r>
-              <a:rPr lang="en-US" dirty="0"/>
-              <a:t>Explain the figure in summary</a:t>
-            </a:r>
-          </a:p>
-          <a:p>
-            <a:pPr lvl="1"/>
-            <a:r>
-              <a:rPr lang="en-US" dirty="0"/>
-              <a:t>2-3 sentences that tell the story of the figure</a:t>
-            </a:r>
-          </a:p>
-        </p:txBody>
-      </p:sp>
-      <p:sp>
-        <p:nvSpPr>
-          <p:cNvPr id="4" name="Footer Placeholder 3"/>
-          <p:cNvSpPr>
-            <a:spLocks noGrp="1"/>
-          </p:cNvSpPr>
-          <p:nvPr>
-            <p:ph type="ftr" sz="quarter" idx="11"/>
-          </p:nvPr>
-        </p:nvSpPr>
-        <p:spPr/>
-        <p:txBody>
-          <a:bodyPr/>
-          <a:lstStyle/>
-          <a:p>
-            <a:r>
-              <a:rPr lang="en-US"/>
-              <a:t>CSCI 373 Mike Heroux</a:t>
-            </a:r>
-            <a:endParaRPr lang="en-US" dirty="0"/>
-          </a:p>
-        </p:txBody>
-      </p:sp>
-      <p:sp>
-        <p:nvSpPr>
-          <p:cNvPr id="5" name="Slide Number Placeholder 4"/>
-          <p:cNvSpPr>
-            <a:spLocks noGrp="1"/>
-          </p:cNvSpPr>
-          <p:nvPr>
-            <p:ph type="sldNum" sz="quarter" idx="12"/>
-          </p:nvPr>
-        </p:nvSpPr>
-        <p:spPr/>
-        <p:txBody>
-          <a:bodyPr/>
-          <a:lstStyle/>
-          <a:p>
-            <a:fld id="{8889F5FB-2D0D-7848-BB6D-41089A488CF6}" type="slidenum">
-              <a:rPr lang="en-US" smtClean="0"/>
-              <a:pPr/>
-              <a:t>5</a:t>
-            </a:fld>
-            <a:endParaRPr lang="en-US" dirty="0"/>
-          </a:p>
-        </p:txBody>
-      </p:sp>
-      <p:pic>
-        <p:nvPicPr>
-          <p:cNvPr id="7" name="Picture 6">
-            <a:extLst>
-              <a:ext uri="{FF2B5EF4-FFF2-40B4-BE49-F238E27FC236}">
-                <a16:creationId xmlns:a16="http://schemas.microsoft.com/office/drawing/2014/main" id="{F217EC3A-5194-6E8C-7C02-6EEB90A56371}"/>
-              </a:ext>
-            </a:extLst>
-          </p:cNvPr>
-          <p:cNvPicPr>
-            <a:picLocks noChangeAspect="1"/>
-          </p:cNvPicPr>
-          <p:nvPr/>
-        </p:nvPicPr>
-        <p:blipFill>
-          <a:blip r:embed="rId2"/>
-          <a:stretch>
-            <a:fillRect/>
-          </a:stretch>
-        </p:blipFill>
-        <p:spPr>
-          <a:xfrm>
-            <a:off x="4735830" y="1282390"/>
-            <a:ext cx="4381500" cy="3162300"/>
-          </a:xfrm>
-          <a:prstGeom prst="rect">
-            <a:avLst/>
-          </a:prstGeom>
-        </p:spPr>
-      </p:pic>
-      <p:sp>
-        <p:nvSpPr>
-          <p:cNvPr id="8" name="Rectangle 7">
-            <a:extLst>
-              <a:ext uri="{FF2B5EF4-FFF2-40B4-BE49-F238E27FC236}">
-                <a16:creationId xmlns:a16="http://schemas.microsoft.com/office/drawing/2014/main" id="{3745EB92-ECB5-3BA2-3346-0A76E3149469}"/>
-              </a:ext>
-            </a:extLst>
-          </p:cNvPr>
-          <p:cNvSpPr/>
-          <p:nvPr/>
-        </p:nvSpPr>
-        <p:spPr bwMode="auto">
-          <a:xfrm>
-            <a:off x="6743700" y="2565244"/>
-            <a:ext cx="2373630" cy="863755"/>
-          </a:xfrm>
-          <a:prstGeom prst="rect">
-            <a:avLst/>
-          </a:prstGeom>
-          <a:solidFill>
-            <a:schemeClr val="accent1">
-              <a:alpha val="32944"/>
-            </a:schemeClr>
-          </a:solidFill>
-          <a:ln w="9525" cap="flat" cmpd="sng" algn="ctr">
-            <a:solidFill>
-              <a:schemeClr val="tx1"/>
-            </a:solidFill>
-            <a:prstDash val="solid"/>
-            <a:round/>
-            <a:headEnd type="none" w="med" len="med"/>
-            <a:tailEnd type="none" w="med" len="med"/>
-          </a:ln>
-          <a:effectLst/>
-        </p:spPr>
-        <p:txBody>
-          <a:bodyPr vert="horz" wrap="none" lIns="91440" tIns="45720" rIns="91440" bIns="45720" numCol="1" rtlCol="0" anchor="t" anchorCtr="0" compatLnSpc="1">
-            <a:prstTxWarp prst="textNoShape">
-              <a:avLst/>
-            </a:prstTxWarp>
-          </a:bodyPr>
-          <a:lstStyle/>
-          <a:p>
-            <a:pPr marL="0" marR="0" indent="0" algn="l" defTabSz="914400" rtl="0" eaLnBrk="0" fontAlgn="base" latinLnBrk="0" hangingPunct="0">
-              <a:lnSpc>
-                <a:spcPct val="100000"/>
-              </a:lnSpc>
-              <a:spcBef>
-                <a:spcPct val="0"/>
-              </a:spcBef>
-              <a:spcAft>
-                <a:spcPct val="0"/>
-              </a:spcAft>
-              <a:buClrTx/>
-              <a:buSzTx/>
-              <a:buFontTx/>
-              <a:buNone/>
-              <a:tabLst/>
-            </a:pPr>
-            <a:endParaRPr kumimoji="0" lang="en-US" sz="2400" b="0" i="0" u="none" strike="noStrike" cap="none" normalizeH="0" baseline="0" dirty="0">
-              <a:ln>
-                <a:noFill/>
-              </a:ln>
-              <a:solidFill>
-                <a:schemeClr val="tx1"/>
-              </a:solidFill>
-              <a:effectLst/>
-              <a:latin typeface="Times New Roman" pitchFamily="-111" charset="0"/>
-            </a:endParaRPr>
-          </a:p>
-        </p:txBody>
-      </p:sp>
-    </p:spTree>
-    <p:extLst>
-      <p:ext uri="{BB962C8B-B14F-4D97-AF65-F5344CB8AC3E}">
-        <p14:creationId xmlns:p14="http://schemas.microsoft.com/office/powerpoint/2010/main" val="3259667042"/>
-      </p:ext>
-    </p:extLst>
-  </p:cSld>
-  <p:clrMapOvr>
-    <a:masterClrMapping/>
-  </p:clrMapOvr>
-</p:sld>
-</file>
-
-<file path=ppt/slides/slide6.xml><?xml version="1.0" encoding="utf-8"?>
-<p:sld xmlns:a="http://schemas.openxmlformats.org/drawingml/2006/main" xmlns:r="http://schemas.openxmlformats.org/officeDocument/2006/relationships" xmlns:p="http://schemas.openxmlformats.org/presentationml/2006/main">
-  <p:cSld>
-    <p:spTree>
-      <p:nvGrpSpPr>
-        <p:cNvPr id="1" name=""/>
-        <p:cNvGrpSpPr/>
-        <p:nvPr/>
-      </p:nvGrpSpPr>
-      <p:grpSpPr>
-        <a:xfrm>
-          <a:off x="0" y="0"/>
-          <a:ext cx="0" cy="0"/>
-          <a:chOff x="0" y="0"/>
-          <a:chExt cx="0" cy="0"/>
-        </a:xfrm>
-      </p:grpSpPr>
-      <p:sp>
-        <p:nvSpPr>
-          <p:cNvPr id="2" name="Title 1"/>
-          <p:cNvSpPr>
-            <a:spLocks noGrp="1"/>
-          </p:cNvSpPr>
-          <p:nvPr>
-            <p:ph type="title"/>
-          </p:nvPr>
-        </p:nvSpPr>
-        <p:spPr/>
-        <p:txBody>
-          <a:bodyPr/>
-          <a:lstStyle/>
-          <a:p>
-            <a:r>
-              <a:rPr lang="en-US" dirty="0"/>
-              <a:t>Wide figures</a:t>
-            </a:r>
-          </a:p>
-        </p:txBody>
-      </p:sp>
-      <p:sp>
-        <p:nvSpPr>
-          <p:cNvPr id="3" name="Content Placeholder 2"/>
-          <p:cNvSpPr>
-            <a:spLocks noGrp="1"/>
-          </p:cNvSpPr>
-          <p:nvPr>
-            <p:ph idx="1"/>
-          </p:nvPr>
-        </p:nvSpPr>
-        <p:spPr>
-          <a:xfrm>
-            <a:off x="202481" y="1441295"/>
-            <a:ext cx="4572000" cy="4648200"/>
-          </a:xfrm>
-        </p:spPr>
-        <p:txBody>
-          <a:bodyPr/>
-          <a:lstStyle/>
-          <a:p>
-            <a:r>
-              <a:rPr lang="en-US" dirty="0"/>
-              <a:t>Spreading a figure across two columns</a:t>
-            </a:r>
-          </a:p>
-          <a:p>
-            <a:pPr lvl="1"/>
-            <a:r>
-              <a:rPr lang="en-US" dirty="0"/>
-              <a:t>Use figure*</a:t>
-            </a:r>
-          </a:p>
-        </p:txBody>
-      </p:sp>
-      <p:sp>
-        <p:nvSpPr>
-          <p:cNvPr id="4" name="Footer Placeholder 3"/>
-          <p:cNvSpPr>
-            <a:spLocks noGrp="1"/>
-          </p:cNvSpPr>
-          <p:nvPr>
-            <p:ph type="ftr" sz="quarter" idx="11"/>
-          </p:nvPr>
-        </p:nvSpPr>
-        <p:spPr/>
-        <p:txBody>
-          <a:bodyPr/>
-          <a:lstStyle/>
-          <a:p>
-            <a:r>
-              <a:rPr lang="en-US"/>
-              <a:t>CSCI 373 Mike Heroux</a:t>
-            </a:r>
-            <a:endParaRPr lang="en-US" dirty="0"/>
-          </a:p>
-        </p:txBody>
-      </p:sp>
-      <p:sp>
-        <p:nvSpPr>
-          <p:cNvPr id="5" name="Slide Number Placeholder 4"/>
-          <p:cNvSpPr>
-            <a:spLocks noGrp="1"/>
-          </p:cNvSpPr>
-          <p:nvPr>
-            <p:ph type="sldNum" sz="quarter" idx="12"/>
-          </p:nvPr>
-        </p:nvSpPr>
-        <p:spPr/>
-        <p:txBody>
-          <a:bodyPr/>
-          <a:lstStyle/>
-          <a:p>
-            <a:fld id="{8889F5FB-2D0D-7848-BB6D-41089A488CF6}" type="slidenum">
-              <a:rPr lang="en-US" smtClean="0"/>
-              <a:pPr/>
-              <a:t>6</a:t>
-            </a:fld>
-            <a:endParaRPr lang="en-US" dirty="0"/>
-          </a:p>
-        </p:txBody>
-      </p:sp>
-      <p:sp>
-        <p:nvSpPr>
-          <p:cNvPr id="6" name="TextBox 5"/>
-          <p:cNvSpPr txBox="1"/>
-          <p:nvPr/>
-        </p:nvSpPr>
-        <p:spPr>
-          <a:xfrm>
-            <a:off x="5029200" y="1530505"/>
-            <a:ext cx="3720890" cy="4278094"/>
-          </a:xfrm>
-          <a:prstGeom prst="rect">
-            <a:avLst/>
-          </a:prstGeom>
-          <a:noFill/>
-          <a:ln>
-            <a:solidFill>
-              <a:schemeClr val="accent1"/>
-            </a:solidFill>
-          </a:ln>
-        </p:spPr>
-        <p:txBody>
-          <a:bodyPr wrap="none" rtlCol="0">
-            <a:spAutoFit/>
-          </a:bodyPr>
-          <a:lstStyle/>
-          <a:p>
-            <a:r>
-              <a:rPr lang="en-US" sz="1600" dirty="0"/>
-              <a:t>To spread a figure across two columns:</a:t>
-            </a:r>
-          </a:p>
-          <a:p>
-            <a:endParaRPr lang="en-US" sz="1600" dirty="0"/>
-          </a:p>
-          <a:p>
-            <a:r>
-              <a:rPr lang="en-US" sz="1600" dirty="0"/>
-              <a:t>Use the figure* environment. So instead of</a:t>
-            </a:r>
-          </a:p>
-          <a:p>
-            <a:endParaRPr lang="en-US" sz="1600" dirty="0"/>
-          </a:p>
-          <a:p>
-            <a:r>
-              <a:rPr lang="en-US" sz="1600" b="1" dirty="0"/>
-              <a:t>\begin{figure}[</a:t>
-            </a:r>
-            <a:r>
-              <a:rPr lang="en-US" sz="1600" b="1" dirty="0" err="1"/>
-              <a:t>ht</a:t>
-            </a:r>
-            <a:r>
-              <a:rPr lang="en-US" sz="1600" b="1" dirty="0"/>
-              <a:t>]</a:t>
-            </a:r>
-          </a:p>
-          <a:p>
-            <a:r>
-              <a:rPr lang="en-US" sz="1600" b="1" dirty="0"/>
-              <a:t>\centering</a:t>
-            </a:r>
-          </a:p>
-          <a:p>
-            <a:r>
-              <a:rPr lang="en-US" sz="1600" b="1" dirty="0"/>
-              <a:t>...</a:t>
-            </a:r>
-          </a:p>
-          <a:p>
-            <a:r>
-              <a:rPr lang="en-US" sz="1600" b="1" dirty="0"/>
-              <a:t>\end{figure}</a:t>
-            </a:r>
-          </a:p>
-          <a:p>
-            <a:endParaRPr lang="en-US" sz="1600" dirty="0"/>
-          </a:p>
-          <a:p>
-            <a:r>
-              <a:rPr lang="en-US" sz="1600" dirty="0"/>
-              <a:t>you should use</a:t>
-            </a:r>
-          </a:p>
-          <a:p>
-            <a:endParaRPr lang="en-US" sz="1600" dirty="0"/>
-          </a:p>
-          <a:p>
-            <a:r>
-              <a:rPr lang="en-US" sz="1600" b="1" dirty="0"/>
-              <a:t>\begin{figure*}[</a:t>
-            </a:r>
-            <a:r>
-              <a:rPr lang="en-US" sz="1600" b="1" dirty="0" err="1"/>
-              <a:t>ht</a:t>
-            </a:r>
-            <a:r>
-              <a:rPr lang="en-US" sz="1600" b="1" dirty="0"/>
-              <a:t>]</a:t>
-            </a:r>
-          </a:p>
-          <a:p>
-            <a:r>
-              <a:rPr lang="en-US" sz="1600" b="1" dirty="0"/>
-              <a:t>\centering</a:t>
-            </a:r>
-          </a:p>
-          <a:p>
-            <a:r>
-              <a:rPr lang="en-US" sz="1600" b="1" dirty="0"/>
-              <a:t>...</a:t>
-            </a:r>
-          </a:p>
-          <a:p>
-            <a:r>
-              <a:rPr lang="en-US" sz="1600" b="1" dirty="0"/>
-              <a:t>\end{figure*}</a:t>
-            </a:r>
-          </a:p>
-          <a:p>
-            <a:endParaRPr lang="en-US" sz="1600" b="1" dirty="0"/>
-          </a:p>
-          <a:p>
-            <a:r>
-              <a:rPr lang="en-US" sz="1600" dirty="0"/>
-              <a:t>This also works for tables (i.e. table*).</a:t>
-            </a:r>
-          </a:p>
-        </p:txBody>
-      </p:sp>
-      <p:sp>
-        <p:nvSpPr>
-          <p:cNvPr id="7" name="Rectangle 6">
-            <a:extLst>
-              <a:ext uri="{FF2B5EF4-FFF2-40B4-BE49-F238E27FC236}">
-                <a16:creationId xmlns:a16="http://schemas.microsoft.com/office/drawing/2014/main" id="{10068E44-D3B4-FFF4-7750-E013FFFF2A5C}"/>
-              </a:ext>
-            </a:extLst>
-          </p:cNvPr>
-          <p:cNvSpPr/>
-          <p:nvPr/>
-        </p:nvSpPr>
-        <p:spPr bwMode="auto">
-          <a:xfrm>
-            <a:off x="5638800" y="4267200"/>
-            <a:ext cx="762000" cy="228600"/>
-          </a:xfrm>
-          <a:prstGeom prst="rect">
-            <a:avLst/>
-          </a:prstGeom>
-          <a:solidFill>
-            <a:schemeClr val="accent1">
-              <a:alpha val="32944"/>
-            </a:schemeClr>
-          </a:solidFill>
-          <a:ln w="9525" cap="flat" cmpd="sng" algn="ctr">
-            <a:solidFill>
-              <a:schemeClr val="tx1"/>
-            </a:solidFill>
-            <a:prstDash val="solid"/>
-            <a:round/>
-            <a:headEnd type="none" w="med" len="med"/>
-            <a:tailEnd type="none" w="med" len="med"/>
-          </a:ln>
-          <a:effectLst/>
-        </p:spPr>
-        <p:txBody>
-          <a:bodyPr vert="horz" wrap="none" lIns="91440" tIns="45720" rIns="91440" bIns="45720" numCol="1" rtlCol="0" anchor="t" anchorCtr="0" compatLnSpc="1">
-            <a:prstTxWarp prst="textNoShape">
-              <a:avLst/>
-            </a:prstTxWarp>
-          </a:bodyPr>
-          <a:lstStyle/>
-          <a:p>
-            <a:pPr marL="0" marR="0" indent="0" algn="l" defTabSz="914400" rtl="0" eaLnBrk="0" fontAlgn="base" latinLnBrk="0" hangingPunct="0">
-              <a:lnSpc>
-                <a:spcPct val="100000"/>
-              </a:lnSpc>
-              <a:spcBef>
-                <a:spcPct val="0"/>
-              </a:spcBef>
-              <a:spcAft>
-                <a:spcPct val="0"/>
-              </a:spcAft>
-              <a:buClrTx/>
-              <a:buSzTx/>
-              <a:buFontTx/>
-              <a:buNone/>
-              <a:tabLst/>
-            </a:pPr>
-            <a:endParaRPr kumimoji="0" lang="en-US" sz="2400" b="0" i="0" u="none" strike="noStrike" cap="none" normalizeH="0" baseline="0" dirty="0">
-              <a:ln>
-                <a:noFill/>
-              </a:ln>
-              <a:solidFill>
-                <a:schemeClr val="tx1"/>
-              </a:solidFill>
-              <a:effectLst/>
-              <a:latin typeface="Times New Roman" pitchFamily="-111" charset="0"/>
-            </a:endParaRPr>
-          </a:p>
-        </p:txBody>
-      </p:sp>
-      <p:sp>
-        <p:nvSpPr>
-          <p:cNvPr id="8" name="Rectangle 7">
-            <a:extLst>
-              <a:ext uri="{FF2B5EF4-FFF2-40B4-BE49-F238E27FC236}">
-                <a16:creationId xmlns:a16="http://schemas.microsoft.com/office/drawing/2014/main" id="{8A7E59C7-8DCD-C4DC-9902-866EC29E83FB}"/>
-              </a:ext>
-            </a:extLst>
-          </p:cNvPr>
-          <p:cNvSpPr/>
-          <p:nvPr/>
-        </p:nvSpPr>
-        <p:spPr bwMode="auto">
-          <a:xfrm>
-            <a:off x="5486400" y="5037899"/>
-            <a:ext cx="762000" cy="228600"/>
-          </a:xfrm>
-          <a:prstGeom prst="rect">
-            <a:avLst/>
-          </a:prstGeom>
-          <a:solidFill>
-            <a:schemeClr val="accent1">
-              <a:alpha val="32944"/>
-            </a:schemeClr>
-          </a:solidFill>
-          <a:ln w="9525" cap="flat" cmpd="sng" algn="ctr">
-            <a:solidFill>
-              <a:schemeClr val="tx1"/>
-            </a:solidFill>
-            <a:prstDash val="solid"/>
-            <a:round/>
-            <a:headEnd type="none" w="med" len="med"/>
-            <a:tailEnd type="none" w="med" len="med"/>
-          </a:ln>
-          <a:effectLst/>
-        </p:spPr>
-        <p:txBody>
-          <a:bodyPr vert="horz" wrap="none" lIns="91440" tIns="45720" rIns="91440" bIns="45720" numCol="1" rtlCol="0" anchor="t" anchorCtr="0" compatLnSpc="1">
-            <a:prstTxWarp prst="textNoShape">
-              <a:avLst/>
-            </a:prstTxWarp>
-          </a:bodyPr>
-          <a:lstStyle/>
-          <a:p>
-            <a:pPr marL="0" marR="0" indent="0" algn="l" defTabSz="914400" rtl="0" eaLnBrk="0" fontAlgn="base" latinLnBrk="0" hangingPunct="0">
-              <a:lnSpc>
-                <a:spcPct val="100000"/>
-              </a:lnSpc>
-              <a:spcBef>
-                <a:spcPct val="0"/>
-              </a:spcBef>
-              <a:spcAft>
-                <a:spcPct val="0"/>
-              </a:spcAft>
-              <a:buClrTx/>
-              <a:buSzTx/>
-              <a:buFontTx/>
-              <a:buNone/>
-              <a:tabLst/>
-            </a:pPr>
-            <a:endParaRPr kumimoji="0" lang="en-US" sz="2400" b="0" i="0" u="none" strike="noStrike" cap="none" normalizeH="0" baseline="0" dirty="0">
-              <a:ln>
-                <a:noFill/>
-              </a:ln>
-              <a:solidFill>
-                <a:schemeClr val="tx1"/>
-              </a:solidFill>
-              <a:effectLst/>
-              <a:latin typeface="Times New Roman" pitchFamily="-111" charset="0"/>
-            </a:endParaRPr>
-          </a:p>
-        </p:txBody>
-      </p:sp>
-    </p:spTree>
-    <p:extLst>
-      <p:ext uri="{BB962C8B-B14F-4D97-AF65-F5344CB8AC3E}">
-        <p14:creationId xmlns:p14="http://schemas.microsoft.com/office/powerpoint/2010/main" val="3770037993"/>
-      </p:ext>
-    </p:extLst>
-  </p:cSld>
-  <p:clrMapOvr>
-    <a:masterClrMapping/>
-  </p:clrMapOvr>
-</p:sld>
-</file>
-
-<file path=ppt/slides/slide7.xml><?xml version="1.0" encoding="utf-8"?>
-<p:sld xmlns:a="http://schemas.openxmlformats.org/drawingml/2006/main" xmlns:r="http://schemas.openxmlformats.org/officeDocument/2006/relationships" xmlns:p="http://schemas.openxmlformats.org/presentationml/2006/main">
-  <p:cSld>
-    <p:spTree>
-      <p:nvGrpSpPr>
-        <p:cNvPr id="1" name=""/>
-        <p:cNvGrpSpPr/>
-        <p:nvPr/>
-      </p:nvGrpSpPr>
-      <p:grpSpPr>
-        <a:xfrm>
-          <a:off x="0" y="0"/>
-          <a:ext cx="0" cy="0"/>
-          <a:chOff x="0" y="0"/>
-          <a:chExt cx="0" cy="0"/>
-        </a:xfrm>
-      </p:grpSpPr>
-      <p:sp>
-        <p:nvSpPr>
-          <p:cNvPr id="2" name="Title 1"/>
-          <p:cNvSpPr>
-            <a:spLocks noGrp="1"/>
-          </p:cNvSpPr>
-          <p:nvPr>
-            <p:ph type="title"/>
-          </p:nvPr>
-        </p:nvSpPr>
-        <p:spPr>
-          <a:xfrm>
-            <a:off x="685800" y="228600"/>
-            <a:ext cx="7772400" cy="685800"/>
-          </a:xfrm>
-        </p:spPr>
-        <p:txBody>
-          <a:bodyPr/>
-          <a:lstStyle/>
-          <a:p>
-            <a:r>
-              <a:rPr lang="en-US" dirty="0"/>
-              <a:t>Writing Rules</a:t>
-            </a:r>
-          </a:p>
-        </p:txBody>
-      </p:sp>
-      <p:sp>
-        <p:nvSpPr>
-          <p:cNvPr id="3" name="Content Placeholder 2"/>
-          <p:cNvSpPr>
-            <a:spLocks noGrp="1"/>
-          </p:cNvSpPr>
-          <p:nvPr>
-            <p:ph idx="1"/>
-          </p:nvPr>
-        </p:nvSpPr>
-        <p:spPr>
-          <a:xfrm>
-            <a:off x="685800" y="914400"/>
-            <a:ext cx="7772400" cy="5181600"/>
-          </a:xfrm>
-        </p:spPr>
-        <p:txBody>
-          <a:bodyPr/>
-          <a:lstStyle/>
-          <a:p>
-            <a:pPr marL="0" indent="0">
-              <a:buNone/>
-            </a:pPr>
-            <a:r>
-              <a:rPr lang="en-US" sz="2000" b="1" dirty="0"/>
-              <a:t>Rule #7</a:t>
-            </a:r>
-            <a:r>
-              <a:rPr lang="en-US" sz="2000" dirty="0"/>
-              <a:t>: </a:t>
-            </a:r>
-          </a:p>
-          <a:p>
-            <a:pPr lvl="1"/>
-            <a:r>
-              <a:rPr lang="en-US" sz="1800" dirty="0"/>
-              <a:t>Use pictures, charts and graphs, </a:t>
-            </a:r>
-          </a:p>
-          <a:p>
-            <a:pPr lvl="1"/>
-            <a:r>
-              <a:rPr lang="en-US" sz="1800" dirty="0"/>
-              <a:t>But keep in mind #4 (Simplicity). </a:t>
-            </a:r>
-          </a:p>
-          <a:p>
-            <a:pPr marL="0" indent="0">
-              <a:buNone/>
-            </a:pPr>
-            <a:r>
-              <a:rPr lang="en-US" sz="2000" b="1" dirty="0"/>
-              <a:t>Rule #8</a:t>
-            </a:r>
-            <a:r>
-              <a:rPr lang="en-US" sz="2000" dirty="0"/>
-              <a:t>: Use examples to explain complex ideas. </a:t>
-            </a:r>
-          </a:p>
-          <a:p>
-            <a:pPr marL="0" indent="0">
-              <a:buNone/>
-            </a:pPr>
-            <a:r>
-              <a:rPr lang="en-US" sz="2000" b="1" dirty="0"/>
-              <a:t>Rule #9</a:t>
-            </a:r>
-            <a:r>
-              <a:rPr lang="en-US" sz="2000" dirty="0"/>
-              <a:t>: Use: </a:t>
-            </a:r>
-          </a:p>
-          <a:p>
-            <a:pPr lvl="1"/>
-            <a:r>
-              <a:rPr lang="en-US" sz="1600" dirty="0"/>
-              <a:t>Headings (Chapter, Section, etc.). </a:t>
-            </a:r>
-          </a:p>
-          <a:p>
-            <a:pPr lvl="1"/>
-            <a:r>
-              <a:rPr lang="en-US" sz="1600" dirty="0"/>
-              <a:t>Bulleted Lists. </a:t>
-            </a:r>
-          </a:p>
-          <a:p>
-            <a:pPr lvl="1"/>
-            <a:r>
-              <a:rPr lang="en-US" sz="1600" dirty="0"/>
-              <a:t>Numbered lists.</a:t>
-            </a:r>
-          </a:p>
-          <a:p>
-            <a:pPr marL="0" indent="0">
-              <a:buNone/>
-            </a:pPr>
-            <a:r>
-              <a:rPr lang="en-US" sz="2400" dirty="0"/>
-              <a:t>to provide structure, clarity and conciseness to your document. </a:t>
-            </a:r>
-          </a:p>
-          <a:p>
-            <a:pPr marL="0" indent="0">
-              <a:buNone/>
-            </a:pPr>
-            <a:r>
-              <a:rPr lang="en-US" sz="2000" b="1" dirty="0"/>
-              <a:t>Rule #10</a:t>
-            </a:r>
-            <a:r>
-              <a:rPr lang="en-US" sz="2000" dirty="0"/>
-              <a:t>: Provide guidance : </a:t>
-            </a:r>
-          </a:p>
-          <a:p>
-            <a:pPr lvl="1"/>
-            <a:r>
-              <a:rPr lang="en-US" sz="1600" dirty="0"/>
-              <a:t>Table of Contents. </a:t>
-            </a:r>
-          </a:p>
-          <a:p>
-            <a:pPr lvl="1"/>
-            <a:r>
-              <a:rPr lang="en-US" sz="1600" dirty="0"/>
-              <a:t>List of Figures, list of Tables. </a:t>
-            </a:r>
-          </a:p>
-          <a:p>
-            <a:pPr lvl="1"/>
-            <a:r>
-              <a:rPr lang="en-US" sz="1600" dirty="0"/>
-              <a:t>Index and Glossary.</a:t>
-            </a:r>
-          </a:p>
-          <a:p>
-            <a:pPr lvl="1"/>
-            <a:r>
-              <a:rPr lang="en-US" sz="1600" dirty="0"/>
-              <a:t>Abstract.</a:t>
-            </a:r>
-          </a:p>
-          <a:p>
-            <a:pPr lvl="1"/>
-            <a:r>
-              <a:rPr lang="en-US" sz="1600" dirty="0"/>
-              <a:t>Note: </a:t>
-            </a:r>
-            <a:r>
-              <a:rPr lang="en-US" sz="1600" dirty="0" err="1"/>
-              <a:t>LaTeX</a:t>
-            </a:r>
-            <a:r>
-              <a:rPr lang="en-US" sz="1600" dirty="0"/>
-              <a:t> provides these!</a:t>
-            </a:r>
-            <a:br>
-              <a:rPr lang="en-US" sz="1200" dirty="0"/>
-            </a:br>
-            <a:endParaRPr lang="en-US" sz="1200" dirty="0"/>
-          </a:p>
-          <a:p>
-            <a:endParaRPr lang="en-US" sz="2000" dirty="0"/>
-          </a:p>
-        </p:txBody>
-      </p:sp>
-      <p:sp>
-        <p:nvSpPr>
-          <p:cNvPr id="4" name="Footer Placeholder 3"/>
-          <p:cNvSpPr>
-            <a:spLocks noGrp="1"/>
-          </p:cNvSpPr>
-          <p:nvPr>
-            <p:ph type="ftr" sz="quarter" idx="11"/>
-          </p:nvPr>
-        </p:nvSpPr>
-        <p:spPr/>
-        <p:txBody>
-          <a:bodyPr/>
-          <a:lstStyle/>
-          <a:p>
-            <a:r>
-              <a:rPr lang="en-US"/>
-              <a:t>CSCI 373 Mike Heroux</a:t>
-            </a:r>
-            <a:endParaRPr lang="en-US" dirty="0"/>
-          </a:p>
-        </p:txBody>
-      </p:sp>
-      <p:sp>
-        <p:nvSpPr>
-          <p:cNvPr id="5" name="Slide Number Placeholder 4"/>
-          <p:cNvSpPr>
-            <a:spLocks noGrp="1"/>
-          </p:cNvSpPr>
-          <p:nvPr>
-            <p:ph type="sldNum" sz="quarter" idx="12"/>
-          </p:nvPr>
-        </p:nvSpPr>
-        <p:spPr/>
-        <p:txBody>
-          <a:bodyPr/>
-          <a:lstStyle/>
-          <a:p>
-            <a:fld id="{8889F5FB-2D0D-7848-BB6D-41089A488CF6}" type="slidenum">
-              <a:rPr lang="en-US" smtClean="0"/>
-              <a:pPr/>
-              <a:t>7</a:t>
-            </a:fld>
-            <a:endParaRPr lang="en-US"/>
-          </a:p>
-        </p:txBody>
-      </p:sp>
-    </p:spTree>
-    <p:extLst>
-      <p:ext uri="{BB962C8B-B14F-4D97-AF65-F5344CB8AC3E}">
-        <p14:creationId xmlns:p14="http://schemas.microsoft.com/office/powerpoint/2010/main" val="1281507041"/>
-      </p:ext>
-    </p:extLst>
-  </p:cSld>
-  <p:clrMapOvr>
-    <a:masterClrMapping/>
-  </p:clrMapOvr>
-</p:sld>
-</file>
-
-<file path=ppt/slides/slide8.xml><?xml version="1.0" encoding="utf-8"?>
-<p:sld xmlns:a="http://schemas.openxmlformats.org/drawingml/2006/main" xmlns:r="http://schemas.openxmlformats.org/officeDocument/2006/relationships" xmlns:p="http://schemas.openxmlformats.org/presentationml/2006/main">
-  <p:cSld>
-    <p:spTree>
-      <p:nvGrpSpPr>
-        <p:cNvPr id="1" name=""/>
-        <p:cNvGrpSpPr/>
-        <p:nvPr/>
-      </p:nvGrpSpPr>
-      <p:grpSpPr>
-        <a:xfrm>
-          <a:off x="0" y="0"/>
-          <a:ext cx="0" cy="0"/>
-          <a:chOff x="0" y="0"/>
-          <a:chExt cx="0" cy="0"/>
-        </a:xfrm>
-      </p:grpSpPr>
-      <p:sp>
-        <p:nvSpPr>
-          <p:cNvPr id="2" name="Title 1"/>
-          <p:cNvSpPr>
-            <a:spLocks noGrp="1"/>
-          </p:cNvSpPr>
-          <p:nvPr>
-            <p:ph type="title"/>
-          </p:nvPr>
-        </p:nvSpPr>
-        <p:spPr>
-          <a:xfrm>
-            <a:off x="685800" y="228600"/>
             <a:ext cx="7772400" cy="762000"/>
           </a:xfrm>
         </p:spPr>
@@ -7039,7 +4488,7 @@
             <a:fld id="{8889F5FB-2D0D-7848-BB6D-41089A488CF6}" type="slidenum">
               <a:rPr lang="en-US" smtClean="0"/>
               <a:pPr/>
-              <a:t>8</a:t>
+              <a:t>11</a:t>
             </a:fld>
             <a:endParaRPr lang="en-US" dirty="0"/>
           </a:p>
@@ -7372,6 +4821,2871 @@
 </p:sld>
 </file>
 
+<file path=ppt/slides/slide12.xml><?xml version="1.0" encoding="utf-8"?>
+<p:sld xmlns:a="http://schemas.openxmlformats.org/drawingml/2006/main" xmlns:r="http://schemas.openxmlformats.org/officeDocument/2006/relationships" xmlns:p="http://schemas.openxmlformats.org/presentationml/2006/main">
+  <p:cSld>
+    <p:spTree>
+      <p:nvGrpSpPr>
+        <p:cNvPr id="1" name=""/>
+        <p:cNvGrpSpPr/>
+        <p:nvPr/>
+      </p:nvGrpSpPr>
+      <p:grpSpPr>
+        <a:xfrm>
+          <a:off x="0" y="0"/>
+          <a:ext cx="0" cy="0"/>
+          <a:chOff x="0" y="0"/>
+          <a:chExt cx="0" cy="0"/>
+        </a:xfrm>
+      </p:grpSpPr>
+      <p:sp>
+        <p:nvSpPr>
+          <p:cNvPr id="2" name="Title 1">
+            <a:extLst>
+              <a:ext uri="{FF2B5EF4-FFF2-40B4-BE49-F238E27FC236}">
+                <a16:creationId xmlns:a16="http://schemas.microsoft.com/office/drawing/2014/main" id="{879EB310-097E-4B4D-B1E1-1778CBCE2115}"/>
+              </a:ext>
+            </a:extLst>
+          </p:cNvPr>
+          <p:cNvSpPr>
+            <a:spLocks noGrp="1"/>
+          </p:cNvSpPr>
+          <p:nvPr>
+            <p:ph type="title"/>
+          </p:nvPr>
+        </p:nvSpPr>
+        <p:spPr/>
+        <p:txBody>
+          <a:bodyPr/>
+          <a:lstStyle/>
+          <a:p>
+            <a:r>
+              <a:rPr lang="en-US" dirty="0"/>
+              <a:t>Put Details on Slides</a:t>
+            </a:r>
+          </a:p>
+        </p:txBody>
+      </p:sp>
+      <p:pic>
+        <p:nvPicPr>
+          <p:cNvPr id="7" name="Content Placeholder 6" descr="A screenshot of a cell phone&#10;&#10;Description automatically generated">
+            <a:extLst>
+              <a:ext uri="{FF2B5EF4-FFF2-40B4-BE49-F238E27FC236}">
+                <a16:creationId xmlns:a16="http://schemas.microsoft.com/office/drawing/2014/main" id="{B7E4C58D-7D87-DC4C-836A-9338F9F498A8}"/>
+              </a:ext>
+            </a:extLst>
+          </p:cNvPr>
+          <p:cNvPicPr>
+            <a:picLocks noGrp="1" noChangeAspect="1"/>
+          </p:cNvPicPr>
+          <p:nvPr>
+            <p:ph idx="1"/>
+          </p:nvPr>
+        </p:nvPicPr>
+        <p:blipFill>
+          <a:blip r:embed="rId2"/>
+          <a:stretch>
+            <a:fillRect/>
+          </a:stretch>
+        </p:blipFill>
+        <p:spPr>
+          <a:xfrm>
+            <a:off x="685800" y="1762466"/>
+            <a:ext cx="7772400" cy="4018867"/>
+          </a:xfrm>
+        </p:spPr>
+      </p:pic>
+      <p:sp>
+        <p:nvSpPr>
+          <p:cNvPr id="4" name="Footer Placeholder 3">
+            <a:extLst>
+              <a:ext uri="{FF2B5EF4-FFF2-40B4-BE49-F238E27FC236}">
+                <a16:creationId xmlns:a16="http://schemas.microsoft.com/office/drawing/2014/main" id="{A65B1DE0-2DDD-8B42-9AE2-298C4F9B3EF9}"/>
+              </a:ext>
+            </a:extLst>
+          </p:cNvPr>
+          <p:cNvSpPr>
+            <a:spLocks noGrp="1"/>
+          </p:cNvSpPr>
+          <p:nvPr>
+            <p:ph type="ftr" sz="quarter" idx="11"/>
+          </p:nvPr>
+        </p:nvSpPr>
+        <p:spPr/>
+        <p:txBody>
+          <a:bodyPr/>
+          <a:lstStyle/>
+          <a:p>
+            <a:r>
+              <a:rPr lang="en-US"/>
+              <a:t>CSCI 373 Mike Heroux</a:t>
+            </a:r>
+            <a:endParaRPr lang="en-US" dirty="0"/>
+          </a:p>
+        </p:txBody>
+      </p:sp>
+      <p:sp>
+        <p:nvSpPr>
+          <p:cNvPr id="5" name="Slide Number Placeholder 4">
+            <a:extLst>
+              <a:ext uri="{FF2B5EF4-FFF2-40B4-BE49-F238E27FC236}">
+                <a16:creationId xmlns:a16="http://schemas.microsoft.com/office/drawing/2014/main" id="{B6BBBB3D-6A08-0C45-B256-883C4E87F663}"/>
+              </a:ext>
+            </a:extLst>
+          </p:cNvPr>
+          <p:cNvSpPr>
+            <a:spLocks noGrp="1"/>
+          </p:cNvSpPr>
+          <p:nvPr>
+            <p:ph type="sldNum" sz="quarter" idx="12"/>
+          </p:nvPr>
+        </p:nvSpPr>
+        <p:spPr/>
+        <p:txBody>
+          <a:bodyPr/>
+          <a:lstStyle/>
+          <a:p>
+            <a:fld id="{8889F5FB-2D0D-7848-BB6D-41089A488CF6}" type="slidenum">
+              <a:rPr lang="en-US" smtClean="0"/>
+              <a:pPr/>
+              <a:t>12</a:t>
+            </a:fld>
+            <a:endParaRPr lang="en-US"/>
+          </a:p>
+        </p:txBody>
+      </p:sp>
+      <p:sp>
+        <p:nvSpPr>
+          <p:cNvPr id="8" name="TextBox 7">
+            <a:extLst>
+              <a:ext uri="{FF2B5EF4-FFF2-40B4-BE49-F238E27FC236}">
+                <a16:creationId xmlns:a16="http://schemas.microsoft.com/office/drawing/2014/main" id="{D9EC2AFC-5A0A-1541-8CF5-CF2C24C0B111}"/>
+              </a:ext>
+            </a:extLst>
+          </p:cNvPr>
+          <p:cNvSpPr txBox="1"/>
+          <p:nvPr/>
+        </p:nvSpPr>
+        <p:spPr>
+          <a:xfrm>
+            <a:off x="762000" y="1300801"/>
+            <a:ext cx="6309741" cy="461665"/>
+          </a:xfrm>
+          <a:prstGeom prst="rect">
+            <a:avLst/>
+          </a:prstGeom>
+          <a:noFill/>
+        </p:spPr>
+        <p:txBody>
+          <a:bodyPr wrap="none" rtlCol="0">
+            <a:spAutoFit/>
+          </a:bodyPr>
+          <a:lstStyle/>
+          <a:p>
+            <a:r>
+              <a:rPr lang="en-US" dirty="0"/>
+              <a:t>DOE Oak Ridge Exascale System Frontier Specs.</a:t>
+            </a:r>
+          </a:p>
+        </p:txBody>
+      </p:sp>
+    </p:spTree>
+    <p:extLst>
+      <p:ext uri="{BB962C8B-B14F-4D97-AF65-F5344CB8AC3E}">
+        <p14:creationId xmlns:p14="http://schemas.microsoft.com/office/powerpoint/2010/main" val="1430959156"/>
+      </p:ext>
+    </p:extLst>
+  </p:cSld>
+  <p:clrMapOvr>
+    <a:masterClrMapping/>
+  </p:clrMapOvr>
+</p:sld>
+</file>
+
+<file path=ppt/slides/slide13.xml><?xml version="1.0" encoding="utf-8"?>
+<p:sld xmlns:a="http://schemas.openxmlformats.org/drawingml/2006/main" xmlns:r="http://schemas.openxmlformats.org/officeDocument/2006/relationships" xmlns:p="http://schemas.openxmlformats.org/presentationml/2006/main">
+  <p:cSld>
+    <p:spTree>
+      <p:nvGrpSpPr>
+        <p:cNvPr id="1" name=""/>
+        <p:cNvGrpSpPr/>
+        <p:nvPr/>
+      </p:nvGrpSpPr>
+      <p:grpSpPr>
+        <a:xfrm>
+          <a:off x="0" y="0"/>
+          <a:ext cx="0" cy="0"/>
+          <a:chOff x="0" y="0"/>
+          <a:chExt cx="0" cy="0"/>
+        </a:xfrm>
+      </p:grpSpPr>
+      <p:sp>
+        <p:nvSpPr>
+          <p:cNvPr id="2" name="Title 1">
+            <a:extLst>
+              <a:ext uri="{FF2B5EF4-FFF2-40B4-BE49-F238E27FC236}">
+                <a16:creationId xmlns:a16="http://schemas.microsoft.com/office/drawing/2014/main" id="{F83876AF-9CE5-6D4F-9E25-F8CEAE557E6E}"/>
+              </a:ext>
+            </a:extLst>
+          </p:cNvPr>
+          <p:cNvSpPr>
+            <a:spLocks noGrp="1"/>
+          </p:cNvSpPr>
+          <p:nvPr>
+            <p:ph type="title"/>
+          </p:nvPr>
+        </p:nvSpPr>
+        <p:spPr/>
+        <p:txBody>
+          <a:bodyPr/>
+          <a:lstStyle/>
+          <a:p>
+            <a:r>
+              <a:rPr lang="en-US" dirty="0"/>
+              <a:t>Create Timelines</a:t>
+            </a:r>
+          </a:p>
+        </p:txBody>
+      </p:sp>
+      <p:pic>
+        <p:nvPicPr>
+          <p:cNvPr id="7" name="Content Placeholder 6" descr="A screenshot of a social media post&#10;&#10;Description automatically generated">
+            <a:extLst>
+              <a:ext uri="{FF2B5EF4-FFF2-40B4-BE49-F238E27FC236}">
+                <a16:creationId xmlns:a16="http://schemas.microsoft.com/office/drawing/2014/main" id="{E4DCBED4-716B-2D4D-82C3-8A3D58EC5A91}"/>
+              </a:ext>
+            </a:extLst>
+          </p:cNvPr>
+          <p:cNvPicPr>
+            <a:picLocks noGrp="1" noChangeAspect="1"/>
+          </p:cNvPicPr>
+          <p:nvPr>
+            <p:ph idx="1"/>
+          </p:nvPr>
+        </p:nvPicPr>
+        <p:blipFill>
+          <a:blip r:embed="rId2"/>
+          <a:stretch>
+            <a:fillRect/>
+          </a:stretch>
+        </p:blipFill>
+        <p:spPr>
+          <a:xfrm>
+            <a:off x="685800" y="2110764"/>
+            <a:ext cx="7772400" cy="3322271"/>
+          </a:xfrm>
+        </p:spPr>
+      </p:pic>
+      <p:sp>
+        <p:nvSpPr>
+          <p:cNvPr id="4" name="Footer Placeholder 3">
+            <a:extLst>
+              <a:ext uri="{FF2B5EF4-FFF2-40B4-BE49-F238E27FC236}">
+                <a16:creationId xmlns:a16="http://schemas.microsoft.com/office/drawing/2014/main" id="{710E06C2-44D0-0D4D-810D-34ACCD24B7A2}"/>
+              </a:ext>
+            </a:extLst>
+          </p:cNvPr>
+          <p:cNvSpPr>
+            <a:spLocks noGrp="1"/>
+          </p:cNvSpPr>
+          <p:nvPr>
+            <p:ph type="ftr" sz="quarter" idx="11"/>
+          </p:nvPr>
+        </p:nvSpPr>
+        <p:spPr/>
+        <p:txBody>
+          <a:bodyPr/>
+          <a:lstStyle/>
+          <a:p>
+            <a:r>
+              <a:rPr lang="en-US"/>
+              <a:t>CSCI 373 Mike Heroux</a:t>
+            </a:r>
+            <a:endParaRPr lang="en-US" dirty="0"/>
+          </a:p>
+        </p:txBody>
+      </p:sp>
+      <p:sp>
+        <p:nvSpPr>
+          <p:cNvPr id="5" name="Slide Number Placeholder 4">
+            <a:extLst>
+              <a:ext uri="{FF2B5EF4-FFF2-40B4-BE49-F238E27FC236}">
+                <a16:creationId xmlns:a16="http://schemas.microsoft.com/office/drawing/2014/main" id="{E9B4AEDF-B850-FF4E-9824-C0EFFE376D2C}"/>
+              </a:ext>
+            </a:extLst>
+          </p:cNvPr>
+          <p:cNvSpPr>
+            <a:spLocks noGrp="1"/>
+          </p:cNvSpPr>
+          <p:nvPr>
+            <p:ph type="sldNum" sz="quarter" idx="12"/>
+          </p:nvPr>
+        </p:nvSpPr>
+        <p:spPr/>
+        <p:txBody>
+          <a:bodyPr/>
+          <a:lstStyle/>
+          <a:p>
+            <a:fld id="{8889F5FB-2D0D-7848-BB6D-41089A488CF6}" type="slidenum">
+              <a:rPr lang="en-US" smtClean="0"/>
+              <a:pPr/>
+              <a:t>13</a:t>
+            </a:fld>
+            <a:endParaRPr lang="en-US"/>
+          </a:p>
+        </p:txBody>
+      </p:sp>
+      <p:sp>
+        <p:nvSpPr>
+          <p:cNvPr id="8" name="TextBox 7">
+            <a:extLst>
+              <a:ext uri="{FF2B5EF4-FFF2-40B4-BE49-F238E27FC236}">
+                <a16:creationId xmlns:a16="http://schemas.microsoft.com/office/drawing/2014/main" id="{7537FACF-EAD3-8344-B996-9473D4D1204B}"/>
+              </a:ext>
+            </a:extLst>
+          </p:cNvPr>
+          <p:cNvSpPr txBox="1"/>
+          <p:nvPr/>
+        </p:nvSpPr>
+        <p:spPr>
+          <a:xfrm>
+            <a:off x="533400" y="5791200"/>
+            <a:ext cx="8223149" cy="369332"/>
+          </a:xfrm>
+          <a:prstGeom prst="rect">
+            <a:avLst/>
+          </a:prstGeom>
+        </p:spPr>
+        <p:style>
+          <a:lnRef idx="2">
+            <a:schemeClr val="dk1"/>
+          </a:lnRef>
+          <a:fillRef idx="1">
+            <a:schemeClr val="lt1"/>
+          </a:fillRef>
+          <a:effectRef idx="0">
+            <a:schemeClr val="dk1"/>
+          </a:effectRef>
+          <a:fontRef idx="minor">
+            <a:schemeClr val="dk1"/>
+          </a:fontRef>
+        </p:style>
+        <p:txBody>
+          <a:bodyPr wrap="none" rtlCol="0">
+            <a:spAutoFit/>
+          </a:bodyPr>
+          <a:lstStyle/>
+          <a:p>
+            <a:r>
+              <a:rPr lang="en-US" sz="1800" dirty="0"/>
+              <a:t>http://</a:t>
+            </a:r>
+            <a:r>
+              <a:rPr lang="en-US" sz="1800" dirty="0" err="1"/>
+              <a:t>www.excel-board.com</a:t>
+            </a:r>
+            <a:r>
+              <a:rPr lang="en-US" sz="1800" dirty="0"/>
+              <a:t>/how-to-create-timeline-chart-in-excel-quickly-and-easily/</a:t>
+            </a:r>
+          </a:p>
+        </p:txBody>
+      </p:sp>
+    </p:spTree>
+    <p:extLst>
+      <p:ext uri="{BB962C8B-B14F-4D97-AF65-F5344CB8AC3E}">
+        <p14:creationId xmlns:p14="http://schemas.microsoft.com/office/powerpoint/2010/main" val="3007707613"/>
+      </p:ext>
+    </p:extLst>
+  </p:cSld>
+  <p:clrMapOvr>
+    <a:masterClrMapping/>
+  </p:clrMapOvr>
+</p:sld>
+</file>
+
+<file path=ppt/slides/slide14.xml><?xml version="1.0" encoding="utf-8"?>
+<p:sld xmlns:a="http://schemas.openxmlformats.org/drawingml/2006/main" xmlns:r="http://schemas.openxmlformats.org/officeDocument/2006/relationships" xmlns:p="http://schemas.openxmlformats.org/presentationml/2006/main">
+  <p:cSld>
+    <p:spTree>
+      <p:nvGrpSpPr>
+        <p:cNvPr id="1" name=""/>
+        <p:cNvGrpSpPr/>
+        <p:nvPr/>
+      </p:nvGrpSpPr>
+      <p:grpSpPr>
+        <a:xfrm>
+          <a:off x="0" y="0"/>
+          <a:ext cx="0" cy="0"/>
+          <a:chOff x="0" y="0"/>
+          <a:chExt cx="0" cy="0"/>
+        </a:xfrm>
+      </p:grpSpPr>
+      <p:sp>
+        <p:nvSpPr>
+          <p:cNvPr id="2" name="Title 1"/>
+          <p:cNvSpPr>
+            <a:spLocks noGrp="1"/>
+          </p:cNvSpPr>
+          <p:nvPr>
+            <p:ph type="title"/>
+          </p:nvPr>
+        </p:nvSpPr>
+        <p:spPr>
+          <a:xfrm>
+            <a:off x="685800" y="228600"/>
+            <a:ext cx="7772400" cy="914400"/>
+          </a:xfrm>
+        </p:spPr>
+        <p:txBody>
+          <a:bodyPr/>
+          <a:lstStyle/>
+          <a:p>
+            <a:r>
+              <a:rPr lang="en-US" dirty="0"/>
+              <a:t>PowerPoint Defaults</a:t>
+            </a:r>
+          </a:p>
+        </p:txBody>
+      </p:sp>
+      <p:sp>
+        <p:nvSpPr>
+          <p:cNvPr id="3" name="Content Placeholder 2"/>
+          <p:cNvSpPr>
+            <a:spLocks noGrp="1"/>
+          </p:cNvSpPr>
+          <p:nvPr>
+            <p:ph idx="1"/>
+          </p:nvPr>
+        </p:nvSpPr>
+        <p:spPr>
+          <a:xfrm>
+            <a:off x="609600" y="1143000"/>
+            <a:ext cx="8229600" cy="4648200"/>
+          </a:xfrm>
+        </p:spPr>
+        <p:txBody>
+          <a:bodyPr/>
+          <a:lstStyle/>
+          <a:p>
+            <a:r>
+              <a:rPr lang="en-US" dirty="0"/>
+              <a:t>The default format for PowerPoint is:</a:t>
+            </a:r>
+          </a:p>
+          <a:p>
+            <a:pPr lvl="1"/>
+            <a:r>
+              <a:rPr lang="en-US" dirty="0"/>
+              <a:t>Outline Format.</a:t>
+            </a:r>
+          </a:p>
+          <a:p>
+            <a:pPr lvl="1"/>
+            <a:r>
+              <a:rPr lang="en-US" dirty="0"/>
+              <a:t>Brief statements.</a:t>
+            </a:r>
+          </a:p>
+          <a:p>
+            <a:pPr lvl="1"/>
+            <a:r>
+              <a:rPr lang="en-US" dirty="0"/>
+              <a:t>Slide is a big notecard for the speaker.</a:t>
+            </a:r>
+          </a:p>
+          <a:p>
+            <a:r>
+              <a:rPr lang="en-US" dirty="0"/>
+              <a:t>This is BAD:</a:t>
+            </a:r>
+          </a:p>
+          <a:p>
+            <a:pPr lvl="1"/>
+            <a:r>
+              <a:rPr lang="en-US" dirty="0"/>
+              <a:t>Credible argument: </a:t>
+            </a:r>
+          </a:p>
+          <a:p>
+            <a:pPr lvl="2"/>
+            <a:r>
+              <a:rPr lang="en-US" dirty="0"/>
+              <a:t>Problems with space shuttle O-rings were known.</a:t>
+            </a:r>
+          </a:p>
+          <a:p>
+            <a:pPr lvl="2"/>
+            <a:r>
+              <a:rPr lang="en-US" dirty="0"/>
+              <a:t>Poor PowerPoint hid the issue.</a:t>
+            </a:r>
+          </a:p>
+          <a:p>
+            <a:pPr lvl="2"/>
+            <a:r>
+              <a:rPr lang="en-US" dirty="0"/>
+              <a:t>NASA Challenger exploded in 1986.</a:t>
+            </a:r>
+          </a:p>
+          <a:p>
+            <a:pPr lvl="1"/>
+            <a:r>
+              <a:rPr lang="en-US" dirty="0"/>
+              <a:t>The best default for a new PowerPoint slide?</a:t>
+            </a:r>
+          </a:p>
+        </p:txBody>
+      </p:sp>
+      <p:sp>
+        <p:nvSpPr>
+          <p:cNvPr id="4" name="Footer Placeholder 3"/>
+          <p:cNvSpPr>
+            <a:spLocks noGrp="1"/>
+          </p:cNvSpPr>
+          <p:nvPr>
+            <p:ph type="ftr" sz="quarter" idx="11"/>
+          </p:nvPr>
+        </p:nvSpPr>
+        <p:spPr/>
+        <p:txBody>
+          <a:bodyPr/>
+          <a:lstStyle/>
+          <a:p>
+            <a:r>
+              <a:rPr lang="en-US"/>
+              <a:t>CSCI 373 Mike Heroux</a:t>
+            </a:r>
+            <a:endParaRPr lang="en-US" dirty="0"/>
+          </a:p>
+        </p:txBody>
+      </p:sp>
+      <p:sp>
+        <p:nvSpPr>
+          <p:cNvPr id="5" name="Slide Number Placeholder 4"/>
+          <p:cNvSpPr>
+            <a:spLocks noGrp="1"/>
+          </p:cNvSpPr>
+          <p:nvPr>
+            <p:ph type="sldNum" sz="quarter" idx="12"/>
+          </p:nvPr>
+        </p:nvSpPr>
+        <p:spPr/>
+        <p:txBody>
+          <a:bodyPr/>
+          <a:lstStyle/>
+          <a:p>
+            <a:fld id="{8889F5FB-2D0D-7848-BB6D-41089A488CF6}" type="slidenum">
+              <a:rPr lang="en-US" smtClean="0"/>
+              <a:pPr/>
+              <a:t>14</a:t>
+            </a:fld>
+            <a:endParaRPr lang="en-US"/>
+          </a:p>
+        </p:txBody>
+      </p:sp>
+    </p:spTree>
+    <p:extLst>
+      <p:ext uri="{BB962C8B-B14F-4D97-AF65-F5344CB8AC3E}">
+        <p14:creationId xmlns:p14="http://schemas.microsoft.com/office/powerpoint/2010/main" val="1081259693"/>
+      </p:ext>
+    </p:extLst>
+  </p:cSld>
+  <p:clrMapOvr>
+    <a:masterClrMapping/>
+  </p:clrMapOvr>
+</p:sld>
+</file>
+
+<file path=ppt/slides/slide15.xml><?xml version="1.0" encoding="utf-8"?>
+<p:sld xmlns:a="http://schemas.openxmlformats.org/drawingml/2006/main" xmlns:r="http://schemas.openxmlformats.org/officeDocument/2006/relationships" xmlns:p="http://schemas.openxmlformats.org/presentationml/2006/main">
+  <p:cSld>
+    <p:spTree>
+      <p:nvGrpSpPr>
+        <p:cNvPr id="1" name=""/>
+        <p:cNvGrpSpPr/>
+        <p:nvPr/>
+      </p:nvGrpSpPr>
+      <p:grpSpPr>
+        <a:xfrm>
+          <a:off x="0" y="0"/>
+          <a:ext cx="0" cy="0"/>
+          <a:chOff x="0" y="0"/>
+          <a:chExt cx="0" cy="0"/>
+        </a:xfrm>
+      </p:grpSpPr>
+      <p:sp>
+        <p:nvSpPr>
+          <p:cNvPr id="5" name="Slide Number Placeholder 4"/>
+          <p:cNvSpPr>
+            <a:spLocks noGrp="1"/>
+          </p:cNvSpPr>
+          <p:nvPr>
+            <p:ph type="sldNum" sz="quarter" idx="12"/>
+          </p:nvPr>
+        </p:nvSpPr>
+        <p:spPr/>
+        <p:txBody>
+          <a:bodyPr/>
+          <a:lstStyle/>
+          <a:p>
+            <a:fld id="{8889F5FB-2D0D-7848-BB6D-41089A488CF6}" type="slidenum">
+              <a:rPr lang="en-US" smtClean="0"/>
+              <a:pPr/>
+              <a:t>15</a:t>
+            </a:fld>
+            <a:endParaRPr lang="en-US"/>
+          </a:p>
+        </p:txBody>
+      </p:sp>
+    </p:spTree>
+    <p:extLst>
+      <p:ext uri="{BB962C8B-B14F-4D97-AF65-F5344CB8AC3E}">
+        <p14:creationId xmlns:p14="http://schemas.microsoft.com/office/powerpoint/2010/main" val="4117229398"/>
+      </p:ext>
+    </p:extLst>
+  </p:cSld>
+  <p:clrMapOvr>
+    <a:masterClrMapping/>
+  </p:clrMapOvr>
+</p:sld>
+</file>
+
+<file path=ppt/slides/slide2.xml><?xml version="1.0" encoding="utf-8"?>
+<p:sld xmlns:a="http://schemas.openxmlformats.org/drawingml/2006/main" xmlns:r="http://schemas.openxmlformats.org/officeDocument/2006/relationships" xmlns:p="http://schemas.openxmlformats.org/presentationml/2006/main">
+  <p:cSld>
+    <p:spTree>
+      <p:nvGrpSpPr>
+        <p:cNvPr id="1" name=""/>
+        <p:cNvGrpSpPr/>
+        <p:nvPr/>
+      </p:nvGrpSpPr>
+      <p:grpSpPr>
+        <a:xfrm>
+          <a:off x="0" y="0"/>
+          <a:ext cx="0" cy="0"/>
+          <a:chOff x="0" y="0"/>
+          <a:chExt cx="0" cy="0"/>
+        </a:xfrm>
+      </p:grpSpPr>
+      <p:sp>
+        <p:nvSpPr>
+          <p:cNvPr id="2" name="Title 1">
+            <a:extLst>
+              <a:ext uri="{FF2B5EF4-FFF2-40B4-BE49-F238E27FC236}">
+                <a16:creationId xmlns:a16="http://schemas.microsoft.com/office/drawing/2014/main" id="{1B43F559-BC96-709B-8BBE-958C45CF1C42}"/>
+              </a:ext>
+            </a:extLst>
+          </p:cNvPr>
+          <p:cNvSpPr>
+            <a:spLocks noGrp="1"/>
+          </p:cNvSpPr>
+          <p:nvPr>
+            <p:ph type="title"/>
+          </p:nvPr>
+        </p:nvSpPr>
+        <p:spPr/>
+        <p:txBody>
+          <a:bodyPr/>
+          <a:lstStyle/>
+          <a:p>
+            <a:r>
+              <a:rPr lang="en-US" dirty="0"/>
+              <a:t>Need help?</a:t>
+            </a:r>
+          </a:p>
+        </p:txBody>
+      </p:sp>
+      <p:sp>
+        <p:nvSpPr>
+          <p:cNvPr id="3" name="Content Placeholder 2">
+            <a:extLst>
+              <a:ext uri="{FF2B5EF4-FFF2-40B4-BE49-F238E27FC236}">
+                <a16:creationId xmlns:a16="http://schemas.microsoft.com/office/drawing/2014/main" id="{391B87E6-FCA5-03D2-7DED-3FB7AC4BB34D}"/>
+              </a:ext>
+            </a:extLst>
+          </p:cNvPr>
+          <p:cNvSpPr>
+            <a:spLocks noGrp="1"/>
+          </p:cNvSpPr>
+          <p:nvPr>
+            <p:ph idx="1"/>
+          </p:nvPr>
+        </p:nvSpPr>
+        <p:spPr/>
+        <p:txBody>
+          <a:bodyPr/>
+          <a:lstStyle/>
+          <a:p>
+            <a:r>
+              <a:rPr lang="en-US" dirty="0"/>
+              <a:t>Use our AI tools:</a:t>
+            </a:r>
+          </a:p>
+          <a:p>
+            <a:pPr lvl="1"/>
+            <a:r>
+              <a:rPr lang="en-US" dirty="0"/>
+              <a:t>Have a deep conversation with ChatGPT</a:t>
+            </a:r>
+          </a:p>
+          <a:p>
+            <a:pPr lvl="1"/>
+            <a:r>
+              <a:rPr lang="en-US" dirty="0"/>
+              <a:t>Ask Gemini to generate one (or many!) research reports for you</a:t>
+            </a:r>
+          </a:p>
+          <a:p>
+            <a:r>
+              <a:rPr lang="en-US" dirty="0"/>
+              <a:t>Don’t like what you got the first time?</a:t>
+            </a:r>
+          </a:p>
+          <a:p>
+            <a:pPr lvl="1"/>
+            <a:r>
+              <a:rPr lang="en-US" dirty="0"/>
+              <a:t>Ask again, and again, and again.</a:t>
+            </a:r>
+          </a:p>
+          <a:p>
+            <a:r>
+              <a:rPr lang="en-US" dirty="0"/>
+              <a:t>Not sure how to ask?</a:t>
+            </a:r>
+          </a:p>
+          <a:p>
+            <a:pPr lvl="1"/>
+            <a:r>
+              <a:rPr lang="en-US" dirty="0"/>
+              <a:t>Ask how to ask!</a:t>
+            </a:r>
+          </a:p>
+        </p:txBody>
+      </p:sp>
+      <p:sp>
+        <p:nvSpPr>
+          <p:cNvPr id="4" name="Footer Placeholder 3">
+            <a:extLst>
+              <a:ext uri="{FF2B5EF4-FFF2-40B4-BE49-F238E27FC236}">
+                <a16:creationId xmlns:a16="http://schemas.microsoft.com/office/drawing/2014/main" id="{D6E62031-5529-BD59-5CF2-2283AD7B8190}"/>
+              </a:ext>
+            </a:extLst>
+          </p:cNvPr>
+          <p:cNvSpPr>
+            <a:spLocks noGrp="1"/>
+          </p:cNvSpPr>
+          <p:nvPr>
+            <p:ph type="ftr" sz="quarter" idx="11"/>
+          </p:nvPr>
+        </p:nvSpPr>
+        <p:spPr/>
+        <p:txBody>
+          <a:bodyPr/>
+          <a:lstStyle/>
+          <a:p>
+            <a:r>
+              <a:rPr lang="en-US"/>
+              <a:t>CSCI 373 Mike Heroux</a:t>
+            </a:r>
+            <a:endParaRPr lang="en-US" dirty="0"/>
+          </a:p>
+        </p:txBody>
+      </p:sp>
+      <p:sp>
+        <p:nvSpPr>
+          <p:cNvPr id="5" name="Slide Number Placeholder 4">
+            <a:extLst>
+              <a:ext uri="{FF2B5EF4-FFF2-40B4-BE49-F238E27FC236}">
+                <a16:creationId xmlns:a16="http://schemas.microsoft.com/office/drawing/2014/main" id="{2CD99295-7359-5CF5-D120-EAF5ADF9D535}"/>
+              </a:ext>
+            </a:extLst>
+          </p:cNvPr>
+          <p:cNvSpPr>
+            <a:spLocks noGrp="1"/>
+          </p:cNvSpPr>
+          <p:nvPr>
+            <p:ph type="sldNum" sz="quarter" idx="12"/>
+          </p:nvPr>
+        </p:nvSpPr>
+        <p:spPr/>
+        <p:txBody>
+          <a:bodyPr/>
+          <a:lstStyle/>
+          <a:p>
+            <a:fld id="{8889F5FB-2D0D-7848-BB6D-41089A488CF6}" type="slidenum">
+              <a:rPr lang="en-US" smtClean="0"/>
+              <a:pPr/>
+              <a:t>2</a:t>
+            </a:fld>
+            <a:endParaRPr lang="en-US"/>
+          </a:p>
+        </p:txBody>
+      </p:sp>
+    </p:spTree>
+    <p:extLst>
+      <p:ext uri="{BB962C8B-B14F-4D97-AF65-F5344CB8AC3E}">
+        <p14:creationId xmlns:p14="http://schemas.microsoft.com/office/powerpoint/2010/main" val="264829524"/>
+      </p:ext>
+    </p:extLst>
+  </p:cSld>
+  <p:clrMapOvr>
+    <a:masterClrMapping/>
+  </p:clrMapOvr>
+</p:sld>
+</file>
+
+<file path=ppt/slides/slide3.xml><?xml version="1.0" encoding="utf-8"?>
+<p:sld xmlns:a="http://schemas.openxmlformats.org/drawingml/2006/main" xmlns:r="http://schemas.openxmlformats.org/officeDocument/2006/relationships" xmlns:p="http://schemas.openxmlformats.org/presentationml/2006/main">
+  <p:cSld>
+    <p:spTree>
+      <p:nvGrpSpPr>
+        <p:cNvPr id="1" name=""/>
+        <p:cNvGrpSpPr/>
+        <p:nvPr/>
+      </p:nvGrpSpPr>
+      <p:grpSpPr>
+        <a:xfrm>
+          <a:off x="0" y="0"/>
+          <a:ext cx="0" cy="0"/>
+          <a:chOff x="0" y="0"/>
+          <a:chExt cx="0" cy="0"/>
+        </a:xfrm>
+      </p:grpSpPr>
+      <p:sp>
+        <p:nvSpPr>
+          <p:cNvPr id="2" name="Title 1">
+            <a:extLst>
+              <a:ext uri="{FF2B5EF4-FFF2-40B4-BE49-F238E27FC236}">
+                <a16:creationId xmlns:a16="http://schemas.microsoft.com/office/drawing/2014/main" id="{7DA3819A-40D3-6AF5-1054-8E07A2032870}"/>
+              </a:ext>
+            </a:extLst>
+          </p:cNvPr>
+          <p:cNvSpPr>
+            <a:spLocks noGrp="1"/>
+          </p:cNvSpPr>
+          <p:nvPr>
+            <p:ph type="title"/>
+          </p:nvPr>
+        </p:nvSpPr>
+        <p:spPr/>
+        <p:txBody>
+          <a:bodyPr/>
+          <a:lstStyle/>
+          <a:p>
+            <a:r>
+              <a:rPr lang="en-US" dirty="0"/>
+              <a:t>If you find one good resource</a:t>
+            </a:r>
+          </a:p>
+        </p:txBody>
+      </p:sp>
+      <p:sp>
+        <p:nvSpPr>
+          <p:cNvPr id="3" name="Content Placeholder 2">
+            <a:extLst>
+              <a:ext uri="{FF2B5EF4-FFF2-40B4-BE49-F238E27FC236}">
+                <a16:creationId xmlns:a16="http://schemas.microsoft.com/office/drawing/2014/main" id="{970AFDFE-A215-4ECA-BD46-2F3696A6ABB9}"/>
+              </a:ext>
+            </a:extLst>
+          </p:cNvPr>
+          <p:cNvSpPr>
+            <a:spLocks noGrp="1"/>
+          </p:cNvSpPr>
+          <p:nvPr>
+            <p:ph idx="1"/>
+          </p:nvPr>
+        </p:nvSpPr>
+        <p:spPr/>
+        <p:txBody>
+          <a:bodyPr/>
+          <a:lstStyle/>
+          <a:p>
+            <a:r>
+              <a:rPr lang="en-US" dirty="0"/>
+              <a:t>Look at its bibliography, notes, resources</a:t>
+            </a:r>
+          </a:p>
+          <a:p>
+            <a:r>
+              <a:rPr lang="en-US" dirty="0"/>
+              <a:t>Go to the library site, find the article and click on the link that finds article that cite that article</a:t>
+            </a:r>
+          </a:p>
+          <a:p>
+            <a:r>
+              <a:rPr lang="en-US" dirty="0"/>
+              <a:t>Find the authors’ websites and look for other papers they have published</a:t>
+            </a:r>
+          </a:p>
+          <a:p>
+            <a:r>
+              <a:rPr lang="en-US" dirty="0"/>
+              <a:t>And iterate with anything new you find</a:t>
+            </a:r>
+          </a:p>
+          <a:p>
+            <a:r>
+              <a:rPr lang="en-US" dirty="0"/>
+              <a:t>Soon, you will have a good collection of related resources</a:t>
+            </a:r>
+          </a:p>
+        </p:txBody>
+      </p:sp>
+      <p:sp>
+        <p:nvSpPr>
+          <p:cNvPr id="4" name="Footer Placeholder 3">
+            <a:extLst>
+              <a:ext uri="{FF2B5EF4-FFF2-40B4-BE49-F238E27FC236}">
+                <a16:creationId xmlns:a16="http://schemas.microsoft.com/office/drawing/2014/main" id="{0E4F3318-3653-2288-8AFB-3EBB701FE878}"/>
+              </a:ext>
+            </a:extLst>
+          </p:cNvPr>
+          <p:cNvSpPr>
+            <a:spLocks noGrp="1"/>
+          </p:cNvSpPr>
+          <p:nvPr>
+            <p:ph type="ftr" sz="quarter" idx="11"/>
+          </p:nvPr>
+        </p:nvSpPr>
+        <p:spPr/>
+        <p:txBody>
+          <a:bodyPr/>
+          <a:lstStyle/>
+          <a:p>
+            <a:r>
+              <a:rPr lang="en-US"/>
+              <a:t>CSCI 373 Mike Heroux</a:t>
+            </a:r>
+            <a:endParaRPr lang="en-US" dirty="0"/>
+          </a:p>
+        </p:txBody>
+      </p:sp>
+      <p:sp>
+        <p:nvSpPr>
+          <p:cNvPr id="5" name="Slide Number Placeholder 4">
+            <a:extLst>
+              <a:ext uri="{FF2B5EF4-FFF2-40B4-BE49-F238E27FC236}">
+                <a16:creationId xmlns:a16="http://schemas.microsoft.com/office/drawing/2014/main" id="{16ACC859-FC59-2C72-C50C-65015725FD4B}"/>
+              </a:ext>
+            </a:extLst>
+          </p:cNvPr>
+          <p:cNvSpPr>
+            <a:spLocks noGrp="1"/>
+          </p:cNvSpPr>
+          <p:nvPr>
+            <p:ph type="sldNum" sz="quarter" idx="12"/>
+          </p:nvPr>
+        </p:nvSpPr>
+        <p:spPr/>
+        <p:txBody>
+          <a:bodyPr/>
+          <a:lstStyle/>
+          <a:p>
+            <a:fld id="{8889F5FB-2D0D-7848-BB6D-41089A488CF6}" type="slidenum">
+              <a:rPr lang="en-US" smtClean="0"/>
+              <a:pPr/>
+              <a:t>3</a:t>
+            </a:fld>
+            <a:endParaRPr lang="en-US"/>
+          </a:p>
+        </p:txBody>
+      </p:sp>
+    </p:spTree>
+    <p:extLst>
+      <p:ext uri="{BB962C8B-B14F-4D97-AF65-F5344CB8AC3E}">
+        <p14:creationId xmlns:p14="http://schemas.microsoft.com/office/powerpoint/2010/main" val="2711804586"/>
+      </p:ext>
+    </p:extLst>
+  </p:cSld>
+  <p:clrMapOvr>
+    <a:masterClrMapping/>
+  </p:clrMapOvr>
+</p:sld>
+</file>
+
+<file path=ppt/slides/slide4.xml><?xml version="1.0" encoding="utf-8"?>
+<p:sld xmlns:a="http://schemas.openxmlformats.org/drawingml/2006/main" xmlns:r="http://schemas.openxmlformats.org/officeDocument/2006/relationships" xmlns:p="http://schemas.openxmlformats.org/presentationml/2006/main">
+  <p:cSld>
+    <p:spTree>
+      <p:nvGrpSpPr>
+        <p:cNvPr id="1" name=""/>
+        <p:cNvGrpSpPr/>
+        <p:nvPr/>
+      </p:nvGrpSpPr>
+      <p:grpSpPr>
+        <a:xfrm>
+          <a:off x="0" y="0"/>
+          <a:ext cx="0" cy="0"/>
+          <a:chOff x="0" y="0"/>
+          <a:chExt cx="0" cy="0"/>
+        </a:xfrm>
+      </p:grpSpPr>
+      <p:sp>
+        <p:nvSpPr>
+          <p:cNvPr id="2" name="Title 1">
+            <a:extLst>
+              <a:ext uri="{FF2B5EF4-FFF2-40B4-BE49-F238E27FC236}">
+                <a16:creationId xmlns:a16="http://schemas.microsoft.com/office/drawing/2014/main" id="{F1D46AF7-3B24-F4C7-62C1-36EF10EAE920}"/>
+              </a:ext>
+            </a:extLst>
+          </p:cNvPr>
+          <p:cNvSpPr>
+            <a:spLocks noGrp="1"/>
+          </p:cNvSpPr>
+          <p:nvPr>
+            <p:ph type="title"/>
+          </p:nvPr>
+        </p:nvSpPr>
+        <p:spPr/>
+        <p:txBody>
+          <a:bodyPr/>
+          <a:lstStyle/>
+          <a:p>
+            <a:r>
+              <a:rPr lang="en-US" dirty="0"/>
+              <a:t>Signs you are becoming an expert</a:t>
+            </a:r>
+          </a:p>
+        </p:txBody>
+      </p:sp>
+      <p:sp>
+        <p:nvSpPr>
+          <p:cNvPr id="3" name="Content Placeholder 2">
+            <a:extLst>
+              <a:ext uri="{FF2B5EF4-FFF2-40B4-BE49-F238E27FC236}">
+                <a16:creationId xmlns:a16="http://schemas.microsoft.com/office/drawing/2014/main" id="{68D7CD37-FA72-8017-B1BE-749212A16692}"/>
+              </a:ext>
+            </a:extLst>
+          </p:cNvPr>
+          <p:cNvSpPr>
+            <a:spLocks noGrp="1"/>
+          </p:cNvSpPr>
+          <p:nvPr>
+            <p:ph idx="1"/>
+          </p:nvPr>
+        </p:nvSpPr>
+        <p:spPr/>
+        <p:txBody>
+          <a:bodyPr/>
+          <a:lstStyle/>
+          <a:p>
+            <a:r>
+              <a:rPr lang="en-US" dirty="0"/>
+              <a:t>You have read, viewed, and listened to </a:t>
+            </a:r>
+            <a:r>
+              <a:rPr lang="en-US" i="1" dirty="0"/>
+              <a:t>many </a:t>
+            </a:r>
+            <a:r>
+              <a:rPr lang="en-US" dirty="0"/>
+              <a:t>resources: Dozens, not 10, 15</a:t>
+            </a:r>
+          </a:p>
+          <a:p>
+            <a:r>
+              <a:rPr lang="en-US" dirty="0"/>
+              <a:t>When you find a new resource, it covers ideas you have already encountered and builds upon your existing understanding</a:t>
+            </a:r>
+          </a:p>
+          <a:p>
+            <a:r>
+              <a:rPr lang="en-US" dirty="0"/>
+              <a:t>When you read, view, or listen to a resource:</a:t>
+            </a:r>
+          </a:p>
+          <a:p>
+            <a:pPr lvl="1"/>
+            <a:r>
+              <a:rPr lang="en-US" dirty="0"/>
+              <a:t>A new, novel idea comes to mind</a:t>
+            </a:r>
+          </a:p>
+          <a:p>
+            <a:pPr lvl="1"/>
+            <a:r>
+              <a:rPr lang="en-US" dirty="0"/>
+              <a:t>A new or more elaborate mental model emerges</a:t>
+            </a:r>
+          </a:p>
+          <a:p>
+            <a:endParaRPr lang="en-US" dirty="0"/>
+          </a:p>
+        </p:txBody>
+      </p:sp>
+      <p:sp>
+        <p:nvSpPr>
+          <p:cNvPr id="4" name="Footer Placeholder 3">
+            <a:extLst>
+              <a:ext uri="{FF2B5EF4-FFF2-40B4-BE49-F238E27FC236}">
+                <a16:creationId xmlns:a16="http://schemas.microsoft.com/office/drawing/2014/main" id="{7B5539DA-B962-AB1A-E20F-542FD02BC087}"/>
+              </a:ext>
+            </a:extLst>
+          </p:cNvPr>
+          <p:cNvSpPr>
+            <a:spLocks noGrp="1"/>
+          </p:cNvSpPr>
+          <p:nvPr>
+            <p:ph type="ftr" sz="quarter" idx="11"/>
+          </p:nvPr>
+        </p:nvSpPr>
+        <p:spPr/>
+        <p:txBody>
+          <a:bodyPr/>
+          <a:lstStyle/>
+          <a:p>
+            <a:r>
+              <a:rPr lang="en-US"/>
+              <a:t>CSCI 373 Mike Heroux</a:t>
+            </a:r>
+            <a:endParaRPr lang="en-US" dirty="0"/>
+          </a:p>
+        </p:txBody>
+      </p:sp>
+      <p:sp>
+        <p:nvSpPr>
+          <p:cNvPr id="5" name="Slide Number Placeholder 4">
+            <a:extLst>
+              <a:ext uri="{FF2B5EF4-FFF2-40B4-BE49-F238E27FC236}">
+                <a16:creationId xmlns:a16="http://schemas.microsoft.com/office/drawing/2014/main" id="{4EBAD7D2-5866-DB35-4AB9-6C76E20E88D2}"/>
+              </a:ext>
+            </a:extLst>
+          </p:cNvPr>
+          <p:cNvSpPr>
+            <a:spLocks noGrp="1"/>
+          </p:cNvSpPr>
+          <p:nvPr>
+            <p:ph type="sldNum" sz="quarter" idx="12"/>
+          </p:nvPr>
+        </p:nvSpPr>
+        <p:spPr/>
+        <p:txBody>
+          <a:bodyPr/>
+          <a:lstStyle/>
+          <a:p>
+            <a:fld id="{8889F5FB-2D0D-7848-BB6D-41089A488CF6}" type="slidenum">
+              <a:rPr lang="en-US" smtClean="0"/>
+              <a:pPr/>
+              <a:t>4</a:t>
+            </a:fld>
+            <a:endParaRPr lang="en-US"/>
+          </a:p>
+        </p:txBody>
+      </p:sp>
+    </p:spTree>
+    <p:extLst>
+      <p:ext uri="{BB962C8B-B14F-4D97-AF65-F5344CB8AC3E}">
+        <p14:creationId xmlns:p14="http://schemas.microsoft.com/office/powerpoint/2010/main" val="193854024"/>
+      </p:ext>
+    </p:extLst>
+  </p:cSld>
+  <p:clrMapOvr>
+    <a:masterClrMapping/>
+  </p:clrMapOvr>
+</p:sld>
+</file>
+
+<file path=ppt/slides/slide5.xml><?xml version="1.0" encoding="utf-8"?>
+<p:sld xmlns:a="http://schemas.openxmlformats.org/drawingml/2006/main" xmlns:r="http://schemas.openxmlformats.org/officeDocument/2006/relationships" xmlns:p="http://schemas.openxmlformats.org/presentationml/2006/main">
+  <p:cSld>
+    <p:bg>
+      <p:bgPr>
+        <a:solidFill>
+          <a:schemeClr val="bg1"/>
+        </a:solidFill>
+        <a:effectLst/>
+      </p:bgPr>
+    </p:bg>
+    <p:spTree>
+      <p:nvGrpSpPr>
+        <p:cNvPr id="1" name=""/>
+        <p:cNvGrpSpPr/>
+        <p:nvPr/>
+      </p:nvGrpSpPr>
+      <p:grpSpPr>
+        <a:xfrm>
+          <a:off x="0" y="0"/>
+          <a:ext cx="0" cy="0"/>
+          <a:chOff x="0" y="0"/>
+          <a:chExt cx="0" cy="0"/>
+        </a:xfrm>
+      </p:grpSpPr>
+      <p:sp>
+        <p:nvSpPr>
+          <p:cNvPr id="2" name="Title 1"/>
+          <p:cNvSpPr>
+            <a:spLocks noGrp="1"/>
+          </p:cNvSpPr>
+          <p:nvPr>
+            <p:ph type="title"/>
+          </p:nvPr>
+        </p:nvSpPr>
+        <p:spPr>
+          <a:xfrm>
+            <a:off x="742950" y="338328"/>
+            <a:ext cx="7658100" cy="1078992"/>
+          </a:xfrm>
+        </p:spPr>
+        <p:txBody>
+          <a:bodyPr vert="horz" lIns="91440" tIns="45720" rIns="91440" bIns="45720" rtlCol="0" anchor="b">
+            <a:normAutofit/>
+          </a:bodyPr>
+          <a:lstStyle/>
+          <a:p>
+            <a:pPr eaLnBrk="1" hangingPunct="1">
+              <a:lnSpc>
+                <a:spcPct val="90000"/>
+              </a:lnSpc>
+            </a:pPr>
+            <a:r>
+              <a:rPr lang="en-US" sz="4700" kern="1200">
+                <a:solidFill>
+                  <a:schemeClr val="tx1"/>
+                </a:solidFill>
+              </a:rPr>
+              <a:t>Labels</a:t>
+            </a:r>
+          </a:p>
+        </p:txBody>
+      </p:sp>
+      <p:sp>
+        <p:nvSpPr>
+          <p:cNvPr id="3" name="Content Placeholder 2"/>
+          <p:cNvSpPr>
+            <a:spLocks noGrp="1"/>
+          </p:cNvSpPr>
+          <p:nvPr>
+            <p:ph idx="1"/>
+          </p:nvPr>
+        </p:nvSpPr>
+        <p:spPr>
+          <a:xfrm>
+            <a:off x="742950" y="1419083"/>
+            <a:ext cx="7658100" cy="528429"/>
+          </a:xfrm>
+        </p:spPr>
+        <p:txBody>
+          <a:bodyPr vert="horz" lIns="91440" tIns="45720" rIns="91440" bIns="45720" rtlCol="0">
+            <a:normAutofit/>
+          </a:bodyPr>
+          <a:lstStyle/>
+          <a:p>
+            <a:pPr marL="0" indent="0" algn="ctr" eaLnBrk="1" hangingPunct="1">
+              <a:lnSpc>
+                <a:spcPct val="90000"/>
+              </a:lnSpc>
+              <a:spcBef>
+                <a:spcPts val="1000"/>
+              </a:spcBef>
+              <a:buNone/>
+            </a:pPr>
+            <a:r>
+              <a:rPr lang="en-US" sz="2400" kern="1200"/>
+              <a:t>\label{label_name} and \ref{label_name}</a:t>
+            </a:r>
+          </a:p>
+        </p:txBody>
+      </p:sp>
+      <p:sp>
+        <p:nvSpPr>
+          <p:cNvPr id="12" name="Rectangle 11">
+            <a:extLst>
+              <a:ext uri="{FF2B5EF4-FFF2-40B4-BE49-F238E27FC236}">
+                <a16:creationId xmlns:a16="http://schemas.microsoft.com/office/drawing/2014/main" id="{70BDD0CE-06A4-404B-8A13-580229C1C923}"/>
+              </a:ext>
+              <a:ext uri="{C183D7F6-B498-43B3-948B-1728B52AA6E4}">
+                <adec:decorative xmlns:adec="http://schemas.microsoft.com/office/drawing/2017/decorative" val="1"/>
+              </a:ext>
+            </a:extLst>
+          </p:cNvPr>
+          <p:cNvSpPr>
+            <a:spLocks noGrp="1" noRot="1" noChangeAspect="1" noMove="1" noResize="1" noEditPoints="1" noAdjustHandles="1" noChangeArrowheads="1" noChangeShapeType="1" noTextEdit="1"/>
+          </p:cNvSpPr>
+          <p:nvPr>
+            <p:extLst>
+              <p:ext uri="{386F3935-93C4-4BCD-93E2-E3B085C9AB24}">
+                <p16:designElem xmlns:p16="http://schemas.microsoft.com/office/powerpoint/2015/main" val="1"/>
+              </p:ext>
+            </p:extLst>
+          </p:nvPr>
+        </p:nvSpPr>
+        <p:spPr>
+          <a:xfrm>
+            <a:off x="0" y="2141750"/>
+            <a:ext cx="9144000" cy="4716250"/>
+          </a:xfrm>
+          <a:prstGeom prst="rect">
+            <a:avLst/>
+          </a:prstGeom>
+          <a:solidFill>
+            <a:srgbClr val="C8CACA"/>
+          </a:solidFill>
+          <a:ln>
+            <a:noFill/>
+          </a:ln>
+        </p:spPr>
+        <p:style>
+          <a:lnRef idx="2">
+            <a:schemeClr val="accent1">
+              <a:shade val="50000"/>
+            </a:schemeClr>
+          </a:lnRef>
+          <a:fillRef idx="1">
+            <a:schemeClr val="accent1"/>
+          </a:fillRef>
+          <a:effectRef idx="0">
+            <a:schemeClr val="accent1"/>
+          </a:effectRef>
+          <a:fontRef idx="minor">
+            <a:schemeClr val="lt1"/>
+          </a:fontRef>
+        </p:style>
+        <p:txBody>
+          <a:bodyPr rtlCol="0" anchor="ctr"/>
+          <a:lstStyle/>
+          <a:p>
+            <a:pPr algn="ctr"/>
+            <a:endParaRPr lang="en-US"/>
+          </a:p>
+        </p:txBody>
+      </p:sp>
+      <p:sp>
+        <p:nvSpPr>
+          <p:cNvPr id="14" name="Rounded Rectangle 26">
+            <a:extLst>
+              <a:ext uri="{FF2B5EF4-FFF2-40B4-BE49-F238E27FC236}">
+                <a16:creationId xmlns:a16="http://schemas.microsoft.com/office/drawing/2014/main" id="{EE9899FA-8881-472C-AA59-D08A89CA8AEF}"/>
+              </a:ext>
+              <a:ext uri="{C183D7F6-B498-43B3-948B-1728B52AA6E4}">
+                <adec:decorative xmlns:adec="http://schemas.microsoft.com/office/drawing/2017/decorative" val="1"/>
+              </a:ext>
+            </a:extLst>
+          </p:cNvPr>
+          <p:cNvSpPr>
+            <a:spLocks noGrp="1" noRot="1" noChangeAspect="1" noMove="1" noResize="1" noEditPoints="1" noAdjustHandles="1" noChangeArrowheads="1" noChangeShapeType="1" noTextEdit="1"/>
+          </p:cNvSpPr>
+          <p:nvPr>
+            <p:extLst>
+              <p:ext uri="{386F3935-93C4-4BCD-93E2-E3B085C9AB24}">
+                <p16:designElem xmlns:p16="http://schemas.microsoft.com/office/powerpoint/2015/main" val="1"/>
+              </p:ext>
+            </p:extLst>
+          </p:nvPr>
+        </p:nvSpPr>
+        <p:spPr>
+          <a:xfrm>
+            <a:off x="241173" y="2423160"/>
+            <a:ext cx="4210176" cy="3930315"/>
+          </a:xfrm>
+          <a:prstGeom prst="roundRect">
+            <a:avLst>
+              <a:gd name="adj" fmla="val 0"/>
+            </a:avLst>
+          </a:prstGeom>
+          <a:solidFill>
+            <a:srgbClr val="FFFFFF"/>
+          </a:solidFill>
+          <a:ln w="9525">
+            <a:solidFill>
+              <a:srgbClr val="C8CACA"/>
+            </a:solidFill>
+          </a:ln>
+          <a:effectLst>
+            <a:outerShdw blurRad="57150" dist="19050" dir="5400000" algn="t" rotWithShape="0">
+              <a:prstClr val="black">
+                <a:alpha val="63000"/>
+              </a:prstClr>
+            </a:outerShdw>
+          </a:effectLst>
+        </p:spPr>
+        <p:style>
+          <a:lnRef idx="2">
+            <a:schemeClr val="accent1">
+              <a:shade val="50000"/>
+            </a:schemeClr>
+          </a:lnRef>
+          <a:fillRef idx="1">
+            <a:schemeClr val="accent1"/>
+          </a:fillRef>
+          <a:effectRef idx="0">
+            <a:schemeClr val="accent1"/>
+          </a:effectRef>
+          <a:fontRef idx="minor">
+            <a:schemeClr val="lt1"/>
+          </a:fontRef>
+        </p:style>
+        <p:txBody>
+          <a:bodyPr rtlCol="0" anchor="ctr"/>
+          <a:lstStyle/>
+          <a:p>
+            <a:pPr algn="ctr"/>
+            <a:endParaRPr lang="en-US"/>
+          </a:p>
+        </p:txBody>
+      </p:sp>
+      <p:sp>
+        <p:nvSpPr>
+          <p:cNvPr id="16" name="Rounded Rectangle 16">
+            <a:extLst>
+              <a:ext uri="{FF2B5EF4-FFF2-40B4-BE49-F238E27FC236}">
+                <a16:creationId xmlns:a16="http://schemas.microsoft.com/office/drawing/2014/main" id="{080B7D90-3DF1-4514-B26D-616BE35553C9}"/>
+              </a:ext>
+              <a:ext uri="{C183D7F6-B498-43B3-948B-1728B52AA6E4}">
+                <adec:decorative xmlns:adec="http://schemas.microsoft.com/office/drawing/2017/decorative" val="1"/>
+              </a:ext>
+            </a:extLst>
+          </p:cNvPr>
+          <p:cNvSpPr>
+            <a:spLocks noGrp="1" noRot="1" noChangeAspect="1" noMove="1" noResize="1" noEditPoints="1" noAdjustHandles="1" noChangeArrowheads="1" noChangeShapeType="1" noTextEdit="1"/>
+          </p:cNvSpPr>
+          <p:nvPr>
+            <p:extLst>
+              <p:ext uri="{386F3935-93C4-4BCD-93E2-E3B085C9AB24}">
+                <p16:designElem xmlns:p16="http://schemas.microsoft.com/office/powerpoint/2015/main" val="1"/>
+              </p:ext>
+            </p:extLst>
+          </p:nvPr>
+        </p:nvSpPr>
+        <p:spPr>
+          <a:xfrm>
+            <a:off x="4691061" y="2423160"/>
+            <a:ext cx="4210177" cy="3930315"/>
+          </a:xfrm>
+          <a:prstGeom prst="roundRect">
+            <a:avLst>
+              <a:gd name="adj" fmla="val 0"/>
+            </a:avLst>
+          </a:prstGeom>
+          <a:solidFill>
+            <a:srgbClr val="FFFFFF"/>
+          </a:solidFill>
+          <a:ln w="9525">
+            <a:solidFill>
+              <a:srgbClr val="C8CACA"/>
+            </a:solidFill>
+          </a:ln>
+          <a:effectLst>
+            <a:outerShdw blurRad="57150" dist="19050" dir="5400000" algn="t" rotWithShape="0">
+              <a:prstClr val="black">
+                <a:alpha val="63000"/>
+              </a:prstClr>
+            </a:outerShdw>
+          </a:effectLst>
+        </p:spPr>
+        <p:style>
+          <a:lnRef idx="2">
+            <a:schemeClr val="accent1">
+              <a:shade val="50000"/>
+            </a:schemeClr>
+          </a:lnRef>
+          <a:fillRef idx="1">
+            <a:schemeClr val="accent1"/>
+          </a:fillRef>
+          <a:effectRef idx="0">
+            <a:schemeClr val="accent1"/>
+          </a:effectRef>
+          <a:fontRef idx="minor">
+            <a:schemeClr val="lt1"/>
+          </a:fontRef>
+        </p:style>
+        <p:txBody>
+          <a:bodyPr rtlCol="0" anchor="ctr"/>
+          <a:lstStyle/>
+          <a:p>
+            <a:pPr algn="ctr"/>
+            <a:endParaRPr lang="en-US"/>
+          </a:p>
+        </p:txBody>
+      </p:sp>
+      <p:pic>
+        <p:nvPicPr>
+          <p:cNvPr id="6" name="Picture 5">
+            <a:extLst>
+              <a:ext uri="{FF2B5EF4-FFF2-40B4-BE49-F238E27FC236}">
+                <a16:creationId xmlns:a16="http://schemas.microsoft.com/office/drawing/2014/main" id="{0471C402-5DAC-C284-1018-61CD818040A5}"/>
+              </a:ext>
+            </a:extLst>
+          </p:cNvPr>
+          <p:cNvPicPr>
+            <a:picLocks noChangeAspect="1"/>
+          </p:cNvPicPr>
+          <p:nvPr/>
+        </p:nvPicPr>
+        <p:blipFill>
+          <a:blip r:embed="rId2"/>
+          <a:stretch>
+            <a:fillRect/>
+          </a:stretch>
+        </p:blipFill>
+        <p:spPr>
+          <a:xfrm>
+            <a:off x="599066" y="3245774"/>
+            <a:ext cx="3730752" cy="2285085"/>
+          </a:xfrm>
+          <a:prstGeom prst="rect">
+            <a:avLst/>
+          </a:prstGeom>
+        </p:spPr>
+      </p:pic>
+      <p:sp>
+        <p:nvSpPr>
+          <p:cNvPr id="4" name="Footer Placeholder 3"/>
+          <p:cNvSpPr>
+            <a:spLocks noGrp="1"/>
+          </p:cNvSpPr>
+          <p:nvPr>
+            <p:ph type="ftr" sz="quarter" idx="11"/>
+          </p:nvPr>
+        </p:nvSpPr>
+        <p:spPr>
+          <a:xfrm>
+            <a:off x="3028950" y="6356350"/>
+            <a:ext cx="3086100" cy="365125"/>
+          </a:xfrm>
+        </p:spPr>
+        <p:txBody>
+          <a:bodyPr vert="horz" lIns="91440" tIns="45720" rIns="91440" bIns="45720" rtlCol="0" anchor="ctr">
+            <a:normAutofit/>
+          </a:bodyPr>
+          <a:lstStyle/>
+          <a:p>
+            <a:pPr eaLnBrk="1" hangingPunct="1">
+              <a:spcAft>
+                <a:spcPts val="600"/>
+              </a:spcAft>
+            </a:pPr>
+            <a:r>
+              <a:rPr lang="en-US" sz="1200" kern="1200">
+                <a:solidFill>
+                  <a:srgbClr val="898989"/>
+                </a:solidFill>
+                <a:latin typeface="+mn-lt"/>
+                <a:ea typeface="+mn-ea"/>
+                <a:cs typeface="+mn-cs"/>
+              </a:rPr>
+              <a:t>CSCI 373 Mike Heroux</a:t>
+            </a:r>
+          </a:p>
+        </p:txBody>
+      </p:sp>
+      <p:sp>
+        <p:nvSpPr>
+          <p:cNvPr id="5" name="Slide Number Placeholder 4"/>
+          <p:cNvSpPr>
+            <a:spLocks noGrp="1"/>
+          </p:cNvSpPr>
+          <p:nvPr>
+            <p:ph type="sldNum" sz="quarter" idx="12"/>
+          </p:nvPr>
+        </p:nvSpPr>
+        <p:spPr>
+          <a:xfrm>
+            <a:off x="6457950" y="6356350"/>
+            <a:ext cx="2057400" cy="365125"/>
+          </a:xfrm>
+        </p:spPr>
+        <p:txBody>
+          <a:bodyPr vert="horz" lIns="91440" tIns="45720" rIns="91440" bIns="45720" rtlCol="0" anchor="ctr">
+            <a:normAutofit/>
+          </a:bodyPr>
+          <a:lstStyle/>
+          <a:p>
+            <a:pPr eaLnBrk="1" hangingPunct="1">
+              <a:spcAft>
+                <a:spcPts val="600"/>
+              </a:spcAft>
+            </a:pPr>
+            <a:fld id="{8889F5FB-2D0D-7848-BB6D-41089A488CF6}" type="slidenum">
+              <a:rPr lang="en-US" sz="1200">
+                <a:solidFill>
+                  <a:srgbClr val="898989"/>
+                </a:solidFill>
+                <a:latin typeface="+mn-lt"/>
+              </a:rPr>
+              <a:pPr eaLnBrk="1" hangingPunct="1">
+                <a:spcAft>
+                  <a:spcPts val="600"/>
+                </a:spcAft>
+              </a:pPr>
+              <a:t>5</a:t>
+            </a:fld>
+            <a:endParaRPr lang="en-US" sz="1200">
+              <a:solidFill>
+                <a:srgbClr val="898989"/>
+              </a:solidFill>
+              <a:latin typeface="+mn-lt"/>
+            </a:endParaRPr>
+          </a:p>
+        </p:txBody>
+      </p:sp>
+      <p:pic>
+        <p:nvPicPr>
+          <p:cNvPr id="7" name="Picture 6">
+            <a:extLst>
+              <a:ext uri="{FF2B5EF4-FFF2-40B4-BE49-F238E27FC236}">
+                <a16:creationId xmlns:a16="http://schemas.microsoft.com/office/drawing/2014/main" id="{CAE1EB39-3011-5A46-F31E-B08B87AFE3B7}"/>
+              </a:ext>
+            </a:extLst>
+          </p:cNvPr>
+          <p:cNvPicPr>
+            <a:picLocks noChangeAspect="1"/>
+          </p:cNvPicPr>
+          <p:nvPr/>
+        </p:nvPicPr>
+        <p:blipFill>
+          <a:blip r:embed="rId3"/>
+          <a:stretch>
+            <a:fillRect/>
+          </a:stretch>
+        </p:blipFill>
+        <p:spPr>
+          <a:xfrm>
+            <a:off x="4814182" y="2935752"/>
+            <a:ext cx="3730752" cy="2695467"/>
+          </a:xfrm>
+          <a:prstGeom prst="rect">
+            <a:avLst/>
+          </a:prstGeom>
+        </p:spPr>
+      </p:pic>
+      <p:sp>
+        <p:nvSpPr>
+          <p:cNvPr id="8" name="Rectangle 7">
+            <a:extLst>
+              <a:ext uri="{FF2B5EF4-FFF2-40B4-BE49-F238E27FC236}">
+                <a16:creationId xmlns:a16="http://schemas.microsoft.com/office/drawing/2014/main" id="{ADFDA87A-B31D-2CDC-8C44-F7A81A70CD42}"/>
+              </a:ext>
+            </a:extLst>
+          </p:cNvPr>
+          <p:cNvSpPr/>
+          <p:nvPr/>
+        </p:nvSpPr>
+        <p:spPr bwMode="auto">
+          <a:xfrm>
+            <a:off x="3276600" y="4953000"/>
+            <a:ext cx="762000" cy="228600"/>
+          </a:xfrm>
+          <a:prstGeom prst="rect">
+            <a:avLst/>
+          </a:prstGeom>
+          <a:solidFill>
+            <a:schemeClr val="accent1">
+              <a:alpha val="32944"/>
+            </a:schemeClr>
+          </a:solidFill>
+          <a:ln w="9525" cap="flat" cmpd="sng" algn="ctr">
+            <a:solidFill>
+              <a:schemeClr val="tx1"/>
+            </a:solidFill>
+            <a:prstDash val="solid"/>
+            <a:round/>
+            <a:headEnd type="none" w="med" len="med"/>
+            <a:tailEnd type="none" w="med" len="med"/>
+          </a:ln>
+          <a:effectLst/>
+        </p:spPr>
+        <p:txBody>
+          <a:bodyPr vert="horz" wrap="none" lIns="91440" tIns="45720" rIns="91440" bIns="45720" numCol="1" rtlCol="0" anchor="t" anchorCtr="0" compatLnSpc="1">
+            <a:prstTxWarp prst="textNoShape">
+              <a:avLst/>
+            </a:prstTxWarp>
+          </a:bodyPr>
+          <a:lstStyle/>
+          <a:p>
+            <a:pPr marL="0" marR="0" indent="0" algn="l" defTabSz="914400" rtl="0" eaLnBrk="0" fontAlgn="base" latinLnBrk="0" hangingPunct="0">
+              <a:lnSpc>
+                <a:spcPct val="100000"/>
+              </a:lnSpc>
+              <a:spcBef>
+                <a:spcPct val="0"/>
+              </a:spcBef>
+              <a:spcAft>
+                <a:spcPct val="0"/>
+              </a:spcAft>
+              <a:buClrTx/>
+              <a:buSzTx/>
+              <a:buFontTx/>
+              <a:buNone/>
+              <a:tabLst/>
+            </a:pPr>
+            <a:endParaRPr kumimoji="0" lang="en-US" sz="2400" b="0" i="0" u="none" strike="noStrike" cap="none" normalizeH="0" baseline="0" dirty="0">
+              <a:ln>
+                <a:noFill/>
+              </a:ln>
+              <a:solidFill>
+                <a:schemeClr val="tx1"/>
+              </a:solidFill>
+              <a:effectLst/>
+              <a:latin typeface="Times New Roman" pitchFamily="-111" charset="0"/>
+            </a:endParaRPr>
+          </a:p>
+        </p:txBody>
+      </p:sp>
+      <p:sp>
+        <p:nvSpPr>
+          <p:cNvPr id="9" name="Rectangle 8">
+            <a:extLst>
+              <a:ext uri="{FF2B5EF4-FFF2-40B4-BE49-F238E27FC236}">
+                <a16:creationId xmlns:a16="http://schemas.microsoft.com/office/drawing/2014/main" id="{4D699EC7-9C91-3804-BBBB-FE91BE2F028F}"/>
+              </a:ext>
+            </a:extLst>
+          </p:cNvPr>
+          <p:cNvSpPr/>
+          <p:nvPr/>
+        </p:nvSpPr>
+        <p:spPr bwMode="auto">
+          <a:xfrm>
+            <a:off x="599066" y="4271275"/>
+            <a:ext cx="762000" cy="228600"/>
+          </a:xfrm>
+          <a:prstGeom prst="rect">
+            <a:avLst/>
+          </a:prstGeom>
+          <a:solidFill>
+            <a:schemeClr val="accent1">
+              <a:alpha val="32944"/>
+            </a:schemeClr>
+          </a:solidFill>
+          <a:ln w="9525" cap="flat" cmpd="sng" algn="ctr">
+            <a:solidFill>
+              <a:schemeClr val="tx1"/>
+            </a:solidFill>
+            <a:prstDash val="solid"/>
+            <a:round/>
+            <a:headEnd type="none" w="med" len="med"/>
+            <a:tailEnd type="none" w="med" len="med"/>
+          </a:ln>
+          <a:effectLst/>
+        </p:spPr>
+        <p:txBody>
+          <a:bodyPr vert="horz" wrap="none" lIns="91440" tIns="45720" rIns="91440" bIns="45720" numCol="1" rtlCol="0" anchor="t" anchorCtr="0" compatLnSpc="1">
+            <a:prstTxWarp prst="textNoShape">
+              <a:avLst/>
+            </a:prstTxWarp>
+          </a:bodyPr>
+          <a:lstStyle/>
+          <a:p>
+            <a:pPr marL="0" marR="0" indent="0" algn="l" defTabSz="914400" rtl="0" eaLnBrk="0" fontAlgn="base" latinLnBrk="0" hangingPunct="0">
+              <a:lnSpc>
+                <a:spcPct val="100000"/>
+              </a:lnSpc>
+              <a:spcBef>
+                <a:spcPct val="0"/>
+              </a:spcBef>
+              <a:spcAft>
+                <a:spcPct val="0"/>
+              </a:spcAft>
+              <a:buClrTx/>
+              <a:buSzTx/>
+              <a:buFontTx/>
+              <a:buNone/>
+              <a:tabLst/>
+            </a:pPr>
+            <a:endParaRPr kumimoji="0" lang="en-US" sz="2400" b="0" i="0" u="none" strike="noStrike" cap="none" normalizeH="0" baseline="0" dirty="0">
+              <a:ln>
+                <a:noFill/>
+              </a:ln>
+              <a:solidFill>
+                <a:schemeClr val="tx1"/>
+              </a:solidFill>
+              <a:effectLst/>
+              <a:latin typeface="Times New Roman" pitchFamily="-111" charset="0"/>
+            </a:endParaRPr>
+          </a:p>
+        </p:txBody>
+      </p:sp>
+      <p:sp>
+        <p:nvSpPr>
+          <p:cNvPr id="10" name="Rectangle 9">
+            <a:extLst>
+              <a:ext uri="{FF2B5EF4-FFF2-40B4-BE49-F238E27FC236}">
+                <a16:creationId xmlns:a16="http://schemas.microsoft.com/office/drawing/2014/main" id="{09968D97-AFD8-E387-8FAE-9C6ACC4699A3}"/>
+              </a:ext>
+            </a:extLst>
+          </p:cNvPr>
+          <p:cNvSpPr/>
+          <p:nvPr/>
+        </p:nvSpPr>
+        <p:spPr bwMode="auto">
+          <a:xfrm>
+            <a:off x="6500756" y="3962400"/>
+            <a:ext cx="762000" cy="228600"/>
+          </a:xfrm>
+          <a:prstGeom prst="rect">
+            <a:avLst/>
+          </a:prstGeom>
+          <a:solidFill>
+            <a:schemeClr val="accent1">
+              <a:alpha val="32944"/>
+            </a:schemeClr>
+          </a:solidFill>
+          <a:ln w="9525" cap="flat" cmpd="sng" algn="ctr">
+            <a:solidFill>
+              <a:schemeClr val="tx1"/>
+            </a:solidFill>
+            <a:prstDash val="solid"/>
+            <a:round/>
+            <a:headEnd type="none" w="med" len="med"/>
+            <a:tailEnd type="none" w="med" len="med"/>
+          </a:ln>
+          <a:effectLst/>
+        </p:spPr>
+        <p:txBody>
+          <a:bodyPr vert="horz" wrap="none" lIns="91440" tIns="45720" rIns="91440" bIns="45720" numCol="1" rtlCol="0" anchor="t" anchorCtr="0" compatLnSpc="1">
+            <a:prstTxWarp prst="textNoShape">
+              <a:avLst/>
+            </a:prstTxWarp>
+          </a:bodyPr>
+          <a:lstStyle/>
+          <a:p>
+            <a:pPr marL="0" marR="0" indent="0" algn="l" defTabSz="914400" rtl="0" eaLnBrk="0" fontAlgn="base" latinLnBrk="0" hangingPunct="0">
+              <a:lnSpc>
+                <a:spcPct val="100000"/>
+              </a:lnSpc>
+              <a:spcBef>
+                <a:spcPct val="0"/>
+              </a:spcBef>
+              <a:spcAft>
+                <a:spcPct val="0"/>
+              </a:spcAft>
+              <a:buClrTx/>
+              <a:buSzTx/>
+              <a:buFontTx/>
+              <a:buNone/>
+              <a:tabLst/>
+            </a:pPr>
+            <a:endParaRPr kumimoji="0" lang="en-US" sz="2400" b="0" i="0" u="none" strike="noStrike" cap="none" normalizeH="0" baseline="0" dirty="0">
+              <a:ln>
+                <a:noFill/>
+              </a:ln>
+              <a:solidFill>
+                <a:schemeClr val="tx1"/>
+              </a:solidFill>
+              <a:effectLst/>
+              <a:latin typeface="Times New Roman" pitchFamily="-111" charset="0"/>
+            </a:endParaRPr>
+          </a:p>
+        </p:txBody>
+      </p:sp>
+      <p:sp>
+        <p:nvSpPr>
+          <p:cNvPr id="11" name="Rectangle 10">
+            <a:extLst>
+              <a:ext uri="{FF2B5EF4-FFF2-40B4-BE49-F238E27FC236}">
+                <a16:creationId xmlns:a16="http://schemas.microsoft.com/office/drawing/2014/main" id="{DD58BAE6-7475-FD38-7DF8-D5570C215A8B}"/>
+              </a:ext>
+            </a:extLst>
+          </p:cNvPr>
+          <p:cNvSpPr/>
+          <p:nvPr/>
+        </p:nvSpPr>
+        <p:spPr bwMode="auto">
+          <a:xfrm>
+            <a:off x="5334000" y="4800600"/>
+            <a:ext cx="762000" cy="228600"/>
+          </a:xfrm>
+          <a:prstGeom prst="rect">
+            <a:avLst/>
+          </a:prstGeom>
+          <a:solidFill>
+            <a:schemeClr val="accent1">
+              <a:alpha val="32944"/>
+            </a:schemeClr>
+          </a:solidFill>
+          <a:ln w="9525" cap="flat" cmpd="sng" algn="ctr">
+            <a:solidFill>
+              <a:schemeClr val="tx1"/>
+            </a:solidFill>
+            <a:prstDash val="solid"/>
+            <a:round/>
+            <a:headEnd type="none" w="med" len="med"/>
+            <a:tailEnd type="none" w="med" len="med"/>
+          </a:ln>
+          <a:effectLst/>
+        </p:spPr>
+        <p:txBody>
+          <a:bodyPr vert="horz" wrap="none" lIns="91440" tIns="45720" rIns="91440" bIns="45720" numCol="1" rtlCol="0" anchor="t" anchorCtr="0" compatLnSpc="1">
+            <a:prstTxWarp prst="textNoShape">
+              <a:avLst/>
+            </a:prstTxWarp>
+          </a:bodyPr>
+          <a:lstStyle/>
+          <a:p>
+            <a:pPr marL="0" marR="0" indent="0" algn="l" defTabSz="914400" rtl="0" eaLnBrk="0" fontAlgn="base" latinLnBrk="0" hangingPunct="0">
+              <a:lnSpc>
+                <a:spcPct val="100000"/>
+              </a:lnSpc>
+              <a:spcBef>
+                <a:spcPct val="0"/>
+              </a:spcBef>
+              <a:spcAft>
+                <a:spcPct val="0"/>
+              </a:spcAft>
+              <a:buClrTx/>
+              <a:buSzTx/>
+              <a:buFontTx/>
+              <a:buNone/>
+              <a:tabLst/>
+            </a:pPr>
+            <a:endParaRPr kumimoji="0" lang="en-US" sz="2400" b="0" i="0" u="none" strike="noStrike" cap="none" normalizeH="0" baseline="0" dirty="0">
+              <a:ln>
+                <a:noFill/>
+              </a:ln>
+              <a:solidFill>
+                <a:schemeClr val="tx1"/>
+              </a:solidFill>
+              <a:effectLst/>
+              <a:latin typeface="Times New Roman" pitchFamily="-111" charset="0"/>
+            </a:endParaRPr>
+          </a:p>
+        </p:txBody>
+      </p:sp>
+    </p:spTree>
+    <p:extLst>
+      <p:ext uri="{BB962C8B-B14F-4D97-AF65-F5344CB8AC3E}">
+        <p14:creationId xmlns:p14="http://schemas.microsoft.com/office/powerpoint/2010/main" val="3888142523"/>
+      </p:ext>
+    </p:extLst>
+  </p:cSld>
+  <p:clrMapOvr>
+    <a:masterClrMapping/>
+  </p:clrMapOvr>
+</p:sld>
+</file>
+
+<file path=ppt/slides/slide6.xml><?xml version="1.0" encoding="utf-8"?>
+<p:sld xmlns:a="http://schemas.openxmlformats.org/drawingml/2006/main" xmlns:r="http://schemas.openxmlformats.org/officeDocument/2006/relationships" xmlns:p="http://schemas.openxmlformats.org/presentationml/2006/main">
+  <p:cSld>
+    <p:bg>
+      <p:bgPr>
+        <a:solidFill>
+          <a:schemeClr val="bg1"/>
+        </a:solidFill>
+        <a:effectLst/>
+      </p:bgPr>
+    </p:bg>
+    <p:spTree>
+      <p:nvGrpSpPr>
+        <p:cNvPr id="1" name=""/>
+        <p:cNvGrpSpPr/>
+        <p:nvPr/>
+      </p:nvGrpSpPr>
+      <p:grpSpPr>
+        <a:xfrm>
+          <a:off x="0" y="0"/>
+          <a:ext cx="0" cy="0"/>
+          <a:chOff x="0" y="0"/>
+          <a:chExt cx="0" cy="0"/>
+        </a:xfrm>
+      </p:grpSpPr>
+      <p:sp useBgFill="1">
+        <p:nvSpPr>
+          <p:cNvPr id="23" name="Rectangle 22">
+            <a:extLst>
+              <a:ext uri="{FF2B5EF4-FFF2-40B4-BE49-F238E27FC236}">
+                <a16:creationId xmlns:a16="http://schemas.microsoft.com/office/drawing/2014/main" id="{B51F6560-D61C-400F-B71A-3FDEBF451B22}"/>
+              </a:ext>
+              <a:ext uri="{C183D7F6-B498-43B3-948B-1728B52AA6E4}">
+                <adec:decorative xmlns:adec="http://schemas.microsoft.com/office/drawing/2017/decorative" val="1"/>
+              </a:ext>
+            </a:extLst>
+          </p:cNvPr>
+          <p:cNvSpPr>
+            <a:spLocks noGrp="1" noRot="1" noChangeAspect="1" noMove="1" noResize="1" noEditPoints="1" noAdjustHandles="1" noChangeArrowheads="1" noChangeShapeType="1" noTextEdit="1"/>
+          </p:cNvSpPr>
+          <p:nvPr>
+            <p:extLst>
+              <p:ext uri="{386F3935-93C4-4BCD-93E2-E3B085C9AB24}">
+                <p16:designElem xmlns:p16="http://schemas.microsoft.com/office/powerpoint/2015/main" val="1"/>
+              </p:ext>
+            </p:extLst>
+          </p:nvPr>
+        </p:nvSpPr>
+        <p:spPr>
+          <a:xfrm>
+            <a:off x="0" y="0"/>
+            <a:ext cx="9144000" cy="6858000"/>
+          </a:xfrm>
+          <a:prstGeom prst="rect">
+            <a:avLst/>
+          </a:prstGeom>
+          <a:ln w="12700" cap="flat" cmpd="sng" algn="ctr">
+            <a:noFill/>
+            <a:prstDash val="solid"/>
+            <a:miter lim="800000"/>
+          </a:ln>
+          <a:effectLst/>
+          <a:extLst>
+            <a:ext uri="{91240B29-F687-4F45-9708-019B960494DF}">
+              <a14:hiddenLine xmlns:a14="http://schemas.microsoft.com/office/drawing/2010/main" w="12700" cap="flat" cmpd="sng" algn="ctr">
+                <a:solidFill>
+                  <a:schemeClr val="accent1">
+                    <a:shade val="50000"/>
+                  </a:schemeClr>
+                </a:solidFill>
+                <a:prstDash val="solid"/>
+                <a:miter lim="800000"/>
+              </a14:hiddenLine>
+            </a:ext>
+          </a:extLst>
+        </p:spPr>
+        <p:style>
+          <a:lnRef idx="2">
+            <a:schemeClr val="accent1">
+              <a:shade val="50000"/>
+            </a:schemeClr>
+          </a:lnRef>
+          <a:fillRef idx="1">
+            <a:schemeClr val="accent1"/>
+          </a:fillRef>
+          <a:effectRef idx="0">
+            <a:schemeClr val="accent1"/>
+          </a:effectRef>
+          <a:fontRef idx="minor">
+            <a:schemeClr val="lt1"/>
+          </a:fontRef>
+        </p:style>
+        <p:txBody>
+          <a:bodyPr rtlCol="0" anchor="ctr"/>
+          <a:lstStyle/>
+          <a:p>
+            <a:pPr algn="ctr"/>
+            <a:endParaRPr lang="en-US"/>
+          </a:p>
+        </p:txBody>
+      </p:sp>
+      <p:grpSp>
+        <p:nvGrpSpPr>
+          <p:cNvPr id="25" name="Group 24">
+            <a:extLst>
+              <a:ext uri="{FF2B5EF4-FFF2-40B4-BE49-F238E27FC236}">
+                <a16:creationId xmlns:a16="http://schemas.microsoft.com/office/drawing/2014/main" id="{F938B951-7EFC-40A2-B198-E73D39DFB3FC}"/>
+              </a:ext>
+              <a:ext uri="{C183D7F6-B498-43B3-948B-1728B52AA6E4}">
+                <adec:decorative xmlns:adec="http://schemas.microsoft.com/office/drawing/2017/decorative" val="1"/>
+              </a:ext>
+            </a:extLst>
+          </p:cNvPr>
+          <p:cNvGrpSpPr>
+            <a:grpSpLocks noGrp="1" noUngrp="1" noRot="1" noChangeAspect="1" noMove="1" noResize="1"/>
+          </p:cNvGrpSpPr>
+          <p:nvPr>
+            <p:extLst>
+              <p:ext uri="{386F3935-93C4-4BCD-93E2-E3B085C9AB24}">
+                <p16:designElem xmlns:p16="http://schemas.microsoft.com/office/powerpoint/2015/main" val="1"/>
+              </p:ext>
+            </p:extLst>
+          </p:nvPr>
+        </p:nvGrpSpPr>
+        <p:grpSpPr>
+          <a:xfrm>
+            <a:off x="0" y="0"/>
+            <a:ext cx="9144000" cy="6858000"/>
+            <a:chOff x="0" y="0"/>
+            <a:chExt cx="12192000" cy="6858000"/>
+          </a:xfrm>
+        </p:grpSpPr>
+        <p:sp>
+          <p:nvSpPr>
+            <p:cNvPr id="26" name="Rectangle 25">
+              <a:extLst>
+                <a:ext uri="{FF2B5EF4-FFF2-40B4-BE49-F238E27FC236}">
+                  <a16:creationId xmlns:a16="http://schemas.microsoft.com/office/drawing/2014/main" id="{92E4506E-6A0E-49A0-BC31-8CADBFF3ECCF}"/>
+                </a:ext>
+                <a:ext uri="{C183D7F6-B498-43B3-948B-1728B52AA6E4}">
+                  <adec:decorative xmlns:adec="http://schemas.microsoft.com/office/drawing/2017/decorative" val="1"/>
+                </a:ext>
+              </a:extLst>
+            </p:cNvPr>
+            <p:cNvSpPr/>
+            <p:nvPr>
+              <p:extLst>
+                <p:ext uri="{386F3935-93C4-4BCD-93E2-E3B085C9AB24}">
+                  <p16:designElem xmlns:p16="http://schemas.microsoft.com/office/powerpoint/2015/main" val="1"/>
+                </p:ext>
+              </p:extLst>
+            </p:nvPr>
+          </p:nvSpPr>
+          <p:spPr>
+            <a:xfrm>
+              <a:off x="0" y="0"/>
+              <a:ext cx="12192000" cy="6858000"/>
+            </a:xfrm>
+            <a:prstGeom prst="rect">
+              <a:avLst/>
+            </a:prstGeom>
+            <a:solidFill>
+              <a:schemeClr val="bg1">
+                <a:lumMod val="95000"/>
+              </a:schemeClr>
+            </a:solidFill>
+            <a:ln>
+              <a:noFill/>
+            </a:ln>
+          </p:spPr>
+          <p:style>
+            <a:lnRef idx="2">
+              <a:schemeClr val="accent1">
+                <a:shade val="50000"/>
+              </a:schemeClr>
+            </a:lnRef>
+            <a:fillRef idx="1">
+              <a:schemeClr val="accent1"/>
+            </a:fillRef>
+            <a:effectRef idx="0">
+              <a:schemeClr val="accent1"/>
+            </a:effectRef>
+            <a:fontRef idx="minor">
+              <a:schemeClr val="lt1"/>
+            </a:fontRef>
+          </p:style>
+          <p:txBody>
+            <a:bodyPr rtlCol="0" anchor="ctr"/>
+            <a:lstStyle/>
+            <a:p>
+              <a:pPr algn="ctr"/>
+              <a:endParaRPr lang="en-US"/>
+            </a:p>
+          </p:txBody>
+        </p:sp>
+        <p:sp>
+          <p:nvSpPr>
+            <p:cNvPr id="27" name="Rectangle 26">
+              <a:extLst>
+                <a:ext uri="{FF2B5EF4-FFF2-40B4-BE49-F238E27FC236}">
+                  <a16:creationId xmlns:a16="http://schemas.microsoft.com/office/drawing/2014/main" id="{EEED4D51-65BF-4AEE-B596-7CB61A70B966}"/>
+                </a:ext>
+                <a:ext uri="{C183D7F6-B498-43B3-948B-1728B52AA6E4}">
+                  <adec:decorative xmlns:adec="http://schemas.microsoft.com/office/drawing/2017/decorative" val="1"/>
+                </a:ext>
+              </a:extLst>
+            </p:cNvPr>
+            <p:cNvSpPr/>
+            <p:nvPr>
+              <p:extLst>
+                <p:ext uri="{386F3935-93C4-4BCD-93E2-E3B085C9AB24}">
+                  <p16:designElem xmlns:p16="http://schemas.microsoft.com/office/powerpoint/2015/main" val="1"/>
+                </p:ext>
+              </p:extLst>
+            </p:nvPr>
+          </p:nvSpPr>
+          <p:spPr>
+            <a:xfrm>
+              <a:off x="0" y="0"/>
+              <a:ext cx="12192000" cy="6858000"/>
+            </a:xfrm>
+            <a:prstGeom prst="rect">
+              <a:avLst/>
+            </a:prstGeom>
+            <a:solidFill>
+              <a:schemeClr val="accent4">
+                <a:lumMod val="75000"/>
+                <a:alpha val="7000"/>
+              </a:schemeClr>
+            </a:solidFill>
+            <a:ln>
+              <a:noFill/>
+            </a:ln>
+          </p:spPr>
+          <p:style>
+            <a:lnRef idx="2">
+              <a:schemeClr val="accent1">
+                <a:shade val="50000"/>
+              </a:schemeClr>
+            </a:lnRef>
+            <a:fillRef idx="1">
+              <a:schemeClr val="accent1"/>
+            </a:fillRef>
+            <a:effectRef idx="0">
+              <a:schemeClr val="accent1"/>
+            </a:effectRef>
+            <a:fontRef idx="minor">
+              <a:schemeClr val="lt1"/>
+            </a:fontRef>
+          </p:style>
+          <p:txBody>
+            <a:bodyPr rtlCol="0" anchor="ctr"/>
+            <a:lstStyle/>
+            <a:p>
+              <a:pPr algn="ctr"/>
+              <a:endParaRPr lang="en-US"/>
+            </a:p>
+          </p:txBody>
+        </p:sp>
+      </p:grpSp>
+      <p:sp>
+        <p:nvSpPr>
+          <p:cNvPr id="2" name="Title 1"/>
+          <p:cNvSpPr>
+            <a:spLocks noGrp="1"/>
+          </p:cNvSpPr>
+          <p:nvPr>
+            <p:ph type="title"/>
+          </p:nvPr>
+        </p:nvSpPr>
+        <p:spPr>
+          <a:xfrm>
+            <a:off x="413147" y="366639"/>
+            <a:ext cx="8317705" cy="675441"/>
+          </a:xfrm>
+        </p:spPr>
+        <p:txBody>
+          <a:bodyPr vert="horz" wrap="square" lIns="91440" tIns="45720" rIns="91440" bIns="45720" rtlCol="0" anchor="t">
+            <a:normAutofit/>
+          </a:bodyPr>
+          <a:lstStyle/>
+          <a:p>
+            <a:pPr algn="l" eaLnBrk="1" hangingPunct="1">
+              <a:lnSpc>
+                <a:spcPct val="90000"/>
+              </a:lnSpc>
+            </a:pPr>
+            <a:r>
+              <a:rPr lang="en-US" sz="3700" kern="1200">
+                <a:solidFill>
+                  <a:schemeClr val="tx1"/>
+                </a:solidFill>
+              </a:rPr>
+              <a:t>Terms, Concepts, Procedures</a:t>
+            </a:r>
+            <a:endParaRPr lang="en-US" sz="3700" kern="1200" dirty="0">
+              <a:solidFill>
+                <a:schemeClr val="tx1"/>
+              </a:solidFill>
+            </a:endParaRPr>
+          </a:p>
+        </p:txBody>
+      </p:sp>
+      <p:sp>
+        <p:nvSpPr>
+          <p:cNvPr id="3" name="Content Placeholder 2"/>
+          <p:cNvSpPr>
+            <a:spLocks noGrp="1"/>
+          </p:cNvSpPr>
+          <p:nvPr>
+            <p:ph idx="1"/>
+          </p:nvPr>
+        </p:nvSpPr>
+        <p:spPr>
+          <a:xfrm>
+            <a:off x="413147" y="1111187"/>
+            <a:ext cx="8317705" cy="643253"/>
+          </a:xfrm>
+        </p:spPr>
+        <p:txBody>
+          <a:bodyPr vert="horz" wrap="square" lIns="91440" tIns="45720" rIns="91440" bIns="45720" rtlCol="0" anchor="t">
+            <a:normAutofit/>
+          </a:bodyPr>
+          <a:lstStyle/>
+          <a:p>
+            <a:pPr marL="0" indent="0" eaLnBrk="1" hangingPunct="1">
+              <a:lnSpc>
+                <a:spcPct val="90000"/>
+              </a:lnSpc>
+              <a:spcBef>
+                <a:spcPts val="1000"/>
+              </a:spcBef>
+              <a:buNone/>
+            </a:pPr>
+            <a:r>
+              <a:rPr lang="en-US" sz="3500" kern="1200">
+                <a:solidFill>
+                  <a:schemeClr val="tx1">
+                    <a:alpha val="60000"/>
+                  </a:schemeClr>
+                </a:solidFill>
+              </a:rPr>
+              <a:t>Use lists</a:t>
+            </a:r>
+            <a:endParaRPr lang="en-US" sz="3500" kern="1200" dirty="0">
+              <a:solidFill>
+                <a:schemeClr val="tx1">
+                  <a:alpha val="60000"/>
+                </a:schemeClr>
+              </a:solidFill>
+            </a:endParaRPr>
+          </a:p>
+        </p:txBody>
+      </p:sp>
+      <p:sp>
+        <p:nvSpPr>
+          <p:cNvPr id="4" name="Footer Placeholder 3"/>
+          <p:cNvSpPr>
+            <a:spLocks noGrp="1"/>
+          </p:cNvSpPr>
+          <p:nvPr>
+            <p:ph type="ftr" sz="quarter" idx="11"/>
+          </p:nvPr>
+        </p:nvSpPr>
+        <p:spPr>
+          <a:xfrm>
+            <a:off x="413146" y="6307200"/>
+            <a:ext cx="8317706" cy="550800"/>
+          </a:xfrm>
+        </p:spPr>
+        <p:txBody>
+          <a:bodyPr vert="horz" lIns="91440" tIns="45720" rIns="91440" bIns="45720" rtlCol="0" anchor="ctr">
+            <a:normAutofit/>
+          </a:bodyPr>
+          <a:lstStyle/>
+          <a:p>
+            <a:pPr eaLnBrk="1" hangingPunct="1">
+              <a:spcAft>
+                <a:spcPts val="600"/>
+              </a:spcAft>
+            </a:pPr>
+            <a:r>
+              <a:rPr lang="en-US" sz="900" kern="1200">
+                <a:solidFill>
+                  <a:schemeClr val="tx1">
+                    <a:tint val="75000"/>
+                  </a:schemeClr>
+                </a:solidFill>
+                <a:latin typeface="+mn-lt"/>
+                <a:ea typeface="+mn-ea"/>
+                <a:cs typeface="+mn-cs"/>
+              </a:rPr>
+              <a:t>CSCI 373 Mike Heroux</a:t>
+            </a:r>
+          </a:p>
+        </p:txBody>
+      </p:sp>
+      <p:sp>
+        <p:nvSpPr>
+          <p:cNvPr id="5" name="Slide Number Placeholder 4"/>
+          <p:cNvSpPr>
+            <a:spLocks noGrp="1"/>
+          </p:cNvSpPr>
+          <p:nvPr>
+            <p:ph type="sldNum" sz="quarter" idx="12"/>
+          </p:nvPr>
+        </p:nvSpPr>
+        <p:spPr>
+          <a:xfrm rot="5400000">
+            <a:off x="6775226" y="3148837"/>
+            <a:ext cx="4326732" cy="550800"/>
+          </a:xfrm>
+        </p:spPr>
+        <p:txBody>
+          <a:bodyPr vert="horz" lIns="91440" tIns="45720" rIns="91440" bIns="45720" rtlCol="0" anchor="ctr">
+            <a:normAutofit/>
+          </a:bodyPr>
+          <a:lstStyle/>
+          <a:p>
+            <a:pPr algn="ctr" eaLnBrk="1" hangingPunct="1">
+              <a:spcAft>
+                <a:spcPts val="600"/>
+              </a:spcAft>
+            </a:pPr>
+            <a:fld id="{8889F5FB-2D0D-7848-BB6D-41089A488CF6}" type="slidenum">
+              <a:rPr lang="en-US" sz="900" smtClean="0">
+                <a:solidFill>
+                  <a:schemeClr val="tx1">
+                    <a:tint val="75000"/>
+                  </a:schemeClr>
+                </a:solidFill>
+                <a:latin typeface="+mn-lt"/>
+              </a:rPr>
+              <a:pPr algn="ctr" eaLnBrk="1" hangingPunct="1">
+                <a:spcAft>
+                  <a:spcPts val="600"/>
+                </a:spcAft>
+              </a:pPr>
+              <a:t>6</a:t>
+            </a:fld>
+            <a:endParaRPr lang="en-US" sz="900">
+              <a:solidFill>
+                <a:schemeClr val="tx1">
+                  <a:tint val="75000"/>
+                </a:schemeClr>
+              </a:solidFill>
+              <a:latin typeface="+mn-lt"/>
+            </a:endParaRPr>
+          </a:p>
+        </p:txBody>
+      </p:sp>
+      <p:pic>
+        <p:nvPicPr>
+          <p:cNvPr id="19" name="Picture 18">
+            <a:extLst>
+              <a:ext uri="{FF2B5EF4-FFF2-40B4-BE49-F238E27FC236}">
+                <a16:creationId xmlns:a16="http://schemas.microsoft.com/office/drawing/2014/main" id="{4B335A57-A6ED-2BD9-E23A-2D236305DF3F}"/>
+              </a:ext>
+            </a:extLst>
+          </p:cNvPr>
+          <p:cNvPicPr>
+            <a:picLocks noChangeAspect="1"/>
+          </p:cNvPicPr>
+          <p:nvPr/>
+        </p:nvPicPr>
+        <p:blipFill>
+          <a:blip r:embed="rId2"/>
+          <a:stretch>
+            <a:fillRect/>
+          </a:stretch>
+        </p:blipFill>
+        <p:spPr>
+          <a:xfrm>
+            <a:off x="5442484" y="1754439"/>
+            <a:ext cx="3525684" cy="4662631"/>
+          </a:xfrm>
+          <a:prstGeom prst="rect">
+            <a:avLst/>
+          </a:prstGeom>
+        </p:spPr>
+      </p:pic>
+      <p:pic>
+        <p:nvPicPr>
+          <p:cNvPr id="20" name="Picture 19">
+            <a:extLst>
+              <a:ext uri="{FF2B5EF4-FFF2-40B4-BE49-F238E27FC236}">
+                <a16:creationId xmlns:a16="http://schemas.microsoft.com/office/drawing/2014/main" id="{8ACAABA0-B92F-FE26-A0F5-4ADB999AAE8F}"/>
+              </a:ext>
+            </a:extLst>
+          </p:cNvPr>
+          <p:cNvPicPr>
+            <a:picLocks noChangeAspect="1"/>
+          </p:cNvPicPr>
+          <p:nvPr/>
+        </p:nvPicPr>
+        <p:blipFill>
+          <a:blip r:embed="rId3"/>
+          <a:stretch>
+            <a:fillRect/>
+          </a:stretch>
+        </p:blipFill>
+        <p:spPr>
+          <a:xfrm>
+            <a:off x="0" y="1761677"/>
+            <a:ext cx="5226042" cy="4545523"/>
+          </a:xfrm>
+          <a:prstGeom prst="rect">
+            <a:avLst/>
+          </a:prstGeom>
+        </p:spPr>
+      </p:pic>
+    </p:spTree>
+    <p:extLst>
+      <p:ext uri="{BB962C8B-B14F-4D97-AF65-F5344CB8AC3E}">
+        <p14:creationId xmlns:p14="http://schemas.microsoft.com/office/powerpoint/2010/main" val="1069487752"/>
+      </p:ext>
+    </p:extLst>
+  </p:cSld>
+  <p:clrMapOvr>
+    <a:masterClrMapping/>
+  </p:clrMapOvr>
+</p:sld>
+</file>
+
+<file path=ppt/slides/slide7.xml><?xml version="1.0" encoding="utf-8"?>
+<p:sld xmlns:a="http://schemas.openxmlformats.org/drawingml/2006/main" xmlns:r="http://schemas.openxmlformats.org/officeDocument/2006/relationships" xmlns:p="http://schemas.openxmlformats.org/presentationml/2006/main">
+  <p:cSld>
+    <p:spTree>
+      <p:nvGrpSpPr>
+        <p:cNvPr id="1" name=""/>
+        <p:cNvGrpSpPr/>
+        <p:nvPr/>
+      </p:nvGrpSpPr>
+      <p:grpSpPr>
+        <a:xfrm>
+          <a:off x="0" y="0"/>
+          <a:ext cx="0" cy="0"/>
+          <a:chOff x="0" y="0"/>
+          <a:chExt cx="0" cy="0"/>
+        </a:xfrm>
+      </p:grpSpPr>
+      <p:sp>
+        <p:nvSpPr>
+          <p:cNvPr id="2" name="Title 1"/>
+          <p:cNvSpPr>
+            <a:spLocks noGrp="1"/>
+          </p:cNvSpPr>
+          <p:nvPr>
+            <p:ph type="title"/>
+          </p:nvPr>
+        </p:nvSpPr>
+        <p:spPr/>
+        <p:txBody>
+          <a:bodyPr/>
+          <a:lstStyle/>
+          <a:p>
+            <a:r>
+              <a:rPr lang="en-US" dirty="0"/>
+              <a:t>Spacing using ~</a:t>
+            </a:r>
+          </a:p>
+        </p:txBody>
+      </p:sp>
+      <p:sp>
+        <p:nvSpPr>
+          <p:cNvPr id="3" name="Content Placeholder 2"/>
+          <p:cNvSpPr>
+            <a:spLocks noGrp="1"/>
+          </p:cNvSpPr>
+          <p:nvPr>
+            <p:ph idx="1"/>
+          </p:nvPr>
+        </p:nvSpPr>
+        <p:spPr/>
+        <p:txBody>
+          <a:bodyPr/>
+          <a:lstStyle/>
+          <a:p>
+            <a:pPr marL="0" indent="0">
+              <a:buNone/>
+            </a:pPr>
+            <a:r>
+              <a:rPr lang="en-US" dirty="0"/>
+              <a:t>Use ~:</a:t>
+            </a:r>
+          </a:p>
+          <a:p>
+            <a:r>
+              <a:rPr lang="en-US" dirty="0"/>
+              <a:t>In Smith and Jones~\cite{2014SmithJones}, we see that …</a:t>
+            </a:r>
+          </a:p>
+          <a:p>
+            <a:r>
+              <a:rPr lang="en-US" dirty="0"/>
+              <a:t>In Section~\ref{intro}, …</a:t>
+            </a:r>
+          </a:p>
+          <a:p>
+            <a:r>
+              <a:rPr lang="en-US" dirty="0"/>
+              <a:t>In Figure~\ref{fig1}, …</a:t>
+            </a:r>
+          </a:p>
+        </p:txBody>
+      </p:sp>
+      <p:sp>
+        <p:nvSpPr>
+          <p:cNvPr id="4" name="Footer Placeholder 3"/>
+          <p:cNvSpPr>
+            <a:spLocks noGrp="1"/>
+          </p:cNvSpPr>
+          <p:nvPr>
+            <p:ph type="ftr" sz="quarter" idx="11"/>
+          </p:nvPr>
+        </p:nvSpPr>
+        <p:spPr/>
+        <p:txBody>
+          <a:bodyPr/>
+          <a:lstStyle/>
+          <a:p>
+            <a:r>
+              <a:rPr lang="en-US"/>
+              <a:t>CSCI 373 Mike Heroux</a:t>
+            </a:r>
+            <a:endParaRPr lang="en-US" dirty="0"/>
+          </a:p>
+        </p:txBody>
+      </p:sp>
+      <p:sp>
+        <p:nvSpPr>
+          <p:cNvPr id="5" name="Slide Number Placeholder 4"/>
+          <p:cNvSpPr>
+            <a:spLocks noGrp="1"/>
+          </p:cNvSpPr>
+          <p:nvPr>
+            <p:ph type="sldNum" sz="quarter" idx="12"/>
+          </p:nvPr>
+        </p:nvSpPr>
+        <p:spPr/>
+        <p:txBody>
+          <a:bodyPr/>
+          <a:lstStyle/>
+          <a:p>
+            <a:fld id="{8889F5FB-2D0D-7848-BB6D-41089A488CF6}" type="slidenum">
+              <a:rPr lang="en-US" smtClean="0"/>
+              <a:pPr/>
+              <a:t>7</a:t>
+            </a:fld>
+            <a:endParaRPr lang="en-US"/>
+          </a:p>
+        </p:txBody>
+      </p:sp>
+    </p:spTree>
+    <p:extLst>
+      <p:ext uri="{BB962C8B-B14F-4D97-AF65-F5344CB8AC3E}">
+        <p14:creationId xmlns:p14="http://schemas.microsoft.com/office/powerpoint/2010/main" val="3666137103"/>
+      </p:ext>
+    </p:extLst>
+  </p:cSld>
+  <p:clrMapOvr>
+    <a:masterClrMapping/>
+  </p:clrMapOvr>
+</p:sld>
+</file>
+
+<file path=ppt/slides/slide8.xml><?xml version="1.0" encoding="utf-8"?>
+<p:sld xmlns:a="http://schemas.openxmlformats.org/drawingml/2006/main" xmlns:r="http://schemas.openxmlformats.org/officeDocument/2006/relationships" xmlns:p="http://schemas.openxmlformats.org/presentationml/2006/main">
+  <p:cSld>
+    <p:spTree>
+      <p:nvGrpSpPr>
+        <p:cNvPr id="1" name=""/>
+        <p:cNvGrpSpPr/>
+        <p:nvPr/>
+      </p:nvGrpSpPr>
+      <p:grpSpPr>
+        <a:xfrm>
+          <a:off x="0" y="0"/>
+          <a:ext cx="0" cy="0"/>
+          <a:chOff x="0" y="0"/>
+          <a:chExt cx="0" cy="0"/>
+        </a:xfrm>
+      </p:grpSpPr>
+      <p:sp>
+        <p:nvSpPr>
+          <p:cNvPr id="2" name="Title 1"/>
+          <p:cNvSpPr>
+            <a:spLocks noGrp="1"/>
+          </p:cNvSpPr>
+          <p:nvPr>
+            <p:ph type="title"/>
+          </p:nvPr>
+        </p:nvSpPr>
+        <p:spPr/>
+        <p:txBody>
+          <a:bodyPr/>
+          <a:lstStyle/>
+          <a:p>
+            <a:r>
+              <a:rPr lang="en-US" dirty="0"/>
+              <a:t>Figures</a:t>
+            </a:r>
+          </a:p>
+        </p:txBody>
+      </p:sp>
+      <p:sp>
+        <p:nvSpPr>
+          <p:cNvPr id="3" name="Content Placeholder 2"/>
+          <p:cNvSpPr>
+            <a:spLocks noGrp="1"/>
+          </p:cNvSpPr>
+          <p:nvPr>
+            <p:ph idx="1"/>
+          </p:nvPr>
+        </p:nvSpPr>
+        <p:spPr>
+          <a:xfrm>
+            <a:off x="202481" y="1441295"/>
+            <a:ext cx="4572000" cy="4648200"/>
+          </a:xfrm>
+        </p:spPr>
+        <p:txBody>
+          <a:bodyPr/>
+          <a:lstStyle/>
+          <a:p>
+            <a:pPr marL="0" indent="0">
+              <a:buNone/>
+            </a:pPr>
+            <a:r>
+              <a:rPr lang="en-US" dirty="0"/>
+              <a:t>Figures:</a:t>
+            </a:r>
+          </a:p>
+          <a:p>
+            <a:r>
+              <a:rPr lang="en-US" dirty="0"/>
+              <a:t>Graphs: </a:t>
+            </a:r>
+          </a:p>
+          <a:p>
+            <a:pPr lvl="1"/>
+            <a:r>
+              <a:rPr lang="en-US" dirty="0"/>
+              <a:t>Clearly label units, legend, title</a:t>
+            </a:r>
+          </a:p>
+          <a:p>
+            <a:r>
+              <a:rPr lang="en-US" dirty="0"/>
+              <a:t>Captions: </a:t>
+            </a:r>
+          </a:p>
+          <a:p>
+            <a:pPr lvl="1"/>
+            <a:r>
+              <a:rPr lang="en-US" dirty="0"/>
+              <a:t>Explain the figure in summary</a:t>
+            </a:r>
+          </a:p>
+          <a:p>
+            <a:pPr lvl="1"/>
+            <a:r>
+              <a:rPr lang="en-US" dirty="0"/>
+              <a:t>2-3 sentences that tell the story of the figure</a:t>
+            </a:r>
+          </a:p>
+        </p:txBody>
+      </p:sp>
+      <p:sp>
+        <p:nvSpPr>
+          <p:cNvPr id="4" name="Footer Placeholder 3"/>
+          <p:cNvSpPr>
+            <a:spLocks noGrp="1"/>
+          </p:cNvSpPr>
+          <p:nvPr>
+            <p:ph type="ftr" sz="quarter" idx="11"/>
+          </p:nvPr>
+        </p:nvSpPr>
+        <p:spPr/>
+        <p:txBody>
+          <a:bodyPr/>
+          <a:lstStyle/>
+          <a:p>
+            <a:r>
+              <a:rPr lang="en-US"/>
+              <a:t>CSCI 373 Mike Heroux</a:t>
+            </a:r>
+            <a:endParaRPr lang="en-US" dirty="0"/>
+          </a:p>
+        </p:txBody>
+      </p:sp>
+      <p:sp>
+        <p:nvSpPr>
+          <p:cNvPr id="5" name="Slide Number Placeholder 4"/>
+          <p:cNvSpPr>
+            <a:spLocks noGrp="1"/>
+          </p:cNvSpPr>
+          <p:nvPr>
+            <p:ph type="sldNum" sz="quarter" idx="12"/>
+          </p:nvPr>
+        </p:nvSpPr>
+        <p:spPr/>
+        <p:txBody>
+          <a:bodyPr/>
+          <a:lstStyle/>
+          <a:p>
+            <a:fld id="{8889F5FB-2D0D-7848-BB6D-41089A488CF6}" type="slidenum">
+              <a:rPr lang="en-US" smtClean="0"/>
+              <a:pPr/>
+              <a:t>8</a:t>
+            </a:fld>
+            <a:endParaRPr lang="en-US" dirty="0"/>
+          </a:p>
+        </p:txBody>
+      </p:sp>
+      <p:pic>
+        <p:nvPicPr>
+          <p:cNvPr id="7" name="Picture 6">
+            <a:extLst>
+              <a:ext uri="{FF2B5EF4-FFF2-40B4-BE49-F238E27FC236}">
+                <a16:creationId xmlns:a16="http://schemas.microsoft.com/office/drawing/2014/main" id="{F217EC3A-5194-6E8C-7C02-6EEB90A56371}"/>
+              </a:ext>
+            </a:extLst>
+          </p:cNvPr>
+          <p:cNvPicPr>
+            <a:picLocks noChangeAspect="1"/>
+          </p:cNvPicPr>
+          <p:nvPr/>
+        </p:nvPicPr>
+        <p:blipFill>
+          <a:blip r:embed="rId2"/>
+          <a:stretch>
+            <a:fillRect/>
+          </a:stretch>
+        </p:blipFill>
+        <p:spPr>
+          <a:xfrm>
+            <a:off x="4735830" y="1282390"/>
+            <a:ext cx="4381500" cy="3162300"/>
+          </a:xfrm>
+          <a:prstGeom prst="rect">
+            <a:avLst/>
+          </a:prstGeom>
+        </p:spPr>
+      </p:pic>
+      <p:sp>
+        <p:nvSpPr>
+          <p:cNvPr id="8" name="Rectangle 7">
+            <a:extLst>
+              <a:ext uri="{FF2B5EF4-FFF2-40B4-BE49-F238E27FC236}">
+                <a16:creationId xmlns:a16="http://schemas.microsoft.com/office/drawing/2014/main" id="{3745EB92-ECB5-3BA2-3346-0A76E3149469}"/>
+              </a:ext>
+            </a:extLst>
+          </p:cNvPr>
+          <p:cNvSpPr/>
+          <p:nvPr/>
+        </p:nvSpPr>
+        <p:spPr bwMode="auto">
+          <a:xfrm>
+            <a:off x="6743700" y="2565244"/>
+            <a:ext cx="2373630" cy="863755"/>
+          </a:xfrm>
+          <a:prstGeom prst="rect">
+            <a:avLst/>
+          </a:prstGeom>
+          <a:solidFill>
+            <a:schemeClr val="accent1">
+              <a:alpha val="32944"/>
+            </a:schemeClr>
+          </a:solidFill>
+          <a:ln w="9525" cap="flat" cmpd="sng" algn="ctr">
+            <a:solidFill>
+              <a:schemeClr val="tx1"/>
+            </a:solidFill>
+            <a:prstDash val="solid"/>
+            <a:round/>
+            <a:headEnd type="none" w="med" len="med"/>
+            <a:tailEnd type="none" w="med" len="med"/>
+          </a:ln>
+          <a:effectLst/>
+        </p:spPr>
+        <p:txBody>
+          <a:bodyPr vert="horz" wrap="none" lIns="91440" tIns="45720" rIns="91440" bIns="45720" numCol="1" rtlCol="0" anchor="t" anchorCtr="0" compatLnSpc="1">
+            <a:prstTxWarp prst="textNoShape">
+              <a:avLst/>
+            </a:prstTxWarp>
+          </a:bodyPr>
+          <a:lstStyle/>
+          <a:p>
+            <a:pPr marL="0" marR="0" indent="0" algn="l" defTabSz="914400" rtl="0" eaLnBrk="0" fontAlgn="base" latinLnBrk="0" hangingPunct="0">
+              <a:lnSpc>
+                <a:spcPct val="100000"/>
+              </a:lnSpc>
+              <a:spcBef>
+                <a:spcPct val="0"/>
+              </a:spcBef>
+              <a:spcAft>
+                <a:spcPct val="0"/>
+              </a:spcAft>
+              <a:buClrTx/>
+              <a:buSzTx/>
+              <a:buFontTx/>
+              <a:buNone/>
+              <a:tabLst/>
+            </a:pPr>
+            <a:endParaRPr kumimoji="0" lang="en-US" sz="2400" b="0" i="0" u="none" strike="noStrike" cap="none" normalizeH="0" baseline="0" dirty="0">
+              <a:ln>
+                <a:noFill/>
+              </a:ln>
+              <a:solidFill>
+                <a:schemeClr val="tx1"/>
+              </a:solidFill>
+              <a:effectLst/>
+              <a:latin typeface="Times New Roman" pitchFamily="-111" charset="0"/>
+            </a:endParaRPr>
+          </a:p>
+        </p:txBody>
+      </p:sp>
+    </p:spTree>
+    <p:extLst>
+      <p:ext uri="{BB962C8B-B14F-4D97-AF65-F5344CB8AC3E}">
+        <p14:creationId xmlns:p14="http://schemas.microsoft.com/office/powerpoint/2010/main" val="3259667042"/>
+      </p:ext>
+    </p:extLst>
+  </p:cSld>
+  <p:clrMapOvr>
+    <a:masterClrMapping/>
+  </p:clrMapOvr>
+</p:sld>
+</file>
+
 <file path=ppt/slides/slide9.xml><?xml version="1.0" encoding="utf-8"?>
 <p:sld xmlns:a="http://schemas.openxmlformats.org/drawingml/2006/main" xmlns:r="http://schemas.openxmlformats.org/officeDocument/2006/relationships" xmlns:p="http://schemas.openxmlformats.org/presentationml/2006/main">
   <p:cSld>
@@ -7391,13 +7705,7 @@
       </p:grpSpPr>
       <p:sp>
         <p:nvSpPr>
-          <p:cNvPr id="2" name="Title 1">
-            <a:extLst>
-              <a:ext uri="{FF2B5EF4-FFF2-40B4-BE49-F238E27FC236}">
-                <a16:creationId xmlns:a16="http://schemas.microsoft.com/office/drawing/2014/main" id="{879EB310-097E-4B4D-B1E1-1778CBCE2115}"/>
-              </a:ext>
-            </a:extLst>
-          </p:cNvPr>
+          <p:cNvPr id="2" name="Title 1"/>
           <p:cNvSpPr>
             <a:spLocks noGrp="1"/>
           </p:cNvSpPr>
@@ -7412,62 +7720,61 @@
           <a:p>
             <a:r>
               <a:rPr lang="en-US" dirty="0"/>
-              <a:t>Put Details on Slides</a:t>
-            </a:r>
-          </a:p>
-        </p:txBody>
-      </p:sp>
-      <p:pic>
-        <p:nvPicPr>
-          <p:cNvPr id="7" name="Content Placeholder 6" descr="A screenshot of a cell phone&#10;&#10;Description automatically generated">
-            <a:extLst>
-              <a:ext uri="{FF2B5EF4-FFF2-40B4-BE49-F238E27FC236}">
-                <a16:creationId xmlns:a16="http://schemas.microsoft.com/office/drawing/2014/main" id="{B7E4C58D-7D87-DC4C-836A-9338F9F498A8}"/>
-              </a:ext>
-            </a:extLst>
-          </p:cNvPr>
-          <p:cNvPicPr>
-            <a:picLocks noGrp="1" noChangeAspect="1"/>
-          </p:cNvPicPr>
+              <a:t>Wide figures</a:t>
+            </a:r>
+          </a:p>
+        </p:txBody>
+      </p:sp>
+      <p:sp>
+        <p:nvSpPr>
+          <p:cNvPr id="3" name="Content Placeholder 2"/>
+          <p:cNvSpPr>
+            <a:spLocks noGrp="1"/>
+          </p:cNvSpPr>
           <p:nvPr>
             <p:ph idx="1"/>
           </p:nvPr>
-        </p:nvPicPr>
-        <p:blipFill>
-          <a:blip r:embed="rId2"/>
-          <a:stretch>
-            <a:fillRect/>
-          </a:stretch>
-        </p:blipFill>
+        </p:nvSpPr>
         <p:spPr>
           <a:xfrm>
-            <a:off x="685800" y="1762466"/>
-            <a:ext cx="7772400" cy="4018867"/>
+            <a:off x="202481" y="1441295"/>
+            <a:ext cx="4572000" cy="4648200"/>
           </a:xfrm>
         </p:spPr>
-      </p:pic>
-      <p:sp>
-        <p:nvSpPr>
-          <p:cNvPr id="4" name="Footer Placeholder 3">
-            <a:extLst>
-              <a:ext uri="{FF2B5EF4-FFF2-40B4-BE49-F238E27FC236}">
-                <a16:creationId xmlns:a16="http://schemas.microsoft.com/office/drawing/2014/main" id="{A65B1DE0-2DDD-8B42-9AE2-298C4F9B3EF9}"/>
-              </a:ext>
-            </a:extLst>
-          </p:cNvPr>
-          <p:cNvSpPr>
-            <a:spLocks noGrp="1"/>
-          </p:cNvSpPr>
-          <p:nvPr>
-            <p:ph type="ftr" sz="quarter" idx="11"/>
-          </p:nvPr>
-        </p:nvSpPr>
-        <p:spPr/>
         <p:txBody>
           <a:bodyPr/>
           <a:lstStyle/>
           <a:p>
             <a:r>
+              <a:rPr lang="en-US" dirty="0"/>
+              <a:t>Spreading a figure across two columns</a:t>
+            </a:r>
+          </a:p>
+          <a:p>
+            <a:pPr lvl="1"/>
+            <a:r>
+              <a:rPr lang="en-US" dirty="0"/>
+              <a:t>Use figure*</a:t>
+            </a:r>
+          </a:p>
+        </p:txBody>
+      </p:sp>
+      <p:sp>
+        <p:nvSpPr>
+          <p:cNvPr id="4" name="Footer Placeholder 3"/>
+          <p:cNvSpPr>
+            <a:spLocks noGrp="1"/>
+          </p:cNvSpPr>
+          <p:nvPr>
+            <p:ph type="ftr" sz="quarter" idx="11"/>
+          </p:nvPr>
+        </p:nvSpPr>
+        <p:spPr/>
+        <p:txBody>
+          <a:bodyPr/>
+          <a:lstStyle/>
+          <a:p>
+            <a:r>
               <a:rPr lang="en-US"/>
               <a:t>CSCI 373 Mike Heroux</a:t>
             </a:r>
@@ -7477,13 +7784,7 @@
       </p:sp>
       <p:sp>
         <p:nvSpPr>
-          <p:cNvPr id="5" name="Slide Number Placeholder 4">
-            <a:extLst>
-              <a:ext uri="{FF2B5EF4-FFF2-40B4-BE49-F238E27FC236}">
-                <a16:creationId xmlns:a16="http://schemas.microsoft.com/office/drawing/2014/main" id="{B6BBBB3D-6A08-0C45-B256-883C4E87F663}"/>
-              </a:ext>
-            </a:extLst>
-          </p:cNvPr>
+          <p:cNvPr id="5" name="Slide Number Placeholder 4"/>
           <p:cNvSpPr>
             <a:spLocks noGrp="1"/>
           </p:cNvSpPr>
@@ -7501,31 +7802,30 @@
               <a:pPr/>
               <a:t>9</a:t>
             </a:fld>
-            <a:endParaRPr lang="en-US"/>
-          </a:p>
-        </p:txBody>
-      </p:sp>
-      <p:sp>
-        <p:nvSpPr>
-          <p:cNvPr id="8" name="TextBox 7">
-            <a:extLst>
-              <a:ext uri="{FF2B5EF4-FFF2-40B4-BE49-F238E27FC236}">
-                <a16:creationId xmlns:a16="http://schemas.microsoft.com/office/drawing/2014/main" id="{D9EC2AFC-5A0A-1541-8CF5-CF2C24C0B111}"/>
-              </a:ext>
-            </a:extLst>
-          </p:cNvPr>
+            <a:endParaRPr lang="en-US" dirty="0"/>
+          </a:p>
+        </p:txBody>
+      </p:sp>
+      <p:sp>
+        <p:nvSpPr>
+          <p:cNvPr id="6" name="TextBox 5"/>
           <p:cNvSpPr txBox="1"/>
           <p:nvPr/>
         </p:nvSpPr>
         <p:spPr>
           <a:xfrm>
-            <a:off x="762000" y="1300801"/>
-            <a:ext cx="6309741" cy="461665"/>
+            <a:off x="5029200" y="1530505"/>
+            <a:ext cx="3720890" cy="4278094"/>
           </a:xfrm>
           <a:prstGeom prst="rect">
             <a:avLst/>
           </a:prstGeom>
           <a:noFill/>
+          <a:ln>
+            <a:solidFill>
+              <a:schemeClr val="accent1"/>
+            </a:solidFill>
+          </a:ln>
         </p:spPr>
         <p:txBody>
           <a:bodyPr wrap="none" rtlCol="0">
@@ -7534,16 +7834,259 @@
           <a:lstStyle/>
           <a:p>
             <a:r>
-              <a:rPr lang="en-US" dirty="0"/>
-              <a:t>DOE Oak Ridge Exascale System Frontier Specs.</a:t>
-            </a:r>
+              <a:rPr lang="en-US" sz="1600" dirty="0"/>
+              <a:t>To spread a figure across two columns:</a:t>
+            </a:r>
+          </a:p>
+          <a:p>
+            <a:endParaRPr lang="en-US" sz="1600" dirty="0"/>
+          </a:p>
+          <a:p>
+            <a:r>
+              <a:rPr lang="en-US" sz="1600" dirty="0"/>
+              <a:t>Use the figure* environment. So instead of</a:t>
+            </a:r>
+          </a:p>
+          <a:p>
+            <a:endParaRPr lang="en-US" sz="1600" dirty="0"/>
+          </a:p>
+          <a:p>
+            <a:r>
+              <a:rPr lang="en-US" sz="1600" b="1" dirty="0"/>
+              <a:t>\begin{figure}[</a:t>
+            </a:r>
+            <a:r>
+              <a:rPr lang="en-US" sz="1600" b="1" dirty="0" err="1"/>
+              <a:t>ht</a:t>
+            </a:r>
+            <a:r>
+              <a:rPr lang="en-US" sz="1600" b="1" dirty="0"/>
+              <a:t>]</a:t>
+            </a:r>
+          </a:p>
+          <a:p>
+            <a:r>
+              <a:rPr lang="en-US" sz="1600" b="1" dirty="0"/>
+              <a:t>\centering</a:t>
+            </a:r>
+          </a:p>
+          <a:p>
+            <a:r>
+              <a:rPr lang="en-US" sz="1600" b="1" dirty="0"/>
+              <a:t>...</a:t>
+            </a:r>
+          </a:p>
+          <a:p>
+            <a:r>
+              <a:rPr lang="en-US" sz="1600" b="1" dirty="0"/>
+              <a:t>\end{figure}</a:t>
+            </a:r>
+          </a:p>
+          <a:p>
+            <a:endParaRPr lang="en-US" sz="1600" dirty="0"/>
+          </a:p>
+          <a:p>
+            <a:r>
+              <a:rPr lang="en-US" sz="1600" dirty="0"/>
+              <a:t>you should use</a:t>
+            </a:r>
+          </a:p>
+          <a:p>
+            <a:endParaRPr lang="en-US" sz="1600" dirty="0"/>
+          </a:p>
+          <a:p>
+            <a:r>
+              <a:rPr lang="en-US" sz="1600" b="1" dirty="0"/>
+              <a:t>\begin{figure*}[</a:t>
+            </a:r>
+            <a:r>
+              <a:rPr lang="en-US" sz="1600" b="1" dirty="0" err="1"/>
+              <a:t>ht</a:t>
+            </a:r>
+            <a:r>
+              <a:rPr lang="en-US" sz="1600" b="1" dirty="0"/>
+              <a:t>]</a:t>
+            </a:r>
+          </a:p>
+          <a:p>
+            <a:r>
+              <a:rPr lang="en-US" sz="1600" b="1" dirty="0"/>
+              <a:t>\centering</a:t>
+            </a:r>
+          </a:p>
+          <a:p>
+            <a:r>
+              <a:rPr lang="en-US" sz="1600" b="1" dirty="0"/>
+              <a:t>...</a:t>
+            </a:r>
+          </a:p>
+          <a:p>
+            <a:r>
+              <a:rPr lang="en-US" sz="1600" b="1" dirty="0"/>
+              <a:t>\end{figure*}</a:t>
+            </a:r>
+          </a:p>
+          <a:p>
+            <a:endParaRPr lang="en-US" sz="1600" b="1" dirty="0"/>
+          </a:p>
+          <a:p>
+            <a:r>
+              <a:rPr lang="en-US" sz="1600" dirty="0"/>
+              <a:t>This also works for tables (i.e. table*).</a:t>
+            </a:r>
+          </a:p>
+        </p:txBody>
+      </p:sp>
+      <p:sp>
+        <p:nvSpPr>
+          <p:cNvPr id="7" name="Rectangle 6">
+            <a:extLst>
+              <a:ext uri="{FF2B5EF4-FFF2-40B4-BE49-F238E27FC236}">
+                <a16:creationId xmlns:a16="http://schemas.microsoft.com/office/drawing/2014/main" id="{10068E44-D3B4-FFF4-7750-E013FFFF2A5C}"/>
+              </a:ext>
+            </a:extLst>
+          </p:cNvPr>
+          <p:cNvSpPr/>
+          <p:nvPr/>
+        </p:nvSpPr>
+        <p:spPr bwMode="auto">
+          <a:xfrm>
+            <a:off x="5638800" y="4267200"/>
+            <a:ext cx="762000" cy="228600"/>
+          </a:xfrm>
+          <a:prstGeom prst="rect">
+            <a:avLst/>
+          </a:prstGeom>
+          <a:solidFill>
+            <a:schemeClr val="accent1">
+              <a:alpha val="32944"/>
+            </a:schemeClr>
+          </a:solidFill>
+          <a:ln w="9525" cap="flat" cmpd="sng" algn="ctr">
+            <a:solidFill>
+              <a:schemeClr val="tx1"/>
+            </a:solidFill>
+            <a:prstDash val="solid"/>
+            <a:round/>
+            <a:headEnd type="none" w="med" len="med"/>
+            <a:tailEnd type="none" w="med" len="med"/>
+          </a:ln>
+          <a:effectLst/>
+        </p:spPr>
+        <p:txBody>
+          <a:bodyPr vert="horz" wrap="none" lIns="91440" tIns="45720" rIns="91440" bIns="45720" numCol="1" rtlCol="0" anchor="t" anchorCtr="0" compatLnSpc="1">
+            <a:prstTxWarp prst="textNoShape">
+              <a:avLst/>
+            </a:prstTxWarp>
+          </a:bodyPr>
+          <a:lstStyle/>
+          <a:p>
+            <a:pPr marL="0" marR="0" indent="0" algn="l" defTabSz="914400" rtl="0" eaLnBrk="0" fontAlgn="base" latinLnBrk="0" hangingPunct="0">
+              <a:lnSpc>
+                <a:spcPct val="100000"/>
+              </a:lnSpc>
+              <a:spcBef>
+                <a:spcPct val="0"/>
+              </a:spcBef>
+              <a:spcAft>
+                <a:spcPct val="0"/>
+              </a:spcAft>
+              <a:buClrTx/>
+              <a:buSzTx/>
+              <a:buFontTx/>
+              <a:buNone/>
+              <a:tabLst/>
+            </a:pPr>
+            <a:endParaRPr kumimoji="0" lang="en-US" sz="2400" b="0" i="0" u="none" strike="noStrike" cap="none" normalizeH="0" baseline="0" dirty="0">
+              <a:ln>
+                <a:noFill/>
+              </a:ln>
+              <a:solidFill>
+                <a:schemeClr val="tx1"/>
+              </a:solidFill>
+              <a:effectLst/>
+              <a:latin typeface="Times New Roman" pitchFamily="-111" charset="0"/>
+            </a:endParaRPr>
+          </a:p>
+        </p:txBody>
+      </p:sp>
+      <p:sp>
+        <p:nvSpPr>
+          <p:cNvPr id="8" name="Rectangle 7">
+            <a:extLst>
+              <a:ext uri="{FF2B5EF4-FFF2-40B4-BE49-F238E27FC236}">
+                <a16:creationId xmlns:a16="http://schemas.microsoft.com/office/drawing/2014/main" id="{8A7E59C7-8DCD-C4DC-9902-866EC29E83FB}"/>
+              </a:ext>
+            </a:extLst>
+          </p:cNvPr>
+          <p:cNvSpPr/>
+          <p:nvPr/>
+        </p:nvSpPr>
+        <p:spPr bwMode="auto">
+          <a:xfrm>
+            <a:off x="5486400" y="5037899"/>
+            <a:ext cx="762000" cy="228600"/>
+          </a:xfrm>
+          <a:prstGeom prst="rect">
+            <a:avLst/>
+          </a:prstGeom>
+          <a:solidFill>
+            <a:schemeClr val="accent1">
+              <a:alpha val="32944"/>
+            </a:schemeClr>
+          </a:solidFill>
+          <a:ln w="9525" cap="flat" cmpd="sng" algn="ctr">
+            <a:solidFill>
+              <a:schemeClr val="tx1"/>
+            </a:solidFill>
+            <a:prstDash val="solid"/>
+            <a:round/>
+            <a:headEnd type="none" w="med" len="med"/>
+            <a:tailEnd type="none" w="med" len="med"/>
+          </a:ln>
+          <a:effectLst/>
+        </p:spPr>
+        <p:txBody>
+          <a:bodyPr vert="horz" wrap="none" lIns="91440" tIns="45720" rIns="91440" bIns="45720" numCol="1" rtlCol="0" anchor="t" anchorCtr="0" compatLnSpc="1">
+            <a:prstTxWarp prst="textNoShape">
+              <a:avLst/>
+            </a:prstTxWarp>
+          </a:bodyPr>
+          <a:lstStyle/>
+          <a:p>
+            <a:pPr marL="0" marR="0" indent="0" algn="l" defTabSz="914400" rtl="0" eaLnBrk="0" fontAlgn="base" latinLnBrk="0" hangingPunct="0">
+              <a:lnSpc>
+                <a:spcPct val="100000"/>
+              </a:lnSpc>
+              <a:spcBef>
+                <a:spcPct val="0"/>
+              </a:spcBef>
+              <a:spcAft>
+                <a:spcPct val="0"/>
+              </a:spcAft>
+              <a:buClrTx/>
+              <a:buSzTx/>
+              <a:buFontTx/>
+              <a:buNone/>
+              <a:tabLst/>
+            </a:pPr>
+            <a:endParaRPr kumimoji="0" lang="en-US" sz="2400" b="0" i="0" u="none" strike="noStrike" cap="none" normalizeH="0" baseline="0" dirty="0">
+              <a:ln>
+                <a:noFill/>
+              </a:ln>
+              <a:solidFill>
+                <a:schemeClr val="tx1"/>
+              </a:solidFill>
+              <a:effectLst/>
+              <a:latin typeface="Times New Roman" pitchFamily="-111" charset="0"/>
+            </a:endParaRPr>
           </a:p>
         </p:txBody>
       </p:sp>
     </p:spTree>
     <p:extLst>
       <p:ext uri="{BB962C8B-B14F-4D97-AF65-F5344CB8AC3E}">
-        <p14:creationId xmlns:p14="http://schemas.microsoft.com/office/powerpoint/2010/main" val="1430959156"/>
+        <p14:creationId xmlns:p14="http://schemas.microsoft.com/office/powerpoint/2010/main" val="3770037993"/>
       </p:ext>
     </p:extLst>
   </p:cSld>

--- a/files/CS373/TechWritingSpeaking2.0.pptx
+++ b/files/CS373/TechWritingSpeaking2.0.pptx
@@ -6464,8 +6464,8 @@
         </p:nvSpPr>
         <p:spPr bwMode="auto">
           <a:xfrm>
-            <a:off x="3276600" y="4953000"/>
-            <a:ext cx="762000" cy="228600"/>
+            <a:off x="3247584" y="4991100"/>
+            <a:ext cx="762000" cy="114300"/>
           </a:xfrm>
           <a:prstGeom prst="rect">
             <a:avLst/>
@@ -6537,8 +6537,8 @@
         </p:nvSpPr>
         <p:spPr bwMode="auto">
           <a:xfrm>
-            <a:off x="599066" y="4271275"/>
-            <a:ext cx="762000" cy="228600"/>
+            <a:off x="609600" y="4283485"/>
+            <a:ext cx="533400" cy="148325"/>
           </a:xfrm>
           <a:prstGeom prst="rect">
             <a:avLst/>
@@ -6611,7 +6611,7 @@
         <p:spPr bwMode="auto">
           <a:xfrm>
             <a:off x="6500756" y="3962400"/>
-            <a:ext cx="762000" cy="228600"/>
+            <a:ext cx="509644" cy="152400"/>
           </a:xfrm>
           <a:prstGeom prst="rect">
             <a:avLst/>
@@ -6683,8 +6683,8 @@
         </p:nvSpPr>
         <p:spPr bwMode="auto">
           <a:xfrm>
-            <a:off x="5334000" y="4800600"/>
-            <a:ext cx="762000" cy="228600"/>
+            <a:off x="5410200" y="4876800"/>
+            <a:ext cx="609600" cy="114300"/>
           </a:xfrm>
           <a:prstGeom prst="rect">
             <a:avLst/>
@@ -7472,7 +7472,7 @@
         </p:nvSpPr>
         <p:spPr>
           <a:xfrm>
-            <a:off x="202481" y="1441295"/>
+            <a:off x="47873" y="1282390"/>
             <a:ext cx="4572000" cy="4648200"/>
           </a:xfrm>
         </p:spPr>
@@ -7484,40 +7484,40 @@
               <a:buNone/>
             </a:pPr>
             <a:r>
-              <a:rPr lang="en-US" dirty="0"/>
+              <a:rPr lang="en-US" sz="2800" dirty="0"/>
               <a:t>Figures:</a:t>
             </a:r>
           </a:p>
           <a:p>
             <a:r>
-              <a:rPr lang="en-US" dirty="0"/>
+              <a:rPr lang="en-US" sz="2800" dirty="0"/>
               <a:t>Graphs: </a:t>
             </a:r>
           </a:p>
           <a:p>
             <a:pPr lvl="1"/>
             <a:r>
-              <a:rPr lang="en-US" dirty="0"/>
+              <a:rPr lang="en-US" sz="2400" dirty="0"/>
               <a:t>Clearly label units, legend, title</a:t>
             </a:r>
           </a:p>
           <a:p>
             <a:r>
-              <a:rPr lang="en-US" dirty="0"/>
+              <a:rPr lang="en-US" sz="2800" dirty="0"/>
               <a:t>Captions: </a:t>
             </a:r>
           </a:p>
           <a:p>
             <a:pPr lvl="1"/>
             <a:r>
-              <a:rPr lang="en-US" dirty="0"/>
+              <a:rPr lang="en-US" sz="2400" dirty="0"/>
               <a:t>Explain the figure in summary</a:t>
             </a:r>
           </a:p>
           <a:p>
             <a:pPr lvl="1"/>
             <a:r>
-              <a:rPr lang="en-US" dirty="0"/>
+              <a:rPr lang="en-US" sz="2400" dirty="0"/>
               <a:t>2-3 sentences that tell the story of the figure</a:t>
             </a:r>
           </a:p>
@@ -7673,6 +7673,125 @@
           </a:p>
         </p:txBody>
       </p:sp>
+      <p:sp>
+        <p:nvSpPr>
+          <p:cNvPr id="6" name="TextBox 5">
+            <a:extLst>
+              <a:ext uri="{FF2B5EF4-FFF2-40B4-BE49-F238E27FC236}">
+                <a16:creationId xmlns:a16="http://schemas.microsoft.com/office/drawing/2014/main" id="{C96E51CE-70AD-D6E1-7296-9B6626306C43}"/>
+              </a:ext>
+            </a:extLst>
+          </p:cNvPr>
+          <p:cNvSpPr txBox="1"/>
+          <p:nvPr/>
+        </p:nvSpPr>
+        <p:spPr>
+          <a:xfrm>
+            <a:off x="4194221" y="4494074"/>
+            <a:ext cx="4891083" cy="1754326"/>
+          </a:xfrm>
+          <a:prstGeom prst="rect">
+            <a:avLst/>
+          </a:prstGeom>
+        </p:spPr>
+        <p:style>
+          <a:lnRef idx="2">
+            <a:schemeClr val="dk1"/>
+          </a:lnRef>
+          <a:fillRef idx="1">
+            <a:schemeClr val="lt1"/>
+          </a:fillRef>
+          <a:effectRef idx="0">
+            <a:schemeClr val="dk1"/>
+          </a:effectRef>
+          <a:fontRef idx="minor">
+            <a:schemeClr val="dk1"/>
+          </a:fontRef>
+        </p:style>
+        <p:txBody>
+          <a:bodyPr wrap="none" rtlCol="0">
+            <a:spAutoFit/>
+          </a:bodyPr>
+          <a:lstStyle/>
+          <a:p>
+            <a:r>
+              <a:rPr lang="en-US" sz="1200" dirty="0"/>
+              <a:t>Tips for Writing Strong Stand-Alone Captions</a:t>
+            </a:r>
+          </a:p>
+          <a:p>
+            <a:endParaRPr lang="en-US" sz="1200" dirty="0"/>
+          </a:p>
+          <a:p>
+            <a:pPr marL="171450" indent="-171450">
+              <a:buFont typeface="Arial" panose="020B0604020202020204" pitchFamily="34" charset="0"/>
+              <a:buChar char="•"/>
+            </a:pPr>
+            <a:r>
+              <a:rPr lang="en-US" sz="1200" dirty="0"/>
+              <a:t>Start with context: What is being shown and why?</a:t>
+            </a:r>
+          </a:p>
+          <a:p>
+            <a:pPr marL="171450" indent="-171450">
+              <a:buFont typeface="Arial" panose="020B0604020202020204" pitchFamily="34" charset="0"/>
+              <a:buChar char="•"/>
+            </a:pPr>
+            <a:r>
+              <a:rPr lang="en-US" sz="1200" dirty="0"/>
+              <a:t>Describe the method or metric: How was the data obtained or calculated?</a:t>
+            </a:r>
+          </a:p>
+          <a:p>
+            <a:pPr marL="171450" indent="-171450">
+              <a:buFont typeface="Arial" panose="020B0604020202020204" pitchFamily="34" charset="0"/>
+              <a:buChar char="•"/>
+            </a:pPr>
+            <a:r>
+              <a:rPr lang="en-US" sz="1200" dirty="0"/>
+              <a:t>Interpret the result: What should the reader take away?</a:t>
+            </a:r>
+          </a:p>
+          <a:p>
+            <a:pPr marL="171450" indent="-171450">
+              <a:buFont typeface="Arial" panose="020B0604020202020204" pitchFamily="34" charset="0"/>
+              <a:buChar char="•"/>
+            </a:pPr>
+            <a:r>
+              <a:rPr lang="en-US" sz="1200" dirty="0"/>
+              <a:t>Reference if needed: Optionally tie to the main text for deeper details.</a:t>
+            </a:r>
+          </a:p>
+          <a:p>
+            <a:endParaRPr lang="en-US" sz="1200" dirty="0"/>
+          </a:p>
+          <a:p>
+            <a:r>
+              <a:rPr lang="en-US" sz="1200" dirty="0"/>
+              <a:t>See this webpage:</a:t>
+            </a:r>
+          </a:p>
+          <a:p>
+            <a:r>
+              <a:rPr lang="en-US" sz="1200" dirty="0">
+                <a:hlinkClick r:id="rId3"/>
+              </a:rPr>
+              <a:t>https://maherou.github.io/Teaching/files/CS373/CaptionsThatWork</a:t>
+            </a:r>
+            <a:r>
+              <a:rPr lang="en-US" sz="1200">
+                <a:hlinkClick r:id="rId3"/>
+              </a:rPr>
+              <a:t>/</a:t>
+            </a:r>
+            <a:r>
+              <a:rPr lang="en-US" sz="1200"/>
+              <a:t> </a:t>
+            </a:r>
+            <a:endParaRPr lang="en-US" sz="1200" dirty="0"/>
+          </a:p>
+        </p:txBody>
+      </p:sp>
     </p:spTree>
     <p:extLst>
       <p:ext uri="{BB962C8B-B14F-4D97-AF65-F5344CB8AC3E}">
@@ -8099,7 +8218,7 @@
 <file path=ppt/theme/theme1.xml><?xml version="1.0" encoding="utf-8"?>
 <a:theme xmlns:a="http://schemas.openxmlformats.org/drawingml/2006/main" name="Blank Presentation">
   <a:themeElements>
-    <a:clrScheme name="Blank Presentation 1">
+    <a:clrScheme name="Custom 1">
       <a:dk1>
         <a:srgbClr val="000000"/>
       </a:dk1>
@@ -8131,7 +8250,7 @@
         <a:srgbClr val="2D2DB9"/>
       </a:accent6>
       <a:hlink>
-        <a:srgbClr val="CCCCFF"/>
+        <a:srgbClr val="2B2BFF"/>
       </a:hlink>
       <a:folHlink>
         <a:srgbClr val="B2B2B2"/>
